--- a/quantum-courses/quantum-course-blocks.pptx
+++ b/quantum-courses/quantum-course-blocks.pptx
@@ -1699,7 +1699,7 @@
           </a:bodyPr>
           <a:p>
             <a:pPr algn="r"/>
-            <a:fld id="{F82A85C7-C019-4BBF-823F-09171F559D58}" type="slidenum">
+            <a:fld id="{9513013D-6B81-425D-83B1-AA6C7FDDA524}" type="slidenum">
               <a:rPr b="0" lang="en-US" sz="1400" spc="-1" strike="noStrike">
                 <a:latin typeface="Times New Roman"/>
               </a:rPr>
@@ -2193,13 +2193,7 @@
               <a:rPr b="0" lang="en-US" sz="1800" spc="-1" strike="noStrike">
                 <a:latin typeface="Arial"/>
               </a:rPr>
-              <a:t>Core 1-year </a:t>
-            </a:r>
-            <a:r>
-              <a:rPr b="0" lang="en-US" sz="1800" spc="-1" strike="noStrike">
-                <a:latin typeface="Arial"/>
-              </a:rPr>
-              <a:t>Requirement</a:t>
+              <a:t>Core 1-year Requirement</a:t>
             </a:r>
             <a:endParaRPr b="0" lang="en-US" sz="1800" spc="-1" strike="noStrike">
               <a:latin typeface="Arial"/>
@@ -2682,57 +2676,9 @@
                 </a:solidFill>
                 <a:latin typeface="Arial"/>
               </a:rPr>
-              <a:t>Q</a:t>
-            </a:r>
-            <a:r>
-              <a:rPr b="0" lang="en-US" sz="1800" spc="-1" strike="noStrike">
-                <a:solidFill>
-                  <a:srgbClr val="0000ff"/>
-                </a:solidFill>
-                <a:latin typeface="Arial"/>
-              </a:rPr>
-              <a:t>M</a:t>
-            </a:r>
-            <a:r>
-              <a:rPr b="0" lang="en-US" sz="1800" spc="-1" strike="noStrike">
-                <a:solidFill>
-                  <a:srgbClr val="0000ff"/>
-                </a:solidFill>
-                <a:latin typeface="Arial"/>
-              </a:rPr>
-              <a:t> </a:t>
-            </a:r>
-            <a:r>
-              <a:rPr b="0" lang="en-US" sz="1800" spc="-1" strike="noStrike">
-                <a:solidFill>
-                  <a:srgbClr val="0000ff"/>
-                </a:solidFill>
-                <a:latin typeface="Arial"/>
-              </a:rPr>
-              <a:t>L</a:t>
-            </a:r>
-            <a:r>
-              <a:rPr b="0" lang="en-US" sz="1800" spc="-1" strike="noStrike">
-                <a:solidFill>
-                  <a:srgbClr val="0000ff"/>
-                </a:solidFill>
-                <a:latin typeface="Arial"/>
-              </a:rPr>
-              <a:t>a</a:t>
-            </a:r>
-            <a:r>
-              <a:rPr b="0" lang="en-US" sz="1800" spc="-1" strike="noStrike">
-                <a:solidFill>
-                  <a:srgbClr val="0000ff"/>
-                </a:solidFill>
-                <a:latin typeface="Arial"/>
-              </a:rPr>
-              <a:t>b</a:t>
+              <a:t>QM Lab 2</a:t>
             </a:r>
             <a:endParaRPr b="0" lang="en-US" sz="1800" spc="-1" strike="noStrike">
-              <a:solidFill>
-                <a:srgbClr val="0000ff"/>
-              </a:solidFill>
               <a:latin typeface="Arial"/>
             </a:endParaRPr>
           </a:p>
@@ -2805,9 +2751,6 @@
               <a:t>QKD Lab</a:t>
             </a:r>
             <a:endParaRPr b="0" lang="en-US" sz="1800" spc="-1" strike="noStrike">
-              <a:solidFill>
-                <a:srgbClr val="0000ff"/>
-              </a:solidFill>
               <a:latin typeface="Arial"/>
             </a:endParaRPr>
           </a:p>
@@ -2880,9 +2823,6 @@
               <a:t>Q-Sensing Lab</a:t>
             </a:r>
             <a:endParaRPr b="0" lang="en-US" sz="1800" spc="-1" strike="noStrike">
-              <a:solidFill>
-                <a:srgbClr val="0000ff"/>
-              </a:solidFill>
               <a:latin typeface="Arial"/>
             </a:endParaRPr>
           </a:p>
@@ -2955,9 +2895,6 @@
               <a:t>FPGA Lab I</a:t>
             </a:r>
             <a:endParaRPr b="0" lang="en-US" sz="1800" spc="-1" strike="noStrike">
-              <a:solidFill>
-                <a:srgbClr val="0000ff"/>
-              </a:solidFill>
               <a:latin typeface="Arial"/>
             </a:endParaRPr>
           </a:p>
@@ -3030,9 +2967,6 @@
               <a:t>FPGA Lab II</a:t>
             </a:r>
             <a:endParaRPr b="0" lang="en-US" sz="1800" spc="-1" strike="noStrike">
-              <a:solidFill>
-                <a:srgbClr val="0000ff"/>
-              </a:solidFill>
               <a:latin typeface="Arial"/>
             </a:endParaRPr>
           </a:p>
@@ -3047,6 +2981,78 @@
         <p:spPr>
           <a:xfrm>
             <a:off x="6841440" y="5356800"/>
+            <a:ext cx="822960" cy="0"/>
+          </a:xfrm>
+          <a:prstGeom prst="line">
+            <a:avLst/>
+          </a:prstGeom>
+          <a:ln w="0">
+            <a:solidFill>
+              <a:srgbClr val="3465a4"/>
+            </a:solidFill>
+            <a:headEnd len="med" type="triangle" w="med"/>
+            <a:tailEnd len="med" type="triangle" w="med"/>
+          </a:ln>
+        </p:spPr>
+        <p:style>
+          <a:lnRef idx="0"/>
+          <a:fillRef idx="0"/>
+          <a:effectRef idx="0"/>
+          <a:fontRef idx="minor"/>
+        </p:style>
+      </p:sp>
+      <p:sp>
+        <p:nvSpPr>
+          <p:cNvPr id="77" name="TextShape 37"/>
+          <p:cNvSpPr txBox="1"/>
+          <p:nvPr/>
+        </p:nvSpPr>
+        <p:spPr>
+          <a:xfrm>
+            <a:off x="6368400" y="950400"/>
+            <a:ext cx="2057400" cy="364320"/>
+          </a:xfrm>
+          <a:prstGeom prst="rect">
+            <a:avLst/>
+          </a:prstGeom>
+          <a:noFill/>
+          <a:ln w="18360">
+            <a:solidFill>
+              <a:srgbClr val="0000ff"/>
+            </a:solidFill>
+            <a:round/>
+          </a:ln>
+        </p:spPr>
+        <p:txBody>
+          <a:bodyPr lIns="99000" rIns="99000" tIns="54000" bIns="54000">
+            <a:noAutofit/>
+          </a:bodyPr>
+          <a:p>
+            <a:pPr algn="ctr"/>
+            <a:r>
+              <a:rPr b="0" lang="en-US" sz="1800" spc="-1" strike="noStrike">
+                <a:solidFill>
+                  <a:srgbClr val="0000ff"/>
+                </a:solidFill>
+                <a:latin typeface="Arial"/>
+              </a:rPr>
+              <a:t>QM Lab 1</a:t>
+            </a:r>
+            <a:endParaRPr b="0" lang="en-US" sz="1800" spc="-1" strike="noStrike">
+              <a:latin typeface="Arial"/>
+            </a:endParaRPr>
+          </a:p>
+        </p:txBody>
+      </p:sp>
+      <p:sp>
+        <p:nvSpPr>
+          <p:cNvPr id="78" name="Line 38"/>
+          <p:cNvSpPr/>
+          <p:nvPr/>
+        </p:nvSpPr>
+        <p:spPr>
+          <a:xfrm>
+            <a:off x="5545440" y="1144800"/>
             <a:ext cx="822960" cy="0"/>
           </a:xfrm>
           <a:prstGeom prst="line">

--- a/quantum-courses/quantum-course-blocks.pptx
+++ b/quantum-courses/quantum-course-blocks.pptx
@@ -6,6 +6,7 @@
   </p:sldMasterIdLst>
   <p:sldIdLst>
     <p:sldId id="256" r:id="rId3"/>
+    <p:sldId id="257" r:id="rId4"/>
   </p:sldIdLst>
   <p:sldSz cx="10080625" cy="5670550"/>
   <p:notesSz cx="7559675" cy="10691812"/>
@@ -53,7 +54,7 @@
       </p:grpSpPr>
       <p:sp>
         <p:nvSpPr>
-          <p:cNvPr id="26" name="PlaceHolder 1"/>
+          <p:cNvPr id="23" name="PlaceHolder 1"/>
           <p:cNvSpPr>
             <a:spLocks noGrp="1"/>
           </p:cNvSpPr>
@@ -64,7 +65,7 @@
         <p:spPr>
           <a:xfrm>
             <a:off x="504000" y="226080"/>
-            <a:ext cx="9071640" cy="946440"/>
+            <a:ext cx="9071280" cy="946080"/>
           </a:xfrm>
           <a:prstGeom prst="rect">
             <a:avLst/>
@@ -84,7 +85,7 @@
       </p:sp>
       <p:sp>
         <p:nvSpPr>
-          <p:cNvPr id="27" name="PlaceHolder 2"/>
+          <p:cNvPr id="24" name="PlaceHolder 2"/>
           <p:cNvSpPr>
             <a:spLocks noGrp="1"/>
           </p:cNvSpPr>
@@ -95,7 +96,7 @@
         <p:spPr>
           <a:xfrm>
             <a:off x="504000" y="1326600"/>
-            <a:ext cx="9071640" cy="1568160"/>
+            <a:ext cx="9072000" cy="1568520"/>
           </a:xfrm>
           <a:prstGeom prst="rect">
             <a:avLst/>
@@ -114,7 +115,7 @@
       </p:sp>
       <p:sp>
         <p:nvSpPr>
-          <p:cNvPr id="28" name="PlaceHolder 3"/>
+          <p:cNvPr id="25" name="PlaceHolder 3"/>
           <p:cNvSpPr>
             <a:spLocks noGrp="1"/>
           </p:cNvSpPr>
@@ -124,8 +125,8 @@
         </p:nvSpPr>
         <p:spPr>
           <a:xfrm>
-            <a:off x="504000" y="3044160"/>
-            <a:ext cx="9071640" cy="1568160"/>
+            <a:off x="504000" y="3044520"/>
+            <a:ext cx="9072000" cy="1568520"/>
           </a:xfrm>
           <a:prstGeom prst="rect">
             <a:avLst/>
@@ -166,7 +167,7 @@
       </p:grpSpPr>
       <p:sp>
         <p:nvSpPr>
-          <p:cNvPr id="29" name="PlaceHolder 1"/>
+          <p:cNvPr id="26" name="PlaceHolder 1"/>
           <p:cNvSpPr>
             <a:spLocks noGrp="1"/>
           </p:cNvSpPr>
@@ -177,7 +178,7 @@
         <p:spPr>
           <a:xfrm>
             <a:off x="504000" y="226080"/>
-            <a:ext cx="9071640" cy="946440"/>
+            <a:ext cx="9071280" cy="946080"/>
           </a:xfrm>
           <a:prstGeom prst="rect">
             <a:avLst/>
@@ -197,7 +198,7 @@
       </p:sp>
       <p:sp>
         <p:nvSpPr>
-          <p:cNvPr id="30" name="PlaceHolder 2"/>
+          <p:cNvPr id="27" name="PlaceHolder 2"/>
           <p:cNvSpPr>
             <a:spLocks noGrp="1"/>
           </p:cNvSpPr>
@@ -208,7 +209,7 @@
         <p:spPr>
           <a:xfrm>
             <a:off x="504000" y="1326600"/>
-            <a:ext cx="4426920" cy="1568160"/>
+            <a:ext cx="4426920" cy="1568520"/>
           </a:xfrm>
           <a:prstGeom prst="rect">
             <a:avLst/>
@@ -227,7 +228,7 @@
       </p:sp>
       <p:sp>
         <p:nvSpPr>
-          <p:cNvPr id="31" name="PlaceHolder 3"/>
+          <p:cNvPr id="28" name="PlaceHolder 3"/>
           <p:cNvSpPr>
             <a:spLocks noGrp="1"/>
           </p:cNvSpPr>
@@ -238,7 +239,7 @@
         <p:spPr>
           <a:xfrm>
             <a:off x="5152680" y="1326600"/>
-            <a:ext cx="4426920" cy="1568160"/>
+            <a:ext cx="4426920" cy="1568520"/>
           </a:xfrm>
           <a:prstGeom prst="rect">
             <a:avLst/>
@@ -257,7 +258,7 @@
       </p:sp>
       <p:sp>
         <p:nvSpPr>
-          <p:cNvPr id="32" name="PlaceHolder 4"/>
+          <p:cNvPr id="29" name="PlaceHolder 4"/>
           <p:cNvSpPr>
             <a:spLocks noGrp="1"/>
           </p:cNvSpPr>
@@ -267,8 +268,8 @@
         </p:nvSpPr>
         <p:spPr>
           <a:xfrm>
-            <a:off x="504000" y="3044160"/>
-            <a:ext cx="4426920" cy="1568160"/>
+            <a:off x="504000" y="3044520"/>
+            <a:ext cx="4426920" cy="1568520"/>
           </a:xfrm>
           <a:prstGeom prst="rect">
             <a:avLst/>
@@ -287,7 +288,7 @@
       </p:sp>
       <p:sp>
         <p:nvSpPr>
-          <p:cNvPr id="33" name="PlaceHolder 5"/>
+          <p:cNvPr id="30" name="PlaceHolder 5"/>
           <p:cNvSpPr>
             <a:spLocks noGrp="1"/>
           </p:cNvSpPr>
@@ -297,8 +298,8 @@
         </p:nvSpPr>
         <p:spPr>
           <a:xfrm>
-            <a:off x="5152680" y="3044160"/>
-            <a:ext cx="4426920" cy="1568160"/>
+            <a:off x="5152680" y="3044520"/>
+            <a:ext cx="4426920" cy="1568520"/>
           </a:xfrm>
           <a:prstGeom prst="rect">
             <a:avLst/>
@@ -339,7 +340,7 @@
       </p:grpSpPr>
       <p:sp>
         <p:nvSpPr>
-          <p:cNvPr id="34" name="PlaceHolder 1"/>
+          <p:cNvPr id="31" name="PlaceHolder 1"/>
           <p:cNvSpPr>
             <a:spLocks noGrp="1"/>
           </p:cNvSpPr>
@@ -350,7 +351,7 @@
         <p:spPr>
           <a:xfrm>
             <a:off x="504000" y="226080"/>
-            <a:ext cx="9071640" cy="946440"/>
+            <a:ext cx="9071280" cy="946080"/>
           </a:xfrm>
           <a:prstGeom prst="rect">
             <a:avLst/>
@@ -370,7 +371,7 @@
       </p:sp>
       <p:sp>
         <p:nvSpPr>
-          <p:cNvPr id="35" name="PlaceHolder 2"/>
+          <p:cNvPr id="32" name="PlaceHolder 2"/>
           <p:cNvSpPr>
             <a:spLocks noGrp="1"/>
           </p:cNvSpPr>
@@ -381,7 +382,7 @@
         <p:spPr>
           <a:xfrm>
             <a:off x="504000" y="1326600"/>
-            <a:ext cx="2920680" cy="1568160"/>
+            <a:ext cx="2921040" cy="1568520"/>
           </a:xfrm>
           <a:prstGeom prst="rect">
             <a:avLst/>
@@ -400,7 +401,7 @@
       </p:sp>
       <p:sp>
         <p:nvSpPr>
-          <p:cNvPr id="36" name="PlaceHolder 3"/>
+          <p:cNvPr id="33" name="PlaceHolder 3"/>
           <p:cNvSpPr>
             <a:spLocks noGrp="1"/>
           </p:cNvSpPr>
@@ -410,8 +411,8 @@
         </p:nvSpPr>
         <p:spPr>
           <a:xfrm>
-            <a:off x="3571200" y="1326600"/>
-            <a:ext cx="2920680" cy="1568160"/>
+            <a:off x="3571560" y="1326600"/>
+            <a:ext cx="2921040" cy="1568520"/>
           </a:xfrm>
           <a:prstGeom prst="rect">
             <a:avLst/>
@@ -430,7 +431,7 @@
       </p:sp>
       <p:sp>
         <p:nvSpPr>
-          <p:cNvPr id="37" name="PlaceHolder 4"/>
+          <p:cNvPr id="34" name="PlaceHolder 4"/>
           <p:cNvSpPr>
             <a:spLocks noGrp="1"/>
           </p:cNvSpPr>
@@ -440,8 +441,8 @@
         </p:nvSpPr>
         <p:spPr>
           <a:xfrm>
-            <a:off x="6638040" y="1326600"/>
-            <a:ext cx="2920680" cy="1568160"/>
+            <a:off x="6639120" y="1326600"/>
+            <a:ext cx="2921040" cy="1568520"/>
           </a:xfrm>
           <a:prstGeom prst="rect">
             <a:avLst/>
@@ -460,7 +461,7 @@
       </p:sp>
       <p:sp>
         <p:nvSpPr>
-          <p:cNvPr id="38" name="PlaceHolder 5"/>
+          <p:cNvPr id="35" name="PlaceHolder 5"/>
           <p:cNvSpPr>
             <a:spLocks noGrp="1"/>
           </p:cNvSpPr>
@@ -470,8 +471,8 @@
         </p:nvSpPr>
         <p:spPr>
           <a:xfrm>
-            <a:off x="504000" y="3044160"/>
-            <a:ext cx="2920680" cy="1568160"/>
+            <a:off x="504000" y="3044520"/>
+            <a:ext cx="2921040" cy="1568520"/>
           </a:xfrm>
           <a:prstGeom prst="rect">
             <a:avLst/>
@@ -490,7 +491,7 @@
       </p:sp>
       <p:sp>
         <p:nvSpPr>
-          <p:cNvPr id="39" name="PlaceHolder 6"/>
+          <p:cNvPr id="36" name="PlaceHolder 6"/>
           <p:cNvSpPr>
             <a:spLocks noGrp="1"/>
           </p:cNvSpPr>
@@ -500,8 +501,8 @@
         </p:nvSpPr>
         <p:spPr>
           <a:xfrm>
-            <a:off x="3571200" y="3044160"/>
-            <a:ext cx="2920680" cy="1568160"/>
+            <a:off x="3571560" y="3044520"/>
+            <a:ext cx="2921040" cy="1568520"/>
           </a:xfrm>
           <a:prstGeom prst="rect">
             <a:avLst/>
@@ -520,7 +521,7 @@
       </p:sp>
       <p:sp>
         <p:nvSpPr>
-          <p:cNvPr id="40" name="PlaceHolder 7"/>
+          <p:cNvPr id="37" name="PlaceHolder 7"/>
           <p:cNvSpPr>
             <a:spLocks noGrp="1"/>
           </p:cNvSpPr>
@@ -530,8 +531,8 @@
         </p:nvSpPr>
         <p:spPr>
           <a:xfrm>
-            <a:off x="6638040" y="3044160"/>
-            <a:ext cx="2920680" cy="1568160"/>
+            <a:off x="6639120" y="3044520"/>
+            <a:ext cx="2921040" cy="1568520"/>
           </a:xfrm>
           <a:prstGeom prst="rect">
             <a:avLst/>
@@ -572,7 +573,7 @@
       </p:grpSpPr>
       <p:sp>
         <p:nvSpPr>
-          <p:cNvPr id="5" name="PlaceHolder 1"/>
+          <p:cNvPr id="2" name="PlaceHolder 1"/>
           <p:cNvSpPr>
             <a:spLocks noGrp="1"/>
           </p:cNvSpPr>
@@ -583,7 +584,7 @@
         <p:spPr>
           <a:xfrm>
             <a:off x="504000" y="226080"/>
-            <a:ext cx="9071640" cy="946440"/>
+            <a:ext cx="9071280" cy="946080"/>
           </a:xfrm>
           <a:prstGeom prst="rect">
             <a:avLst/>
@@ -603,7 +604,7 @@
       </p:sp>
       <p:sp>
         <p:nvSpPr>
-          <p:cNvPr id="6" name="PlaceHolder 2"/>
+          <p:cNvPr id="3" name="PlaceHolder 2"/>
           <p:cNvSpPr>
             <a:spLocks noGrp="1"/>
           </p:cNvSpPr>
@@ -614,7 +615,7 @@
         <p:spPr>
           <a:xfrm>
             <a:off x="504000" y="1326600"/>
-            <a:ext cx="9071640" cy="3288240"/>
+            <a:ext cx="9072000" cy="3288600"/>
           </a:xfrm>
           <a:prstGeom prst="rect">
             <a:avLst/>
@@ -656,7 +657,7 @@
       </p:grpSpPr>
       <p:sp>
         <p:nvSpPr>
-          <p:cNvPr id="7" name="PlaceHolder 1"/>
+          <p:cNvPr id="4" name="PlaceHolder 1"/>
           <p:cNvSpPr>
             <a:spLocks noGrp="1"/>
           </p:cNvSpPr>
@@ -667,7 +668,7 @@
         <p:spPr>
           <a:xfrm>
             <a:off x="504000" y="226080"/>
-            <a:ext cx="9071640" cy="946440"/>
+            <a:ext cx="9071280" cy="946080"/>
           </a:xfrm>
           <a:prstGeom prst="rect">
             <a:avLst/>
@@ -687,7 +688,7 @@
       </p:sp>
       <p:sp>
         <p:nvSpPr>
-          <p:cNvPr id="8" name="PlaceHolder 2"/>
+          <p:cNvPr id="5" name="PlaceHolder 2"/>
           <p:cNvSpPr>
             <a:spLocks noGrp="1"/>
           </p:cNvSpPr>
@@ -698,7 +699,7 @@
         <p:spPr>
           <a:xfrm>
             <a:off x="504000" y="1326600"/>
-            <a:ext cx="9071640" cy="3288240"/>
+            <a:ext cx="9072000" cy="3288600"/>
           </a:xfrm>
           <a:prstGeom prst="rect">
             <a:avLst/>
@@ -739,7 +740,7 @@
       </p:grpSpPr>
       <p:sp>
         <p:nvSpPr>
-          <p:cNvPr id="9" name="PlaceHolder 1"/>
+          <p:cNvPr id="6" name="PlaceHolder 1"/>
           <p:cNvSpPr>
             <a:spLocks noGrp="1"/>
           </p:cNvSpPr>
@@ -750,7 +751,7 @@
         <p:spPr>
           <a:xfrm>
             <a:off x="504000" y="226080"/>
-            <a:ext cx="9071640" cy="946440"/>
+            <a:ext cx="9071280" cy="946080"/>
           </a:xfrm>
           <a:prstGeom prst="rect">
             <a:avLst/>
@@ -770,7 +771,7 @@
       </p:sp>
       <p:sp>
         <p:nvSpPr>
-          <p:cNvPr id="10" name="PlaceHolder 2"/>
+          <p:cNvPr id="7" name="PlaceHolder 2"/>
           <p:cNvSpPr>
             <a:spLocks noGrp="1"/>
           </p:cNvSpPr>
@@ -781,7 +782,7 @@
         <p:spPr>
           <a:xfrm>
             <a:off x="504000" y="1326600"/>
-            <a:ext cx="4426920" cy="3288240"/>
+            <a:ext cx="4426920" cy="3288600"/>
           </a:xfrm>
           <a:prstGeom prst="rect">
             <a:avLst/>
@@ -800,7 +801,7 @@
       </p:sp>
       <p:sp>
         <p:nvSpPr>
-          <p:cNvPr id="11" name="PlaceHolder 3"/>
+          <p:cNvPr id="8" name="PlaceHolder 3"/>
           <p:cNvSpPr>
             <a:spLocks noGrp="1"/>
           </p:cNvSpPr>
@@ -811,7 +812,7 @@
         <p:spPr>
           <a:xfrm>
             <a:off x="5152680" y="1326600"/>
-            <a:ext cx="4426920" cy="3288240"/>
+            <a:ext cx="4426920" cy="3288600"/>
           </a:xfrm>
           <a:prstGeom prst="rect">
             <a:avLst/>
@@ -852,7 +853,7 @@
       </p:grpSpPr>
       <p:sp>
         <p:nvSpPr>
-          <p:cNvPr id="12" name="PlaceHolder 1"/>
+          <p:cNvPr id="9" name="PlaceHolder 1"/>
           <p:cNvSpPr>
             <a:spLocks noGrp="1"/>
           </p:cNvSpPr>
@@ -863,7 +864,7 @@
         <p:spPr>
           <a:xfrm>
             <a:off x="504000" y="226080"/>
-            <a:ext cx="9071640" cy="946440"/>
+            <a:ext cx="9071280" cy="946080"/>
           </a:xfrm>
           <a:prstGeom prst="rect">
             <a:avLst/>
@@ -905,7 +906,7 @@
       </p:grpSpPr>
       <p:sp>
         <p:nvSpPr>
-          <p:cNvPr id="13" name="PlaceHolder 1"/>
+          <p:cNvPr id="10" name="PlaceHolder 1"/>
           <p:cNvSpPr>
             <a:spLocks noGrp="1"/>
           </p:cNvSpPr>
@@ -916,7 +917,7 @@
         <p:spPr>
           <a:xfrm>
             <a:off x="504000" y="226080"/>
-            <a:ext cx="9071640" cy="4388400"/>
+            <a:ext cx="9071280" cy="4386600"/>
           </a:xfrm>
           <a:prstGeom prst="rect">
             <a:avLst/>
@@ -958,7 +959,7 @@
       </p:grpSpPr>
       <p:sp>
         <p:nvSpPr>
-          <p:cNvPr id="14" name="PlaceHolder 1"/>
+          <p:cNvPr id="11" name="PlaceHolder 1"/>
           <p:cNvSpPr>
             <a:spLocks noGrp="1"/>
           </p:cNvSpPr>
@@ -969,7 +970,7 @@
         <p:spPr>
           <a:xfrm>
             <a:off x="504000" y="226080"/>
-            <a:ext cx="9071640" cy="946440"/>
+            <a:ext cx="9071280" cy="946080"/>
           </a:xfrm>
           <a:prstGeom prst="rect">
             <a:avLst/>
@@ -989,7 +990,7 @@
       </p:sp>
       <p:sp>
         <p:nvSpPr>
-          <p:cNvPr id="15" name="PlaceHolder 2"/>
+          <p:cNvPr id="12" name="PlaceHolder 2"/>
           <p:cNvSpPr>
             <a:spLocks noGrp="1"/>
           </p:cNvSpPr>
@@ -1000,7 +1001,7 @@
         <p:spPr>
           <a:xfrm>
             <a:off x="504000" y="1326600"/>
-            <a:ext cx="4426920" cy="1568160"/>
+            <a:ext cx="4426920" cy="1568520"/>
           </a:xfrm>
           <a:prstGeom prst="rect">
             <a:avLst/>
@@ -1019,7 +1020,7 @@
       </p:sp>
       <p:sp>
         <p:nvSpPr>
-          <p:cNvPr id="16" name="PlaceHolder 3"/>
+          <p:cNvPr id="13" name="PlaceHolder 3"/>
           <p:cNvSpPr>
             <a:spLocks noGrp="1"/>
           </p:cNvSpPr>
@@ -1030,7 +1031,7 @@
         <p:spPr>
           <a:xfrm>
             <a:off x="5152680" y="1326600"/>
-            <a:ext cx="4426920" cy="3288240"/>
+            <a:ext cx="4426920" cy="3288600"/>
           </a:xfrm>
           <a:prstGeom prst="rect">
             <a:avLst/>
@@ -1049,7 +1050,7 @@
       </p:sp>
       <p:sp>
         <p:nvSpPr>
-          <p:cNvPr id="17" name="PlaceHolder 4"/>
+          <p:cNvPr id="14" name="PlaceHolder 4"/>
           <p:cNvSpPr>
             <a:spLocks noGrp="1"/>
           </p:cNvSpPr>
@@ -1059,8 +1060,8 @@
         </p:nvSpPr>
         <p:spPr>
           <a:xfrm>
-            <a:off x="504000" y="3044160"/>
-            <a:ext cx="4426920" cy="1568160"/>
+            <a:off x="504000" y="3044520"/>
+            <a:ext cx="4426920" cy="1568520"/>
           </a:xfrm>
           <a:prstGeom prst="rect">
             <a:avLst/>
@@ -1101,7 +1102,7 @@
       </p:grpSpPr>
       <p:sp>
         <p:nvSpPr>
-          <p:cNvPr id="18" name="PlaceHolder 1"/>
+          <p:cNvPr id="15" name="PlaceHolder 1"/>
           <p:cNvSpPr>
             <a:spLocks noGrp="1"/>
           </p:cNvSpPr>
@@ -1112,7 +1113,7 @@
         <p:spPr>
           <a:xfrm>
             <a:off x="504000" y="226080"/>
-            <a:ext cx="9071640" cy="946440"/>
+            <a:ext cx="9071280" cy="946080"/>
           </a:xfrm>
           <a:prstGeom prst="rect">
             <a:avLst/>
@@ -1132,7 +1133,7 @@
       </p:sp>
       <p:sp>
         <p:nvSpPr>
-          <p:cNvPr id="19" name="PlaceHolder 2"/>
+          <p:cNvPr id="16" name="PlaceHolder 2"/>
           <p:cNvSpPr>
             <a:spLocks noGrp="1"/>
           </p:cNvSpPr>
@@ -1143,7 +1144,7 @@
         <p:spPr>
           <a:xfrm>
             <a:off x="504000" y="1326600"/>
-            <a:ext cx="4426920" cy="3288240"/>
+            <a:ext cx="4426920" cy="3288600"/>
           </a:xfrm>
           <a:prstGeom prst="rect">
             <a:avLst/>
@@ -1162,7 +1163,7 @@
       </p:sp>
       <p:sp>
         <p:nvSpPr>
-          <p:cNvPr id="20" name="PlaceHolder 3"/>
+          <p:cNvPr id="17" name="PlaceHolder 3"/>
           <p:cNvSpPr>
             <a:spLocks noGrp="1"/>
           </p:cNvSpPr>
@@ -1173,7 +1174,7 @@
         <p:spPr>
           <a:xfrm>
             <a:off x="5152680" y="1326600"/>
-            <a:ext cx="4426920" cy="1568160"/>
+            <a:ext cx="4426920" cy="1568520"/>
           </a:xfrm>
           <a:prstGeom prst="rect">
             <a:avLst/>
@@ -1192,7 +1193,7 @@
       </p:sp>
       <p:sp>
         <p:nvSpPr>
-          <p:cNvPr id="21" name="PlaceHolder 4"/>
+          <p:cNvPr id="18" name="PlaceHolder 4"/>
           <p:cNvSpPr>
             <a:spLocks noGrp="1"/>
           </p:cNvSpPr>
@@ -1202,8 +1203,8 @@
         </p:nvSpPr>
         <p:spPr>
           <a:xfrm>
-            <a:off x="5152680" y="3044160"/>
-            <a:ext cx="4426920" cy="1568160"/>
+            <a:off x="5152680" y="3044520"/>
+            <a:ext cx="4426920" cy="1568520"/>
           </a:xfrm>
           <a:prstGeom prst="rect">
             <a:avLst/>
@@ -1244,7 +1245,7 @@
       </p:grpSpPr>
       <p:sp>
         <p:nvSpPr>
-          <p:cNvPr id="22" name="PlaceHolder 1"/>
+          <p:cNvPr id="19" name="PlaceHolder 1"/>
           <p:cNvSpPr>
             <a:spLocks noGrp="1"/>
           </p:cNvSpPr>
@@ -1255,7 +1256,7 @@
         <p:spPr>
           <a:xfrm>
             <a:off x="504000" y="226080"/>
-            <a:ext cx="9071640" cy="946440"/>
+            <a:ext cx="9071280" cy="946080"/>
           </a:xfrm>
           <a:prstGeom prst="rect">
             <a:avLst/>
@@ -1275,7 +1276,7 @@
       </p:sp>
       <p:sp>
         <p:nvSpPr>
-          <p:cNvPr id="23" name="PlaceHolder 2"/>
+          <p:cNvPr id="20" name="PlaceHolder 2"/>
           <p:cNvSpPr>
             <a:spLocks noGrp="1"/>
           </p:cNvSpPr>
@@ -1286,7 +1287,7 @@
         <p:spPr>
           <a:xfrm>
             <a:off x="504000" y="1326600"/>
-            <a:ext cx="4426920" cy="1568160"/>
+            <a:ext cx="4426920" cy="1568520"/>
           </a:xfrm>
           <a:prstGeom prst="rect">
             <a:avLst/>
@@ -1305,7 +1306,7 @@
       </p:sp>
       <p:sp>
         <p:nvSpPr>
-          <p:cNvPr id="24" name="PlaceHolder 3"/>
+          <p:cNvPr id="21" name="PlaceHolder 3"/>
           <p:cNvSpPr>
             <a:spLocks noGrp="1"/>
           </p:cNvSpPr>
@@ -1316,7 +1317,7 @@
         <p:spPr>
           <a:xfrm>
             <a:off x="5152680" y="1326600"/>
-            <a:ext cx="4426920" cy="1568160"/>
+            <a:ext cx="4426920" cy="1568520"/>
           </a:xfrm>
           <a:prstGeom prst="rect">
             <a:avLst/>
@@ -1335,7 +1336,7 @@
       </p:sp>
       <p:sp>
         <p:nvSpPr>
-          <p:cNvPr id="25" name="PlaceHolder 4"/>
+          <p:cNvPr id="22" name="PlaceHolder 4"/>
           <p:cNvSpPr>
             <a:spLocks noGrp="1"/>
           </p:cNvSpPr>
@@ -1345,8 +1346,8 @@
         </p:nvSpPr>
         <p:spPr>
           <a:xfrm>
-            <a:off x="504000" y="3044160"/>
-            <a:ext cx="9071640" cy="1568160"/>
+            <a:off x="504000" y="3044520"/>
+            <a:ext cx="9072000" cy="1568520"/>
           </a:xfrm>
           <a:prstGeom prst="rect">
             <a:avLst/>
@@ -1398,7 +1399,7 @@
         <p:spPr>
           <a:xfrm>
             <a:off x="504000" y="226080"/>
-            <a:ext cx="9071640" cy="946440"/>
+            <a:ext cx="9071280" cy="946080"/>
           </a:xfrm>
           <a:prstGeom prst="rect">
             <a:avLst/>
@@ -1409,14 +1410,217 @@
             <a:noAutofit/>
           </a:bodyPr>
           <a:p>
-            <a:pPr algn="ctr"/>
-            <a:r>
-              <a:rPr b="0" lang="en-US" sz="4400" spc="-1" strike="noStrike">
-                <a:latin typeface="Arial"/>
-              </a:rPr>
-              <a:t>Click to edit the title text format</a:t>
-            </a:r>
-            <a:endParaRPr b="0" lang="en-US" sz="4400" spc="-1" strike="noStrike">
+            <a:r>
+              <a:rPr b="0" lang="en-US" sz="1800" spc="-1" strike="noStrike">
+                <a:latin typeface="Arial"/>
+              </a:rPr>
+              <a:t>C</a:t>
+            </a:r>
+            <a:r>
+              <a:rPr b="0" lang="en-US" sz="1800" spc="-1" strike="noStrike">
+                <a:latin typeface="Arial"/>
+              </a:rPr>
+              <a:t>l</a:t>
+            </a:r>
+            <a:r>
+              <a:rPr b="0" lang="en-US" sz="1800" spc="-1" strike="noStrike">
+                <a:latin typeface="Arial"/>
+              </a:rPr>
+              <a:t>i</a:t>
+            </a:r>
+            <a:r>
+              <a:rPr b="0" lang="en-US" sz="1800" spc="-1" strike="noStrike">
+                <a:latin typeface="Arial"/>
+              </a:rPr>
+              <a:t>c</a:t>
+            </a:r>
+            <a:r>
+              <a:rPr b="0" lang="en-US" sz="1800" spc="-1" strike="noStrike">
+                <a:latin typeface="Arial"/>
+              </a:rPr>
+              <a:t>k</a:t>
+            </a:r>
+            <a:r>
+              <a:rPr b="0" lang="en-US" sz="1800" spc="-1" strike="noStrike">
+                <a:latin typeface="Arial"/>
+              </a:rPr>
+              <a:t> </a:t>
+            </a:r>
+            <a:r>
+              <a:rPr b="0" lang="en-US" sz="1800" spc="-1" strike="noStrike">
+                <a:latin typeface="Arial"/>
+              </a:rPr>
+              <a:t>t</a:t>
+            </a:r>
+            <a:r>
+              <a:rPr b="0" lang="en-US" sz="1800" spc="-1" strike="noStrike">
+                <a:latin typeface="Arial"/>
+              </a:rPr>
+              <a:t>o</a:t>
+            </a:r>
+            <a:r>
+              <a:rPr b="0" lang="en-US" sz="1800" spc="-1" strike="noStrike">
+                <a:latin typeface="Arial"/>
+              </a:rPr>
+              <a:t> </a:t>
+            </a:r>
+            <a:r>
+              <a:rPr b="0" lang="en-US" sz="1800" spc="-1" strike="noStrike">
+                <a:latin typeface="Arial"/>
+              </a:rPr>
+              <a:t>e</a:t>
+            </a:r>
+            <a:r>
+              <a:rPr b="0" lang="en-US" sz="1800" spc="-1" strike="noStrike">
+                <a:latin typeface="Arial"/>
+              </a:rPr>
+              <a:t>d</a:t>
+            </a:r>
+            <a:r>
+              <a:rPr b="0" lang="en-US" sz="1800" spc="-1" strike="noStrike">
+                <a:latin typeface="Arial"/>
+              </a:rPr>
+              <a:t>i</a:t>
+            </a:r>
+            <a:r>
+              <a:rPr b="0" lang="en-US" sz="1800" spc="-1" strike="noStrike">
+                <a:latin typeface="Arial"/>
+              </a:rPr>
+              <a:t>t</a:t>
+            </a:r>
+            <a:r>
+              <a:rPr b="0" lang="en-US" sz="1800" spc="-1" strike="noStrike">
+                <a:latin typeface="Arial"/>
+              </a:rPr>
+              <a:t> </a:t>
+            </a:r>
+            <a:r>
+              <a:rPr b="0" lang="en-US" sz="1800" spc="-1" strike="noStrike">
+                <a:latin typeface="Arial"/>
+              </a:rPr>
+              <a:t>t</a:t>
+            </a:r>
+            <a:r>
+              <a:rPr b="0" lang="en-US" sz="1800" spc="-1" strike="noStrike">
+                <a:latin typeface="Arial"/>
+              </a:rPr>
+              <a:t>h</a:t>
+            </a:r>
+            <a:r>
+              <a:rPr b="0" lang="en-US" sz="1800" spc="-1" strike="noStrike">
+                <a:latin typeface="Arial"/>
+              </a:rPr>
+              <a:t>e</a:t>
+            </a:r>
+            <a:r>
+              <a:rPr b="0" lang="en-US" sz="1800" spc="-1" strike="noStrike">
+                <a:latin typeface="Arial"/>
+              </a:rPr>
+              <a:t> </a:t>
+            </a:r>
+            <a:r>
+              <a:rPr b="0" lang="en-US" sz="1800" spc="-1" strike="noStrike">
+                <a:latin typeface="Arial"/>
+              </a:rPr>
+              <a:t>t</a:t>
+            </a:r>
+            <a:r>
+              <a:rPr b="0" lang="en-US" sz="1800" spc="-1" strike="noStrike">
+                <a:latin typeface="Arial"/>
+              </a:rPr>
+              <a:t>i</a:t>
+            </a:r>
+            <a:r>
+              <a:rPr b="0" lang="en-US" sz="1800" spc="-1" strike="noStrike">
+                <a:latin typeface="Arial"/>
+              </a:rPr>
+              <a:t>t</a:t>
+            </a:r>
+            <a:r>
+              <a:rPr b="0" lang="en-US" sz="1800" spc="-1" strike="noStrike">
+                <a:latin typeface="Arial"/>
+              </a:rPr>
+              <a:t>l</a:t>
+            </a:r>
+            <a:r>
+              <a:rPr b="0" lang="en-US" sz="1800" spc="-1" strike="noStrike">
+                <a:latin typeface="Arial"/>
+              </a:rPr>
+              <a:t>e</a:t>
+            </a:r>
+            <a:r>
+              <a:rPr b="0" lang="en-US" sz="1800" spc="-1" strike="noStrike">
+                <a:latin typeface="Arial"/>
+              </a:rPr>
+              <a:t> </a:t>
+            </a:r>
+            <a:r>
+              <a:rPr b="0" lang="en-US" sz="1800" spc="-1" strike="noStrike">
+                <a:latin typeface="Arial"/>
+              </a:rPr>
+              <a:t>t</a:t>
+            </a:r>
+            <a:r>
+              <a:rPr b="0" lang="en-US" sz="1800" spc="-1" strike="noStrike">
+                <a:latin typeface="Arial"/>
+              </a:rPr>
+              <a:t>e</a:t>
+            </a:r>
+            <a:r>
+              <a:rPr b="0" lang="en-US" sz="1800" spc="-1" strike="noStrike">
+                <a:latin typeface="Arial"/>
+              </a:rPr>
+              <a:t>x</a:t>
+            </a:r>
+            <a:r>
+              <a:rPr b="0" lang="en-US" sz="1800" spc="-1" strike="noStrike">
+                <a:latin typeface="Arial"/>
+              </a:rPr>
+              <a:t>t</a:t>
+            </a:r>
+            <a:r>
+              <a:rPr b="0" lang="en-US" sz="1800" spc="-1" strike="noStrike">
+                <a:latin typeface="Arial"/>
+              </a:rPr>
+              <a:t> </a:t>
+            </a:r>
+            <a:r>
+              <a:rPr b="0" lang="en-US" sz="1800" spc="-1" strike="noStrike">
+                <a:latin typeface="Arial"/>
+              </a:rPr>
+              <a:t>f</a:t>
+            </a:r>
+            <a:r>
+              <a:rPr b="0" lang="en-US" sz="1800" spc="-1" strike="noStrike">
+                <a:latin typeface="Arial"/>
+              </a:rPr>
+              <a:t>o</a:t>
+            </a:r>
+            <a:r>
+              <a:rPr b="0" lang="en-US" sz="1800" spc="-1" strike="noStrike">
+                <a:latin typeface="Arial"/>
+              </a:rPr>
+              <a:t>r</a:t>
+            </a:r>
+            <a:r>
+              <a:rPr b="0" lang="en-US" sz="1800" spc="-1" strike="noStrike">
+                <a:latin typeface="Arial"/>
+              </a:rPr>
+              <a:t>m</a:t>
+            </a:r>
+            <a:r>
+              <a:rPr b="0" lang="en-US" sz="1800" spc="-1" strike="noStrike">
+                <a:latin typeface="Arial"/>
+              </a:rPr>
+              <a:t>a</a:t>
+            </a:r>
+            <a:r>
+              <a:rPr b="0" lang="en-US" sz="1800" spc="-1" strike="noStrike">
+                <a:latin typeface="Arial"/>
+              </a:rPr>
+              <a:t>t</a:t>
+            </a:r>
+            <a:endParaRPr b="0" lang="en-US" sz="1800" spc="-1" strike="noStrike">
               <a:latin typeface="Arial"/>
             </a:endParaRPr>
           </a:p>
@@ -1435,7 +1639,7 @@
         <p:spPr>
           <a:xfrm>
             <a:off x="504000" y="1326600"/>
-            <a:ext cx="9071640" cy="3288240"/>
+            <a:ext cx="9072000" cy="3288600"/>
           </a:xfrm>
           <a:prstGeom prst="rect">
             <a:avLst/>
@@ -1597,116 +1801,6 @@
             </a:r>
             <a:endParaRPr b="0" lang="en-US" sz="2000" spc="-1" strike="noStrike">
               <a:latin typeface="Arial"/>
-            </a:endParaRPr>
-          </a:p>
-        </p:txBody>
-      </p:sp>
-      <p:sp>
-        <p:nvSpPr>
-          <p:cNvPr id="2" name="PlaceHolder 3"/>
-          <p:cNvSpPr>
-            <a:spLocks noGrp="1"/>
-          </p:cNvSpPr>
-          <p:nvPr>
-            <p:ph type="dt"/>
-          </p:nvPr>
-        </p:nvSpPr>
-        <p:spPr>
-          <a:xfrm>
-            <a:off x="504000" y="5165280"/>
-            <a:ext cx="2348280" cy="390600"/>
-          </a:xfrm>
-          <a:prstGeom prst="rect">
-            <a:avLst/>
-          </a:prstGeom>
-        </p:spPr>
-        <p:txBody>
-          <a:bodyPr lIns="0" rIns="0" tIns="0" bIns="0">
-            <a:noAutofit/>
-          </a:bodyPr>
-          <a:p>
-            <a:r>
-              <a:rPr b="0" lang="en-US" sz="1400" spc="-1" strike="noStrike">
-                <a:latin typeface="Times New Roman"/>
-              </a:rPr>
-              <a:t>&lt;date/time&gt;</a:t>
-            </a:r>
-            <a:endParaRPr b="0" lang="en-US" sz="1400" spc="-1" strike="noStrike">
-              <a:latin typeface="Times New Roman"/>
-            </a:endParaRPr>
-          </a:p>
-        </p:txBody>
-      </p:sp>
-      <p:sp>
-        <p:nvSpPr>
-          <p:cNvPr id="3" name="PlaceHolder 4"/>
-          <p:cNvSpPr>
-            <a:spLocks noGrp="1"/>
-          </p:cNvSpPr>
-          <p:nvPr>
-            <p:ph type="ftr"/>
-          </p:nvPr>
-        </p:nvSpPr>
-        <p:spPr>
-          <a:xfrm>
-            <a:off x="3447360" y="5165280"/>
-            <a:ext cx="3195000" cy="390600"/>
-          </a:xfrm>
-          <a:prstGeom prst="rect">
-            <a:avLst/>
-          </a:prstGeom>
-        </p:spPr>
-        <p:txBody>
-          <a:bodyPr lIns="0" rIns="0" tIns="0" bIns="0">
-            <a:noAutofit/>
-          </a:bodyPr>
-          <a:p>
-            <a:pPr algn="ctr"/>
-            <a:r>
-              <a:rPr b="0" lang="en-US" sz="1400" spc="-1" strike="noStrike">
-                <a:latin typeface="Times New Roman"/>
-              </a:rPr>
-              <a:t>&lt;footer&gt;</a:t>
-            </a:r>
-            <a:endParaRPr b="0" lang="en-US" sz="1400" spc="-1" strike="noStrike">
-              <a:latin typeface="Times New Roman"/>
-            </a:endParaRPr>
-          </a:p>
-        </p:txBody>
-      </p:sp>
-      <p:sp>
-        <p:nvSpPr>
-          <p:cNvPr id="4" name="PlaceHolder 5"/>
-          <p:cNvSpPr>
-            <a:spLocks noGrp="1"/>
-          </p:cNvSpPr>
-          <p:nvPr>
-            <p:ph type="sldNum"/>
-          </p:nvPr>
-        </p:nvSpPr>
-        <p:spPr>
-          <a:xfrm>
-            <a:off x="7227360" y="5165280"/>
-            <a:ext cx="2348280" cy="390600"/>
-          </a:xfrm>
-          <a:prstGeom prst="rect">
-            <a:avLst/>
-          </a:prstGeom>
-        </p:spPr>
-        <p:txBody>
-          <a:bodyPr lIns="0" rIns="0" tIns="0" bIns="0">
-            <a:noAutofit/>
-          </a:bodyPr>
-          <a:p>
-            <a:pPr algn="r"/>
-            <a:fld id="{9513013D-6B81-425D-83B1-AA6C7FDDA524}" type="slidenum">
-              <a:rPr b="0" lang="en-US" sz="1400" spc="-1" strike="noStrike">
-                <a:latin typeface="Times New Roman"/>
-              </a:rPr>
-              <a:t>&lt;number&gt;</a:t>
-            </a:fld>
-            <a:endParaRPr b="0" lang="en-US" sz="1400" spc="-1" strike="noStrike">
-              <a:latin typeface="Times New Roman"/>
             </a:endParaRPr>
           </a:p>
         </p:txBody>
@@ -1750,14 +1844,14 @@
       </p:grpSpPr>
       <p:sp>
         <p:nvSpPr>
-          <p:cNvPr id="41" name="TextShape 1"/>
-          <p:cNvSpPr txBox="1"/>
+          <p:cNvPr id="38" name="CustomShape 1"/>
+          <p:cNvSpPr/>
           <p:nvPr/>
         </p:nvSpPr>
         <p:spPr>
           <a:xfrm>
             <a:off x="0" y="0"/>
-            <a:ext cx="4525200" cy="312840"/>
+            <a:ext cx="4524840" cy="312480"/>
           </a:xfrm>
           <a:prstGeom prst="rect">
             <a:avLst/>
@@ -1767,12 +1861,22 @@
             <a:noFill/>
           </a:ln>
         </p:spPr>
+        <p:style>
+          <a:lnRef idx="0"/>
+          <a:fillRef idx="0"/>
+          <a:effectRef idx="0"/>
+          <a:fontRef idx="minor"/>
+        </p:style>
         <p:txBody>
           <a:bodyPr lIns="0" rIns="0" tIns="0" bIns="0" anchor="ctr">
             <a:noAutofit/>
           </a:bodyPr>
           <a:p>
-            <a:pPr algn="ctr"/>
+            <a:pPr algn="ctr">
+              <a:lnSpc>
+                <a:spcPct val="100000"/>
+              </a:lnSpc>
+            </a:pPr>
             <a:r>
               <a:rPr b="0" lang="en-US" sz="2200" spc="-1" strike="noStrike">
                 <a:latin typeface="Arial"/>
@@ -1787,14 +1891,14 @@
       </p:sp>
       <p:sp>
         <p:nvSpPr>
-          <p:cNvPr id="42" name="TextShape 2"/>
-          <p:cNvSpPr txBox="1"/>
+          <p:cNvPr id="39" name="CustomShape 2"/>
+          <p:cNvSpPr/>
           <p:nvPr/>
         </p:nvSpPr>
         <p:spPr>
           <a:xfrm>
             <a:off x="3483000" y="986400"/>
-            <a:ext cx="2057400" cy="364320"/>
+            <a:ext cx="2057040" cy="363960"/>
           </a:xfrm>
           <a:prstGeom prst="rect">
             <a:avLst/>
@@ -1807,12 +1911,22 @@
             <a:round/>
           </a:ln>
         </p:spPr>
+        <p:style>
+          <a:lnRef idx="0"/>
+          <a:fillRef idx="0"/>
+          <a:effectRef idx="0"/>
+          <a:fontRef idx="minor"/>
+        </p:style>
         <p:txBody>
           <a:bodyPr lIns="99000" rIns="99000" tIns="54000" bIns="54000">
             <a:noAutofit/>
           </a:bodyPr>
           <a:p>
-            <a:pPr algn="ctr"/>
+            <a:pPr algn="ctr">
+              <a:lnSpc>
+                <a:spcPct val="100000"/>
+              </a:lnSpc>
+            </a:pPr>
             <a:r>
               <a:rPr b="0" lang="en-US" sz="1800" spc="-1" strike="noStrike">
                 <a:latin typeface="Arial"/>
@@ -1827,14 +1941,14 @@
       </p:sp>
       <p:sp>
         <p:nvSpPr>
-          <p:cNvPr id="43" name="TextShape 3"/>
-          <p:cNvSpPr txBox="1"/>
+          <p:cNvPr id="40" name="CustomShape 3"/>
+          <p:cNvSpPr/>
           <p:nvPr/>
         </p:nvSpPr>
         <p:spPr>
           <a:xfrm>
             <a:off x="3483000" y="1672200"/>
-            <a:ext cx="2057400" cy="364320"/>
+            <a:ext cx="2057040" cy="363960"/>
           </a:xfrm>
           <a:prstGeom prst="rect">
             <a:avLst/>
@@ -1847,12 +1961,22 @@
             <a:round/>
           </a:ln>
         </p:spPr>
+        <p:style>
+          <a:lnRef idx="0"/>
+          <a:fillRef idx="0"/>
+          <a:effectRef idx="0"/>
+          <a:fontRef idx="minor"/>
+        </p:style>
         <p:txBody>
           <a:bodyPr lIns="99000" rIns="99000" tIns="54000" bIns="54000">
             <a:noAutofit/>
           </a:bodyPr>
           <a:p>
-            <a:pPr algn="ctr"/>
+            <a:pPr algn="ctr">
+              <a:lnSpc>
+                <a:spcPct val="100000"/>
+              </a:lnSpc>
+            </a:pPr>
             <a:r>
               <a:rPr b="0" lang="en-US" sz="1800" spc="-1" strike="noStrike">
                 <a:latin typeface="Arial"/>
@@ -1867,14 +1991,14 @@
       </p:sp>
       <p:sp>
         <p:nvSpPr>
-          <p:cNvPr id="44" name="TextShape 4"/>
-          <p:cNvSpPr txBox="1"/>
+          <p:cNvPr id="41" name="CustomShape 4"/>
+          <p:cNvSpPr/>
           <p:nvPr/>
         </p:nvSpPr>
         <p:spPr>
           <a:xfrm>
             <a:off x="685800" y="3078000"/>
-            <a:ext cx="2057400" cy="364320"/>
+            <a:ext cx="2057040" cy="363960"/>
           </a:xfrm>
           <a:prstGeom prst="rect">
             <a:avLst/>
@@ -1887,12 +2011,22 @@
             <a:round/>
           </a:ln>
         </p:spPr>
+        <p:style>
+          <a:lnRef idx="0"/>
+          <a:fillRef idx="0"/>
+          <a:effectRef idx="0"/>
+          <a:fontRef idx="minor"/>
+        </p:style>
         <p:txBody>
           <a:bodyPr lIns="99000" rIns="99000" tIns="54000" bIns="54000">
             <a:noAutofit/>
           </a:bodyPr>
           <a:p>
-            <a:pPr algn="ctr"/>
+            <a:pPr algn="ctr">
+              <a:lnSpc>
+                <a:spcPct val="100000"/>
+              </a:lnSpc>
+            </a:pPr>
             <a:r>
               <a:rPr b="0" lang="en-US" sz="1800" spc="-1" strike="noStrike">
                 <a:latin typeface="Arial"/>
@@ -1907,14 +2041,14 @@
       </p:sp>
       <p:sp>
         <p:nvSpPr>
-          <p:cNvPr id="45" name="TextShape 5"/>
-          <p:cNvSpPr txBox="1"/>
+          <p:cNvPr id="42" name="CustomShape 5"/>
+          <p:cNvSpPr/>
           <p:nvPr/>
         </p:nvSpPr>
         <p:spPr>
           <a:xfrm>
             <a:off x="685800" y="3763800"/>
-            <a:ext cx="2057400" cy="364320"/>
+            <a:ext cx="2057040" cy="363960"/>
           </a:xfrm>
           <a:prstGeom prst="rect">
             <a:avLst/>
@@ -1927,12 +2061,22 @@
             <a:round/>
           </a:ln>
         </p:spPr>
+        <p:style>
+          <a:lnRef idx="0"/>
+          <a:fillRef idx="0"/>
+          <a:effectRef idx="0"/>
+          <a:fontRef idx="minor"/>
+        </p:style>
         <p:txBody>
           <a:bodyPr lIns="99000" rIns="99000" tIns="54000" bIns="54000">
             <a:noAutofit/>
           </a:bodyPr>
           <a:p>
-            <a:pPr algn="ctr"/>
+            <a:pPr algn="ctr">
+              <a:lnSpc>
+                <a:spcPct val="100000"/>
+              </a:lnSpc>
+            </a:pPr>
             <a:r>
               <a:rPr b="0" lang="en-US" sz="1800" spc="-1" strike="noStrike">
                 <a:latin typeface="Arial"/>
@@ -1947,14 +2091,14 @@
       </p:sp>
       <p:sp>
         <p:nvSpPr>
-          <p:cNvPr id="46" name="TextShape 6"/>
-          <p:cNvSpPr txBox="1"/>
+          <p:cNvPr id="43" name="CustomShape 6"/>
+          <p:cNvSpPr/>
           <p:nvPr/>
         </p:nvSpPr>
         <p:spPr>
           <a:xfrm>
             <a:off x="685800" y="4449600"/>
-            <a:ext cx="2057400" cy="364320"/>
+            <a:ext cx="2057040" cy="363960"/>
           </a:xfrm>
           <a:prstGeom prst="rect">
             <a:avLst/>
@@ -1967,12 +2111,22 @@
             <a:round/>
           </a:ln>
         </p:spPr>
+        <p:style>
+          <a:lnRef idx="0"/>
+          <a:fillRef idx="0"/>
+          <a:effectRef idx="0"/>
+          <a:fontRef idx="minor"/>
+        </p:style>
         <p:txBody>
           <a:bodyPr lIns="99000" rIns="99000" tIns="54000" bIns="54000">
             <a:noAutofit/>
           </a:bodyPr>
           <a:p>
-            <a:pPr algn="ctr"/>
+            <a:pPr algn="ctr">
+              <a:lnSpc>
+                <a:spcPct val="100000"/>
+              </a:lnSpc>
+            </a:pPr>
             <a:r>
               <a:rPr b="0" lang="en-US" sz="1800" spc="-1" strike="noStrike">
                 <a:latin typeface="Arial"/>
@@ -1987,14 +2141,14 @@
       </p:sp>
       <p:sp>
         <p:nvSpPr>
-          <p:cNvPr id="47" name="TextShape 7"/>
-          <p:cNvSpPr txBox="1"/>
+          <p:cNvPr id="44" name="CustomShape 7"/>
+          <p:cNvSpPr/>
           <p:nvPr/>
         </p:nvSpPr>
         <p:spPr>
           <a:xfrm>
             <a:off x="4770000" y="3054600"/>
-            <a:ext cx="2057400" cy="364320"/>
+            <a:ext cx="2057040" cy="363960"/>
           </a:xfrm>
           <a:prstGeom prst="rect">
             <a:avLst/>
@@ -2007,12 +2161,22 @@
             <a:round/>
           </a:ln>
         </p:spPr>
+        <p:style>
+          <a:lnRef idx="0"/>
+          <a:fillRef idx="0"/>
+          <a:effectRef idx="0"/>
+          <a:fontRef idx="minor"/>
+        </p:style>
         <p:txBody>
           <a:bodyPr lIns="99000" rIns="99000" tIns="54000" bIns="54000">
             <a:noAutofit/>
           </a:bodyPr>
           <a:p>
-            <a:pPr algn="ctr"/>
+            <a:pPr algn="ctr">
+              <a:lnSpc>
+                <a:spcPct val="100000"/>
+              </a:lnSpc>
+            </a:pPr>
             <a:r>
               <a:rPr b="0" lang="en-US" sz="1800" spc="-1" strike="noStrike">
                 <a:latin typeface="Arial"/>
@@ -2027,14 +2191,14 @@
       </p:sp>
       <p:sp>
         <p:nvSpPr>
-          <p:cNvPr id="48" name="TextShape 8"/>
-          <p:cNvSpPr txBox="1"/>
+          <p:cNvPr id="45" name="CustomShape 8"/>
+          <p:cNvSpPr/>
           <p:nvPr/>
         </p:nvSpPr>
         <p:spPr>
           <a:xfrm>
             <a:off x="4770000" y="3740400"/>
-            <a:ext cx="2057400" cy="364320"/>
+            <a:ext cx="2057040" cy="363960"/>
           </a:xfrm>
           <a:prstGeom prst="rect">
             <a:avLst/>
@@ -2047,12 +2211,22 @@
             <a:round/>
           </a:ln>
         </p:spPr>
+        <p:style>
+          <a:lnRef idx="0"/>
+          <a:fillRef idx="0"/>
+          <a:effectRef idx="0"/>
+          <a:fontRef idx="minor"/>
+        </p:style>
         <p:txBody>
           <a:bodyPr lIns="99000" rIns="99000" tIns="54000" bIns="54000">
             <a:noAutofit/>
           </a:bodyPr>
           <a:p>
-            <a:pPr algn="ctr"/>
+            <a:pPr algn="ctr">
+              <a:lnSpc>
+                <a:spcPct val="100000"/>
+              </a:lnSpc>
+            </a:pPr>
             <a:r>
               <a:rPr b="0" lang="en-US" sz="1800" spc="-1" strike="noStrike">
                 <a:latin typeface="Arial"/>
@@ -2067,14 +2241,14 @@
       </p:sp>
       <p:sp>
         <p:nvSpPr>
-          <p:cNvPr id="49" name="TextShape 9"/>
-          <p:cNvSpPr txBox="1"/>
+          <p:cNvPr id="46" name="CustomShape 9"/>
+          <p:cNvSpPr/>
           <p:nvPr/>
         </p:nvSpPr>
         <p:spPr>
           <a:xfrm>
             <a:off x="685800" y="5135400"/>
-            <a:ext cx="2057400" cy="364320"/>
+            <a:ext cx="2057040" cy="363960"/>
           </a:xfrm>
           <a:prstGeom prst="rect">
             <a:avLst/>
@@ -2087,12 +2261,22 @@
             <a:round/>
           </a:ln>
         </p:spPr>
+        <p:style>
+          <a:lnRef idx="0"/>
+          <a:fillRef idx="0"/>
+          <a:effectRef idx="0"/>
+          <a:fontRef idx="minor"/>
+        </p:style>
         <p:txBody>
           <a:bodyPr lIns="99000" rIns="99000" tIns="54000" bIns="54000">
             <a:noAutofit/>
           </a:bodyPr>
           <a:p>
-            <a:pPr algn="ctr"/>
+            <a:pPr algn="ctr">
+              <a:lnSpc>
+                <a:spcPct val="100000"/>
+              </a:lnSpc>
+            </a:pPr>
             <a:r>
               <a:rPr b="0" lang="en-US" sz="1800" spc="-1" strike="noStrike">
                 <a:latin typeface="Arial"/>
@@ -2107,7 +2291,7 @@
       </p:sp>
       <p:sp>
         <p:nvSpPr>
-          <p:cNvPr id="50" name="Line 10"/>
+          <p:cNvPr id="47" name="Line 10"/>
           <p:cNvSpPr/>
           <p:nvPr/>
         </p:nvSpPr>
@@ -2135,14 +2319,14 @@
       </p:sp>
       <p:sp>
         <p:nvSpPr>
-          <p:cNvPr id="51" name="CustomShape 11"/>
+          <p:cNvPr id="48" name="CustomShape 11"/>
           <p:cNvSpPr/>
           <p:nvPr/>
         </p:nvSpPr>
         <p:spPr>
           <a:xfrm>
             <a:off x="3254400" y="819000"/>
-            <a:ext cx="2514600" cy="1371600"/>
+            <a:ext cx="2514240" cy="1371240"/>
           </a:xfrm>
           <a:prstGeom prst="rect">
             <a:avLst/>
@@ -2167,14 +2351,14 @@
       </p:sp>
       <p:sp>
         <p:nvSpPr>
-          <p:cNvPr id="52" name="TextShape 12"/>
-          <p:cNvSpPr txBox="1"/>
+          <p:cNvPr id="49" name="CustomShape 12"/>
+          <p:cNvSpPr/>
           <p:nvPr/>
         </p:nvSpPr>
         <p:spPr>
           <a:xfrm>
             <a:off x="3146400" y="433800"/>
-            <a:ext cx="2753280" cy="346320"/>
+            <a:ext cx="2752920" cy="345960"/>
           </a:xfrm>
           <a:prstGeom prst="rect">
             <a:avLst/>
@@ -2184,11 +2368,22 @@
             <a:noFill/>
           </a:ln>
         </p:spPr>
+        <p:style>
+          <a:lnRef idx="0"/>
+          <a:fillRef idx="0"/>
+          <a:effectRef idx="0"/>
+          <a:fontRef idx="minor"/>
+        </p:style>
         <p:txBody>
           <a:bodyPr lIns="90000" rIns="90000" tIns="45000" bIns="45000">
             <a:noAutofit/>
           </a:bodyPr>
           <a:p>
+            <a:pPr>
+              <a:lnSpc>
+                <a:spcPct val="100000"/>
+              </a:lnSpc>
+            </a:pPr>
             <a:r>
               <a:rPr b="0" lang="en-US" sz="1800" spc="-1" strike="noStrike">
                 <a:latin typeface="Arial"/>
@@ -2203,7 +2398,7 @@
       </p:sp>
       <p:sp>
         <p:nvSpPr>
-          <p:cNvPr id="53" name="Line 13"/>
+          <p:cNvPr id="50" name="Line 13"/>
           <p:cNvSpPr/>
           <p:nvPr/>
         </p:nvSpPr>
@@ -2231,7 +2426,7 @@
       </p:sp>
       <p:sp>
         <p:nvSpPr>
-          <p:cNvPr id="54" name="Line 14"/>
+          <p:cNvPr id="51" name="Line 14"/>
           <p:cNvSpPr/>
           <p:nvPr/>
         </p:nvSpPr>
@@ -2259,14 +2454,14 @@
       </p:sp>
       <p:sp>
         <p:nvSpPr>
-          <p:cNvPr id="55" name="CustomShape 15"/>
+          <p:cNvPr id="52" name="CustomShape 15"/>
           <p:cNvSpPr/>
           <p:nvPr/>
         </p:nvSpPr>
         <p:spPr>
           <a:xfrm>
             <a:off x="457200" y="2957400"/>
-            <a:ext cx="2514600" cy="2671200"/>
+            <a:ext cx="2514240" cy="2670840"/>
           </a:xfrm>
           <a:prstGeom prst="rect">
             <a:avLst/>
@@ -2291,14 +2486,14 @@
       </p:sp>
       <p:sp>
         <p:nvSpPr>
-          <p:cNvPr id="56" name="TextShape 16"/>
-          <p:cNvSpPr txBox="1"/>
+          <p:cNvPr id="53" name="CustomShape 16"/>
+          <p:cNvSpPr/>
           <p:nvPr/>
         </p:nvSpPr>
         <p:spPr>
           <a:xfrm>
             <a:off x="95760" y="2590560"/>
-            <a:ext cx="3158640" cy="346320"/>
+            <a:ext cx="3158280" cy="345960"/>
           </a:xfrm>
           <a:prstGeom prst="rect">
             <a:avLst/>
@@ -2308,11 +2503,22 @@
             <a:noFill/>
           </a:ln>
         </p:spPr>
+        <p:style>
+          <a:lnRef idx="0"/>
+          <a:fillRef idx="0"/>
+          <a:effectRef idx="0"/>
+          <a:fontRef idx="minor"/>
+        </p:style>
         <p:txBody>
           <a:bodyPr lIns="90000" rIns="90000" tIns="45000" bIns="45000">
             <a:noAutofit/>
           </a:bodyPr>
           <a:p>
+            <a:pPr>
+              <a:lnSpc>
+                <a:spcPct val="100000"/>
+              </a:lnSpc>
+            </a:pPr>
             <a:r>
               <a:rPr b="0" lang="en-US" sz="1800" spc="-1" strike="noStrike">
                 <a:latin typeface="Arial"/>
@@ -2327,7 +2533,7 @@
       </p:sp>
       <p:sp>
         <p:nvSpPr>
-          <p:cNvPr id="57" name="Line 17"/>
+          <p:cNvPr id="54" name="Line 17"/>
           <p:cNvSpPr/>
           <p:nvPr/>
         </p:nvSpPr>
@@ -2355,14 +2561,14 @@
       </p:sp>
       <p:sp>
         <p:nvSpPr>
-          <p:cNvPr id="58" name="TextShape 18"/>
-          <p:cNvSpPr txBox="1"/>
+          <p:cNvPr id="55" name="CustomShape 18"/>
+          <p:cNvSpPr/>
           <p:nvPr/>
         </p:nvSpPr>
         <p:spPr>
           <a:xfrm>
             <a:off x="4770360" y="4460400"/>
-            <a:ext cx="2057400" cy="364320"/>
+            <a:ext cx="2057040" cy="363960"/>
           </a:xfrm>
           <a:prstGeom prst="rect">
             <a:avLst/>
@@ -2375,12 +2581,22 @@
             <a:round/>
           </a:ln>
         </p:spPr>
+        <p:style>
+          <a:lnRef idx="0"/>
+          <a:fillRef idx="0"/>
+          <a:effectRef idx="0"/>
+          <a:fontRef idx="minor"/>
+        </p:style>
         <p:txBody>
           <a:bodyPr lIns="99000" rIns="99000" tIns="54000" bIns="54000">
             <a:noAutofit/>
           </a:bodyPr>
           <a:p>
-            <a:pPr algn="ctr"/>
+            <a:pPr algn="ctr">
+              <a:lnSpc>
+                <a:spcPct val="100000"/>
+              </a:lnSpc>
+            </a:pPr>
             <a:r>
               <a:rPr b="0" lang="en-US" sz="1800" spc="-1" strike="noStrike">
                 <a:latin typeface="Arial"/>
@@ -2395,14 +2611,14 @@
       </p:sp>
       <p:sp>
         <p:nvSpPr>
-          <p:cNvPr id="59" name="TextShape 19"/>
-          <p:cNvSpPr txBox="1"/>
+          <p:cNvPr id="56" name="CustomShape 19"/>
+          <p:cNvSpPr/>
           <p:nvPr/>
         </p:nvSpPr>
         <p:spPr>
           <a:xfrm>
             <a:off x="4770720" y="5144400"/>
-            <a:ext cx="2057400" cy="364320"/>
+            <a:ext cx="2057040" cy="363960"/>
           </a:xfrm>
           <a:prstGeom prst="rect">
             <a:avLst/>
@@ -2415,12 +2631,22 @@
             <a:round/>
           </a:ln>
         </p:spPr>
+        <p:style>
+          <a:lnRef idx="0"/>
+          <a:fillRef idx="0"/>
+          <a:effectRef idx="0"/>
+          <a:fontRef idx="minor"/>
+        </p:style>
         <p:txBody>
           <a:bodyPr lIns="99000" rIns="99000" tIns="54000" bIns="54000">
             <a:noAutofit/>
           </a:bodyPr>
           <a:p>
-            <a:pPr algn="ctr"/>
+            <a:pPr algn="ctr">
+              <a:lnSpc>
+                <a:spcPct val="100000"/>
+              </a:lnSpc>
+            </a:pPr>
             <a:r>
               <a:rPr b="0" lang="en-US" sz="1800" spc="-1" strike="noStrike">
                 <a:latin typeface="Arial"/>
@@ -2435,7 +2661,7 @@
       </p:sp>
       <p:sp>
         <p:nvSpPr>
-          <p:cNvPr id="60" name="Line 20"/>
+          <p:cNvPr id="57" name="Line 20"/>
           <p:cNvSpPr/>
           <p:nvPr/>
         </p:nvSpPr>
@@ -2463,7 +2689,7 @@
       </p:sp>
       <p:sp>
         <p:nvSpPr>
-          <p:cNvPr id="61" name="Line 21"/>
+          <p:cNvPr id="58" name="Line 21"/>
           <p:cNvSpPr/>
           <p:nvPr/>
         </p:nvSpPr>
@@ -2491,7 +2717,7 @@
       </p:sp>
       <p:sp>
         <p:nvSpPr>
-          <p:cNvPr id="62" name="Line 22"/>
+          <p:cNvPr id="59" name="Line 22"/>
           <p:cNvSpPr/>
           <p:nvPr/>
         </p:nvSpPr>
@@ -2519,7 +2745,7 @@
       </p:sp>
       <p:sp>
         <p:nvSpPr>
-          <p:cNvPr id="63" name="Line 23"/>
+          <p:cNvPr id="60" name="Line 23"/>
           <p:cNvSpPr/>
           <p:nvPr/>
         </p:nvSpPr>
@@ -2547,7 +2773,7 @@
       </p:sp>
       <p:sp>
         <p:nvSpPr>
-          <p:cNvPr id="64" name="Line 24"/>
+          <p:cNvPr id="61" name="Line 24"/>
           <p:cNvSpPr/>
           <p:nvPr/>
         </p:nvSpPr>
@@ -2575,14 +2801,14 @@
       </p:sp>
       <p:sp>
         <p:nvSpPr>
-          <p:cNvPr id="65" name="CustomShape 25"/>
+          <p:cNvPr id="62" name="CustomShape 25"/>
           <p:cNvSpPr/>
           <p:nvPr/>
         </p:nvSpPr>
         <p:spPr>
           <a:xfrm>
             <a:off x="4525200" y="2962440"/>
-            <a:ext cx="2514600" cy="2671200"/>
+            <a:ext cx="2514240" cy="2670840"/>
           </a:xfrm>
           <a:prstGeom prst="rect">
             <a:avLst/>
@@ -2607,14 +2833,14 @@
       </p:sp>
       <p:sp>
         <p:nvSpPr>
-          <p:cNvPr id="66" name="TextShape 26"/>
-          <p:cNvSpPr txBox="1"/>
+          <p:cNvPr id="63" name="CustomShape 26"/>
+          <p:cNvSpPr/>
           <p:nvPr/>
         </p:nvSpPr>
         <p:spPr>
           <a:xfrm>
             <a:off x="4415760" y="2595600"/>
-            <a:ext cx="2815560" cy="346320"/>
+            <a:ext cx="2815200" cy="345960"/>
           </a:xfrm>
           <a:prstGeom prst="rect">
             <a:avLst/>
@@ -2624,11 +2850,22 @@
             <a:noFill/>
           </a:ln>
         </p:spPr>
+        <p:style>
+          <a:lnRef idx="0"/>
+          <a:fillRef idx="0"/>
+          <a:effectRef idx="0"/>
+          <a:fontRef idx="minor"/>
+        </p:style>
         <p:txBody>
           <a:bodyPr lIns="90000" rIns="90000" tIns="45000" bIns="45000">
             <a:noAutofit/>
           </a:bodyPr>
           <a:p>
+            <a:pPr>
+              <a:lnSpc>
+                <a:spcPct val="100000"/>
+              </a:lnSpc>
+            </a:pPr>
             <a:r>
               <a:rPr b="0" lang="en-US" sz="1800" spc="-1" strike="noStrike">
                 <a:latin typeface="Arial"/>
@@ -2643,14 +2880,14 @@
       </p:sp>
       <p:sp>
         <p:nvSpPr>
-          <p:cNvPr id="67" name="TextShape 27"/>
-          <p:cNvSpPr txBox="1"/>
+          <p:cNvPr id="64" name="CustomShape 27"/>
+          <p:cNvSpPr/>
           <p:nvPr/>
         </p:nvSpPr>
         <p:spPr>
           <a:xfrm>
             <a:off x="6363360" y="1670400"/>
-            <a:ext cx="2057400" cy="364320"/>
+            <a:ext cx="2057040" cy="363960"/>
           </a:xfrm>
           <a:prstGeom prst="rect">
             <a:avLst/>
@@ -2663,12 +2900,22 @@
             <a:round/>
           </a:ln>
         </p:spPr>
+        <p:style>
+          <a:lnRef idx="0"/>
+          <a:fillRef idx="0"/>
+          <a:effectRef idx="0"/>
+          <a:fontRef idx="minor"/>
+        </p:style>
         <p:txBody>
           <a:bodyPr lIns="99000" rIns="99000" tIns="54000" bIns="54000">
             <a:noAutofit/>
           </a:bodyPr>
           <a:p>
-            <a:pPr algn="ctr"/>
+            <a:pPr algn="ctr">
+              <a:lnSpc>
+                <a:spcPct val="100000"/>
+              </a:lnSpc>
+            </a:pPr>
             <a:r>
               <a:rPr b="0" lang="en-US" sz="1800" spc="-1" strike="noStrike">
                 <a:solidFill>
@@ -2676,7 +2923,7 @@
                 </a:solidFill>
                 <a:latin typeface="Arial"/>
               </a:rPr>
-              <a:t>QM Lab 2</a:t>
+              <a:t>QM Labs 2</a:t>
             </a:r>
             <a:endParaRPr b="0" lang="en-US" sz="1800" spc="-1" strike="noStrike">
               <a:latin typeface="Arial"/>
@@ -2686,7 +2933,7 @@
       </p:sp>
       <p:sp>
         <p:nvSpPr>
-          <p:cNvPr id="68" name="Line 28"/>
+          <p:cNvPr id="65" name="Line 28"/>
           <p:cNvSpPr/>
           <p:nvPr/>
         </p:nvSpPr>
@@ -2715,14 +2962,14 @@
       </p:sp>
       <p:sp>
         <p:nvSpPr>
-          <p:cNvPr id="69" name="TextShape 29"/>
-          <p:cNvSpPr txBox="1"/>
+          <p:cNvPr id="66" name="CustomShape 29"/>
+          <p:cNvSpPr/>
           <p:nvPr/>
         </p:nvSpPr>
         <p:spPr>
           <a:xfrm>
             <a:off x="7664400" y="3074400"/>
-            <a:ext cx="2057400" cy="364320"/>
+            <a:ext cx="2057040" cy="363960"/>
           </a:xfrm>
           <a:prstGeom prst="rect">
             <a:avLst/>
@@ -2735,12 +2982,22 @@
             <a:round/>
           </a:ln>
         </p:spPr>
+        <p:style>
+          <a:lnRef idx="0"/>
+          <a:fillRef idx="0"/>
+          <a:effectRef idx="0"/>
+          <a:fontRef idx="minor"/>
+        </p:style>
         <p:txBody>
           <a:bodyPr lIns="99000" rIns="99000" tIns="54000" bIns="54000">
             <a:noAutofit/>
           </a:bodyPr>
           <a:p>
-            <a:pPr algn="ctr"/>
+            <a:pPr algn="ctr">
+              <a:lnSpc>
+                <a:spcPct val="100000"/>
+              </a:lnSpc>
+            </a:pPr>
             <a:r>
               <a:rPr b="0" lang="en-US" sz="1800" spc="-1" strike="noStrike">
                 <a:solidFill>
@@ -2748,7 +3005,7 @@
                 </a:solidFill>
                 <a:latin typeface="Arial"/>
               </a:rPr>
-              <a:t>QKD Lab</a:t>
+              <a:t>QKD Labs</a:t>
             </a:r>
             <a:endParaRPr b="0" lang="en-US" sz="1800" spc="-1" strike="noStrike">
               <a:latin typeface="Arial"/>
@@ -2758,7 +3015,7 @@
       </p:sp>
       <p:sp>
         <p:nvSpPr>
-          <p:cNvPr id="70" name="Line 30"/>
+          <p:cNvPr id="67" name="Line 30"/>
           <p:cNvSpPr/>
           <p:nvPr/>
         </p:nvSpPr>
@@ -2787,14 +3044,14 @@
       </p:sp>
       <p:sp>
         <p:nvSpPr>
-          <p:cNvPr id="71" name="TextShape 31"/>
-          <p:cNvSpPr txBox="1"/>
+          <p:cNvPr id="68" name="CustomShape 31"/>
+          <p:cNvSpPr/>
           <p:nvPr/>
         </p:nvSpPr>
         <p:spPr>
           <a:xfrm>
             <a:off x="7664400" y="3758400"/>
-            <a:ext cx="2057400" cy="364320"/>
+            <a:ext cx="2057040" cy="363960"/>
           </a:xfrm>
           <a:prstGeom prst="rect">
             <a:avLst/>
@@ -2807,12 +3064,22 @@
             <a:round/>
           </a:ln>
         </p:spPr>
+        <p:style>
+          <a:lnRef idx="0"/>
+          <a:fillRef idx="0"/>
+          <a:effectRef idx="0"/>
+          <a:fontRef idx="minor"/>
+        </p:style>
         <p:txBody>
           <a:bodyPr lIns="99000" rIns="99000" tIns="54000" bIns="54000">
             <a:noAutofit/>
           </a:bodyPr>
           <a:p>
-            <a:pPr algn="ctr"/>
+            <a:pPr algn="ctr">
+              <a:lnSpc>
+                <a:spcPct val="100000"/>
+              </a:lnSpc>
+            </a:pPr>
             <a:r>
               <a:rPr b="0" lang="en-US" sz="1800" spc="-1" strike="noStrike">
                 <a:solidFill>
@@ -2820,7 +3087,7 @@
                 </a:solidFill>
                 <a:latin typeface="Arial"/>
               </a:rPr>
-              <a:t>Q-Sensing Lab</a:t>
+              <a:t>Q-Sensing Labs</a:t>
             </a:r>
             <a:endParaRPr b="0" lang="en-US" sz="1800" spc="-1" strike="noStrike">
               <a:latin typeface="Arial"/>
@@ -2830,7 +3097,7 @@
       </p:sp>
       <p:sp>
         <p:nvSpPr>
-          <p:cNvPr id="72" name="Line 32"/>
+          <p:cNvPr id="69" name="Line 32"/>
           <p:cNvSpPr/>
           <p:nvPr/>
         </p:nvSpPr>
@@ -2859,14 +3126,14 @@
       </p:sp>
       <p:sp>
         <p:nvSpPr>
-          <p:cNvPr id="73" name="TextShape 33"/>
-          <p:cNvSpPr txBox="1"/>
+          <p:cNvPr id="70" name="CustomShape 33"/>
+          <p:cNvSpPr/>
           <p:nvPr/>
         </p:nvSpPr>
         <p:spPr>
           <a:xfrm>
             <a:off x="7664400" y="4478400"/>
-            <a:ext cx="2057400" cy="364320"/>
+            <a:ext cx="2057040" cy="363960"/>
           </a:xfrm>
           <a:prstGeom prst="rect">
             <a:avLst/>
@@ -2879,12 +3146,22 @@
             <a:round/>
           </a:ln>
         </p:spPr>
+        <p:style>
+          <a:lnRef idx="0"/>
+          <a:fillRef idx="0"/>
+          <a:effectRef idx="0"/>
+          <a:fontRef idx="minor"/>
+        </p:style>
         <p:txBody>
           <a:bodyPr lIns="99000" rIns="99000" tIns="54000" bIns="54000">
             <a:noAutofit/>
           </a:bodyPr>
           <a:p>
-            <a:pPr algn="ctr"/>
+            <a:pPr algn="ctr">
+              <a:lnSpc>
+                <a:spcPct val="100000"/>
+              </a:lnSpc>
+            </a:pPr>
             <a:r>
               <a:rPr b="0" lang="en-US" sz="1800" spc="-1" strike="noStrike">
                 <a:solidFill>
@@ -2892,7 +3169,7 @@
                 </a:solidFill>
                 <a:latin typeface="Arial"/>
               </a:rPr>
-              <a:t>FPGA Lab I</a:t>
+              <a:t>FPGA Labs I</a:t>
             </a:r>
             <a:endParaRPr b="0" lang="en-US" sz="1800" spc="-1" strike="noStrike">
               <a:latin typeface="Arial"/>
@@ -2902,7 +3179,7 @@
       </p:sp>
       <p:sp>
         <p:nvSpPr>
-          <p:cNvPr id="74" name="Line 34"/>
+          <p:cNvPr id="71" name="Line 34"/>
           <p:cNvSpPr/>
           <p:nvPr/>
         </p:nvSpPr>
@@ -2931,14 +3208,14 @@
       </p:sp>
       <p:sp>
         <p:nvSpPr>
-          <p:cNvPr id="75" name="TextShape 35"/>
-          <p:cNvSpPr txBox="1"/>
+          <p:cNvPr id="72" name="CustomShape 35"/>
+          <p:cNvSpPr/>
           <p:nvPr/>
         </p:nvSpPr>
         <p:spPr>
           <a:xfrm>
             <a:off x="7664400" y="5162400"/>
-            <a:ext cx="2057400" cy="364320"/>
+            <a:ext cx="2057040" cy="363960"/>
           </a:xfrm>
           <a:prstGeom prst="rect">
             <a:avLst/>
@@ -2951,12 +3228,22 @@
             <a:round/>
           </a:ln>
         </p:spPr>
+        <p:style>
+          <a:lnRef idx="0"/>
+          <a:fillRef idx="0"/>
+          <a:effectRef idx="0"/>
+          <a:fontRef idx="minor"/>
+        </p:style>
         <p:txBody>
           <a:bodyPr lIns="99000" rIns="99000" tIns="54000" bIns="54000">
             <a:noAutofit/>
           </a:bodyPr>
           <a:p>
-            <a:pPr algn="ctr"/>
+            <a:pPr algn="ctr">
+              <a:lnSpc>
+                <a:spcPct val="100000"/>
+              </a:lnSpc>
+            </a:pPr>
             <a:r>
               <a:rPr b="0" lang="en-US" sz="1800" spc="-1" strike="noStrike">
                 <a:solidFill>
@@ -2964,7 +3251,7 @@
                 </a:solidFill>
                 <a:latin typeface="Arial"/>
               </a:rPr>
-              <a:t>FPGA Lab II</a:t>
+              <a:t>FPGA Labs II</a:t>
             </a:r>
             <a:endParaRPr b="0" lang="en-US" sz="1800" spc="-1" strike="noStrike">
               <a:latin typeface="Arial"/>
@@ -2974,7 +3261,7 @@
       </p:sp>
       <p:sp>
         <p:nvSpPr>
-          <p:cNvPr id="76" name="Line 36"/>
+          <p:cNvPr id="73" name="Line 36"/>
           <p:cNvSpPr/>
           <p:nvPr/>
         </p:nvSpPr>
@@ -3003,14 +3290,14 @@
       </p:sp>
       <p:sp>
         <p:nvSpPr>
-          <p:cNvPr id="77" name="TextShape 37"/>
-          <p:cNvSpPr txBox="1"/>
+          <p:cNvPr id="74" name="CustomShape 37"/>
+          <p:cNvSpPr/>
           <p:nvPr/>
         </p:nvSpPr>
         <p:spPr>
           <a:xfrm>
             <a:off x="6368400" y="950400"/>
-            <a:ext cx="2057400" cy="364320"/>
+            <a:ext cx="2057040" cy="363960"/>
           </a:xfrm>
           <a:prstGeom prst="rect">
             <a:avLst/>
@@ -3023,12 +3310,22 @@
             <a:round/>
           </a:ln>
         </p:spPr>
+        <p:style>
+          <a:lnRef idx="0"/>
+          <a:fillRef idx="0"/>
+          <a:effectRef idx="0"/>
+          <a:fontRef idx="minor"/>
+        </p:style>
         <p:txBody>
           <a:bodyPr lIns="99000" rIns="99000" tIns="54000" bIns="54000">
             <a:noAutofit/>
           </a:bodyPr>
           <a:p>
-            <a:pPr algn="ctr"/>
+            <a:pPr algn="ctr">
+              <a:lnSpc>
+                <a:spcPct val="100000"/>
+              </a:lnSpc>
+            </a:pPr>
             <a:r>
               <a:rPr b="0" lang="en-US" sz="1800" spc="-1" strike="noStrike">
                 <a:solidFill>
@@ -3036,7 +3333,7 @@
                 </a:solidFill>
                 <a:latin typeface="Arial"/>
               </a:rPr>
-              <a:t>QM Lab 1</a:t>
+              <a:t>QM Labs 1</a:t>
             </a:r>
             <a:endParaRPr b="0" lang="en-US" sz="1800" spc="-1" strike="noStrike">
               <a:latin typeface="Arial"/>
@@ -3046,7 +3343,7 @@
       </p:sp>
       <p:sp>
         <p:nvSpPr>
-          <p:cNvPr id="78" name="Line 38"/>
+          <p:cNvPr id="75" name="Line 38"/>
           <p:cNvSpPr/>
           <p:nvPr/>
         </p:nvSpPr>
@@ -3073,6 +3370,1005 @@
           <a:fontRef idx="minor"/>
         </p:style>
       </p:sp>
+    </p:spTree>
+  </p:cSld>
+  <mc:AlternateContent>
+    <mc:Choice Requires="p14">
+      <p:transition spd="slow" p14:dur="2000"/>
+    </mc:Choice>
+    <mc:Fallback>
+      <p:transition spd="slow"/>
+    </mc:Fallback>
+  </mc:AlternateContent>
+</p:sld>
+</file>
+
+<file path=ppt/slides/slide2.xml><?xml version="1.0" encoding="utf-8"?>
+<p:sld xmlns:a="http://schemas.openxmlformats.org/drawingml/2006/main" xmlns:p="http://schemas.openxmlformats.org/presentationml/2006/main" xmlns:r="http://schemas.openxmlformats.org/officeDocument/2006/relationships" xmlns:p14="http://schemas.microsoft.com/office/powerpoint/2010/main" xmlns:p15="http://schemas.microsoft.com/office/powerpoint/2012/main" xmlns:mc="http://schemas.openxmlformats.org/markup-compatibility/2006">
+  <p:cSld>
+    <p:spTree>
+      <p:nvGrpSpPr>
+        <p:cNvPr id="1" name=""/>
+        <p:cNvGrpSpPr/>
+        <p:nvPr/>
+      </p:nvGrpSpPr>
+      <p:grpSpPr>
+        <a:xfrm>
+          <a:off x="0" y="0"/>
+          <a:ext cx="0" cy="0"/>
+          <a:chOff x="0" y="0"/>
+          <a:chExt cx="0" cy="0"/>
+        </a:xfrm>
+      </p:grpSpPr>
+      <p:sp>
+        <p:nvSpPr>
+          <p:cNvPr id="76" name="TextShape 1"/>
+          <p:cNvSpPr txBox="1"/>
+          <p:nvPr/>
+        </p:nvSpPr>
+        <p:spPr>
+          <a:xfrm>
+            <a:off x="457200" y="0"/>
+            <a:ext cx="9071280" cy="459720"/>
+          </a:xfrm>
+          <a:prstGeom prst="rect">
+            <a:avLst/>
+          </a:prstGeom>
+          <a:noFill/>
+          <a:ln w="0">
+            <a:noFill/>
+          </a:ln>
+        </p:spPr>
+        <p:txBody>
+          <a:bodyPr lIns="0" rIns="0" tIns="0" bIns="0" anchor="ctr">
+            <a:noAutofit/>
+          </a:bodyPr>
+          <a:p>
+            <a:pPr algn="ctr"/>
+            <a:r>
+              <a:rPr b="0" lang="en-US" sz="2400" spc="-1" strike="noStrike">
+                <a:latin typeface="Arial"/>
+              </a:rPr>
+              <a:t>6-course </a:t>
+            </a:r>
+            <a:r>
+              <a:rPr b="0" lang="en-US" sz="2400" spc="-1" strike="noStrike">
+                <a:latin typeface="Arial"/>
+              </a:rPr>
+              <a:t>quantum </a:t>
+            </a:r>
+            <a:r>
+              <a:rPr b="0" lang="en-US" sz="2400" spc="-1" strike="noStrike">
+                <a:latin typeface="Arial"/>
+              </a:rPr>
+              <a:t>sequence</a:t>
+            </a:r>
+            <a:endParaRPr b="0" lang="en-US" sz="2400" spc="-1" strike="noStrike">
+              <a:latin typeface="Arial"/>
+            </a:endParaRPr>
+          </a:p>
+        </p:txBody>
+      </p:sp>
+      <p:grpSp>
+        <p:nvGrpSpPr>
+          <p:cNvPr id="77" name="Group 2"/>
+          <p:cNvGrpSpPr/>
+          <p:nvPr/>
+        </p:nvGrpSpPr>
+        <p:grpSpPr>
+          <a:xfrm>
+            <a:off x="158400" y="675000"/>
+            <a:ext cx="4413600" cy="3103200"/>
+            <a:chOff x="158400" y="675000"/>
+            <a:chExt cx="4413600" cy="3103200"/>
+          </a:xfrm>
+        </p:grpSpPr>
+        <p:sp>
+          <p:nvSpPr>
+            <p:cNvPr id="78" name="CustomShape 3"/>
+            <p:cNvSpPr/>
+            <p:nvPr/>
+          </p:nvSpPr>
+          <p:spPr>
+            <a:xfrm>
+              <a:off x="332280" y="824760"/>
+              <a:ext cx="1847520" cy="269640"/>
+            </a:xfrm>
+            <a:prstGeom prst="rect">
+              <a:avLst/>
+            </a:prstGeom>
+            <a:noFill/>
+            <a:ln w="18360">
+              <a:solidFill>
+                <a:srgbClr val="000000"/>
+              </a:solidFill>
+              <a:round/>
+            </a:ln>
+          </p:spPr>
+          <p:style>
+            <a:lnRef idx="0"/>
+            <a:fillRef idx="0"/>
+            <a:effectRef idx="0"/>
+            <a:fontRef idx="minor"/>
+          </p:style>
+          <p:txBody>
+            <a:bodyPr lIns="99000" rIns="99000" tIns="54000" bIns="54000">
+              <a:noAutofit/>
+            </a:bodyPr>
+            <a:p>
+              <a:pPr algn="ctr">
+                <a:lnSpc>
+                  <a:spcPct val="100000"/>
+                </a:lnSpc>
+              </a:pPr>
+              <a:r>
+                <a:rPr b="0" lang="en-US" sz="1400" spc="-1" strike="noStrike">
+                  <a:latin typeface="Arial"/>
+                </a:rPr>
+                <a:t>QM for Computing</a:t>
+              </a:r>
+              <a:endParaRPr b="0" lang="en-US" sz="1400" spc="-1" strike="noStrike">
+                <a:latin typeface="Arial"/>
+              </a:endParaRPr>
+            </a:p>
+          </p:txBody>
+        </p:sp>
+        <p:sp>
+          <p:nvSpPr>
+            <p:cNvPr id="79" name="CustomShape 4"/>
+            <p:cNvSpPr/>
+            <p:nvPr/>
+          </p:nvSpPr>
+          <p:spPr>
+            <a:xfrm>
+              <a:off x="332280" y="1330560"/>
+              <a:ext cx="1847520" cy="269280"/>
+            </a:xfrm>
+            <a:prstGeom prst="rect">
+              <a:avLst/>
+            </a:prstGeom>
+            <a:noFill/>
+            <a:ln w="18360">
+              <a:solidFill>
+                <a:srgbClr val="000000"/>
+              </a:solidFill>
+              <a:round/>
+            </a:ln>
+          </p:spPr>
+          <p:style>
+            <a:lnRef idx="0"/>
+            <a:fillRef idx="0"/>
+            <a:effectRef idx="0"/>
+            <a:fontRef idx="minor"/>
+          </p:style>
+          <p:txBody>
+            <a:bodyPr lIns="99000" rIns="99000" tIns="54000" bIns="54000">
+              <a:noAutofit/>
+            </a:bodyPr>
+            <a:p>
+              <a:pPr algn="ctr">
+                <a:lnSpc>
+                  <a:spcPct val="100000"/>
+                </a:lnSpc>
+              </a:pPr>
+              <a:r>
+                <a:rPr b="0" lang="en-US" sz="1400" spc="-1" strike="noStrike">
+                  <a:latin typeface="Arial"/>
+                </a:rPr>
+                <a:t>Intro to QC (QIS)</a:t>
+              </a:r>
+              <a:endParaRPr b="0" lang="en-US" sz="1400" spc="-1" strike="noStrike">
+                <a:latin typeface="Arial"/>
+              </a:endParaRPr>
+            </a:p>
+          </p:txBody>
+        </p:sp>
+        <p:sp>
+          <p:nvSpPr>
+            <p:cNvPr id="80" name="CustomShape 5"/>
+            <p:cNvSpPr/>
+            <p:nvPr/>
+          </p:nvSpPr>
+          <p:spPr>
+            <a:xfrm>
+              <a:off x="158400" y="675000"/>
+              <a:ext cx="2217960" cy="3103200"/>
+            </a:xfrm>
+            <a:prstGeom prst="rect">
+              <a:avLst/>
+            </a:prstGeom>
+            <a:noFill/>
+            <a:ln w="18360">
+              <a:solidFill>
+                <a:srgbClr val="3465a4"/>
+              </a:solidFill>
+              <a:custDash>
+                <a:ds d="600000" sp="300000"/>
+              </a:custDash>
+              <a:round/>
+            </a:ln>
+          </p:spPr>
+          <p:style>
+            <a:lnRef idx="0"/>
+            <a:fillRef idx="0"/>
+            <a:effectRef idx="0"/>
+            <a:fontRef idx="minor"/>
+          </p:style>
+        </p:sp>
+        <p:sp>
+          <p:nvSpPr>
+            <p:cNvPr id="81" name="Line 6"/>
+            <p:cNvSpPr/>
+            <p:nvPr/>
+          </p:nvSpPr>
+          <p:spPr>
+            <a:xfrm>
+              <a:off x="1234800" y="1093320"/>
+              <a:ext cx="0" cy="237240"/>
+            </a:xfrm>
+            <a:prstGeom prst="line">
+              <a:avLst/>
+            </a:prstGeom>
+            <a:ln w="0">
+              <a:solidFill>
+                <a:srgbClr val="3465a4"/>
+              </a:solidFill>
+              <a:tailEnd len="med" type="triangle" w="med"/>
+            </a:ln>
+          </p:spPr>
+          <p:style>
+            <a:lnRef idx="0"/>
+            <a:fillRef idx="0"/>
+            <a:effectRef idx="0"/>
+            <a:fontRef idx="minor"/>
+          </p:style>
+        </p:sp>
+        <p:sp>
+          <p:nvSpPr>
+            <p:cNvPr id="82" name="CustomShape 7"/>
+            <p:cNvSpPr/>
+            <p:nvPr/>
+          </p:nvSpPr>
+          <p:spPr>
+            <a:xfrm>
+              <a:off x="2871000" y="1329120"/>
+              <a:ext cx="1696680" cy="268200"/>
+            </a:xfrm>
+            <a:prstGeom prst="rect">
+              <a:avLst/>
+            </a:prstGeom>
+            <a:noFill/>
+            <a:ln w="18360">
+              <a:solidFill>
+                <a:srgbClr val="0000ff"/>
+              </a:solidFill>
+              <a:round/>
+            </a:ln>
+          </p:spPr>
+          <p:style>
+            <a:lnRef idx="0"/>
+            <a:fillRef idx="0"/>
+            <a:effectRef idx="0"/>
+            <a:fontRef idx="minor"/>
+          </p:style>
+          <p:txBody>
+            <a:bodyPr lIns="99000" rIns="99000" tIns="54000" bIns="54000">
+              <a:noAutofit/>
+            </a:bodyPr>
+            <a:p>
+              <a:pPr algn="ctr">
+                <a:lnSpc>
+                  <a:spcPct val="100000"/>
+                </a:lnSpc>
+              </a:pPr>
+              <a:r>
+                <a:rPr b="0" lang="en-US" sz="1400" spc="-1" strike="noStrike">
+                  <a:solidFill>
+                    <a:srgbClr val="0000ff"/>
+                  </a:solidFill>
+                  <a:latin typeface="Arial"/>
+                </a:rPr>
+                <a:t>QM Labs 2</a:t>
+              </a:r>
+              <a:endParaRPr b="0" lang="en-US" sz="1400" spc="-1" strike="noStrike">
+                <a:latin typeface="Arial"/>
+              </a:endParaRPr>
+            </a:p>
+          </p:txBody>
+        </p:sp>
+        <p:sp>
+          <p:nvSpPr>
+            <p:cNvPr id="83" name="Line 8"/>
+            <p:cNvSpPr/>
+            <p:nvPr/>
+          </p:nvSpPr>
+          <p:spPr>
+            <a:xfrm>
+              <a:off x="2192400" y="1472400"/>
+              <a:ext cx="678600" cy="0"/>
+            </a:xfrm>
+            <a:prstGeom prst="line">
+              <a:avLst/>
+            </a:prstGeom>
+            <a:ln w="0">
+              <a:solidFill>
+                <a:srgbClr val="3465a4"/>
+              </a:solidFill>
+              <a:headEnd len="med" type="triangle" w="med"/>
+              <a:tailEnd len="med" type="triangle" w="med"/>
+            </a:ln>
+          </p:spPr>
+          <p:style>
+            <a:lnRef idx="0"/>
+            <a:fillRef idx="0"/>
+            <a:effectRef idx="0"/>
+            <a:fontRef idx="minor"/>
+          </p:style>
+        </p:sp>
+        <p:sp>
+          <p:nvSpPr>
+            <p:cNvPr id="84" name="CustomShape 9"/>
+            <p:cNvSpPr/>
+            <p:nvPr/>
+          </p:nvSpPr>
+          <p:spPr>
+            <a:xfrm>
+              <a:off x="2875320" y="798480"/>
+              <a:ext cx="1696680" cy="268200"/>
+            </a:xfrm>
+            <a:prstGeom prst="rect">
+              <a:avLst/>
+            </a:prstGeom>
+            <a:noFill/>
+            <a:ln w="18360">
+              <a:solidFill>
+                <a:srgbClr val="0000ff"/>
+              </a:solidFill>
+              <a:round/>
+            </a:ln>
+          </p:spPr>
+          <p:style>
+            <a:lnRef idx="0"/>
+            <a:fillRef idx="0"/>
+            <a:effectRef idx="0"/>
+            <a:fontRef idx="minor"/>
+          </p:style>
+          <p:txBody>
+            <a:bodyPr lIns="99000" rIns="99000" tIns="54000" bIns="54000">
+              <a:noAutofit/>
+            </a:bodyPr>
+            <a:p>
+              <a:pPr algn="ctr">
+                <a:lnSpc>
+                  <a:spcPct val="100000"/>
+                </a:lnSpc>
+              </a:pPr>
+              <a:r>
+                <a:rPr b="0" lang="en-US" sz="1400" spc="-1" strike="noStrike">
+                  <a:solidFill>
+                    <a:srgbClr val="0000ff"/>
+                  </a:solidFill>
+                  <a:latin typeface="Arial"/>
+                </a:rPr>
+                <a:t>QM Labs 1</a:t>
+              </a:r>
+              <a:endParaRPr b="0" lang="en-US" sz="1400" spc="-1" strike="noStrike">
+                <a:latin typeface="Arial"/>
+              </a:endParaRPr>
+            </a:p>
+          </p:txBody>
+        </p:sp>
+        <p:sp>
+          <p:nvSpPr>
+            <p:cNvPr id="85" name="Line 10"/>
+            <p:cNvSpPr/>
+            <p:nvPr/>
+          </p:nvSpPr>
+          <p:spPr>
+            <a:xfrm>
+              <a:off x="2196720" y="941760"/>
+              <a:ext cx="678600" cy="0"/>
+            </a:xfrm>
+            <a:prstGeom prst="line">
+              <a:avLst/>
+            </a:prstGeom>
+            <a:ln w="0">
+              <a:solidFill>
+                <a:srgbClr val="3465a4"/>
+              </a:solidFill>
+              <a:headEnd len="med" type="triangle" w="med"/>
+              <a:tailEnd len="med" type="triangle" w="med"/>
+            </a:ln>
+          </p:spPr>
+          <p:style>
+            <a:lnRef idx="0"/>
+            <a:fillRef idx="0"/>
+            <a:effectRef idx="0"/>
+            <a:fontRef idx="minor"/>
+          </p:style>
+        </p:sp>
+        <p:sp>
+          <p:nvSpPr>
+            <p:cNvPr id="86" name="CustomShape 11"/>
+            <p:cNvSpPr/>
+            <p:nvPr/>
+          </p:nvSpPr>
+          <p:spPr>
+            <a:xfrm>
+              <a:off x="332280" y="1836000"/>
+              <a:ext cx="1847520" cy="269640"/>
+            </a:xfrm>
+            <a:prstGeom prst="rect">
+              <a:avLst/>
+            </a:prstGeom>
+            <a:noFill/>
+            <a:ln w="18360">
+              <a:solidFill>
+                <a:srgbClr val="000000"/>
+              </a:solidFill>
+              <a:round/>
+            </a:ln>
+          </p:spPr>
+          <p:style>
+            <a:lnRef idx="0"/>
+            <a:fillRef idx="0"/>
+            <a:effectRef idx="0"/>
+            <a:fontRef idx="minor"/>
+          </p:style>
+          <p:txBody>
+            <a:bodyPr lIns="99000" rIns="99000" tIns="54000" bIns="54000">
+              <a:noAutofit/>
+            </a:bodyPr>
+            <a:p>
+              <a:pPr algn="ctr">
+                <a:lnSpc>
+                  <a:spcPct val="100000"/>
+                </a:lnSpc>
+              </a:pPr>
+              <a:r>
+                <a:rPr b="0" lang="en-US" sz="1400" spc="-1" strike="noStrike">
+                  <a:latin typeface="Arial"/>
+                </a:rPr>
+                <a:t>Quant Algos (ML)</a:t>
+              </a:r>
+              <a:endParaRPr b="0" lang="en-US" sz="1400" spc="-1" strike="noStrike">
+                <a:latin typeface="Arial"/>
+              </a:endParaRPr>
+            </a:p>
+          </p:txBody>
+        </p:sp>
+        <p:sp>
+          <p:nvSpPr>
+            <p:cNvPr id="87" name="CustomShape 12"/>
+            <p:cNvSpPr/>
+            <p:nvPr/>
+          </p:nvSpPr>
+          <p:spPr>
+            <a:xfrm>
+              <a:off x="332280" y="2340000"/>
+              <a:ext cx="1847520" cy="269640"/>
+            </a:xfrm>
+            <a:prstGeom prst="rect">
+              <a:avLst/>
+            </a:prstGeom>
+            <a:noFill/>
+            <a:ln w="18360">
+              <a:solidFill>
+                <a:srgbClr val="000000"/>
+              </a:solidFill>
+              <a:round/>
+            </a:ln>
+          </p:spPr>
+          <p:style>
+            <a:lnRef idx="0"/>
+            <a:fillRef idx="0"/>
+            <a:effectRef idx="0"/>
+            <a:fontRef idx="minor"/>
+          </p:style>
+          <p:txBody>
+            <a:bodyPr lIns="99000" rIns="99000" tIns="54000" bIns="54000">
+              <a:noAutofit/>
+            </a:bodyPr>
+            <a:p>
+              <a:pPr algn="ctr">
+                <a:lnSpc>
+                  <a:spcPct val="100000"/>
+                </a:lnSpc>
+              </a:pPr>
+              <a:r>
+                <a:rPr b="0" lang="en-US" sz="1400" spc="-1" strike="noStrike">
+                  <a:latin typeface="Arial"/>
+                </a:rPr>
+                <a:t>Applied Q (Sensing)</a:t>
+              </a:r>
+              <a:endParaRPr b="0" lang="en-US" sz="1400" spc="-1" strike="noStrike">
+                <a:latin typeface="Arial"/>
+              </a:endParaRPr>
+            </a:p>
+          </p:txBody>
+        </p:sp>
+        <p:sp>
+          <p:nvSpPr>
+            <p:cNvPr id="88" name="CustomShape 13"/>
+            <p:cNvSpPr/>
+            <p:nvPr/>
+          </p:nvSpPr>
+          <p:spPr>
+            <a:xfrm>
+              <a:off x="332280" y="2856240"/>
+              <a:ext cx="1847520" cy="269640"/>
+            </a:xfrm>
+            <a:prstGeom prst="rect">
+              <a:avLst/>
+            </a:prstGeom>
+            <a:noFill/>
+            <a:ln w="18360">
+              <a:solidFill>
+                <a:srgbClr val="000000"/>
+              </a:solidFill>
+              <a:round/>
+            </a:ln>
+          </p:spPr>
+          <p:style>
+            <a:lnRef idx="0"/>
+            <a:fillRef idx="0"/>
+            <a:effectRef idx="0"/>
+            <a:fontRef idx="minor"/>
+          </p:style>
+          <p:txBody>
+            <a:bodyPr lIns="99000" rIns="99000" tIns="54000" bIns="54000">
+              <a:noAutofit/>
+            </a:bodyPr>
+            <a:p>
+              <a:pPr algn="ctr">
+                <a:lnSpc>
+                  <a:spcPct val="100000"/>
+                </a:lnSpc>
+              </a:pPr>
+              <a:r>
+                <a:rPr b="0" lang="en-US" sz="1400" spc="-1" strike="noStrike">
+                  <a:latin typeface="Arial"/>
+                </a:rPr>
+                <a:t>Quantum Crypto</a:t>
+              </a:r>
+              <a:endParaRPr b="0" lang="en-US" sz="1400" spc="-1" strike="noStrike">
+                <a:latin typeface="Arial"/>
+              </a:endParaRPr>
+            </a:p>
+          </p:txBody>
+        </p:sp>
+        <p:sp>
+          <p:nvSpPr>
+            <p:cNvPr id="89" name="CustomShape 14"/>
+            <p:cNvSpPr/>
+            <p:nvPr/>
+          </p:nvSpPr>
+          <p:spPr>
+            <a:xfrm>
+              <a:off x="332280" y="3361680"/>
+              <a:ext cx="1847520" cy="269640"/>
+            </a:xfrm>
+            <a:prstGeom prst="rect">
+              <a:avLst/>
+            </a:prstGeom>
+            <a:noFill/>
+            <a:ln w="18360">
+              <a:solidFill>
+                <a:srgbClr val="000000"/>
+              </a:solidFill>
+              <a:round/>
+            </a:ln>
+          </p:spPr>
+          <p:style>
+            <a:lnRef idx="0"/>
+            <a:fillRef idx="0"/>
+            <a:effectRef idx="0"/>
+            <a:fontRef idx="minor"/>
+          </p:style>
+          <p:txBody>
+            <a:bodyPr lIns="99000" rIns="99000" tIns="54000" bIns="54000">
+              <a:noAutofit/>
+            </a:bodyPr>
+            <a:p>
+              <a:pPr algn="ctr">
+                <a:lnSpc>
+                  <a:spcPct val="100000"/>
+                </a:lnSpc>
+              </a:pPr>
+              <a:r>
+                <a:rPr b="0" lang="en-US" sz="1400" spc="-1" strike="noStrike">
+                  <a:latin typeface="Arial"/>
+                </a:rPr>
+                <a:t>Quantum Capstone</a:t>
+              </a:r>
+              <a:endParaRPr b="0" lang="en-US" sz="1400" spc="-1" strike="noStrike">
+                <a:latin typeface="Arial"/>
+              </a:endParaRPr>
+            </a:p>
+          </p:txBody>
+        </p:sp>
+        <p:sp>
+          <p:nvSpPr>
+            <p:cNvPr id="90" name="Line 15"/>
+            <p:cNvSpPr/>
+            <p:nvPr/>
+          </p:nvSpPr>
+          <p:spPr>
+            <a:xfrm>
+              <a:off x="1234800" y="1597680"/>
+              <a:ext cx="0" cy="236880"/>
+            </a:xfrm>
+            <a:prstGeom prst="line">
+              <a:avLst/>
+            </a:prstGeom>
+            <a:ln w="0">
+              <a:solidFill>
+                <a:srgbClr val="3465a4"/>
+              </a:solidFill>
+              <a:tailEnd len="med" type="triangle" w="med"/>
+            </a:ln>
+          </p:spPr>
+          <p:style>
+            <a:lnRef idx="0"/>
+            <a:fillRef idx="0"/>
+            <a:effectRef idx="0"/>
+            <a:fontRef idx="minor"/>
+          </p:style>
+        </p:sp>
+        <p:sp>
+          <p:nvSpPr>
+            <p:cNvPr id="91" name="Line 16"/>
+            <p:cNvSpPr/>
+            <p:nvPr/>
+          </p:nvSpPr>
+          <p:spPr>
+            <a:xfrm>
+              <a:off x="1234800" y="2101680"/>
+              <a:ext cx="0" cy="236880"/>
+            </a:xfrm>
+            <a:prstGeom prst="line">
+              <a:avLst/>
+            </a:prstGeom>
+            <a:ln w="0">
+              <a:solidFill>
+                <a:srgbClr val="3465a4"/>
+              </a:solidFill>
+              <a:tailEnd len="med" type="triangle" w="med"/>
+            </a:ln>
+          </p:spPr>
+          <p:style>
+            <a:lnRef idx="0"/>
+            <a:fillRef idx="0"/>
+            <a:effectRef idx="0"/>
+            <a:fontRef idx="minor"/>
+          </p:style>
+        </p:sp>
+        <p:sp>
+          <p:nvSpPr>
+            <p:cNvPr id="92" name="Line 17"/>
+            <p:cNvSpPr/>
+            <p:nvPr/>
+          </p:nvSpPr>
+          <p:spPr>
+            <a:xfrm>
+              <a:off x="1234800" y="2606040"/>
+              <a:ext cx="0" cy="236880"/>
+            </a:xfrm>
+            <a:prstGeom prst="line">
+              <a:avLst/>
+            </a:prstGeom>
+            <a:ln w="0">
+              <a:solidFill>
+                <a:srgbClr val="3465a4"/>
+              </a:solidFill>
+              <a:tailEnd len="med" type="triangle" w="med"/>
+            </a:ln>
+          </p:spPr>
+          <p:style>
+            <a:lnRef idx="0"/>
+            <a:fillRef idx="0"/>
+            <a:effectRef idx="0"/>
+            <a:fontRef idx="minor"/>
+          </p:style>
+        </p:sp>
+        <p:sp>
+          <p:nvSpPr>
+            <p:cNvPr id="93" name="Line 18"/>
+            <p:cNvSpPr/>
+            <p:nvPr/>
+          </p:nvSpPr>
+          <p:spPr>
+            <a:xfrm>
+              <a:off x="1234800" y="3124800"/>
+              <a:ext cx="0" cy="236880"/>
+            </a:xfrm>
+            <a:prstGeom prst="line">
+              <a:avLst/>
+            </a:prstGeom>
+            <a:ln w="0">
+              <a:solidFill>
+                <a:srgbClr val="3465a4"/>
+              </a:solidFill>
+              <a:tailEnd len="med" type="triangle" w="med"/>
+            </a:ln>
+          </p:spPr>
+          <p:style>
+            <a:lnRef idx="0"/>
+            <a:fillRef idx="0"/>
+            <a:effectRef idx="0"/>
+            <a:fontRef idx="minor"/>
+          </p:style>
+        </p:sp>
+        <p:sp>
+          <p:nvSpPr>
+            <p:cNvPr id="94" name="CustomShape 19"/>
+            <p:cNvSpPr/>
+            <p:nvPr/>
+          </p:nvSpPr>
+          <p:spPr>
+            <a:xfrm>
+              <a:off x="2859120" y="2856240"/>
+              <a:ext cx="1696680" cy="268200"/>
+            </a:xfrm>
+            <a:prstGeom prst="rect">
+              <a:avLst/>
+            </a:prstGeom>
+            <a:noFill/>
+            <a:ln w="18360">
+              <a:solidFill>
+                <a:srgbClr val="0000ff"/>
+              </a:solidFill>
+              <a:round/>
+            </a:ln>
+          </p:spPr>
+          <p:style>
+            <a:lnRef idx="0"/>
+            <a:fillRef idx="0"/>
+            <a:effectRef idx="0"/>
+            <a:fontRef idx="minor"/>
+          </p:style>
+          <p:txBody>
+            <a:bodyPr lIns="99000" rIns="99000" tIns="54000" bIns="54000">
+              <a:noAutofit/>
+            </a:bodyPr>
+            <a:p>
+              <a:pPr algn="ctr">
+                <a:lnSpc>
+                  <a:spcPct val="100000"/>
+                </a:lnSpc>
+              </a:pPr>
+              <a:r>
+                <a:rPr b="0" lang="en-US" sz="1400" spc="-1" strike="noStrike">
+                  <a:solidFill>
+                    <a:srgbClr val="0000ff"/>
+                  </a:solidFill>
+                  <a:latin typeface="Arial"/>
+                </a:rPr>
+                <a:t>QKD Labs</a:t>
+              </a:r>
+              <a:endParaRPr b="0" lang="en-US" sz="1400" spc="-1" strike="noStrike">
+                <a:latin typeface="Arial"/>
+              </a:endParaRPr>
+            </a:p>
+          </p:txBody>
+        </p:sp>
+        <p:sp>
+          <p:nvSpPr>
+            <p:cNvPr id="95" name="Line 20"/>
+            <p:cNvSpPr/>
+            <p:nvPr/>
+          </p:nvSpPr>
+          <p:spPr>
+            <a:xfrm>
+              <a:off x="2180160" y="2999520"/>
+              <a:ext cx="678960" cy="0"/>
+            </a:xfrm>
+            <a:prstGeom prst="line">
+              <a:avLst/>
+            </a:prstGeom>
+            <a:ln w="0">
+              <a:solidFill>
+                <a:srgbClr val="3465a4"/>
+              </a:solidFill>
+              <a:headEnd len="med" type="triangle" w="med"/>
+              <a:tailEnd len="med" type="triangle" w="med"/>
+            </a:ln>
+          </p:spPr>
+          <p:style>
+            <a:lnRef idx="0"/>
+            <a:fillRef idx="0"/>
+            <a:effectRef idx="0"/>
+            <a:fontRef idx="minor"/>
+          </p:style>
+        </p:sp>
+        <p:sp>
+          <p:nvSpPr>
+            <p:cNvPr id="96" name="CustomShape 21"/>
+            <p:cNvSpPr/>
+            <p:nvPr/>
+          </p:nvSpPr>
+          <p:spPr>
+            <a:xfrm>
+              <a:off x="2859120" y="2356920"/>
+              <a:ext cx="1696680" cy="268200"/>
+            </a:xfrm>
+            <a:prstGeom prst="rect">
+              <a:avLst/>
+            </a:prstGeom>
+            <a:noFill/>
+            <a:ln w="18360">
+              <a:solidFill>
+                <a:srgbClr val="0000ff"/>
+              </a:solidFill>
+              <a:round/>
+            </a:ln>
+          </p:spPr>
+          <p:style>
+            <a:lnRef idx="0"/>
+            <a:fillRef idx="0"/>
+            <a:effectRef idx="0"/>
+            <a:fontRef idx="minor"/>
+          </p:style>
+          <p:txBody>
+            <a:bodyPr lIns="99000" rIns="99000" tIns="54000" bIns="54000">
+              <a:noAutofit/>
+            </a:bodyPr>
+            <a:p>
+              <a:pPr algn="ctr">
+                <a:lnSpc>
+                  <a:spcPct val="100000"/>
+                </a:lnSpc>
+              </a:pPr>
+              <a:r>
+                <a:rPr b="0" lang="en-US" sz="1400" spc="-1" strike="noStrike">
+                  <a:solidFill>
+                    <a:srgbClr val="0000ff"/>
+                  </a:solidFill>
+                  <a:latin typeface="Arial"/>
+                </a:rPr>
+                <a:t>Q-Sensing Labs</a:t>
+              </a:r>
+              <a:endParaRPr b="0" lang="en-US" sz="1400" spc="-1" strike="noStrike">
+                <a:latin typeface="Arial"/>
+              </a:endParaRPr>
+            </a:p>
+          </p:txBody>
+        </p:sp>
+        <p:sp>
+          <p:nvSpPr>
+            <p:cNvPr id="97" name="Line 22"/>
+            <p:cNvSpPr/>
+            <p:nvPr/>
+          </p:nvSpPr>
+          <p:spPr>
+            <a:xfrm>
+              <a:off x="2180160" y="2500200"/>
+              <a:ext cx="678960" cy="0"/>
+            </a:xfrm>
+            <a:prstGeom prst="line">
+              <a:avLst/>
+            </a:prstGeom>
+            <a:ln w="0">
+              <a:solidFill>
+                <a:srgbClr val="3465a4"/>
+              </a:solidFill>
+              <a:headEnd len="med" type="triangle" w="med"/>
+              <a:tailEnd len="med" type="triangle" w="med"/>
+            </a:ln>
+          </p:spPr>
+          <p:style>
+            <a:lnRef idx="0"/>
+            <a:fillRef idx="0"/>
+            <a:effectRef idx="0"/>
+            <a:fontRef idx="minor"/>
+          </p:style>
+        </p:sp>
+        <p:sp>
+          <p:nvSpPr>
+            <p:cNvPr id="98" name="CustomShape 23"/>
+            <p:cNvSpPr/>
+            <p:nvPr/>
+          </p:nvSpPr>
+          <p:spPr>
+            <a:xfrm>
+              <a:off x="2874960" y="1833120"/>
+              <a:ext cx="1696680" cy="268200"/>
+            </a:xfrm>
+            <a:prstGeom prst="rect">
+              <a:avLst/>
+            </a:prstGeom>
+            <a:noFill/>
+            <a:ln w="18360">
+              <a:solidFill>
+                <a:srgbClr val="0000ff"/>
+              </a:solidFill>
+              <a:round/>
+            </a:ln>
+          </p:spPr>
+          <p:style>
+            <a:lnRef idx="0"/>
+            <a:fillRef idx="0"/>
+            <a:effectRef idx="0"/>
+            <a:fontRef idx="minor"/>
+          </p:style>
+          <p:txBody>
+            <a:bodyPr lIns="99000" rIns="99000" tIns="54000" bIns="54000">
+              <a:noAutofit/>
+            </a:bodyPr>
+            <a:p>
+              <a:pPr algn="ctr">
+                <a:lnSpc>
+                  <a:spcPct val="100000"/>
+                </a:lnSpc>
+              </a:pPr>
+              <a:r>
+                <a:rPr b="0" lang="en-US" sz="1400" spc="-1" strike="noStrike">
+                  <a:solidFill>
+                    <a:srgbClr val="0000ff"/>
+                  </a:solidFill>
+                  <a:latin typeface="Arial"/>
+                </a:rPr>
+                <a:t>QC Programming</a:t>
+              </a:r>
+              <a:endParaRPr b="0" lang="en-US" sz="1400" spc="-1" strike="noStrike">
+                <a:latin typeface="Arial"/>
+              </a:endParaRPr>
+            </a:p>
+          </p:txBody>
+        </p:sp>
+        <p:sp>
+          <p:nvSpPr>
+            <p:cNvPr id="99" name="Line 24"/>
+            <p:cNvSpPr/>
+            <p:nvPr/>
+          </p:nvSpPr>
+          <p:spPr>
+            <a:xfrm>
+              <a:off x="2196360" y="1976400"/>
+              <a:ext cx="678600" cy="0"/>
+            </a:xfrm>
+            <a:prstGeom prst="line">
+              <a:avLst/>
+            </a:prstGeom>
+            <a:ln w="0">
+              <a:solidFill>
+                <a:srgbClr val="3465a4"/>
+              </a:solidFill>
+              <a:headEnd len="med" type="triangle" w="med"/>
+              <a:tailEnd len="med" type="triangle" w="med"/>
+            </a:ln>
+          </p:spPr>
+          <p:style>
+            <a:lnRef idx="0"/>
+            <a:fillRef idx="0"/>
+            <a:effectRef idx="0"/>
+            <a:fontRef idx="minor"/>
+          </p:style>
+        </p:sp>
+      </p:grpSp>
+      <p:pic>
+        <p:nvPicPr>
+          <p:cNvPr id="100" name="" descr=""/>
+          <p:cNvPicPr/>
+          <p:nvPr/>
+        </p:nvPicPr>
+        <p:blipFill>
+          <a:blip r:embed="rId1"/>
+          <a:stretch/>
+        </p:blipFill>
+        <p:spPr>
+          <a:xfrm>
+            <a:off x="4031280" y="3276360"/>
+            <a:ext cx="6049440" cy="2394360"/>
+          </a:xfrm>
+          <a:prstGeom prst="rect">
+            <a:avLst/>
+          </a:prstGeom>
+          <a:ln w="0">
+            <a:noFill/>
+          </a:ln>
+        </p:spPr>
+      </p:pic>
     </p:spTree>
   </p:cSld>
   <mc:AlternateContent>

--- a/quantum-courses/quantum-course-blocks.pptx
+++ b/quantum-courses/quantum-course-blocks.pptx
@@ -3,10 +3,12 @@
 <p:presentation xmlns:a="http://schemas.openxmlformats.org/drawingml/2006/main" xmlns:p="http://schemas.openxmlformats.org/presentationml/2006/main" xmlns:r="http://schemas.openxmlformats.org/officeDocument/2006/relationships" xmlns:p14="http://schemas.microsoft.com/office/powerpoint/2010/main" xmlns:p15="http://schemas.microsoft.com/office/powerpoint/2012/main" xmlns:mc="http://schemas.openxmlformats.org/markup-compatibility/2006">
   <p:sldMasterIdLst>
     <p:sldMasterId id="2147483648" r:id="rId2"/>
+    <p:sldMasterId id="2147483661" r:id="rId3"/>
   </p:sldMasterIdLst>
   <p:sldIdLst>
-    <p:sldId id="256" r:id="rId3"/>
-    <p:sldId id="257" r:id="rId4"/>
+    <p:sldId id="256" r:id="rId4"/>
+    <p:sldId id="257" r:id="rId5"/>
+    <p:sldId id="258" r:id="rId6"/>
   </p:sldIdLst>
   <p:sldSz cx="10080625" cy="5670550"/>
   <p:notesSz cx="7559675" cy="10691812"/>
@@ -65,7 +67,7 @@
         <p:spPr>
           <a:xfrm>
             <a:off x="504000" y="226080"/>
-            <a:ext cx="9071280" cy="946080"/>
+            <a:ext cx="9072000" cy="946440"/>
           </a:xfrm>
           <a:prstGeom prst="rect">
             <a:avLst/>
@@ -178,7 +180,7 @@
         <p:spPr>
           <a:xfrm>
             <a:off x="504000" y="226080"/>
-            <a:ext cx="9071280" cy="946080"/>
+            <a:ext cx="9072000" cy="946440"/>
           </a:xfrm>
           <a:prstGeom prst="rect">
             <a:avLst/>
@@ -351,7 +353,7 @@
         <p:spPr>
           <a:xfrm>
             <a:off x="504000" y="226080"/>
-            <a:ext cx="9071280" cy="946080"/>
+            <a:ext cx="9072000" cy="946440"/>
           </a:xfrm>
           <a:prstGeom prst="rect">
             <a:avLst/>
@@ -533,6 +535,557 @@
           <a:xfrm>
             <a:off x="6639120" y="3044520"/>
             <a:ext cx="2921040" cy="1568520"/>
+          </a:xfrm>
+          <a:prstGeom prst="rect">
+            <a:avLst/>
+          </a:prstGeom>
+        </p:spPr>
+        <p:txBody>
+          <a:bodyPr lIns="0" rIns="0" tIns="0" bIns="0">
+            <a:normAutofit/>
+          </a:bodyPr>
+          <a:p>
+            <a:endParaRPr b="0" lang="en-US" sz="3200" spc="-1" strike="noStrike">
+              <a:latin typeface="Arial"/>
+            </a:endParaRPr>
+          </a:p>
+        </p:txBody>
+      </p:sp>
+    </p:spTree>
+  </p:cSld>
+</p:sldLayout>
+</file>
+
+<file path=ppt/slideLayouts/slideLayout13.xml><?xml version="1.0" encoding="utf-8"?>
+<p:sldLayout xmlns:a="http://schemas.openxmlformats.org/drawingml/2006/main" xmlns:p="http://schemas.openxmlformats.org/presentationml/2006/main" xmlns:r="http://schemas.openxmlformats.org/officeDocument/2006/relationships" xmlns:p14="http://schemas.microsoft.com/office/powerpoint/2010/main" xmlns:p15="http://schemas.microsoft.com/office/powerpoint/2012/main" xmlns:mc="http://schemas.openxmlformats.org/markup-compatibility/2006" type="blank" preserve="1">
+  <p:cSld name="Blank Slide">
+    <p:spTree>
+      <p:nvGrpSpPr>
+        <p:cNvPr id="1" name=""/>
+        <p:cNvGrpSpPr/>
+        <p:nvPr/>
+      </p:nvGrpSpPr>
+      <p:grpSpPr>
+        <a:xfrm>
+          <a:off x="0" y="0"/>
+          <a:ext cx="0" cy="0"/>
+          <a:chOff x="0" y="0"/>
+          <a:chExt cx="0" cy="0"/>
+        </a:xfrm>
+      </p:grpSpPr>
+    </p:spTree>
+  </p:cSld>
+</p:sldLayout>
+</file>
+
+<file path=ppt/slideLayouts/slideLayout14.xml><?xml version="1.0" encoding="utf-8"?>
+<p:sldLayout xmlns:a="http://schemas.openxmlformats.org/drawingml/2006/main" xmlns:p="http://schemas.openxmlformats.org/presentationml/2006/main" xmlns:r="http://schemas.openxmlformats.org/officeDocument/2006/relationships" xmlns:p14="http://schemas.microsoft.com/office/powerpoint/2010/main" xmlns:p15="http://schemas.microsoft.com/office/powerpoint/2012/main" xmlns:mc="http://schemas.openxmlformats.org/markup-compatibility/2006" type="tx" preserve="1">
+  <p:cSld name="Title Slide">
+    <p:spTree>
+      <p:nvGrpSpPr>
+        <p:cNvPr id="1" name=""/>
+        <p:cNvGrpSpPr/>
+        <p:nvPr/>
+      </p:nvGrpSpPr>
+      <p:grpSpPr>
+        <a:xfrm>
+          <a:off x="0" y="0"/>
+          <a:ext cx="0" cy="0"/>
+          <a:chOff x="0" y="0"/>
+          <a:chExt cx="0" cy="0"/>
+        </a:xfrm>
+      </p:grpSpPr>
+      <p:sp>
+        <p:nvSpPr>
+          <p:cNvPr id="40" name="PlaceHolder 1"/>
+          <p:cNvSpPr>
+            <a:spLocks noGrp="1"/>
+          </p:cNvSpPr>
+          <p:nvPr>
+            <p:ph type="title"/>
+          </p:nvPr>
+        </p:nvSpPr>
+        <p:spPr>
+          <a:xfrm>
+            <a:off x="504000" y="226080"/>
+            <a:ext cx="9072000" cy="946440"/>
+          </a:xfrm>
+          <a:prstGeom prst="rect">
+            <a:avLst/>
+          </a:prstGeom>
+        </p:spPr>
+        <p:txBody>
+          <a:bodyPr lIns="0" rIns="0" tIns="0" bIns="0" anchor="ctr">
+            <a:noAutofit/>
+          </a:bodyPr>
+          <a:p>
+            <a:pPr algn="ctr"/>
+            <a:endParaRPr b="0" lang="en-US" sz="4400" spc="-1" strike="noStrike">
+              <a:latin typeface="Arial"/>
+            </a:endParaRPr>
+          </a:p>
+        </p:txBody>
+      </p:sp>
+      <p:sp>
+        <p:nvSpPr>
+          <p:cNvPr id="41" name="PlaceHolder 2"/>
+          <p:cNvSpPr>
+            <a:spLocks noGrp="1"/>
+          </p:cNvSpPr>
+          <p:nvPr>
+            <p:ph type="subTitle"/>
+          </p:nvPr>
+        </p:nvSpPr>
+        <p:spPr>
+          <a:xfrm>
+            <a:off x="504000" y="1326600"/>
+            <a:ext cx="9072000" cy="3288600"/>
+          </a:xfrm>
+          <a:prstGeom prst="rect">
+            <a:avLst/>
+          </a:prstGeom>
+        </p:spPr>
+        <p:txBody>
+          <a:bodyPr lIns="0" rIns="0" tIns="0" bIns="0" anchor="ctr">
+            <a:noAutofit/>
+          </a:bodyPr>
+          <a:p>
+            <a:pPr algn="ctr"/>
+            <a:endParaRPr b="0" lang="en-US" sz="3200" spc="-1" strike="noStrike">
+              <a:latin typeface="Arial"/>
+            </a:endParaRPr>
+          </a:p>
+        </p:txBody>
+      </p:sp>
+    </p:spTree>
+  </p:cSld>
+</p:sldLayout>
+</file>
+
+<file path=ppt/slideLayouts/slideLayout15.xml><?xml version="1.0" encoding="utf-8"?>
+<p:sldLayout xmlns:a="http://schemas.openxmlformats.org/drawingml/2006/main" xmlns:p="http://schemas.openxmlformats.org/presentationml/2006/main" xmlns:r="http://schemas.openxmlformats.org/officeDocument/2006/relationships" xmlns:p14="http://schemas.microsoft.com/office/powerpoint/2010/main" xmlns:p15="http://schemas.microsoft.com/office/powerpoint/2012/main" xmlns:mc="http://schemas.openxmlformats.org/markup-compatibility/2006" type="obj" preserve="1">
+  <p:cSld name="Title, Content">
+    <p:spTree>
+      <p:nvGrpSpPr>
+        <p:cNvPr id="1" name=""/>
+        <p:cNvGrpSpPr/>
+        <p:nvPr/>
+      </p:nvGrpSpPr>
+      <p:grpSpPr>
+        <a:xfrm>
+          <a:off x="0" y="0"/>
+          <a:ext cx="0" cy="0"/>
+          <a:chOff x="0" y="0"/>
+          <a:chExt cx="0" cy="0"/>
+        </a:xfrm>
+      </p:grpSpPr>
+      <p:sp>
+        <p:nvSpPr>
+          <p:cNvPr id="42" name="PlaceHolder 1"/>
+          <p:cNvSpPr>
+            <a:spLocks noGrp="1"/>
+          </p:cNvSpPr>
+          <p:nvPr>
+            <p:ph type="title"/>
+          </p:nvPr>
+        </p:nvSpPr>
+        <p:spPr>
+          <a:xfrm>
+            <a:off x="504000" y="226080"/>
+            <a:ext cx="9072000" cy="946440"/>
+          </a:xfrm>
+          <a:prstGeom prst="rect">
+            <a:avLst/>
+          </a:prstGeom>
+        </p:spPr>
+        <p:txBody>
+          <a:bodyPr lIns="0" rIns="0" tIns="0" bIns="0" anchor="ctr">
+            <a:noAutofit/>
+          </a:bodyPr>
+          <a:p>
+            <a:pPr algn="ctr"/>
+            <a:endParaRPr b="0" lang="en-US" sz="4400" spc="-1" strike="noStrike">
+              <a:latin typeface="Arial"/>
+            </a:endParaRPr>
+          </a:p>
+        </p:txBody>
+      </p:sp>
+      <p:sp>
+        <p:nvSpPr>
+          <p:cNvPr id="43" name="PlaceHolder 2"/>
+          <p:cNvSpPr>
+            <a:spLocks noGrp="1"/>
+          </p:cNvSpPr>
+          <p:nvPr>
+            <p:ph type="body"/>
+          </p:nvPr>
+        </p:nvSpPr>
+        <p:spPr>
+          <a:xfrm>
+            <a:off x="504000" y="1326600"/>
+            <a:ext cx="9072000" cy="3288600"/>
+          </a:xfrm>
+          <a:prstGeom prst="rect">
+            <a:avLst/>
+          </a:prstGeom>
+        </p:spPr>
+        <p:txBody>
+          <a:bodyPr lIns="0" rIns="0" tIns="0" bIns="0">
+            <a:normAutofit/>
+          </a:bodyPr>
+          <a:p>
+            <a:endParaRPr b="0" lang="en-US" sz="3200" spc="-1" strike="noStrike">
+              <a:latin typeface="Arial"/>
+            </a:endParaRPr>
+          </a:p>
+        </p:txBody>
+      </p:sp>
+    </p:spTree>
+  </p:cSld>
+</p:sldLayout>
+</file>
+
+<file path=ppt/slideLayouts/slideLayout16.xml><?xml version="1.0" encoding="utf-8"?>
+<p:sldLayout xmlns:a="http://schemas.openxmlformats.org/drawingml/2006/main" xmlns:p="http://schemas.openxmlformats.org/presentationml/2006/main" xmlns:r="http://schemas.openxmlformats.org/officeDocument/2006/relationships" xmlns:p14="http://schemas.microsoft.com/office/powerpoint/2010/main" xmlns:p15="http://schemas.microsoft.com/office/powerpoint/2012/main" xmlns:mc="http://schemas.openxmlformats.org/markup-compatibility/2006" type="twoObj" preserve="1">
+  <p:cSld name="Title, 2 Content">
+    <p:spTree>
+      <p:nvGrpSpPr>
+        <p:cNvPr id="1" name=""/>
+        <p:cNvGrpSpPr/>
+        <p:nvPr/>
+      </p:nvGrpSpPr>
+      <p:grpSpPr>
+        <a:xfrm>
+          <a:off x="0" y="0"/>
+          <a:ext cx="0" cy="0"/>
+          <a:chOff x="0" y="0"/>
+          <a:chExt cx="0" cy="0"/>
+        </a:xfrm>
+      </p:grpSpPr>
+      <p:sp>
+        <p:nvSpPr>
+          <p:cNvPr id="44" name="PlaceHolder 1"/>
+          <p:cNvSpPr>
+            <a:spLocks noGrp="1"/>
+          </p:cNvSpPr>
+          <p:nvPr>
+            <p:ph type="title"/>
+          </p:nvPr>
+        </p:nvSpPr>
+        <p:spPr>
+          <a:xfrm>
+            <a:off x="504000" y="226080"/>
+            <a:ext cx="9072000" cy="946440"/>
+          </a:xfrm>
+          <a:prstGeom prst="rect">
+            <a:avLst/>
+          </a:prstGeom>
+        </p:spPr>
+        <p:txBody>
+          <a:bodyPr lIns="0" rIns="0" tIns="0" bIns="0" anchor="ctr">
+            <a:noAutofit/>
+          </a:bodyPr>
+          <a:p>
+            <a:pPr algn="ctr"/>
+            <a:endParaRPr b="0" lang="en-US" sz="4400" spc="-1" strike="noStrike">
+              <a:latin typeface="Arial"/>
+            </a:endParaRPr>
+          </a:p>
+        </p:txBody>
+      </p:sp>
+      <p:sp>
+        <p:nvSpPr>
+          <p:cNvPr id="45" name="PlaceHolder 2"/>
+          <p:cNvSpPr>
+            <a:spLocks noGrp="1"/>
+          </p:cNvSpPr>
+          <p:nvPr>
+            <p:ph type="body"/>
+          </p:nvPr>
+        </p:nvSpPr>
+        <p:spPr>
+          <a:xfrm>
+            <a:off x="504000" y="1326600"/>
+            <a:ext cx="4426920" cy="3288600"/>
+          </a:xfrm>
+          <a:prstGeom prst="rect">
+            <a:avLst/>
+          </a:prstGeom>
+        </p:spPr>
+        <p:txBody>
+          <a:bodyPr lIns="0" rIns="0" tIns="0" bIns="0">
+            <a:normAutofit/>
+          </a:bodyPr>
+          <a:p>
+            <a:endParaRPr b="0" lang="en-US" sz="3200" spc="-1" strike="noStrike">
+              <a:latin typeface="Arial"/>
+            </a:endParaRPr>
+          </a:p>
+        </p:txBody>
+      </p:sp>
+      <p:sp>
+        <p:nvSpPr>
+          <p:cNvPr id="46" name="PlaceHolder 3"/>
+          <p:cNvSpPr>
+            <a:spLocks noGrp="1"/>
+          </p:cNvSpPr>
+          <p:nvPr>
+            <p:ph type="body"/>
+          </p:nvPr>
+        </p:nvSpPr>
+        <p:spPr>
+          <a:xfrm>
+            <a:off x="5152680" y="1326600"/>
+            <a:ext cx="4426920" cy="3288600"/>
+          </a:xfrm>
+          <a:prstGeom prst="rect">
+            <a:avLst/>
+          </a:prstGeom>
+        </p:spPr>
+        <p:txBody>
+          <a:bodyPr lIns="0" rIns="0" tIns="0" bIns="0">
+            <a:normAutofit/>
+          </a:bodyPr>
+          <a:p>
+            <a:endParaRPr b="0" lang="en-US" sz="3200" spc="-1" strike="noStrike">
+              <a:latin typeface="Arial"/>
+            </a:endParaRPr>
+          </a:p>
+        </p:txBody>
+      </p:sp>
+    </p:spTree>
+  </p:cSld>
+</p:sldLayout>
+</file>
+
+<file path=ppt/slideLayouts/slideLayout17.xml><?xml version="1.0" encoding="utf-8"?>
+<p:sldLayout xmlns:a="http://schemas.openxmlformats.org/drawingml/2006/main" xmlns:p="http://schemas.openxmlformats.org/presentationml/2006/main" xmlns:r="http://schemas.openxmlformats.org/officeDocument/2006/relationships" xmlns:p14="http://schemas.microsoft.com/office/powerpoint/2010/main" xmlns:p15="http://schemas.microsoft.com/office/powerpoint/2012/main" xmlns:mc="http://schemas.openxmlformats.org/markup-compatibility/2006" type="titleOnly" preserve="1">
+  <p:cSld name="Title Only">
+    <p:spTree>
+      <p:nvGrpSpPr>
+        <p:cNvPr id="1" name=""/>
+        <p:cNvGrpSpPr/>
+        <p:nvPr/>
+      </p:nvGrpSpPr>
+      <p:grpSpPr>
+        <a:xfrm>
+          <a:off x="0" y="0"/>
+          <a:ext cx="0" cy="0"/>
+          <a:chOff x="0" y="0"/>
+          <a:chExt cx="0" cy="0"/>
+        </a:xfrm>
+      </p:grpSpPr>
+      <p:sp>
+        <p:nvSpPr>
+          <p:cNvPr id="47" name="PlaceHolder 1"/>
+          <p:cNvSpPr>
+            <a:spLocks noGrp="1"/>
+          </p:cNvSpPr>
+          <p:nvPr>
+            <p:ph type="title"/>
+          </p:nvPr>
+        </p:nvSpPr>
+        <p:spPr>
+          <a:xfrm>
+            <a:off x="504000" y="226080"/>
+            <a:ext cx="9072000" cy="946440"/>
+          </a:xfrm>
+          <a:prstGeom prst="rect">
+            <a:avLst/>
+          </a:prstGeom>
+        </p:spPr>
+        <p:txBody>
+          <a:bodyPr lIns="0" rIns="0" tIns="0" bIns="0" anchor="ctr">
+            <a:noAutofit/>
+          </a:bodyPr>
+          <a:p>
+            <a:pPr algn="ctr"/>
+            <a:endParaRPr b="0" lang="en-US" sz="4400" spc="-1" strike="noStrike">
+              <a:latin typeface="Arial"/>
+            </a:endParaRPr>
+          </a:p>
+        </p:txBody>
+      </p:sp>
+    </p:spTree>
+  </p:cSld>
+</p:sldLayout>
+</file>
+
+<file path=ppt/slideLayouts/slideLayout18.xml><?xml version="1.0" encoding="utf-8"?>
+<p:sldLayout xmlns:a="http://schemas.openxmlformats.org/drawingml/2006/main" xmlns:p="http://schemas.openxmlformats.org/presentationml/2006/main" xmlns:r="http://schemas.openxmlformats.org/officeDocument/2006/relationships" xmlns:p14="http://schemas.microsoft.com/office/powerpoint/2010/main" xmlns:p15="http://schemas.microsoft.com/office/powerpoint/2012/main" xmlns:mc="http://schemas.openxmlformats.org/markup-compatibility/2006" type="objOnly" preserve="1">
+  <p:cSld name="Centered Text">
+    <p:spTree>
+      <p:nvGrpSpPr>
+        <p:cNvPr id="1" name=""/>
+        <p:cNvGrpSpPr/>
+        <p:nvPr/>
+      </p:nvGrpSpPr>
+      <p:grpSpPr>
+        <a:xfrm>
+          <a:off x="0" y="0"/>
+          <a:ext cx="0" cy="0"/>
+          <a:chOff x="0" y="0"/>
+          <a:chExt cx="0" cy="0"/>
+        </a:xfrm>
+      </p:grpSpPr>
+      <p:sp>
+        <p:nvSpPr>
+          <p:cNvPr id="48" name="PlaceHolder 1"/>
+          <p:cNvSpPr>
+            <a:spLocks noGrp="1"/>
+          </p:cNvSpPr>
+          <p:nvPr>
+            <p:ph type="subTitle"/>
+          </p:nvPr>
+        </p:nvSpPr>
+        <p:spPr>
+          <a:xfrm>
+            <a:off x="504000" y="226080"/>
+            <a:ext cx="9072000" cy="4388400"/>
+          </a:xfrm>
+          <a:prstGeom prst="rect">
+            <a:avLst/>
+          </a:prstGeom>
+        </p:spPr>
+        <p:txBody>
+          <a:bodyPr lIns="0" rIns="0" tIns="0" bIns="0" anchor="ctr">
+            <a:noAutofit/>
+          </a:bodyPr>
+          <a:p>
+            <a:pPr algn="ctr"/>
+            <a:endParaRPr b="0" lang="en-US" sz="3200" spc="-1" strike="noStrike">
+              <a:latin typeface="Arial"/>
+            </a:endParaRPr>
+          </a:p>
+        </p:txBody>
+      </p:sp>
+    </p:spTree>
+  </p:cSld>
+</p:sldLayout>
+</file>
+
+<file path=ppt/slideLayouts/slideLayout19.xml><?xml version="1.0" encoding="utf-8"?>
+<p:sldLayout xmlns:a="http://schemas.openxmlformats.org/drawingml/2006/main" xmlns:p="http://schemas.openxmlformats.org/presentationml/2006/main" xmlns:r="http://schemas.openxmlformats.org/officeDocument/2006/relationships" xmlns:p14="http://schemas.microsoft.com/office/powerpoint/2010/main" xmlns:p15="http://schemas.microsoft.com/office/powerpoint/2012/main" xmlns:mc="http://schemas.openxmlformats.org/markup-compatibility/2006" type="twoObjAndObj" preserve="1">
+  <p:cSld name="Title, 2 Content and Content">
+    <p:spTree>
+      <p:nvGrpSpPr>
+        <p:cNvPr id="1" name=""/>
+        <p:cNvGrpSpPr/>
+        <p:nvPr/>
+      </p:nvGrpSpPr>
+      <p:grpSpPr>
+        <a:xfrm>
+          <a:off x="0" y="0"/>
+          <a:ext cx="0" cy="0"/>
+          <a:chOff x="0" y="0"/>
+          <a:chExt cx="0" cy="0"/>
+        </a:xfrm>
+      </p:grpSpPr>
+      <p:sp>
+        <p:nvSpPr>
+          <p:cNvPr id="49" name="PlaceHolder 1"/>
+          <p:cNvSpPr>
+            <a:spLocks noGrp="1"/>
+          </p:cNvSpPr>
+          <p:nvPr>
+            <p:ph type="title"/>
+          </p:nvPr>
+        </p:nvSpPr>
+        <p:spPr>
+          <a:xfrm>
+            <a:off x="504000" y="226080"/>
+            <a:ext cx="9072000" cy="946440"/>
+          </a:xfrm>
+          <a:prstGeom prst="rect">
+            <a:avLst/>
+          </a:prstGeom>
+        </p:spPr>
+        <p:txBody>
+          <a:bodyPr lIns="0" rIns="0" tIns="0" bIns="0" anchor="ctr">
+            <a:noAutofit/>
+          </a:bodyPr>
+          <a:p>
+            <a:pPr algn="ctr"/>
+            <a:endParaRPr b="0" lang="en-US" sz="4400" spc="-1" strike="noStrike">
+              <a:latin typeface="Arial"/>
+            </a:endParaRPr>
+          </a:p>
+        </p:txBody>
+      </p:sp>
+      <p:sp>
+        <p:nvSpPr>
+          <p:cNvPr id="50" name="PlaceHolder 2"/>
+          <p:cNvSpPr>
+            <a:spLocks noGrp="1"/>
+          </p:cNvSpPr>
+          <p:nvPr>
+            <p:ph type="body"/>
+          </p:nvPr>
+        </p:nvSpPr>
+        <p:spPr>
+          <a:xfrm>
+            <a:off x="504000" y="1326600"/>
+            <a:ext cx="4426920" cy="1568520"/>
+          </a:xfrm>
+          <a:prstGeom prst="rect">
+            <a:avLst/>
+          </a:prstGeom>
+        </p:spPr>
+        <p:txBody>
+          <a:bodyPr lIns="0" rIns="0" tIns="0" bIns="0">
+            <a:normAutofit/>
+          </a:bodyPr>
+          <a:p>
+            <a:endParaRPr b="0" lang="en-US" sz="3200" spc="-1" strike="noStrike">
+              <a:latin typeface="Arial"/>
+            </a:endParaRPr>
+          </a:p>
+        </p:txBody>
+      </p:sp>
+      <p:sp>
+        <p:nvSpPr>
+          <p:cNvPr id="51" name="PlaceHolder 3"/>
+          <p:cNvSpPr>
+            <a:spLocks noGrp="1"/>
+          </p:cNvSpPr>
+          <p:nvPr>
+            <p:ph type="body"/>
+          </p:nvPr>
+        </p:nvSpPr>
+        <p:spPr>
+          <a:xfrm>
+            <a:off x="5152680" y="1326600"/>
+            <a:ext cx="4426920" cy="3288600"/>
+          </a:xfrm>
+          <a:prstGeom prst="rect">
+            <a:avLst/>
+          </a:prstGeom>
+        </p:spPr>
+        <p:txBody>
+          <a:bodyPr lIns="0" rIns="0" tIns="0" bIns="0">
+            <a:normAutofit/>
+          </a:bodyPr>
+          <a:p>
+            <a:endParaRPr b="0" lang="en-US" sz="3200" spc="-1" strike="noStrike">
+              <a:latin typeface="Arial"/>
+            </a:endParaRPr>
+          </a:p>
+        </p:txBody>
+      </p:sp>
+      <p:sp>
+        <p:nvSpPr>
+          <p:cNvPr id="52" name="PlaceHolder 4"/>
+          <p:cNvSpPr>
+            <a:spLocks noGrp="1"/>
+          </p:cNvSpPr>
+          <p:nvPr>
+            <p:ph type="body"/>
+          </p:nvPr>
+        </p:nvSpPr>
+        <p:spPr>
+          <a:xfrm>
+            <a:off x="504000" y="3044520"/>
+            <a:ext cx="4426920" cy="1568520"/>
           </a:xfrm>
           <a:prstGeom prst="rect">
             <a:avLst/>
@@ -584,7 +1137,7 @@
         <p:spPr>
           <a:xfrm>
             <a:off x="504000" y="226080"/>
-            <a:ext cx="9071280" cy="946080"/>
+            <a:ext cx="9072000" cy="946440"/>
           </a:xfrm>
           <a:prstGeom prst="rect">
             <a:avLst/>
@@ -627,6 +1180,811 @@
           </a:bodyPr>
           <a:p>
             <a:pPr algn="ctr"/>
+            <a:endParaRPr b="0" lang="en-US" sz="3200" spc="-1" strike="noStrike">
+              <a:latin typeface="Arial"/>
+            </a:endParaRPr>
+          </a:p>
+        </p:txBody>
+      </p:sp>
+    </p:spTree>
+  </p:cSld>
+</p:sldLayout>
+</file>
+
+<file path=ppt/slideLayouts/slideLayout20.xml><?xml version="1.0" encoding="utf-8"?>
+<p:sldLayout xmlns:a="http://schemas.openxmlformats.org/drawingml/2006/main" xmlns:p="http://schemas.openxmlformats.org/presentationml/2006/main" xmlns:r="http://schemas.openxmlformats.org/officeDocument/2006/relationships" xmlns:p14="http://schemas.microsoft.com/office/powerpoint/2010/main" xmlns:p15="http://schemas.microsoft.com/office/powerpoint/2012/main" xmlns:mc="http://schemas.openxmlformats.org/markup-compatibility/2006" type="objAndTwoObj" preserve="1">
+  <p:cSld name="Title Content and 2 Content">
+    <p:spTree>
+      <p:nvGrpSpPr>
+        <p:cNvPr id="1" name=""/>
+        <p:cNvGrpSpPr/>
+        <p:nvPr/>
+      </p:nvGrpSpPr>
+      <p:grpSpPr>
+        <a:xfrm>
+          <a:off x="0" y="0"/>
+          <a:ext cx="0" cy="0"/>
+          <a:chOff x="0" y="0"/>
+          <a:chExt cx="0" cy="0"/>
+        </a:xfrm>
+      </p:grpSpPr>
+      <p:sp>
+        <p:nvSpPr>
+          <p:cNvPr id="53" name="PlaceHolder 1"/>
+          <p:cNvSpPr>
+            <a:spLocks noGrp="1"/>
+          </p:cNvSpPr>
+          <p:nvPr>
+            <p:ph type="title"/>
+          </p:nvPr>
+        </p:nvSpPr>
+        <p:spPr>
+          <a:xfrm>
+            <a:off x="504000" y="226080"/>
+            <a:ext cx="9072000" cy="946440"/>
+          </a:xfrm>
+          <a:prstGeom prst="rect">
+            <a:avLst/>
+          </a:prstGeom>
+        </p:spPr>
+        <p:txBody>
+          <a:bodyPr lIns="0" rIns="0" tIns="0" bIns="0" anchor="ctr">
+            <a:noAutofit/>
+          </a:bodyPr>
+          <a:p>
+            <a:pPr algn="ctr"/>
+            <a:endParaRPr b="0" lang="en-US" sz="4400" spc="-1" strike="noStrike">
+              <a:latin typeface="Arial"/>
+            </a:endParaRPr>
+          </a:p>
+        </p:txBody>
+      </p:sp>
+      <p:sp>
+        <p:nvSpPr>
+          <p:cNvPr id="54" name="PlaceHolder 2"/>
+          <p:cNvSpPr>
+            <a:spLocks noGrp="1"/>
+          </p:cNvSpPr>
+          <p:nvPr>
+            <p:ph type="body"/>
+          </p:nvPr>
+        </p:nvSpPr>
+        <p:spPr>
+          <a:xfrm>
+            <a:off x="504000" y="1326600"/>
+            <a:ext cx="4426920" cy="3288600"/>
+          </a:xfrm>
+          <a:prstGeom prst="rect">
+            <a:avLst/>
+          </a:prstGeom>
+        </p:spPr>
+        <p:txBody>
+          <a:bodyPr lIns="0" rIns="0" tIns="0" bIns="0">
+            <a:normAutofit/>
+          </a:bodyPr>
+          <a:p>
+            <a:endParaRPr b="0" lang="en-US" sz="3200" spc="-1" strike="noStrike">
+              <a:latin typeface="Arial"/>
+            </a:endParaRPr>
+          </a:p>
+        </p:txBody>
+      </p:sp>
+      <p:sp>
+        <p:nvSpPr>
+          <p:cNvPr id="55" name="PlaceHolder 3"/>
+          <p:cNvSpPr>
+            <a:spLocks noGrp="1"/>
+          </p:cNvSpPr>
+          <p:nvPr>
+            <p:ph type="body"/>
+          </p:nvPr>
+        </p:nvSpPr>
+        <p:spPr>
+          <a:xfrm>
+            <a:off x="5152680" y="1326600"/>
+            <a:ext cx="4426920" cy="1568520"/>
+          </a:xfrm>
+          <a:prstGeom prst="rect">
+            <a:avLst/>
+          </a:prstGeom>
+        </p:spPr>
+        <p:txBody>
+          <a:bodyPr lIns="0" rIns="0" tIns="0" bIns="0">
+            <a:normAutofit/>
+          </a:bodyPr>
+          <a:p>
+            <a:endParaRPr b="0" lang="en-US" sz="3200" spc="-1" strike="noStrike">
+              <a:latin typeface="Arial"/>
+            </a:endParaRPr>
+          </a:p>
+        </p:txBody>
+      </p:sp>
+      <p:sp>
+        <p:nvSpPr>
+          <p:cNvPr id="56" name="PlaceHolder 4"/>
+          <p:cNvSpPr>
+            <a:spLocks noGrp="1"/>
+          </p:cNvSpPr>
+          <p:nvPr>
+            <p:ph type="body"/>
+          </p:nvPr>
+        </p:nvSpPr>
+        <p:spPr>
+          <a:xfrm>
+            <a:off x="5152680" y="3044520"/>
+            <a:ext cx="4426920" cy="1568520"/>
+          </a:xfrm>
+          <a:prstGeom prst="rect">
+            <a:avLst/>
+          </a:prstGeom>
+        </p:spPr>
+        <p:txBody>
+          <a:bodyPr lIns="0" rIns="0" tIns="0" bIns="0">
+            <a:normAutofit/>
+          </a:bodyPr>
+          <a:p>
+            <a:endParaRPr b="0" lang="en-US" sz="3200" spc="-1" strike="noStrike">
+              <a:latin typeface="Arial"/>
+            </a:endParaRPr>
+          </a:p>
+        </p:txBody>
+      </p:sp>
+    </p:spTree>
+  </p:cSld>
+</p:sldLayout>
+</file>
+
+<file path=ppt/slideLayouts/slideLayout21.xml><?xml version="1.0" encoding="utf-8"?>
+<p:sldLayout xmlns:a="http://schemas.openxmlformats.org/drawingml/2006/main" xmlns:p="http://schemas.openxmlformats.org/presentationml/2006/main" xmlns:r="http://schemas.openxmlformats.org/officeDocument/2006/relationships" xmlns:p14="http://schemas.microsoft.com/office/powerpoint/2010/main" xmlns:p15="http://schemas.microsoft.com/office/powerpoint/2012/main" xmlns:mc="http://schemas.openxmlformats.org/markup-compatibility/2006" type="twoObjOverTx" preserve="1">
+  <p:cSld name="Title, 2 Content over Content">
+    <p:spTree>
+      <p:nvGrpSpPr>
+        <p:cNvPr id="1" name=""/>
+        <p:cNvGrpSpPr/>
+        <p:nvPr/>
+      </p:nvGrpSpPr>
+      <p:grpSpPr>
+        <a:xfrm>
+          <a:off x="0" y="0"/>
+          <a:ext cx="0" cy="0"/>
+          <a:chOff x="0" y="0"/>
+          <a:chExt cx="0" cy="0"/>
+        </a:xfrm>
+      </p:grpSpPr>
+      <p:sp>
+        <p:nvSpPr>
+          <p:cNvPr id="57" name="PlaceHolder 1"/>
+          <p:cNvSpPr>
+            <a:spLocks noGrp="1"/>
+          </p:cNvSpPr>
+          <p:nvPr>
+            <p:ph type="title"/>
+          </p:nvPr>
+        </p:nvSpPr>
+        <p:spPr>
+          <a:xfrm>
+            <a:off x="504000" y="226080"/>
+            <a:ext cx="9072000" cy="946440"/>
+          </a:xfrm>
+          <a:prstGeom prst="rect">
+            <a:avLst/>
+          </a:prstGeom>
+        </p:spPr>
+        <p:txBody>
+          <a:bodyPr lIns="0" rIns="0" tIns="0" bIns="0" anchor="ctr">
+            <a:noAutofit/>
+          </a:bodyPr>
+          <a:p>
+            <a:pPr algn="ctr"/>
+            <a:endParaRPr b="0" lang="en-US" sz="4400" spc="-1" strike="noStrike">
+              <a:latin typeface="Arial"/>
+            </a:endParaRPr>
+          </a:p>
+        </p:txBody>
+      </p:sp>
+      <p:sp>
+        <p:nvSpPr>
+          <p:cNvPr id="58" name="PlaceHolder 2"/>
+          <p:cNvSpPr>
+            <a:spLocks noGrp="1"/>
+          </p:cNvSpPr>
+          <p:nvPr>
+            <p:ph type="body"/>
+          </p:nvPr>
+        </p:nvSpPr>
+        <p:spPr>
+          <a:xfrm>
+            <a:off x="504000" y="1326600"/>
+            <a:ext cx="4426920" cy="1568520"/>
+          </a:xfrm>
+          <a:prstGeom prst="rect">
+            <a:avLst/>
+          </a:prstGeom>
+        </p:spPr>
+        <p:txBody>
+          <a:bodyPr lIns="0" rIns="0" tIns="0" bIns="0">
+            <a:normAutofit/>
+          </a:bodyPr>
+          <a:p>
+            <a:endParaRPr b="0" lang="en-US" sz="3200" spc="-1" strike="noStrike">
+              <a:latin typeface="Arial"/>
+            </a:endParaRPr>
+          </a:p>
+        </p:txBody>
+      </p:sp>
+      <p:sp>
+        <p:nvSpPr>
+          <p:cNvPr id="59" name="PlaceHolder 3"/>
+          <p:cNvSpPr>
+            <a:spLocks noGrp="1"/>
+          </p:cNvSpPr>
+          <p:nvPr>
+            <p:ph type="body"/>
+          </p:nvPr>
+        </p:nvSpPr>
+        <p:spPr>
+          <a:xfrm>
+            <a:off x="5152680" y="1326600"/>
+            <a:ext cx="4426920" cy="1568520"/>
+          </a:xfrm>
+          <a:prstGeom prst="rect">
+            <a:avLst/>
+          </a:prstGeom>
+        </p:spPr>
+        <p:txBody>
+          <a:bodyPr lIns="0" rIns="0" tIns="0" bIns="0">
+            <a:normAutofit/>
+          </a:bodyPr>
+          <a:p>
+            <a:endParaRPr b="0" lang="en-US" sz="3200" spc="-1" strike="noStrike">
+              <a:latin typeface="Arial"/>
+            </a:endParaRPr>
+          </a:p>
+        </p:txBody>
+      </p:sp>
+      <p:sp>
+        <p:nvSpPr>
+          <p:cNvPr id="60" name="PlaceHolder 4"/>
+          <p:cNvSpPr>
+            <a:spLocks noGrp="1"/>
+          </p:cNvSpPr>
+          <p:nvPr>
+            <p:ph type="body"/>
+          </p:nvPr>
+        </p:nvSpPr>
+        <p:spPr>
+          <a:xfrm>
+            <a:off x="504000" y="3044520"/>
+            <a:ext cx="9072000" cy="1568520"/>
+          </a:xfrm>
+          <a:prstGeom prst="rect">
+            <a:avLst/>
+          </a:prstGeom>
+        </p:spPr>
+        <p:txBody>
+          <a:bodyPr lIns="0" rIns="0" tIns="0" bIns="0">
+            <a:normAutofit/>
+          </a:bodyPr>
+          <a:p>
+            <a:endParaRPr b="0" lang="en-US" sz="3200" spc="-1" strike="noStrike">
+              <a:latin typeface="Arial"/>
+            </a:endParaRPr>
+          </a:p>
+        </p:txBody>
+      </p:sp>
+    </p:spTree>
+  </p:cSld>
+</p:sldLayout>
+</file>
+
+<file path=ppt/slideLayouts/slideLayout22.xml><?xml version="1.0" encoding="utf-8"?>
+<p:sldLayout xmlns:a="http://schemas.openxmlformats.org/drawingml/2006/main" xmlns:p="http://schemas.openxmlformats.org/presentationml/2006/main" xmlns:r="http://schemas.openxmlformats.org/officeDocument/2006/relationships" xmlns:p14="http://schemas.microsoft.com/office/powerpoint/2010/main" xmlns:p15="http://schemas.microsoft.com/office/powerpoint/2012/main" xmlns:mc="http://schemas.openxmlformats.org/markup-compatibility/2006" type="objOverTx" preserve="1">
+  <p:cSld name="Title, Content over Content">
+    <p:spTree>
+      <p:nvGrpSpPr>
+        <p:cNvPr id="1" name=""/>
+        <p:cNvGrpSpPr/>
+        <p:nvPr/>
+      </p:nvGrpSpPr>
+      <p:grpSpPr>
+        <a:xfrm>
+          <a:off x="0" y="0"/>
+          <a:ext cx="0" cy="0"/>
+          <a:chOff x="0" y="0"/>
+          <a:chExt cx="0" cy="0"/>
+        </a:xfrm>
+      </p:grpSpPr>
+      <p:sp>
+        <p:nvSpPr>
+          <p:cNvPr id="61" name="PlaceHolder 1"/>
+          <p:cNvSpPr>
+            <a:spLocks noGrp="1"/>
+          </p:cNvSpPr>
+          <p:nvPr>
+            <p:ph type="title"/>
+          </p:nvPr>
+        </p:nvSpPr>
+        <p:spPr>
+          <a:xfrm>
+            <a:off x="504000" y="226080"/>
+            <a:ext cx="9072000" cy="946440"/>
+          </a:xfrm>
+          <a:prstGeom prst="rect">
+            <a:avLst/>
+          </a:prstGeom>
+        </p:spPr>
+        <p:txBody>
+          <a:bodyPr lIns="0" rIns="0" tIns="0" bIns="0" anchor="ctr">
+            <a:noAutofit/>
+          </a:bodyPr>
+          <a:p>
+            <a:pPr algn="ctr"/>
+            <a:endParaRPr b="0" lang="en-US" sz="4400" spc="-1" strike="noStrike">
+              <a:latin typeface="Arial"/>
+            </a:endParaRPr>
+          </a:p>
+        </p:txBody>
+      </p:sp>
+      <p:sp>
+        <p:nvSpPr>
+          <p:cNvPr id="62" name="PlaceHolder 2"/>
+          <p:cNvSpPr>
+            <a:spLocks noGrp="1"/>
+          </p:cNvSpPr>
+          <p:nvPr>
+            <p:ph type="body"/>
+          </p:nvPr>
+        </p:nvSpPr>
+        <p:spPr>
+          <a:xfrm>
+            <a:off x="504000" y="1326600"/>
+            <a:ext cx="9072000" cy="1568520"/>
+          </a:xfrm>
+          <a:prstGeom prst="rect">
+            <a:avLst/>
+          </a:prstGeom>
+        </p:spPr>
+        <p:txBody>
+          <a:bodyPr lIns="0" rIns="0" tIns="0" bIns="0">
+            <a:normAutofit/>
+          </a:bodyPr>
+          <a:p>
+            <a:endParaRPr b="0" lang="en-US" sz="3200" spc="-1" strike="noStrike">
+              <a:latin typeface="Arial"/>
+            </a:endParaRPr>
+          </a:p>
+        </p:txBody>
+      </p:sp>
+      <p:sp>
+        <p:nvSpPr>
+          <p:cNvPr id="63" name="PlaceHolder 3"/>
+          <p:cNvSpPr>
+            <a:spLocks noGrp="1"/>
+          </p:cNvSpPr>
+          <p:nvPr>
+            <p:ph type="body"/>
+          </p:nvPr>
+        </p:nvSpPr>
+        <p:spPr>
+          <a:xfrm>
+            <a:off x="504000" y="3044520"/>
+            <a:ext cx="9072000" cy="1568520"/>
+          </a:xfrm>
+          <a:prstGeom prst="rect">
+            <a:avLst/>
+          </a:prstGeom>
+        </p:spPr>
+        <p:txBody>
+          <a:bodyPr lIns="0" rIns="0" tIns="0" bIns="0">
+            <a:normAutofit/>
+          </a:bodyPr>
+          <a:p>
+            <a:endParaRPr b="0" lang="en-US" sz="3200" spc="-1" strike="noStrike">
+              <a:latin typeface="Arial"/>
+            </a:endParaRPr>
+          </a:p>
+        </p:txBody>
+      </p:sp>
+    </p:spTree>
+  </p:cSld>
+</p:sldLayout>
+</file>
+
+<file path=ppt/slideLayouts/slideLayout23.xml><?xml version="1.0" encoding="utf-8"?>
+<p:sldLayout xmlns:a="http://schemas.openxmlformats.org/drawingml/2006/main" xmlns:p="http://schemas.openxmlformats.org/presentationml/2006/main" xmlns:r="http://schemas.openxmlformats.org/officeDocument/2006/relationships" xmlns:p14="http://schemas.microsoft.com/office/powerpoint/2010/main" xmlns:p15="http://schemas.microsoft.com/office/powerpoint/2012/main" xmlns:mc="http://schemas.openxmlformats.org/markup-compatibility/2006" type="fourObj" preserve="1">
+  <p:cSld name="Title, 4 Content">
+    <p:spTree>
+      <p:nvGrpSpPr>
+        <p:cNvPr id="1" name=""/>
+        <p:cNvGrpSpPr/>
+        <p:nvPr/>
+      </p:nvGrpSpPr>
+      <p:grpSpPr>
+        <a:xfrm>
+          <a:off x="0" y="0"/>
+          <a:ext cx="0" cy="0"/>
+          <a:chOff x="0" y="0"/>
+          <a:chExt cx="0" cy="0"/>
+        </a:xfrm>
+      </p:grpSpPr>
+      <p:sp>
+        <p:nvSpPr>
+          <p:cNvPr id="64" name="PlaceHolder 1"/>
+          <p:cNvSpPr>
+            <a:spLocks noGrp="1"/>
+          </p:cNvSpPr>
+          <p:nvPr>
+            <p:ph type="title"/>
+          </p:nvPr>
+        </p:nvSpPr>
+        <p:spPr>
+          <a:xfrm>
+            <a:off x="504000" y="226080"/>
+            <a:ext cx="9072000" cy="946440"/>
+          </a:xfrm>
+          <a:prstGeom prst="rect">
+            <a:avLst/>
+          </a:prstGeom>
+        </p:spPr>
+        <p:txBody>
+          <a:bodyPr lIns="0" rIns="0" tIns="0" bIns="0" anchor="ctr">
+            <a:noAutofit/>
+          </a:bodyPr>
+          <a:p>
+            <a:pPr algn="ctr"/>
+            <a:endParaRPr b="0" lang="en-US" sz="4400" spc="-1" strike="noStrike">
+              <a:latin typeface="Arial"/>
+            </a:endParaRPr>
+          </a:p>
+        </p:txBody>
+      </p:sp>
+      <p:sp>
+        <p:nvSpPr>
+          <p:cNvPr id="65" name="PlaceHolder 2"/>
+          <p:cNvSpPr>
+            <a:spLocks noGrp="1"/>
+          </p:cNvSpPr>
+          <p:nvPr>
+            <p:ph type="body"/>
+          </p:nvPr>
+        </p:nvSpPr>
+        <p:spPr>
+          <a:xfrm>
+            <a:off x="504000" y="1326600"/>
+            <a:ext cx="4426920" cy="1568520"/>
+          </a:xfrm>
+          <a:prstGeom prst="rect">
+            <a:avLst/>
+          </a:prstGeom>
+        </p:spPr>
+        <p:txBody>
+          <a:bodyPr lIns="0" rIns="0" tIns="0" bIns="0">
+            <a:normAutofit/>
+          </a:bodyPr>
+          <a:p>
+            <a:endParaRPr b="0" lang="en-US" sz="3200" spc="-1" strike="noStrike">
+              <a:latin typeface="Arial"/>
+            </a:endParaRPr>
+          </a:p>
+        </p:txBody>
+      </p:sp>
+      <p:sp>
+        <p:nvSpPr>
+          <p:cNvPr id="66" name="PlaceHolder 3"/>
+          <p:cNvSpPr>
+            <a:spLocks noGrp="1"/>
+          </p:cNvSpPr>
+          <p:nvPr>
+            <p:ph type="body"/>
+          </p:nvPr>
+        </p:nvSpPr>
+        <p:spPr>
+          <a:xfrm>
+            <a:off x="5152680" y="1326600"/>
+            <a:ext cx="4426920" cy="1568520"/>
+          </a:xfrm>
+          <a:prstGeom prst="rect">
+            <a:avLst/>
+          </a:prstGeom>
+        </p:spPr>
+        <p:txBody>
+          <a:bodyPr lIns="0" rIns="0" tIns="0" bIns="0">
+            <a:normAutofit/>
+          </a:bodyPr>
+          <a:p>
+            <a:endParaRPr b="0" lang="en-US" sz="3200" spc="-1" strike="noStrike">
+              <a:latin typeface="Arial"/>
+            </a:endParaRPr>
+          </a:p>
+        </p:txBody>
+      </p:sp>
+      <p:sp>
+        <p:nvSpPr>
+          <p:cNvPr id="67" name="PlaceHolder 4"/>
+          <p:cNvSpPr>
+            <a:spLocks noGrp="1"/>
+          </p:cNvSpPr>
+          <p:nvPr>
+            <p:ph type="body"/>
+          </p:nvPr>
+        </p:nvSpPr>
+        <p:spPr>
+          <a:xfrm>
+            <a:off x="504000" y="3044520"/>
+            <a:ext cx="4426920" cy="1568520"/>
+          </a:xfrm>
+          <a:prstGeom prst="rect">
+            <a:avLst/>
+          </a:prstGeom>
+        </p:spPr>
+        <p:txBody>
+          <a:bodyPr lIns="0" rIns="0" tIns="0" bIns="0">
+            <a:normAutofit/>
+          </a:bodyPr>
+          <a:p>
+            <a:endParaRPr b="0" lang="en-US" sz="3200" spc="-1" strike="noStrike">
+              <a:latin typeface="Arial"/>
+            </a:endParaRPr>
+          </a:p>
+        </p:txBody>
+      </p:sp>
+      <p:sp>
+        <p:nvSpPr>
+          <p:cNvPr id="68" name="PlaceHolder 5"/>
+          <p:cNvSpPr>
+            <a:spLocks noGrp="1"/>
+          </p:cNvSpPr>
+          <p:nvPr>
+            <p:ph type="body"/>
+          </p:nvPr>
+        </p:nvSpPr>
+        <p:spPr>
+          <a:xfrm>
+            <a:off x="5152680" y="3044520"/>
+            <a:ext cx="4426920" cy="1568520"/>
+          </a:xfrm>
+          <a:prstGeom prst="rect">
+            <a:avLst/>
+          </a:prstGeom>
+        </p:spPr>
+        <p:txBody>
+          <a:bodyPr lIns="0" rIns="0" tIns="0" bIns="0">
+            <a:normAutofit/>
+          </a:bodyPr>
+          <a:p>
+            <a:endParaRPr b="0" lang="en-US" sz="3200" spc="-1" strike="noStrike">
+              <a:latin typeface="Arial"/>
+            </a:endParaRPr>
+          </a:p>
+        </p:txBody>
+      </p:sp>
+    </p:spTree>
+  </p:cSld>
+</p:sldLayout>
+</file>
+
+<file path=ppt/slideLayouts/slideLayout24.xml><?xml version="1.0" encoding="utf-8"?>
+<p:sldLayout xmlns:a="http://schemas.openxmlformats.org/drawingml/2006/main" xmlns:p="http://schemas.openxmlformats.org/presentationml/2006/main" xmlns:r="http://schemas.openxmlformats.org/officeDocument/2006/relationships" xmlns:p14="http://schemas.microsoft.com/office/powerpoint/2010/main" xmlns:p15="http://schemas.microsoft.com/office/powerpoint/2012/main" xmlns:mc="http://schemas.openxmlformats.org/markup-compatibility/2006" type="blank" preserve="1">
+  <p:cSld name="Title, 6 Content">
+    <p:spTree>
+      <p:nvGrpSpPr>
+        <p:cNvPr id="1" name=""/>
+        <p:cNvGrpSpPr/>
+        <p:nvPr/>
+      </p:nvGrpSpPr>
+      <p:grpSpPr>
+        <a:xfrm>
+          <a:off x="0" y="0"/>
+          <a:ext cx="0" cy="0"/>
+          <a:chOff x="0" y="0"/>
+          <a:chExt cx="0" cy="0"/>
+        </a:xfrm>
+      </p:grpSpPr>
+      <p:sp>
+        <p:nvSpPr>
+          <p:cNvPr id="69" name="PlaceHolder 1"/>
+          <p:cNvSpPr>
+            <a:spLocks noGrp="1"/>
+          </p:cNvSpPr>
+          <p:nvPr>
+            <p:ph type="title"/>
+          </p:nvPr>
+        </p:nvSpPr>
+        <p:spPr>
+          <a:xfrm>
+            <a:off x="504000" y="226080"/>
+            <a:ext cx="9072000" cy="946440"/>
+          </a:xfrm>
+          <a:prstGeom prst="rect">
+            <a:avLst/>
+          </a:prstGeom>
+        </p:spPr>
+        <p:txBody>
+          <a:bodyPr lIns="0" rIns="0" tIns="0" bIns="0" anchor="ctr">
+            <a:noAutofit/>
+          </a:bodyPr>
+          <a:p>
+            <a:pPr algn="ctr"/>
+            <a:endParaRPr b="0" lang="en-US" sz="4400" spc="-1" strike="noStrike">
+              <a:latin typeface="Arial"/>
+            </a:endParaRPr>
+          </a:p>
+        </p:txBody>
+      </p:sp>
+      <p:sp>
+        <p:nvSpPr>
+          <p:cNvPr id="70" name="PlaceHolder 2"/>
+          <p:cNvSpPr>
+            <a:spLocks noGrp="1"/>
+          </p:cNvSpPr>
+          <p:nvPr>
+            <p:ph type="body"/>
+          </p:nvPr>
+        </p:nvSpPr>
+        <p:spPr>
+          <a:xfrm>
+            <a:off x="504000" y="1326600"/>
+            <a:ext cx="2921040" cy="1568520"/>
+          </a:xfrm>
+          <a:prstGeom prst="rect">
+            <a:avLst/>
+          </a:prstGeom>
+        </p:spPr>
+        <p:txBody>
+          <a:bodyPr lIns="0" rIns="0" tIns="0" bIns="0">
+            <a:normAutofit/>
+          </a:bodyPr>
+          <a:p>
+            <a:endParaRPr b="0" lang="en-US" sz="3200" spc="-1" strike="noStrike">
+              <a:latin typeface="Arial"/>
+            </a:endParaRPr>
+          </a:p>
+        </p:txBody>
+      </p:sp>
+      <p:sp>
+        <p:nvSpPr>
+          <p:cNvPr id="71" name="PlaceHolder 3"/>
+          <p:cNvSpPr>
+            <a:spLocks noGrp="1"/>
+          </p:cNvSpPr>
+          <p:nvPr>
+            <p:ph type="body"/>
+          </p:nvPr>
+        </p:nvSpPr>
+        <p:spPr>
+          <a:xfrm>
+            <a:off x="3571560" y="1326600"/>
+            <a:ext cx="2921040" cy="1568520"/>
+          </a:xfrm>
+          <a:prstGeom prst="rect">
+            <a:avLst/>
+          </a:prstGeom>
+        </p:spPr>
+        <p:txBody>
+          <a:bodyPr lIns="0" rIns="0" tIns="0" bIns="0">
+            <a:normAutofit/>
+          </a:bodyPr>
+          <a:p>
+            <a:endParaRPr b="0" lang="en-US" sz="3200" spc="-1" strike="noStrike">
+              <a:latin typeface="Arial"/>
+            </a:endParaRPr>
+          </a:p>
+        </p:txBody>
+      </p:sp>
+      <p:sp>
+        <p:nvSpPr>
+          <p:cNvPr id="72" name="PlaceHolder 4"/>
+          <p:cNvSpPr>
+            <a:spLocks noGrp="1"/>
+          </p:cNvSpPr>
+          <p:nvPr>
+            <p:ph type="body"/>
+          </p:nvPr>
+        </p:nvSpPr>
+        <p:spPr>
+          <a:xfrm>
+            <a:off x="6639120" y="1326600"/>
+            <a:ext cx="2921040" cy="1568520"/>
+          </a:xfrm>
+          <a:prstGeom prst="rect">
+            <a:avLst/>
+          </a:prstGeom>
+        </p:spPr>
+        <p:txBody>
+          <a:bodyPr lIns="0" rIns="0" tIns="0" bIns="0">
+            <a:normAutofit/>
+          </a:bodyPr>
+          <a:p>
+            <a:endParaRPr b="0" lang="en-US" sz="3200" spc="-1" strike="noStrike">
+              <a:latin typeface="Arial"/>
+            </a:endParaRPr>
+          </a:p>
+        </p:txBody>
+      </p:sp>
+      <p:sp>
+        <p:nvSpPr>
+          <p:cNvPr id="73" name="PlaceHolder 5"/>
+          <p:cNvSpPr>
+            <a:spLocks noGrp="1"/>
+          </p:cNvSpPr>
+          <p:nvPr>
+            <p:ph type="body"/>
+          </p:nvPr>
+        </p:nvSpPr>
+        <p:spPr>
+          <a:xfrm>
+            <a:off x="504000" y="3044520"/>
+            <a:ext cx="2921040" cy="1568520"/>
+          </a:xfrm>
+          <a:prstGeom prst="rect">
+            <a:avLst/>
+          </a:prstGeom>
+        </p:spPr>
+        <p:txBody>
+          <a:bodyPr lIns="0" rIns="0" tIns="0" bIns="0">
+            <a:normAutofit/>
+          </a:bodyPr>
+          <a:p>
+            <a:endParaRPr b="0" lang="en-US" sz="3200" spc="-1" strike="noStrike">
+              <a:latin typeface="Arial"/>
+            </a:endParaRPr>
+          </a:p>
+        </p:txBody>
+      </p:sp>
+      <p:sp>
+        <p:nvSpPr>
+          <p:cNvPr id="74" name="PlaceHolder 6"/>
+          <p:cNvSpPr>
+            <a:spLocks noGrp="1"/>
+          </p:cNvSpPr>
+          <p:nvPr>
+            <p:ph type="body"/>
+          </p:nvPr>
+        </p:nvSpPr>
+        <p:spPr>
+          <a:xfrm>
+            <a:off x="3571560" y="3044520"/>
+            <a:ext cx="2921040" cy="1568520"/>
+          </a:xfrm>
+          <a:prstGeom prst="rect">
+            <a:avLst/>
+          </a:prstGeom>
+        </p:spPr>
+        <p:txBody>
+          <a:bodyPr lIns="0" rIns="0" tIns="0" bIns="0">
+            <a:normAutofit/>
+          </a:bodyPr>
+          <a:p>
+            <a:endParaRPr b="0" lang="en-US" sz="3200" spc="-1" strike="noStrike">
+              <a:latin typeface="Arial"/>
+            </a:endParaRPr>
+          </a:p>
+        </p:txBody>
+      </p:sp>
+      <p:sp>
+        <p:nvSpPr>
+          <p:cNvPr id="75" name="PlaceHolder 7"/>
+          <p:cNvSpPr>
+            <a:spLocks noGrp="1"/>
+          </p:cNvSpPr>
+          <p:nvPr>
+            <p:ph type="body"/>
+          </p:nvPr>
+        </p:nvSpPr>
+        <p:spPr>
+          <a:xfrm>
+            <a:off x="6639120" y="3044520"/>
+            <a:ext cx="2921040" cy="1568520"/>
+          </a:xfrm>
+          <a:prstGeom prst="rect">
+            <a:avLst/>
+          </a:prstGeom>
+        </p:spPr>
+        <p:txBody>
+          <a:bodyPr lIns="0" rIns="0" tIns="0" bIns="0">
+            <a:normAutofit/>
+          </a:bodyPr>
+          <a:p>
             <a:endParaRPr b="0" lang="en-US" sz="3200" spc="-1" strike="noStrike">
               <a:latin typeface="Arial"/>
             </a:endParaRPr>
@@ -668,7 +2026,7 @@
         <p:spPr>
           <a:xfrm>
             <a:off x="504000" y="226080"/>
-            <a:ext cx="9071280" cy="946080"/>
+            <a:ext cx="9072000" cy="946440"/>
           </a:xfrm>
           <a:prstGeom prst="rect">
             <a:avLst/>
@@ -751,7 +2109,7 @@
         <p:spPr>
           <a:xfrm>
             <a:off x="504000" y="226080"/>
-            <a:ext cx="9071280" cy="946080"/>
+            <a:ext cx="9072000" cy="946440"/>
           </a:xfrm>
           <a:prstGeom prst="rect">
             <a:avLst/>
@@ -864,7 +2222,7 @@
         <p:spPr>
           <a:xfrm>
             <a:off x="504000" y="226080"/>
-            <a:ext cx="9071280" cy="946080"/>
+            <a:ext cx="9072000" cy="946440"/>
           </a:xfrm>
           <a:prstGeom prst="rect">
             <a:avLst/>
@@ -917,7 +2275,7 @@
         <p:spPr>
           <a:xfrm>
             <a:off x="504000" y="226080"/>
-            <a:ext cx="9071280" cy="4386600"/>
+            <a:ext cx="9072000" cy="4388400"/>
           </a:xfrm>
           <a:prstGeom prst="rect">
             <a:avLst/>
@@ -970,7 +2328,7 @@
         <p:spPr>
           <a:xfrm>
             <a:off x="504000" y="226080"/>
-            <a:ext cx="9071280" cy="946080"/>
+            <a:ext cx="9072000" cy="946440"/>
           </a:xfrm>
           <a:prstGeom prst="rect">
             <a:avLst/>
@@ -1113,7 +2471,7 @@
         <p:spPr>
           <a:xfrm>
             <a:off x="504000" y="226080"/>
-            <a:ext cx="9071280" cy="946080"/>
+            <a:ext cx="9072000" cy="946440"/>
           </a:xfrm>
           <a:prstGeom prst="rect">
             <a:avLst/>
@@ -1256,7 +2614,7 @@
         <p:spPr>
           <a:xfrm>
             <a:off x="504000" y="226080"/>
-            <a:ext cx="9071280" cy="946080"/>
+            <a:ext cx="9072000" cy="946440"/>
           </a:xfrm>
           <a:prstGeom prst="rect">
             <a:avLst/>
@@ -1399,7 +2757,7 @@
         <p:spPr>
           <a:xfrm>
             <a:off x="504000" y="226080"/>
-            <a:ext cx="9071280" cy="946080"/>
+            <a:ext cx="9070920" cy="945720"/>
           </a:xfrm>
           <a:prstGeom prst="rect">
             <a:avLst/>
@@ -1414,211 +2772,7 @@
               <a:rPr b="0" lang="en-US" sz="1800" spc="-1" strike="noStrike">
                 <a:latin typeface="Arial"/>
               </a:rPr>
-              <a:t>C</a:t>
-            </a:r>
-            <a:r>
-              <a:rPr b="0" lang="en-US" sz="1800" spc="-1" strike="noStrike">
-                <a:latin typeface="Arial"/>
-              </a:rPr>
-              <a:t>l</a:t>
-            </a:r>
-            <a:r>
-              <a:rPr b="0" lang="en-US" sz="1800" spc="-1" strike="noStrike">
-                <a:latin typeface="Arial"/>
-              </a:rPr>
-              <a:t>i</a:t>
-            </a:r>
-            <a:r>
-              <a:rPr b="0" lang="en-US" sz="1800" spc="-1" strike="noStrike">
-                <a:latin typeface="Arial"/>
-              </a:rPr>
-              <a:t>c</a:t>
-            </a:r>
-            <a:r>
-              <a:rPr b="0" lang="en-US" sz="1800" spc="-1" strike="noStrike">
-                <a:latin typeface="Arial"/>
-              </a:rPr>
-              <a:t>k</a:t>
-            </a:r>
-            <a:r>
-              <a:rPr b="0" lang="en-US" sz="1800" spc="-1" strike="noStrike">
-                <a:latin typeface="Arial"/>
-              </a:rPr>
-              <a:t> </a:t>
-            </a:r>
-            <a:r>
-              <a:rPr b="0" lang="en-US" sz="1800" spc="-1" strike="noStrike">
-                <a:latin typeface="Arial"/>
-              </a:rPr>
-              <a:t>t</a:t>
-            </a:r>
-            <a:r>
-              <a:rPr b="0" lang="en-US" sz="1800" spc="-1" strike="noStrike">
-                <a:latin typeface="Arial"/>
-              </a:rPr>
-              <a:t>o</a:t>
-            </a:r>
-            <a:r>
-              <a:rPr b="0" lang="en-US" sz="1800" spc="-1" strike="noStrike">
-                <a:latin typeface="Arial"/>
-              </a:rPr>
-              <a:t> </a:t>
-            </a:r>
-            <a:r>
-              <a:rPr b="0" lang="en-US" sz="1800" spc="-1" strike="noStrike">
-                <a:latin typeface="Arial"/>
-              </a:rPr>
-              <a:t>e</a:t>
-            </a:r>
-            <a:r>
-              <a:rPr b="0" lang="en-US" sz="1800" spc="-1" strike="noStrike">
-                <a:latin typeface="Arial"/>
-              </a:rPr>
-              <a:t>d</a:t>
-            </a:r>
-            <a:r>
-              <a:rPr b="0" lang="en-US" sz="1800" spc="-1" strike="noStrike">
-                <a:latin typeface="Arial"/>
-              </a:rPr>
-              <a:t>i</a:t>
-            </a:r>
-            <a:r>
-              <a:rPr b="0" lang="en-US" sz="1800" spc="-1" strike="noStrike">
-                <a:latin typeface="Arial"/>
-              </a:rPr>
-              <a:t>t</a:t>
-            </a:r>
-            <a:r>
-              <a:rPr b="0" lang="en-US" sz="1800" spc="-1" strike="noStrike">
-                <a:latin typeface="Arial"/>
-              </a:rPr>
-              <a:t> </a:t>
-            </a:r>
-            <a:r>
-              <a:rPr b="0" lang="en-US" sz="1800" spc="-1" strike="noStrike">
-                <a:latin typeface="Arial"/>
-              </a:rPr>
-              <a:t>t</a:t>
-            </a:r>
-            <a:r>
-              <a:rPr b="0" lang="en-US" sz="1800" spc="-1" strike="noStrike">
-                <a:latin typeface="Arial"/>
-              </a:rPr>
-              <a:t>h</a:t>
-            </a:r>
-            <a:r>
-              <a:rPr b="0" lang="en-US" sz="1800" spc="-1" strike="noStrike">
-                <a:latin typeface="Arial"/>
-              </a:rPr>
-              <a:t>e</a:t>
-            </a:r>
-            <a:r>
-              <a:rPr b="0" lang="en-US" sz="1800" spc="-1" strike="noStrike">
-                <a:latin typeface="Arial"/>
-              </a:rPr>
-              <a:t> </a:t>
-            </a:r>
-            <a:r>
-              <a:rPr b="0" lang="en-US" sz="1800" spc="-1" strike="noStrike">
-                <a:latin typeface="Arial"/>
-              </a:rPr>
-              <a:t>t</a:t>
-            </a:r>
-            <a:r>
-              <a:rPr b="0" lang="en-US" sz="1800" spc="-1" strike="noStrike">
-                <a:latin typeface="Arial"/>
-              </a:rPr>
-              <a:t>i</a:t>
-            </a:r>
-            <a:r>
-              <a:rPr b="0" lang="en-US" sz="1800" spc="-1" strike="noStrike">
-                <a:latin typeface="Arial"/>
-              </a:rPr>
-              <a:t>t</a:t>
-            </a:r>
-            <a:r>
-              <a:rPr b="0" lang="en-US" sz="1800" spc="-1" strike="noStrike">
-                <a:latin typeface="Arial"/>
-              </a:rPr>
-              <a:t>l</a:t>
-            </a:r>
-            <a:r>
-              <a:rPr b="0" lang="en-US" sz="1800" spc="-1" strike="noStrike">
-                <a:latin typeface="Arial"/>
-              </a:rPr>
-              <a:t>e</a:t>
-            </a:r>
-            <a:r>
-              <a:rPr b="0" lang="en-US" sz="1800" spc="-1" strike="noStrike">
-                <a:latin typeface="Arial"/>
-              </a:rPr>
-              <a:t> </a:t>
-            </a:r>
-            <a:r>
-              <a:rPr b="0" lang="en-US" sz="1800" spc="-1" strike="noStrike">
-                <a:latin typeface="Arial"/>
-              </a:rPr>
-              <a:t>t</a:t>
-            </a:r>
-            <a:r>
-              <a:rPr b="0" lang="en-US" sz="1800" spc="-1" strike="noStrike">
-                <a:latin typeface="Arial"/>
-              </a:rPr>
-              <a:t>e</a:t>
-            </a:r>
-            <a:r>
-              <a:rPr b="0" lang="en-US" sz="1800" spc="-1" strike="noStrike">
-                <a:latin typeface="Arial"/>
-              </a:rPr>
-              <a:t>x</a:t>
-            </a:r>
-            <a:r>
-              <a:rPr b="0" lang="en-US" sz="1800" spc="-1" strike="noStrike">
-                <a:latin typeface="Arial"/>
-              </a:rPr>
-              <a:t>t</a:t>
-            </a:r>
-            <a:r>
-              <a:rPr b="0" lang="en-US" sz="1800" spc="-1" strike="noStrike">
-                <a:latin typeface="Arial"/>
-              </a:rPr>
-              <a:t> </a:t>
-            </a:r>
-            <a:r>
-              <a:rPr b="0" lang="en-US" sz="1800" spc="-1" strike="noStrike">
-                <a:latin typeface="Arial"/>
-              </a:rPr>
-              <a:t>f</a:t>
-            </a:r>
-            <a:r>
-              <a:rPr b="0" lang="en-US" sz="1800" spc="-1" strike="noStrike">
-                <a:latin typeface="Arial"/>
-              </a:rPr>
-              <a:t>o</a:t>
-            </a:r>
-            <a:r>
-              <a:rPr b="0" lang="en-US" sz="1800" spc="-1" strike="noStrike">
-                <a:latin typeface="Arial"/>
-              </a:rPr>
-              <a:t>r</a:t>
-            </a:r>
-            <a:r>
-              <a:rPr b="0" lang="en-US" sz="1800" spc="-1" strike="noStrike">
-                <a:latin typeface="Arial"/>
-              </a:rPr>
-              <a:t>m</a:t>
-            </a:r>
-            <a:r>
-              <a:rPr b="0" lang="en-US" sz="1800" spc="-1" strike="noStrike">
-                <a:latin typeface="Arial"/>
-              </a:rPr>
-              <a:t>a</a:t>
-            </a:r>
-            <a:r>
-              <a:rPr b="0" lang="en-US" sz="1800" spc="-1" strike="noStrike">
-                <a:latin typeface="Arial"/>
-              </a:rPr>
-              <a:t>t</a:t>
+              <a:t>Click to edit the title text format</a:t>
             </a:r>
             <a:endParaRPr b="0" lang="en-US" sz="1800" spc="-1" strike="noStrike">
               <a:latin typeface="Arial"/>
@@ -1639,7 +2793,7 @@
         <p:spPr>
           <a:xfrm>
             <a:off x="504000" y="1326600"/>
-            <a:ext cx="9072000" cy="3288600"/>
+            <a:ext cx="9071640" cy="3288240"/>
           </a:xfrm>
           <a:prstGeom prst="rect">
             <a:avLst/>
@@ -1662,12 +2816,12 @@
               <a:buChar char=""/>
             </a:pPr>
             <a:r>
-              <a:rPr b="0" lang="en-US" sz="3200" spc="-1" strike="noStrike">
+              <a:rPr b="0" lang="en-US" sz="1800" spc="-1" strike="noStrike">
                 <a:latin typeface="Arial"/>
               </a:rPr>
               <a:t>Click to edit the outline text format</a:t>
             </a:r>
-            <a:endParaRPr b="0" lang="en-US" sz="3200" spc="-1" strike="noStrike">
+            <a:endParaRPr b="0" lang="en-US" sz="1800" spc="-1" strike="noStrike">
               <a:latin typeface="Arial"/>
             </a:endParaRPr>
           </a:p>
@@ -1684,12 +2838,12 @@
               <a:buChar char=""/>
             </a:pPr>
             <a:r>
-              <a:rPr b="0" lang="en-US" sz="2800" spc="-1" strike="noStrike">
+              <a:rPr b="0" lang="en-US" sz="1800" spc="-1" strike="noStrike">
                 <a:latin typeface="Arial"/>
               </a:rPr>
               <a:t>Second Outline Level</a:t>
             </a:r>
-            <a:endParaRPr b="0" lang="en-US" sz="2800" spc="-1" strike="noStrike">
+            <a:endParaRPr b="0" lang="en-US" sz="1800" spc="-1" strike="noStrike">
               <a:latin typeface="Arial"/>
             </a:endParaRPr>
           </a:p>
@@ -1706,12 +2860,12 @@
               <a:buChar char=""/>
             </a:pPr>
             <a:r>
-              <a:rPr b="0" lang="en-US" sz="2400" spc="-1" strike="noStrike">
+              <a:rPr b="0" lang="en-US" sz="1800" spc="-1" strike="noStrike">
                 <a:latin typeface="Arial"/>
               </a:rPr>
               <a:t>Third Outline Level</a:t>
             </a:r>
-            <a:endParaRPr b="0" lang="en-US" sz="2400" spc="-1" strike="noStrike">
+            <a:endParaRPr b="0" lang="en-US" sz="1800" spc="-1" strike="noStrike">
               <a:latin typeface="Arial"/>
             </a:endParaRPr>
           </a:p>
@@ -1728,12 +2882,12 @@
               <a:buChar char=""/>
             </a:pPr>
             <a:r>
-              <a:rPr b="0" lang="en-US" sz="2000" spc="-1" strike="noStrike">
+              <a:rPr b="0" lang="en-US" sz="1800" spc="-1" strike="noStrike">
                 <a:latin typeface="Arial"/>
               </a:rPr>
               <a:t>Fourth Outline Level</a:t>
             </a:r>
-            <a:endParaRPr b="0" lang="en-US" sz="2000" spc="-1" strike="noStrike">
+            <a:endParaRPr b="0" lang="en-US" sz="1800" spc="-1" strike="noStrike">
               <a:latin typeface="Arial"/>
             </a:endParaRPr>
           </a:p>
@@ -1750,12 +2904,12 @@
               <a:buChar char=""/>
             </a:pPr>
             <a:r>
-              <a:rPr b="0" lang="en-US" sz="2000" spc="-1" strike="noStrike">
+              <a:rPr b="0" lang="en-US" sz="1800" spc="-1" strike="noStrike">
                 <a:latin typeface="Arial"/>
               </a:rPr>
               <a:t>Fifth Outline Level</a:t>
             </a:r>
-            <a:endParaRPr b="0" lang="en-US" sz="2000" spc="-1" strike="noStrike">
+            <a:endParaRPr b="0" lang="en-US" sz="1800" spc="-1" strike="noStrike">
               <a:latin typeface="Arial"/>
             </a:endParaRPr>
           </a:p>
@@ -1772,12 +2926,12 @@
               <a:buChar char=""/>
             </a:pPr>
             <a:r>
-              <a:rPr b="0" lang="en-US" sz="2000" spc="-1" strike="noStrike">
+              <a:rPr b="0" lang="en-US" sz="1800" spc="-1" strike="noStrike">
                 <a:latin typeface="Arial"/>
               </a:rPr>
               <a:t>Sixth Outline Level</a:t>
             </a:r>
-            <a:endParaRPr b="0" lang="en-US" sz="2000" spc="-1" strike="noStrike">
+            <a:endParaRPr b="0" lang="en-US" sz="1800" spc="-1" strike="noStrike">
               <a:latin typeface="Arial"/>
             </a:endParaRPr>
           </a:p>
@@ -1794,12 +2948,12 @@
               <a:buChar char=""/>
             </a:pPr>
             <a:r>
-              <a:rPr b="0" lang="en-US" sz="2000" spc="-1" strike="noStrike">
+              <a:rPr b="0" lang="en-US" sz="1800" spc="-1" strike="noStrike">
                 <a:latin typeface="Arial"/>
               </a:rPr>
               <a:t>Seventh Outline Level</a:t>
             </a:r>
-            <a:endParaRPr b="0" lang="en-US" sz="2000" spc="-1" strike="noStrike">
+            <a:endParaRPr b="0" lang="en-US" sz="1800" spc="-1" strike="noStrike">
               <a:latin typeface="Arial"/>
             </a:endParaRPr>
           </a:p>
@@ -1821,6 +2975,283 @@
     <p:sldLayoutId id="2147483658" r:id="rId11"/>
     <p:sldLayoutId id="2147483659" r:id="rId12"/>
     <p:sldLayoutId id="2147483660" r:id="rId13"/>
+  </p:sldLayoutIdLst>
+</p:sldMaster>
+</file>
+
+<file path=ppt/slideMasters/slideMaster2.xml><?xml version="1.0" encoding="utf-8"?>
+<p:sldMaster xmlns:a="http://schemas.openxmlformats.org/drawingml/2006/main" xmlns:p="http://schemas.openxmlformats.org/presentationml/2006/main" xmlns:r="http://schemas.openxmlformats.org/officeDocument/2006/relationships" xmlns:p14="http://schemas.microsoft.com/office/powerpoint/2010/main" xmlns:p15="http://schemas.microsoft.com/office/powerpoint/2012/main" xmlns:mc="http://schemas.openxmlformats.org/markup-compatibility/2006">
+  <p:cSld>
+    <p:spTree>
+      <p:nvGrpSpPr>
+        <p:cNvPr id="1" name=""/>
+        <p:cNvGrpSpPr/>
+        <p:nvPr/>
+      </p:nvGrpSpPr>
+      <p:grpSpPr>
+        <a:xfrm>
+          <a:off x="0" y="0"/>
+          <a:ext cx="0" cy="0"/>
+          <a:chOff x="0" y="0"/>
+          <a:chExt cx="0" cy="0"/>
+        </a:xfrm>
+      </p:grpSpPr>
+      <p:sp>
+        <p:nvSpPr>
+          <p:cNvPr id="38" name="PlaceHolder 1"/>
+          <p:cNvSpPr>
+            <a:spLocks noGrp="1"/>
+          </p:cNvSpPr>
+          <p:nvPr>
+            <p:ph type="title"/>
+          </p:nvPr>
+        </p:nvSpPr>
+        <p:spPr>
+          <a:xfrm>
+            <a:off x="504000" y="226080"/>
+            <a:ext cx="9072000" cy="946440"/>
+          </a:xfrm>
+          <a:prstGeom prst="rect">
+            <a:avLst/>
+          </a:prstGeom>
+        </p:spPr>
+        <p:txBody>
+          <a:bodyPr lIns="0" rIns="0" tIns="0" bIns="0" anchor="ctr">
+            <a:noAutofit/>
+          </a:bodyPr>
+          <a:p>
+            <a:pPr algn="ctr"/>
+            <a:r>
+              <a:rPr b="0" lang="en-US" sz="4400" spc="-1" strike="noStrike">
+                <a:latin typeface="Arial"/>
+              </a:rPr>
+              <a:t>Click to </a:t>
+            </a:r>
+            <a:r>
+              <a:rPr b="0" lang="en-US" sz="4400" spc="-1" strike="noStrike">
+                <a:latin typeface="Arial"/>
+              </a:rPr>
+              <a:t>edit the </a:t>
+            </a:r>
+            <a:r>
+              <a:rPr b="0" lang="en-US" sz="4400" spc="-1" strike="noStrike">
+                <a:latin typeface="Arial"/>
+              </a:rPr>
+              <a:t>title </a:t>
+            </a:r>
+            <a:r>
+              <a:rPr b="0" lang="en-US" sz="4400" spc="-1" strike="noStrike">
+                <a:latin typeface="Arial"/>
+              </a:rPr>
+              <a:t>text </a:t>
+            </a:r>
+            <a:r>
+              <a:rPr b="0" lang="en-US" sz="4400" spc="-1" strike="noStrike">
+                <a:latin typeface="Arial"/>
+              </a:rPr>
+              <a:t>format</a:t>
+            </a:r>
+            <a:endParaRPr b="0" lang="en-US" sz="4400" spc="-1" strike="noStrike">
+              <a:latin typeface="Arial"/>
+            </a:endParaRPr>
+          </a:p>
+        </p:txBody>
+      </p:sp>
+      <p:sp>
+        <p:nvSpPr>
+          <p:cNvPr id="39" name="PlaceHolder 2"/>
+          <p:cNvSpPr>
+            <a:spLocks noGrp="1"/>
+          </p:cNvSpPr>
+          <p:nvPr>
+            <p:ph type="body"/>
+          </p:nvPr>
+        </p:nvSpPr>
+        <p:spPr>
+          <a:xfrm>
+            <a:off x="504000" y="1326600"/>
+            <a:ext cx="9072000" cy="3288600"/>
+          </a:xfrm>
+          <a:prstGeom prst="rect">
+            <a:avLst/>
+          </a:prstGeom>
+        </p:spPr>
+        <p:txBody>
+          <a:bodyPr lIns="0" rIns="0" tIns="0" bIns="0">
+            <a:normAutofit/>
+          </a:bodyPr>
+          <a:p>
+            <a:pPr marL="432000" indent="-324000">
+              <a:spcBef>
+                <a:spcPts val="1414"/>
+              </a:spcBef>
+              <a:buClr>
+                <a:srgbClr val="000000"/>
+              </a:buClr>
+              <a:buSzPct val="45000"/>
+              <a:buFont typeface="Wingdings" charset="2"/>
+              <a:buChar char=""/>
+            </a:pPr>
+            <a:r>
+              <a:rPr b="0" lang="en-US" sz="3200" spc="-1" strike="noStrike">
+                <a:latin typeface="Arial"/>
+              </a:rPr>
+              <a:t>Click to edit the outline text format</a:t>
+            </a:r>
+            <a:endParaRPr b="0" lang="en-US" sz="3200" spc="-1" strike="noStrike">
+              <a:latin typeface="Arial"/>
+            </a:endParaRPr>
+          </a:p>
+          <a:p>
+            <a:pPr lvl="1" marL="864000" indent="-324000">
+              <a:spcBef>
+                <a:spcPts val="1134"/>
+              </a:spcBef>
+              <a:buClr>
+                <a:srgbClr val="000000"/>
+              </a:buClr>
+              <a:buSzPct val="75000"/>
+              <a:buFont typeface="Symbol" charset="2"/>
+              <a:buChar char=""/>
+            </a:pPr>
+            <a:r>
+              <a:rPr b="0" lang="en-US" sz="2800" spc="-1" strike="noStrike">
+                <a:latin typeface="Arial"/>
+              </a:rPr>
+              <a:t>Second Outline Level</a:t>
+            </a:r>
+            <a:endParaRPr b="0" lang="en-US" sz="2800" spc="-1" strike="noStrike">
+              <a:latin typeface="Arial"/>
+            </a:endParaRPr>
+          </a:p>
+          <a:p>
+            <a:pPr lvl="2" marL="1296000" indent="-288000">
+              <a:spcBef>
+                <a:spcPts val="850"/>
+              </a:spcBef>
+              <a:buClr>
+                <a:srgbClr val="000000"/>
+              </a:buClr>
+              <a:buSzPct val="45000"/>
+              <a:buFont typeface="Wingdings" charset="2"/>
+              <a:buChar char=""/>
+            </a:pPr>
+            <a:r>
+              <a:rPr b="0" lang="en-US" sz="2400" spc="-1" strike="noStrike">
+                <a:latin typeface="Arial"/>
+              </a:rPr>
+              <a:t>Third Outline Level</a:t>
+            </a:r>
+            <a:endParaRPr b="0" lang="en-US" sz="2400" spc="-1" strike="noStrike">
+              <a:latin typeface="Arial"/>
+            </a:endParaRPr>
+          </a:p>
+          <a:p>
+            <a:pPr lvl="3" marL="1728000" indent="-216000">
+              <a:spcBef>
+                <a:spcPts val="567"/>
+              </a:spcBef>
+              <a:buClr>
+                <a:srgbClr val="000000"/>
+              </a:buClr>
+              <a:buSzPct val="75000"/>
+              <a:buFont typeface="Symbol" charset="2"/>
+              <a:buChar char=""/>
+            </a:pPr>
+            <a:r>
+              <a:rPr b="0" lang="en-US" sz="2000" spc="-1" strike="noStrike">
+                <a:latin typeface="Arial"/>
+              </a:rPr>
+              <a:t>Fourth Outline Level</a:t>
+            </a:r>
+            <a:endParaRPr b="0" lang="en-US" sz="2000" spc="-1" strike="noStrike">
+              <a:latin typeface="Arial"/>
+            </a:endParaRPr>
+          </a:p>
+          <a:p>
+            <a:pPr lvl="4" marL="2160000" indent="-216000">
+              <a:spcBef>
+                <a:spcPts val="283"/>
+              </a:spcBef>
+              <a:buClr>
+                <a:srgbClr val="000000"/>
+              </a:buClr>
+              <a:buSzPct val="45000"/>
+              <a:buFont typeface="Wingdings" charset="2"/>
+              <a:buChar char=""/>
+            </a:pPr>
+            <a:r>
+              <a:rPr b="0" lang="en-US" sz="2000" spc="-1" strike="noStrike">
+                <a:latin typeface="Arial"/>
+              </a:rPr>
+              <a:t>Fifth Outline Level</a:t>
+            </a:r>
+            <a:endParaRPr b="0" lang="en-US" sz="2000" spc="-1" strike="noStrike">
+              <a:latin typeface="Arial"/>
+            </a:endParaRPr>
+          </a:p>
+          <a:p>
+            <a:pPr lvl="5" marL="2592000" indent="-216000">
+              <a:spcBef>
+                <a:spcPts val="283"/>
+              </a:spcBef>
+              <a:buClr>
+                <a:srgbClr val="000000"/>
+              </a:buClr>
+              <a:buSzPct val="45000"/>
+              <a:buFont typeface="Wingdings" charset="2"/>
+              <a:buChar char=""/>
+            </a:pPr>
+            <a:r>
+              <a:rPr b="0" lang="en-US" sz="2000" spc="-1" strike="noStrike">
+                <a:latin typeface="Arial"/>
+              </a:rPr>
+              <a:t>Sixth Outline Level</a:t>
+            </a:r>
+            <a:endParaRPr b="0" lang="en-US" sz="2000" spc="-1" strike="noStrike">
+              <a:latin typeface="Arial"/>
+            </a:endParaRPr>
+          </a:p>
+          <a:p>
+            <a:pPr lvl="6" marL="3024000" indent="-216000">
+              <a:spcBef>
+                <a:spcPts val="283"/>
+              </a:spcBef>
+              <a:buClr>
+                <a:srgbClr val="000000"/>
+              </a:buClr>
+              <a:buSzPct val="45000"/>
+              <a:buFont typeface="Wingdings" charset="2"/>
+              <a:buChar char=""/>
+            </a:pPr>
+            <a:r>
+              <a:rPr b="0" lang="en-US" sz="2000" spc="-1" strike="noStrike">
+                <a:latin typeface="Arial"/>
+              </a:rPr>
+              <a:t>Seventh Outline Level</a:t>
+            </a:r>
+            <a:endParaRPr b="0" lang="en-US" sz="2000" spc="-1" strike="noStrike">
+              <a:latin typeface="Arial"/>
+            </a:endParaRPr>
+          </a:p>
+        </p:txBody>
+      </p:sp>
+    </p:spTree>
+  </p:cSld>
+  <p:clrMap bg1="lt1" bg2="lt2" tx1="dk1" tx2="dk2" accent1="accent1" accent2="accent2" accent3="accent3" accent4="accent4" accent5="accent5" accent6="accent6" hlink="hlink" folHlink="folHlink"/>
+  <p:sldLayoutIdLst>
+    <p:sldLayoutId id="2147483662" r:id="rId2"/>
+    <p:sldLayoutId id="2147483663" r:id="rId3"/>
+    <p:sldLayoutId id="2147483664" r:id="rId4"/>
+    <p:sldLayoutId id="2147483665" r:id="rId5"/>
+    <p:sldLayoutId id="2147483666" r:id="rId6"/>
+    <p:sldLayoutId id="2147483667" r:id="rId7"/>
+    <p:sldLayoutId id="2147483668" r:id="rId8"/>
+    <p:sldLayoutId id="2147483669" r:id="rId9"/>
+    <p:sldLayoutId id="2147483670" r:id="rId10"/>
+    <p:sldLayoutId id="2147483671" r:id="rId11"/>
+    <p:sldLayoutId id="2147483672" r:id="rId12"/>
+    <p:sldLayoutId id="2147483673" r:id="rId13"/>
   </p:sldLayoutIdLst>
 </p:sldMaster>
 </file>
@@ -1844,14 +3275,14 @@
       </p:grpSpPr>
       <p:sp>
         <p:nvSpPr>
-          <p:cNvPr id="38" name="CustomShape 1"/>
+          <p:cNvPr id="76" name="CustomShape 1"/>
           <p:cNvSpPr/>
           <p:nvPr/>
         </p:nvSpPr>
         <p:spPr>
           <a:xfrm>
             <a:off x="0" y="0"/>
-            <a:ext cx="4524840" cy="312480"/>
+            <a:ext cx="4524480" cy="312120"/>
           </a:xfrm>
           <a:prstGeom prst="rect">
             <a:avLst/>
@@ -1879,7 +3310,11 @@
             </a:pPr>
             <a:r>
               <a:rPr b="0" lang="en-US" sz="2200" spc="-1" strike="noStrike">
-                <a:latin typeface="Arial"/>
+                <a:solidFill>
+                  <a:srgbClr val="000000"/>
+                </a:solidFill>
+                <a:latin typeface="Arial"/>
+                <a:ea typeface="DejaVu Sans"/>
               </a:rPr>
               <a:t>Quantum Courses Progression</a:t>
             </a:r>
@@ -1891,14 +3326,14 @@
       </p:sp>
       <p:sp>
         <p:nvSpPr>
-          <p:cNvPr id="39" name="CustomShape 2"/>
+          <p:cNvPr id="77" name="CustomShape 2"/>
           <p:cNvSpPr/>
           <p:nvPr/>
         </p:nvSpPr>
         <p:spPr>
           <a:xfrm>
             <a:off x="3483000" y="986400"/>
-            <a:ext cx="2057040" cy="363960"/>
+            <a:ext cx="2056680" cy="363600"/>
           </a:xfrm>
           <a:prstGeom prst="rect">
             <a:avLst/>
@@ -1929,7 +3364,11 @@
             </a:pPr>
             <a:r>
               <a:rPr b="0" lang="en-US" sz="1800" spc="-1" strike="noStrike">
-                <a:latin typeface="Arial"/>
+                <a:solidFill>
+                  <a:srgbClr val="000000"/>
+                </a:solidFill>
+                <a:latin typeface="Arial"/>
+                <a:ea typeface="DejaVu Sans"/>
               </a:rPr>
               <a:t>QM for CS</a:t>
             </a:r>
@@ -1941,14 +3380,14 @@
       </p:sp>
       <p:sp>
         <p:nvSpPr>
-          <p:cNvPr id="40" name="CustomShape 3"/>
+          <p:cNvPr id="78" name="CustomShape 3"/>
           <p:cNvSpPr/>
           <p:nvPr/>
         </p:nvSpPr>
         <p:spPr>
           <a:xfrm>
             <a:off x="3483000" y="1672200"/>
-            <a:ext cx="2057040" cy="363960"/>
+            <a:ext cx="2056680" cy="363600"/>
           </a:xfrm>
           <a:prstGeom prst="rect">
             <a:avLst/>
@@ -1979,7 +3418,11 @@
             </a:pPr>
             <a:r>
               <a:rPr b="0" lang="en-US" sz="1800" spc="-1" strike="noStrike">
-                <a:latin typeface="Arial"/>
+                <a:solidFill>
+                  <a:srgbClr val="000000"/>
+                </a:solidFill>
+                <a:latin typeface="Arial"/>
+                <a:ea typeface="DejaVu Sans"/>
               </a:rPr>
               <a:t>Intro to QIS</a:t>
             </a:r>
@@ -1991,14 +3434,14 @@
       </p:sp>
       <p:sp>
         <p:nvSpPr>
-          <p:cNvPr id="41" name="CustomShape 4"/>
+          <p:cNvPr id="79" name="CustomShape 4"/>
           <p:cNvSpPr/>
           <p:nvPr/>
         </p:nvSpPr>
         <p:spPr>
           <a:xfrm>
             <a:off x="685800" y="3078000"/>
-            <a:ext cx="2057040" cy="363960"/>
+            <a:ext cx="2056680" cy="363600"/>
           </a:xfrm>
           <a:prstGeom prst="rect">
             <a:avLst/>
@@ -2029,7 +3472,11 @@
             </a:pPr>
             <a:r>
               <a:rPr b="0" lang="en-US" sz="1800" spc="-1" strike="noStrike">
-                <a:latin typeface="Arial"/>
+                <a:solidFill>
+                  <a:srgbClr val="000000"/>
+                </a:solidFill>
+                <a:latin typeface="Arial"/>
+                <a:ea typeface="DejaVu Sans"/>
               </a:rPr>
               <a:t>Intro to QC</a:t>
             </a:r>
@@ -2041,14 +3488,14 @@
       </p:sp>
       <p:sp>
         <p:nvSpPr>
-          <p:cNvPr id="42" name="CustomShape 5"/>
+          <p:cNvPr id="80" name="CustomShape 5"/>
           <p:cNvSpPr/>
           <p:nvPr/>
         </p:nvSpPr>
         <p:spPr>
           <a:xfrm>
             <a:off x="685800" y="3763800"/>
-            <a:ext cx="2057040" cy="363960"/>
+            <a:ext cx="2056680" cy="363600"/>
           </a:xfrm>
           <a:prstGeom prst="rect">
             <a:avLst/>
@@ -2079,7 +3526,11 @@
             </a:pPr>
             <a:r>
               <a:rPr b="0" lang="en-US" sz="1800" spc="-1" strike="noStrike">
-                <a:latin typeface="Arial"/>
+                <a:solidFill>
+                  <a:srgbClr val="000000"/>
+                </a:solidFill>
+                <a:latin typeface="Arial"/>
+                <a:ea typeface="DejaVu Sans"/>
               </a:rPr>
               <a:t>Applied QC</a:t>
             </a:r>
@@ -2091,14 +3542,14 @@
       </p:sp>
       <p:sp>
         <p:nvSpPr>
-          <p:cNvPr id="43" name="CustomShape 6"/>
+          <p:cNvPr id="81" name="CustomShape 6"/>
           <p:cNvSpPr/>
           <p:nvPr/>
         </p:nvSpPr>
         <p:spPr>
           <a:xfrm>
             <a:off x="685800" y="4449600"/>
-            <a:ext cx="2057040" cy="363960"/>
+            <a:ext cx="2056680" cy="363600"/>
           </a:xfrm>
           <a:prstGeom prst="rect">
             <a:avLst/>
@@ -2129,7 +3580,11 @@
             </a:pPr>
             <a:r>
               <a:rPr b="0" lang="en-US" sz="1800" spc="-1" strike="noStrike">
-                <a:latin typeface="Arial"/>
+                <a:solidFill>
+                  <a:srgbClr val="000000"/>
+                </a:solidFill>
+                <a:latin typeface="Arial"/>
+                <a:ea typeface="DejaVu Sans"/>
               </a:rPr>
               <a:t>Quantum Algos</a:t>
             </a:r>
@@ -2141,14 +3596,14 @@
       </p:sp>
       <p:sp>
         <p:nvSpPr>
-          <p:cNvPr id="44" name="CustomShape 7"/>
+          <p:cNvPr id="82" name="CustomShape 7"/>
           <p:cNvSpPr/>
           <p:nvPr/>
         </p:nvSpPr>
         <p:spPr>
           <a:xfrm>
             <a:off x="4770000" y="3054600"/>
-            <a:ext cx="2057040" cy="363960"/>
+            <a:ext cx="2056680" cy="363600"/>
           </a:xfrm>
           <a:prstGeom prst="rect">
             <a:avLst/>
@@ -2179,7 +3634,11 @@
             </a:pPr>
             <a:r>
               <a:rPr b="0" lang="en-US" sz="1800" spc="-1" strike="noStrike">
-                <a:latin typeface="Arial"/>
+                <a:solidFill>
+                  <a:srgbClr val="000000"/>
+                </a:solidFill>
+                <a:latin typeface="Arial"/>
+                <a:ea typeface="DejaVu Sans"/>
               </a:rPr>
               <a:t>Quantum Crypto</a:t>
             </a:r>
@@ -2191,14 +3650,14 @@
       </p:sp>
       <p:sp>
         <p:nvSpPr>
-          <p:cNvPr id="45" name="CustomShape 8"/>
+          <p:cNvPr id="83" name="CustomShape 8"/>
           <p:cNvSpPr/>
           <p:nvPr/>
         </p:nvSpPr>
         <p:spPr>
           <a:xfrm>
             <a:off x="4770000" y="3740400"/>
-            <a:ext cx="2057040" cy="363960"/>
+            <a:ext cx="2056680" cy="363600"/>
           </a:xfrm>
           <a:prstGeom prst="rect">
             <a:avLst/>
@@ -2229,7 +3688,11 @@
             </a:pPr>
             <a:r>
               <a:rPr b="0" lang="en-US" sz="1800" spc="-1" strike="noStrike">
-                <a:latin typeface="Arial"/>
+                <a:solidFill>
+                  <a:srgbClr val="000000"/>
+                </a:solidFill>
+                <a:latin typeface="Arial"/>
+                <a:ea typeface="DejaVu Sans"/>
               </a:rPr>
               <a:t>Quantum Sensing</a:t>
             </a:r>
@@ -2241,14 +3704,14 @@
       </p:sp>
       <p:sp>
         <p:nvSpPr>
-          <p:cNvPr id="46" name="CustomShape 9"/>
+          <p:cNvPr id="84" name="CustomShape 9"/>
           <p:cNvSpPr/>
           <p:nvPr/>
         </p:nvSpPr>
         <p:spPr>
           <a:xfrm>
             <a:off x="685800" y="5135400"/>
-            <a:ext cx="2057040" cy="363960"/>
+            <a:ext cx="2056680" cy="363600"/>
           </a:xfrm>
           <a:prstGeom prst="rect">
             <a:avLst/>
@@ -2279,7 +3742,11 @@
             </a:pPr>
             <a:r>
               <a:rPr b="0" lang="en-US" sz="1800" spc="-1" strike="noStrike">
-                <a:latin typeface="Arial"/>
+                <a:solidFill>
+                  <a:srgbClr val="000000"/>
+                </a:solidFill>
+                <a:latin typeface="Arial"/>
+                <a:ea typeface="DejaVu Sans"/>
               </a:rPr>
               <a:t>Quantum ML</a:t>
             </a:r>
@@ -2291,7 +3758,7 @@
       </p:sp>
       <p:sp>
         <p:nvSpPr>
-          <p:cNvPr id="47" name="Line 10"/>
+          <p:cNvPr id="85" name="Line 10"/>
           <p:cNvSpPr/>
           <p:nvPr/>
         </p:nvSpPr>
@@ -2319,14 +3786,14 @@
       </p:sp>
       <p:sp>
         <p:nvSpPr>
-          <p:cNvPr id="48" name="CustomShape 11"/>
+          <p:cNvPr id="86" name="CustomShape 11"/>
           <p:cNvSpPr/>
           <p:nvPr/>
         </p:nvSpPr>
         <p:spPr>
           <a:xfrm>
             <a:off x="3254400" y="819000"/>
-            <a:ext cx="2514240" cy="1371240"/>
+            <a:ext cx="2513880" cy="1370880"/>
           </a:xfrm>
           <a:prstGeom prst="rect">
             <a:avLst/>
@@ -2351,14 +3818,14 @@
       </p:sp>
       <p:sp>
         <p:nvSpPr>
-          <p:cNvPr id="49" name="CustomShape 12"/>
+          <p:cNvPr id="87" name="CustomShape 12"/>
           <p:cNvSpPr/>
           <p:nvPr/>
         </p:nvSpPr>
         <p:spPr>
           <a:xfrm>
             <a:off x="3146400" y="433800"/>
-            <a:ext cx="2752920" cy="345960"/>
+            <a:ext cx="2752560" cy="345600"/>
           </a:xfrm>
           <a:prstGeom prst="rect">
             <a:avLst/>
@@ -2386,7 +3853,11 @@
             </a:pPr>
             <a:r>
               <a:rPr b="0" lang="en-US" sz="1800" spc="-1" strike="noStrike">
-                <a:latin typeface="Arial"/>
+                <a:solidFill>
+                  <a:srgbClr val="000000"/>
+                </a:solidFill>
+                <a:latin typeface="Arial"/>
+                <a:ea typeface="DejaVu Sans"/>
               </a:rPr>
               <a:t>Core 1-year Requirement</a:t>
             </a:r>
@@ -2398,7 +3869,7 @@
       </p:sp>
       <p:sp>
         <p:nvSpPr>
-          <p:cNvPr id="50" name="Line 13"/>
+          <p:cNvPr id="88" name="Line 13"/>
           <p:cNvSpPr/>
           <p:nvPr/>
         </p:nvSpPr>
@@ -2426,7 +3897,7 @@
       </p:sp>
       <p:sp>
         <p:nvSpPr>
-          <p:cNvPr id="51" name="Line 14"/>
+          <p:cNvPr id="89" name="Line 14"/>
           <p:cNvSpPr/>
           <p:nvPr/>
         </p:nvSpPr>
@@ -2454,14 +3925,14 @@
       </p:sp>
       <p:sp>
         <p:nvSpPr>
-          <p:cNvPr id="52" name="CustomShape 15"/>
+          <p:cNvPr id="90" name="CustomShape 15"/>
           <p:cNvSpPr/>
           <p:nvPr/>
         </p:nvSpPr>
         <p:spPr>
           <a:xfrm>
             <a:off x="457200" y="2957400"/>
-            <a:ext cx="2514240" cy="2670840"/>
+            <a:ext cx="2513880" cy="2670480"/>
           </a:xfrm>
           <a:prstGeom prst="rect">
             <a:avLst/>
@@ -2486,14 +3957,14 @@
       </p:sp>
       <p:sp>
         <p:nvSpPr>
-          <p:cNvPr id="53" name="CustomShape 16"/>
+          <p:cNvPr id="91" name="CustomShape 16"/>
           <p:cNvSpPr/>
           <p:nvPr/>
         </p:nvSpPr>
         <p:spPr>
           <a:xfrm>
             <a:off x="95760" y="2590560"/>
-            <a:ext cx="3158280" cy="345960"/>
+            <a:ext cx="3157920" cy="345600"/>
           </a:xfrm>
           <a:prstGeom prst="rect">
             <a:avLst/>
@@ -2521,7 +3992,11 @@
             </a:pPr>
             <a:r>
               <a:rPr b="0" lang="en-US" sz="1800" spc="-1" strike="noStrike">
-                <a:latin typeface="Arial"/>
+                <a:solidFill>
+                  <a:srgbClr val="000000"/>
+                </a:solidFill>
+                <a:latin typeface="Arial"/>
+                <a:ea typeface="DejaVu Sans"/>
               </a:rPr>
               <a:t>Quantum Computing Pipeline</a:t>
             </a:r>
@@ -2533,7 +4008,7 @@
       </p:sp>
       <p:sp>
         <p:nvSpPr>
-          <p:cNvPr id="54" name="Line 17"/>
+          <p:cNvPr id="92" name="Line 17"/>
           <p:cNvSpPr/>
           <p:nvPr/>
         </p:nvSpPr>
@@ -2561,14 +4036,14 @@
       </p:sp>
       <p:sp>
         <p:nvSpPr>
-          <p:cNvPr id="55" name="CustomShape 18"/>
+          <p:cNvPr id="93" name="CustomShape 18"/>
           <p:cNvSpPr/>
           <p:nvPr/>
         </p:nvSpPr>
         <p:spPr>
           <a:xfrm>
             <a:off x="4770360" y="4460400"/>
-            <a:ext cx="2057040" cy="363960"/>
+            <a:ext cx="2056680" cy="363600"/>
           </a:xfrm>
           <a:prstGeom prst="rect">
             <a:avLst/>
@@ -2599,7 +4074,11 @@
             </a:pPr>
             <a:r>
               <a:rPr b="0" lang="en-US" sz="1800" spc="-1" strike="noStrike">
-                <a:latin typeface="Arial"/>
+                <a:solidFill>
+                  <a:srgbClr val="000000"/>
+                </a:solidFill>
+                <a:latin typeface="Arial"/>
+                <a:ea typeface="DejaVu Sans"/>
               </a:rPr>
               <a:t>FPGA Intro</a:t>
             </a:r>
@@ -2611,14 +4090,14 @@
       </p:sp>
       <p:sp>
         <p:nvSpPr>
-          <p:cNvPr id="56" name="CustomShape 19"/>
+          <p:cNvPr id="94" name="CustomShape 19"/>
           <p:cNvSpPr/>
           <p:nvPr/>
         </p:nvSpPr>
         <p:spPr>
           <a:xfrm>
             <a:off x="4770720" y="5144400"/>
-            <a:ext cx="2057040" cy="363960"/>
+            <a:ext cx="2056680" cy="363600"/>
           </a:xfrm>
           <a:prstGeom prst="rect">
             <a:avLst/>
@@ -2649,7 +4128,11 @@
             </a:pPr>
             <a:r>
               <a:rPr b="0" lang="en-US" sz="1800" spc="-1" strike="noStrike">
-                <a:latin typeface="Arial"/>
+                <a:solidFill>
+                  <a:srgbClr val="000000"/>
+                </a:solidFill>
+                <a:latin typeface="Arial"/>
+                <a:ea typeface="DejaVu Sans"/>
               </a:rPr>
               <a:t>Applied FPGA</a:t>
             </a:r>
@@ -2661,7 +4144,7 @@
       </p:sp>
       <p:sp>
         <p:nvSpPr>
-          <p:cNvPr id="57" name="Line 20"/>
+          <p:cNvPr id="95" name="Line 20"/>
           <p:cNvSpPr/>
           <p:nvPr/>
         </p:nvSpPr>
@@ -2689,7 +4172,7 @@
       </p:sp>
       <p:sp>
         <p:nvSpPr>
-          <p:cNvPr id="58" name="Line 21"/>
+          <p:cNvPr id="96" name="Line 21"/>
           <p:cNvSpPr/>
           <p:nvPr/>
         </p:nvSpPr>
@@ -2717,7 +4200,7 @@
       </p:sp>
       <p:sp>
         <p:nvSpPr>
-          <p:cNvPr id="59" name="Line 22"/>
+          <p:cNvPr id="97" name="Line 22"/>
           <p:cNvSpPr/>
           <p:nvPr/>
         </p:nvSpPr>
@@ -2745,7 +4228,7 @@
       </p:sp>
       <p:sp>
         <p:nvSpPr>
-          <p:cNvPr id="60" name="Line 23"/>
+          <p:cNvPr id="98" name="Line 23"/>
           <p:cNvSpPr/>
           <p:nvPr/>
         </p:nvSpPr>
@@ -2773,7 +4256,7 @@
       </p:sp>
       <p:sp>
         <p:nvSpPr>
-          <p:cNvPr id="61" name="Line 24"/>
+          <p:cNvPr id="99" name="Line 24"/>
           <p:cNvSpPr/>
           <p:nvPr/>
         </p:nvSpPr>
@@ -2801,14 +4284,14 @@
       </p:sp>
       <p:sp>
         <p:nvSpPr>
-          <p:cNvPr id="62" name="CustomShape 25"/>
+          <p:cNvPr id="100" name="CustomShape 25"/>
           <p:cNvSpPr/>
           <p:nvPr/>
         </p:nvSpPr>
         <p:spPr>
           <a:xfrm>
             <a:off x="4525200" y="2962440"/>
-            <a:ext cx="2514240" cy="2670840"/>
+            <a:ext cx="2513880" cy="2670480"/>
           </a:xfrm>
           <a:prstGeom prst="rect">
             <a:avLst/>
@@ -2833,14 +4316,14 @@
       </p:sp>
       <p:sp>
         <p:nvSpPr>
-          <p:cNvPr id="63" name="CustomShape 26"/>
+          <p:cNvPr id="101" name="CustomShape 26"/>
           <p:cNvSpPr/>
           <p:nvPr/>
         </p:nvSpPr>
         <p:spPr>
           <a:xfrm>
             <a:off x="4415760" y="2595600"/>
-            <a:ext cx="2815200" cy="345960"/>
+            <a:ext cx="2814840" cy="345600"/>
           </a:xfrm>
           <a:prstGeom prst="rect">
             <a:avLst/>
@@ -2868,7 +4351,11 @@
             </a:pPr>
             <a:r>
               <a:rPr b="0" lang="en-US" sz="1800" spc="-1" strike="noStrike">
-                <a:latin typeface="Arial"/>
+                <a:solidFill>
+                  <a:srgbClr val="000000"/>
+                </a:solidFill>
+                <a:latin typeface="Arial"/>
+                <a:ea typeface="DejaVu Sans"/>
               </a:rPr>
               <a:t>Applied Quantum Pipeline</a:t>
             </a:r>
@@ -2880,14 +4367,14 @@
       </p:sp>
       <p:sp>
         <p:nvSpPr>
-          <p:cNvPr id="64" name="CustomShape 27"/>
+          <p:cNvPr id="102" name="CustomShape 27"/>
           <p:cNvSpPr/>
           <p:nvPr/>
         </p:nvSpPr>
         <p:spPr>
           <a:xfrm>
             <a:off x="6363360" y="1670400"/>
-            <a:ext cx="2057040" cy="363960"/>
+            <a:ext cx="2056680" cy="363600"/>
           </a:xfrm>
           <a:prstGeom prst="rect">
             <a:avLst/>
@@ -2922,6 +4409,7 @@
                   <a:srgbClr val="0000ff"/>
                 </a:solidFill>
                 <a:latin typeface="Arial"/>
+                <a:ea typeface="DejaVu Sans"/>
               </a:rPr>
               <a:t>QM Labs 2</a:t>
             </a:r>
@@ -2933,7 +4421,7 @@
       </p:sp>
       <p:sp>
         <p:nvSpPr>
-          <p:cNvPr id="65" name="Line 28"/>
+          <p:cNvPr id="103" name="Line 28"/>
           <p:cNvSpPr/>
           <p:nvPr/>
         </p:nvSpPr>
@@ -2962,14 +4450,14 @@
       </p:sp>
       <p:sp>
         <p:nvSpPr>
-          <p:cNvPr id="66" name="CustomShape 29"/>
+          <p:cNvPr id="104" name="CustomShape 29"/>
           <p:cNvSpPr/>
           <p:nvPr/>
         </p:nvSpPr>
         <p:spPr>
           <a:xfrm>
             <a:off x="7664400" y="3074400"/>
-            <a:ext cx="2057040" cy="363960"/>
+            <a:ext cx="2056680" cy="363600"/>
           </a:xfrm>
           <a:prstGeom prst="rect">
             <a:avLst/>
@@ -3004,6 +4492,7 @@
                   <a:srgbClr val="0000ff"/>
                 </a:solidFill>
                 <a:latin typeface="Arial"/>
+                <a:ea typeface="DejaVu Sans"/>
               </a:rPr>
               <a:t>QKD Labs</a:t>
             </a:r>
@@ -3015,7 +4504,7 @@
       </p:sp>
       <p:sp>
         <p:nvSpPr>
-          <p:cNvPr id="67" name="Line 30"/>
+          <p:cNvPr id="105" name="Line 30"/>
           <p:cNvSpPr/>
           <p:nvPr/>
         </p:nvSpPr>
@@ -3044,14 +4533,14 @@
       </p:sp>
       <p:sp>
         <p:nvSpPr>
-          <p:cNvPr id="68" name="CustomShape 31"/>
+          <p:cNvPr id="106" name="CustomShape 31"/>
           <p:cNvSpPr/>
           <p:nvPr/>
         </p:nvSpPr>
         <p:spPr>
           <a:xfrm>
             <a:off x="7664400" y="3758400"/>
-            <a:ext cx="2057040" cy="363960"/>
+            <a:ext cx="2056680" cy="363600"/>
           </a:xfrm>
           <a:prstGeom prst="rect">
             <a:avLst/>
@@ -3086,6 +4575,7 @@
                   <a:srgbClr val="0000ff"/>
                 </a:solidFill>
                 <a:latin typeface="Arial"/>
+                <a:ea typeface="DejaVu Sans"/>
               </a:rPr>
               <a:t>Q-Sensing Labs</a:t>
             </a:r>
@@ -3097,7 +4587,7 @@
       </p:sp>
       <p:sp>
         <p:nvSpPr>
-          <p:cNvPr id="69" name="Line 32"/>
+          <p:cNvPr id="107" name="Line 32"/>
           <p:cNvSpPr/>
           <p:nvPr/>
         </p:nvSpPr>
@@ -3126,14 +4616,14 @@
       </p:sp>
       <p:sp>
         <p:nvSpPr>
-          <p:cNvPr id="70" name="CustomShape 33"/>
+          <p:cNvPr id="108" name="CustomShape 33"/>
           <p:cNvSpPr/>
           <p:nvPr/>
         </p:nvSpPr>
         <p:spPr>
           <a:xfrm>
             <a:off x="7664400" y="4478400"/>
-            <a:ext cx="2057040" cy="363960"/>
+            <a:ext cx="2056680" cy="363600"/>
           </a:xfrm>
           <a:prstGeom prst="rect">
             <a:avLst/>
@@ -3168,6 +4658,7 @@
                   <a:srgbClr val="0000ff"/>
                 </a:solidFill>
                 <a:latin typeface="Arial"/>
+                <a:ea typeface="DejaVu Sans"/>
               </a:rPr>
               <a:t>FPGA Labs I</a:t>
             </a:r>
@@ -3179,7 +4670,7 @@
       </p:sp>
       <p:sp>
         <p:nvSpPr>
-          <p:cNvPr id="71" name="Line 34"/>
+          <p:cNvPr id="109" name="Line 34"/>
           <p:cNvSpPr/>
           <p:nvPr/>
         </p:nvSpPr>
@@ -3208,14 +4699,14 @@
       </p:sp>
       <p:sp>
         <p:nvSpPr>
-          <p:cNvPr id="72" name="CustomShape 35"/>
+          <p:cNvPr id="110" name="CustomShape 35"/>
           <p:cNvSpPr/>
           <p:nvPr/>
         </p:nvSpPr>
         <p:spPr>
           <a:xfrm>
             <a:off x="7664400" y="5162400"/>
-            <a:ext cx="2057040" cy="363960"/>
+            <a:ext cx="2056680" cy="363600"/>
           </a:xfrm>
           <a:prstGeom prst="rect">
             <a:avLst/>
@@ -3250,6 +4741,7 @@
                   <a:srgbClr val="0000ff"/>
                 </a:solidFill>
                 <a:latin typeface="Arial"/>
+                <a:ea typeface="DejaVu Sans"/>
               </a:rPr>
               <a:t>FPGA Labs II</a:t>
             </a:r>
@@ -3261,7 +4753,7 @@
       </p:sp>
       <p:sp>
         <p:nvSpPr>
-          <p:cNvPr id="73" name="Line 36"/>
+          <p:cNvPr id="111" name="Line 36"/>
           <p:cNvSpPr/>
           <p:nvPr/>
         </p:nvSpPr>
@@ -3290,14 +4782,14 @@
       </p:sp>
       <p:sp>
         <p:nvSpPr>
-          <p:cNvPr id="74" name="CustomShape 37"/>
+          <p:cNvPr id="112" name="CustomShape 37"/>
           <p:cNvSpPr/>
           <p:nvPr/>
         </p:nvSpPr>
         <p:spPr>
           <a:xfrm>
             <a:off x="6368400" y="950400"/>
-            <a:ext cx="2057040" cy="363960"/>
+            <a:ext cx="2056680" cy="363600"/>
           </a:xfrm>
           <a:prstGeom prst="rect">
             <a:avLst/>
@@ -3332,6 +4824,7 @@
                   <a:srgbClr val="0000ff"/>
                 </a:solidFill>
                 <a:latin typeface="Arial"/>
+                <a:ea typeface="DejaVu Sans"/>
               </a:rPr>
               <a:t>QM Labs 1</a:t>
             </a:r>
@@ -3343,7 +4836,7 @@
       </p:sp>
       <p:sp>
         <p:nvSpPr>
-          <p:cNvPr id="75" name="Line 38"/>
+          <p:cNvPr id="113" name="Line 38"/>
           <p:cNvSpPr/>
           <p:nvPr/>
         </p:nvSpPr>
@@ -3402,14 +4895,14 @@
       </p:grpSpPr>
       <p:sp>
         <p:nvSpPr>
-          <p:cNvPr id="76" name="TextShape 1"/>
-          <p:cNvSpPr txBox="1"/>
+          <p:cNvPr id="114" name="CustomShape 1"/>
+          <p:cNvSpPr/>
           <p:nvPr/>
         </p:nvSpPr>
         <p:spPr>
           <a:xfrm>
             <a:off x="457200" y="0"/>
-            <a:ext cx="9071280" cy="459720"/>
+            <a:ext cx="9070920" cy="459360"/>
           </a:xfrm>
           <a:prstGeom prst="rect">
             <a:avLst/>
@@ -3419,29 +4912,27 @@
             <a:noFill/>
           </a:ln>
         </p:spPr>
+        <p:style>
+          <a:lnRef idx="0"/>
+          <a:fillRef idx="0"/>
+          <a:effectRef idx="0"/>
+          <a:fontRef idx="minor"/>
+        </p:style>
         <p:txBody>
           <a:bodyPr lIns="0" rIns="0" tIns="0" bIns="0" anchor="ctr">
             <a:noAutofit/>
           </a:bodyPr>
           <a:p>
-            <a:pPr algn="ctr"/>
+            <a:pPr algn="ctr">
+              <a:lnSpc>
+                <a:spcPct val="100000"/>
+              </a:lnSpc>
+            </a:pPr>
             <a:r>
               <a:rPr b="0" lang="en-US" sz="2400" spc="-1" strike="noStrike">
                 <a:latin typeface="Arial"/>
               </a:rPr>
-              <a:t>6-course </a:t>
-            </a:r>
-            <a:r>
-              <a:rPr b="0" lang="en-US" sz="2400" spc="-1" strike="noStrike">
-                <a:latin typeface="Arial"/>
-              </a:rPr>
-              <a:t>quantum </a:t>
-            </a:r>
-            <a:r>
-              <a:rPr b="0" lang="en-US" sz="2400" spc="-1" strike="noStrike">
-                <a:latin typeface="Arial"/>
-              </a:rPr>
-              <a:t>sequence</a:t>
+              <a:t>6-course quantum sequence</a:t>
             </a:r>
             <a:endParaRPr b="0" lang="en-US" sz="2400" spc="-1" strike="noStrike">
               <a:latin typeface="Arial"/>
@@ -3451,28 +4942,28 @@
       </p:sp>
       <p:grpSp>
         <p:nvGrpSpPr>
-          <p:cNvPr id="77" name="Group 2"/>
+          <p:cNvPr id="115" name="Group 2"/>
           <p:cNvGrpSpPr/>
           <p:nvPr/>
         </p:nvGrpSpPr>
         <p:grpSpPr>
           <a:xfrm>
             <a:off x="158400" y="675000"/>
-            <a:ext cx="4413600" cy="3103200"/>
+            <a:ext cx="4413240" cy="3102840"/>
             <a:chOff x="158400" y="675000"/>
-            <a:chExt cx="4413600" cy="3103200"/>
+            <a:chExt cx="4413240" cy="3102840"/>
           </a:xfrm>
         </p:grpSpPr>
         <p:sp>
           <p:nvSpPr>
-            <p:cNvPr id="78" name="CustomShape 3"/>
+            <p:cNvPr id="116" name="CustomShape 3"/>
             <p:cNvSpPr/>
             <p:nvPr/>
           </p:nvSpPr>
           <p:spPr>
             <a:xfrm>
               <a:off x="332280" y="824760"/>
-              <a:ext cx="1847520" cy="269640"/>
+              <a:ext cx="1847160" cy="269280"/>
             </a:xfrm>
             <a:prstGeom prst="rect">
               <a:avLst/>
@@ -3503,7 +4994,11 @@
               </a:pPr>
               <a:r>
                 <a:rPr b="0" lang="en-US" sz="1400" spc="-1" strike="noStrike">
+                  <a:solidFill>
+                    <a:srgbClr val="000000"/>
+                  </a:solidFill>
                   <a:latin typeface="Arial"/>
+                  <a:ea typeface="DejaVu Sans"/>
                 </a:rPr>
                 <a:t>QM for Computing</a:t>
               </a:r>
@@ -3515,14 +5010,14 @@
         </p:sp>
         <p:sp>
           <p:nvSpPr>
-            <p:cNvPr id="79" name="CustomShape 4"/>
+            <p:cNvPr id="117" name="CustomShape 4"/>
             <p:cNvSpPr/>
             <p:nvPr/>
           </p:nvSpPr>
           <p:spPr>
             <a:xfrm>
               <a:off x="332280" y="1330560"/>
-              <a:ext cx="1847520" cy="269280"/>
+              <a:ext cx="1847160" cy="268920"/>
             </a:xfrm>
             <a:prstGeom prst="rect">
               <a:avLst/>
@@ -3553,7 +5048,11 @@
               </a:pPr>
               <a:r>
                 <a:rPr b="0" lang="en-US" sz="1400" spc="-1" strike="noStrike">
+                  <a:solidFill>
+                    <a:srgbClr val="000000"/>
+                  </a:solidFill>
                   <a:latin typeface="Arial"/>
+                  <a:ea typeface="DejaVu Sans"/>
                 </a:rPr>
                 <a:t>Intro to QC (QIS)</a:t>
               </a:r>
@@ -3565,14 +5064,14 @@
         </p:sp>
         <p:sp>
           <p:nvSpPr>
-            <p:cNvPr id="80" name="CustomShape 5"/>
+            <p:cNvPr id="118" name="CustomShape 5"/>
             <p:cNvSpPr/>
             <p:nvPr/>
           </p:nvSpPr>
           <p:spPr>
             <a:xfrm>
               <a:off x="158400" y="675000"/>
-              <a:ext cx="2217960" cy="3103200"/>
+              <a:ext cx="2217600" cy="3102840"/>
             </a:xfrm>
             <a:prstGeom prst="rect">
               <a:avLst/>
@@ -3597,7 +5096,7 @@
         </p:sp>
         <p:sp>
           <p:nvSpPr>
-            <p:cNvPr id="81" name="Line 6"/>
+            <p:cNvPr id="119" name="Line 6"/>
             <p:cNvSpPr/>
             <p:nvPr/>
           </p:nvSpPr>
@@ -3625,14 +5124,14 @@
         </p:sp>
         <p:sp>
           <p:nvSpPr>
-            <p:cNvPr id="82" name="CustomShape 7"/>
+            <p:cNvPr id="120" name="CustomShape 7"/>
             <p:cNvSpPr/>
             <p:nvPr/>
           </p:nvSpPr>
           <p:spPr>
             <a:xfrm>
               <a:off x="2871000" y="1329120"/>
-              <a:ext cx="1696680" cy="268200"/>
+              <a:ext cx="1696320" cy="267840"/>
             </a:xfrm>
             <a:prstGeom prst="rect">
               <a:avLst/>
@@ -3667,6 +5166,7 @@
                     <a:srgbClr val="0000ff"/>
                   </a:solidFill>
                   <a:latin typeface="Arial"/>
+                  <a:ea typeface="DejaVu Sans"/>
                 </a:rPr>
                 <a:t>QM Labs 2</a:t>
               </a:r>
@@ -3678,7 +5178,7 @@
         </p:sp>
         <p:sp>
           <p:nvSpPr>
-            <p:cNvPr id="83" name="Line 8"/>
+            <p:cNvPr id="121" name="Line 8"/>
             <p:cNvSpPr/>
             <p:nvPr/>
           </p:nvSpPr>
@@ -3707,14 +5207,14 @@
         </p:sp>
         <p:sp>
           <p:nvSpPr>
-            <p:cNvPr id="84" name="CustomShape 9"/>
+            <p:cNvPr id="122" name="CustomShape 9"/>
             <p:cNvSpPr/>
             <p:nvPr/>
           </p:nvSpPr>
           <p:spPr>
             <a:xfrm>
               <a:off x="2875320" y="798480"/>
-              <a:ext cx="1696680" cy="268200"/>
+              <a:ext cx="1696320" cy="267840"/>
             </a:xfrm>
             <a:prstGeom prst="rect">
               <a:avLst/>
@@ -3749,6 +5249,7 @@
                     <a:srgbClr val="0000ff"/>
                   </a:solidFill>
                   <a:latin typeface="Arial"/>
+                  <a:ea typeface="DejaVu Sans"/>
                 </a:rPr>
                 <a:t>QM Labs 1</a:t>
               </a:r>
@@ -3760,7 +5261,7 @@
         </p:sp>
         <p:sp>
           <p:nvSpPr>
-            <p:cNvPr id="85" name="Line 10"/>
+            <p:cNvPr id="123" name="Line 10"/>
             <p:cNvSpPr/>
             <p:nvPr/>
           </p:nvSpPr>
@@ -3789,14 +5290,14 @@
         </p:sp>
         <p:sp>
           <p:nvSpPr>
-            <p:cNvPr id="86" name="CustomShape 11"/>
+            <p:cNvPr id="124" name="CustomShape 11"/>
             <p:cNvSpPr/>
             <p:nvPr/>
           </p:nvSpPr>
           <p:spPr>
             <a:xfrm>
               <a:off x="332280" y="1836000"/>
-              <a:ext cx="1847520" cy="269640"/>
+              <a:ext cx="1847160" cy="269280"/>
             </a:xfrm>
             <a:prstGeom prst="rect">
               <a:avLst/>
@@ -3827,7 +5328,11 @@
               </a:pPr>
               <a:r>
                 <a:rPr b="0" lang="en-US" sz="1400" spc="-1" strike="noStrike">
+                  <a:solidFill>
+                    <a:srgbClr val="000000"/>
+                  </a:solidFill>
                   <a:latin typeface="Arial"/>
+                  <a:ea typeface="DejaVu Sans"/>
                 </a:rPr>
                 <a:t>Quant Algos (ML)</a:t>
               </a:r>
@@ -3839,14 +5344,14 @@
         </p:sp>
         <p:sp>
           <p:nvSpPr>
-            <p:cNvPr id="87" name="CustomShape 12"/>
+            <p:cNvPr id="125" name="CustomShape 12"/>
             <p:cNvSpPr/>
             <p:nvPr/>
           </p:nvSpPr>
           <p:spPr>
             <a:xfrm>
               <a:off x="332280" y="2340000"/>
-              <a:ext cx="1847520" cy="269640"/>
+              <a:ext cx="1847160" cy="269280"/>
             </a:xfrm>
             <a:prstGeom prst="rect">
               <a:avLst/>
@@ -3877,7 +5382,11 @@
               </a:pPr>
               <a:r>
                 <a:rPr b="0" lang="en-US" sz="1400" spc="-1" strike="noStrike">
+                  <a:solidFill>
+                    <a:srgbClr val="000000"/>
+                  </a:solidFill>
                   <a:latin typeface="Arial"/>
+                  <a:ea typeface="DejaVu Sans"/>
                 </a:rPr>
                 <a:t>Applied Q (Sensing)</a:t>
               </a:r>
@@ -3889,14 +5398,14 @@
         </p:sp>
         <p:sp>
           <p:nvSpPr>
-            <p:cNvPr id="88" name="CustomShape 13"/>
+            <p:cNvPr id="126" name="CustomShape 13"/>
             <p:cNvSpPr/>
             <p:nvPr/>
           </p:nvSpPr>
           <p:spPr>
             <a:xfrm>
               <a:off x="332280" y="2856240"/>
-              <a:ext cx="1847520" cy="269640"/>
+              <a:ext cx="1847160" cy="269280"/>
             </a:xfrm>
             <a:prstGeom prst="rect">
               <a:avLst/>
@@ -3927,7 +5436,11 @@
               </a:pPr>
               <a:r>
                 <a:rPr b="0" lang="en-US" sz="1400" spc="-1" strike="noStrike">
+                  <a:solidFill>
+                    <a:srgbClr val="000000"/>
+                  </a:solidFill>
                   <a:latin typeface="Arial"/>
+                  <a:ea typeface="DejaVu Sans"/>
                 </a:rPr>
                 <a:t>Quantum Crypto</a:t>
               </a:r>
@@ -3939,14 +5452,14 @@
         </p:sp>
         <p:sp>
           <p:nvSpPr>
-            <p:cNvPr id="89" name="CustomShape 14"/>
+            <p:cNvPr id="127" name="CustomShape 14"/>
             <p:cNvSpPr/>
             <p:nvPr/>
           </p:nvSpPr>
           <p:spPr>
             <a:xfrm>
               <a:off x="332280" y="3361680"/>
-              <a:ext cx="1847520" cy="269640"/>
+              <a:ext cx="1847160" cy="269280"/>
             </a:xfrm>
             <a:prstGeom prst="rect">
               <a:avLst/>
@@ -3977,7 +5490,11 @@
               </a:pPr>
               <a:r>
                 <a:rPr b="0" lang="en-US" sz="1400" spc="-1" strike="noStrike">
+                  <a:solidFill>
+                    <a:srgbClr val="000000"/>
+                  </a:solidFill>
                   <a:latin typeface="Arial"/>
+                  <a:ea typeface="DejaVu Sans"/>
                 </a:rPr>
                 <a:t>Quantum Capstone</a:t>
               </a:r>
@@ -3989,7 +5506,7 @@
         </p:sp>
         <p:sp>
           <p:nvSpPr>
-            <p:cNvPr id="90" name="Line 15"/>
+            <p:cNvPr id="128" name="Line 15"/>
             <p:cNvSpPr/>
             <p:nvPr/>
           </p:nvSpPr>
@@ -4017,7 +5534,7 @@
         </p:sp>
         <p:sp>
           <p:nvSpPr>
-            <p:cNvPr id="91" name="Line 16"/>
+            <p:cNvPr id="129" name="Line 16"/>
             <p:cNvSpPr/>
             <p:nvPr/>
           </p:nvSpPr>
@@ -4045,7 +5562,7 @@
         </p:sp>
         <p:sp>
           <p:nvSpPr>
-            <p:cNvPr id="92" name="Line 17"/>
+            <p:cNvPr id="130" name="Line 17"/>
             <p:cNvSpPr/>
             <p:nvPr/>
           </p:nvSpPr>
@@ -4073,7 +5590,7 @@
         </p:sp>
         <p:sp>
           <p:nvSpPr>
-            <p:cNvPr id="93" name="Line 18"/>
+            <p:cNvPr id="131" name="Line 18"/>
             <p:cNvSpPr/>
             <p:nvPr/>
           </p:nvSpPr>
@@ -4101,14 +5618,14 @@
         </p:sp>
         <p:sp>
           <p:nvSpPr>
-            <p:cNvPr id="94" name="CustomShape 19"/>
+            <p:cNvPr id="132" name="CustomShape 19"/>
             <p:cNvSpPr/>
             <p:nvPr/>
           </p:nvSpPr>
           <p:spPr>
             <a:xfrm>
               <a:off x="2859120" y="2856240"/>
-              <a:ext cx="1696680" cy="268200"/>
+              <a:ext cx="1696320" cy="267840"/>
             </a:xfrm>
             <a:prstGeom prst="rect">
               <a:avLst/>
@@ -4143,6 +5660,7 @@
                     <a:srgbClr val="0000ff"/>
                   </a:solidFill>
                   <a:latin typeface="Arial"/>
+                  <a:ea typeface="DejaVu Sans"/>
                 </a:rPr>
                 <a:t>QKD Labs</a:t>
               </a:r>
@@ -4154,7 +5672,7 @@
         </p:sp>
         <p:sp>
           <p:nvSpPr>
-            <p:cNvPr id="95" name="Line 20"/>
+            <p:cNvPr id="133" name="Line 20"/>
             <p:cNvSpPr/>
             <p:nvPr/>
           </p:nvSpPr>
@@ -4183,14 +5701,14 @@
         </p:sp>
         <p:sp>
           <p:nvSpPr>
-            <p:cNvPr id="96" name="CustomShape 21"/>
+            <p:cNvPr id="134" name="CustomShape 21"/>
             <p:cNvSpPr/>
             <p:nvPr/>
           </p:nvSpPr>
           <p:spPr>
             <a:xfrm>
               <a:off x="2859120" y="2356920"/>
-              <a:ext cx="1696680" cy="268200"/>
+              <a:ext cx="1696320" cy="267840"/>
             </a:xfrm>
             <a:prstGeom prst="rect">
               <a:avLst/>
@@ -4225,6 +5743,7 @@
                     <a:srgbClr val="0000ff"/>
                   </a:solidFill>
                   <a:latin typeface="Arial"/>
+                  <a:ea typeface="DejaVu Sans"/>
                 </a:rPr>
                 <a:t>Q-Sensing Labs</a:t>
               </a:r>
@@ -4236,7 +5755,7 @@
         </p:sp>
         <p:sp>
           <p:nvSpPr>
-            <p:cNvPr id="97" name="Line 22"/>
+            <p:cNvPr id="135" name="Line 22"/>
             <p:cNvSpPr/>
             <p:nvPr/>
           </p:nvSpPr>
@@ -4265,14 +5784,14 @@
         </p:sp>
         <p:sp>
           <p:nvSpPr>
-            <p:cNvPr id="98" name="CustomShape 23"/>
+            <p:cNvPr id="136" name="CustomShape 23"/>
             <p:cNvSpPr/>
             <p:nvPr/>
           </p:nvSpPr>
           <p:spPr>
             <a:xfrm>
               <a:off x="2874960" y="1833120"/>
-              <a:ext cx="1696680" cy="268200"/>
+              <a:ext cx="1696320" cy="267840"/>
             </a:xfrm>
             <a:prstGeom prst="rect">
               <a:avLst/>
@@ -4307,6 +5826,7 @@
                     <a:srgbClr val="0000ff"/>
                   </a:solidFill>
                   <a:latin typeface="Arial"/>
+                  <a:ea typeface="DejaVu Sans"/>
                 </a:rPr>
                 <a:t>QC Programming</a:t>
               </a:r>
@@ -4318,7 +5838,7 @@
         </p:sp>
         <p:sp>
           <p:nvSpPr>
-            <p:cNvPr id="99" name="Line 24"/>
+            <p:cNvPr id="137" name="Line 24"/>
             <p:cNvSpPr/>
             <p:nvPr/>
           </p:nvSpPr>
@@ -4348,7 +5868,7 @@
       </p:grpSp>
       <p:pic>
         <p:nvPicPr>
-          <p:cNvPr id="100" name="" descr=""/>
+          <p:cNvPr id="138" name="" descr=""/>
           <p:cNvPicPr/>
           <p:nvPr/>
         </p:nvPicPr>
@@ -4359,7 +5879,7 @@
         <p:spPr>
           <a:xfrm>
             <a:off x="4031280" y="3276360"/>
-            <a:ext cx="6049440" cy="2394360"/>
+            <a:ext cx="6049080" cy="2394000"/>
           </a:xfrm>
           <a:prstGeom prst="rect">
             <a:avLst/>
@@ -4369,6 +5889,1156 @@
           </a:ln>
         </p:spPr>
       </p:pic>
+    </p:spTree>
+  </p:cSld>
+  <mc:AlternateContent>
+    <mc:Choice Requires="p14">
+      <p:transition spd="slow" p14:dur="2000"/>
+    </mc:Choice>
+    <mc:Fallback>
+      <p:transition spd="slow"/>
+    </mc:Fallback>
+  </mc:AlternateContent>
+</p:sld>
+</file>
+
+<file path=ppt/slides/slide3.xml><?xml version="1.0" encoding="utf-8"?>
+<p:sld xmlns:a="http://schemas.openxmlformats.org/drawingml/2006/main" xmlns:p="http://schemas.openxmlformats.org/presentationml/2006/main" xmlns:r="http://schemas.openxmlformats.org/officeDocument/2006/relationships" xmlns:p14="http://schemas.microsoft.com/office/powerpoint/2010/main" xmlns:p15="http://schemas.microsoft.com/office/powerpoint/2012/main" xmlns:mc="http://schemas.openxmlformats.org/markup-compatibility/2006">
+  <p:cSld>
+    <p:spTree>
+      <p:nvGrpSpPr>
+        <p:cNvPr id="1" name=""/>
+        <p:cNvGrpSpPr/>
+        <p:nvPr/>
+      </p:nvGrpSpPr>
+      <p:grpSpPr>
+        <a:xfrm>
+          <a:off x="0" y="0"/>
+          <a:ext cx="0" cy="0"/>
+          <a:chOff x="0" y="0"/>
+          <a:chExt cx="0" cy="0"/>
+        </a:xfrm>
+      </p:grpSpPr>
+      <p:sp>
+        <p:nvSpPr>
+          <p:cNvPr id="139" name="CustomShape 1"/>
+          <p:cNvSpPr/>
+          <p:nvPr/>
+        </p:nvSpPr>
+        <p:spPr>
+          <a:xfrm>
+            <a:off x="457200" y="0"/>
+            <a:ext cx="9070560" cy="459000"/>
+          </a:xfrm>
+          <a:prstGeom prst="rect">
+            <a:avLst/>
+          </a:prstGeom>
+          <a:noFill/>
+          <a:ln w="0">
+            <a:noFill/>
+          </a:ln>
+        </p:spPr>
+        <p:style>
+          <a:lnRef idx="0"/>
+          <a:fillRef idx="0"/>
+          <a:effectRef idx="0"/>
+          <a:fontRef idx="minor"/>
+        </p:style>
+        <p:txBody>
+          <a:bodyPr lIns="0" rIns="0" tIns="0" bIns="0" anchor="ctr">
+            <a:noAutofit/>
+          </a:bodyPr>
+          <a:p>
+            <a:pPr algn="ctr">
+              <a:lnSpc>
+                <a:spcPct val="100000"/>
+              </a:lnSpc>
+            </a:pPr>
+            <a:r>
+              <a:rPr b="0" lang="en-US" sz="2400" spc="-1" strike="noStrike">
+                <a:solidFill>
+                  <a:srgbClr val="000000"/>
+                </a:solidFill>
+                <a:latin typeface="Arial"/>
+                <a:ea typeface="DejaVu Sans"/>
+              </a:rPr>
+              <a:t>6-course quantum sequence</a:t>
+            </a:r>
+            <a:endParaRPr b="0" lang="en-US" sz="2400" spc="-1" strike="noStrike">
+              <a:latin typeface="Arial"/>
+            </a:endParaRPr>
+          </a:p>
+        </p:txBody>
+      </p:sp>
+      <p:sp>
+        <p:nvSpPr>
+          <p:cNvPr id="140" name="CustomShape 2"/>
+          <p:cNvSpPr/>
+          <p:nvPr/>
+        </p:nvSpPr>
+        <p:spPr>
+          <a:xfrm>
+            <a:off x="332280" y="824760"/>
+            <a:ext cx="1846800" cy="268920"/>
+          </a:xfrm>
+          <a:prstGeom prst="rect">
+            <a:avLst/>
+          </a:prstGeom>
+          <a:noFill/>
+          <a:ln w="18360">
+            <a:solidFill>
+              <a:srgbClr val="000000"/>
+            </a:solidFill>
+            <a:round/>
+          </a:ln>
+        </p:spPr>
+        <p:style>
+          <a:lnRef idx="0"/>
+          <a:fillRef idx="0"/>
+          <a:effectRef idx="0"/>
+          <a:fontRef idx="minor"/>
+        </p:style>
+        <p:txBody>
+          <a:bodyPr lIns="99000" rIns="99000" tIns="54000" bIns="54000">
+            <a:noAutofit/>
+          </a:bodyPr>
+          <a:p>
+            <a:pPr algn="ctr">
+              <a:lnSpc>
+                <a:spcPct val="100000"/>
+              </a:lnSpc>
+            </a:pPr>
+            <a:r>
+              <a:rPr b="0" lang="en-US" sz="1400" spc="-1" strike="noStrike">
+                <a:solidFill>
+                  <a:srgbClr val="000000"/>
+                </a:solidFill>
+                <a:latin typeface="Arial"/>
+                <a:ea typeface="DejaVu Sans"/>
+              </a:rPr>
+              <a:t>QM for Computing</a:t>
+            </a:r>
+            <a:endParaRPr b="0" lang="en-US" sz="1400" spc="-1" strike="noStrike">
+              <a:latin typeface="Arial"/>
+            </a:endParaRPr>
+          </a:p>
+        </p:txBody>
+      </p:sp>
+      <p:sp>
+        <p:nvSpPr>
+          <p:cNvPr id="141" name="CustomShape 3"/>
+          <p:cNvSpPr/>
+          <p:nvPr/>
+        </p:nvSpPr>
+        <p:spPr>
+          <a:xfrm>
+            <a:off x="332280" y="1330560"/>
+            <a:ext cx="1846800" cy="268560"/>
+          </a:xfrm>
+          <a:prstGeom prst="rect">
+            <a:avLst/>
+          </a:prstGeom>
+          <a:noFill/>
+          <a:ln w="18360">
+            <a:solidFill>
+              <a:srgbClr val="000000"/>
+            </a:solidFill>
+            <a:round/>
+          </a:ln>
+        </p:spPr>
+        <p:style>
+          <a:lnRef idx="0"/>
+          <a:fillRef idx="0"/>
+          <a:effectRef idx="0"/>
+          <a:fontRef idx="minor"/>
+        </p:style>
+        <p:txBody>
+          <a:bodyPr lIns="99000" rIns="99000" tIns="54000" bIns="54000">
+            <a:noAutofit/>
+          </a:bodyPr>
+          <a:p>
+            <a:pPr algn="ctr">
+              <a:lnSpc>
+                <a:spcPct val="100000"/>
+              </a:lnSpc>
+            </a:pPr>
+            <a:r>
+              <a:rPr b="0" lang="en-US" sz="1400" spc="-1" strike="noStrike">
+                <a:solidFill>
+                  <a:srgbClr val="000000"/>
+                </a:solidFill>
+                <a:latin typeface="Arial"/>
+                <a:ea typeface="DejaVu Sans"/>
+              </a:rPr>
+              <a:t>Intro to QC (QIS)</a:t>
+            </a:r>
+            <a:endParaRPr b="0" lang="en-US" sz="1400" spc="-1" strike="noStrike">
+              <a:latin typeface="Arial"/>
+            </a:endParaRPr>
+          </a:p>
+        </p:txBody>
+      </p:sp>
+      <p:sp>
+        <p:nvSpPr>
+          <p:cNvPr id="142" name="CustomShape 4"/>
+          <p:cNvSpPr/>
+          <p:nvPr/>
+        </p:nvSpPr>
+        <p:spPr>
+          <a:xfrm>
+            <a:off x="158400" y="675000"/>
+            <a:ext cx="2217240" cy="3102480"/>
+          </a:xfrm>
+          <a:prstGeom prst="rect">
+            <a:avLst/>
+          </a:prstGeom>
+          <a:noFill/>
+          <a:ln w="18360">
+            <a:solidFill>
+              <a:srgbClr val="3465a4"/>
+            </a:solidFill>
+            <a:custDash>
+              <a:ds d="600000" sp="300000"/>
+            </a:custDash>
+            <a:round/>
+          </a:ln>
+        </p:spPr>
+        <p:style>
+          <a:lnRef idx="0"/>
+          <a:fillRef idx="0"/>
+          <a:effectRef idx="0"/>
+          <a:fontRef idx="minor"/>
+        </p:style>
+      </p:sp>
+      <p:sp>
+        <p:nvSpPr>
+          <p:cNvPr id="143" name="Line 5"/>
+          <p:cNvSpPr/>
+          <p:nvPr/>
+        </p:nvSpPr>
+        <p:spPr>
+          <a:xfrm>
+            <a:off x="1234800" y="1093320"/>
+            <a:ext cx="0" cy="237240"/>
+          </a:xfrm>
+          <a:prstGeom prst="line">
+            <a:avLst/>
+          </a:prstGeom>
+          <a:ln w="0">
+            <a:solidFill>
+              <a:srgbClr val="3465a4"/>
+            </a:solidFill>
+            <a:tailEnd len="med" type="triangle" w="med"/>
+          </a:ln>
+        </p:spPr>
+        <p:style>
+          <a:lnRef idx="0"/>
+          <a:fillRef idx="0"/>
+          <a:effectRef idx="0"/>
+          <a:fontRef idx="minor"/>
+        </p:style>
+      </p:sp>
+      <p:sp>
+        <p:nvSpPr>
+          <p:cNvPr id="144" name="CustomShape 6"/>
+          <p:cNvSpPr/>
+          <p:nvPr/>
+        </p:nvSpPr>
+        <p:spPr>
+          <a:xfrm>
+            <a:off x="6172200" y="798480"/>
+            <a:ext cx="2610720" cy="2401920"/>
+          </a:xfrm>
+          <a:prstGeom prst="rect">
+            <a:avLst/>
+          </a:prstGeom>
+          <a:noFill/>
+          <a:ln w="18360">
+            <a:solidFill>
+              <a:srgbClr val="0000ff"/>
+            </a:solidFill>
+            <a:round/>
+          </a:ln>
+        </p:spPr>
+        <p:style>
+          <a:lnRef idx="0"/>
+          <a:fillRef idx="0"/>
+          <a:effectRef idx="0"/>
+          <a:fontRef idx="minor"/>
+        </p:style>
+        <p:txBody>
+          <a:bodyPr lIns="99000" rIns="99000" tIns="54000" bIns="54000">
+            <a:noAutofit/>
+          </a:bodyPr>
+          <a:p>
+            <a:pPr algn="ctr">
+              <a:lnSpc>
+                <a:spcPct val="100000"/>
+              </a:lnSpc>
+            </a:pPr>
+            <a:r>
+              <a:rPr b="0" lang="en-US" sz="1400" spc="-1" strike="noStrike" u="sng">
+                <a:solidFill>
+                  <a:srgbClr val="0000ff"/>
+                </a:solidFill>
+                <a:uFillTx/>
+                <a:latin typeface="Arial"/>
+                <a:ea typeface="DejaVu Sans"/>
+              </a:rPr>
+              <a:t>QM Labs</a:t>
+            </a:r>
+            <a:r>
+              <a:rPr b="0" lang="en-US" sz="1400" spc="-1" strike="noStrike">
+                <a:solidFill>
+                  <a:srgbClr val="0000ff"/>
+                </a:solidFill>
+                <a:latin typeface="Arial"/>
+                <a:ea typeface="DejaVu Sans"/>
+              </a:rPr>
+              <a:t>:</a:t>
+            </a:r>
+            <a:endParaRPr b="0" lang="en-US" sz="1400" spc="-1" strike="noStrike">
+              <a:latin typeface="Arial"/>
+            </a:endParaRPr>
+          </a:p>
+          <a:p>
+            <a:pPr marL="216000" indent="-215640">
+              <a:lnSpc>
+                <a:spcPct val="100000"/>
+              </a:lnSpc>
+              <a:buClr>
+                <a:srgbClr val="0000ff"/>
+              </a:buClr>
+              <a:buFont typeface="StarSymbol"/>
+              <a:buAutoNum type="arabicParenR"/>
+            </a:pPr>
+            <a:r>
+              <a:rPr b="0" lang="en-US" sz="1400" spc="-1" strike="noStrike">
+                <a:solidFill>
+                  <a:srgbClr val="0000ff"/>
+                </a:solidFill>
+                <a:latin typeface="Arial"/>
+                <a:ea typeface="DejaVu Sans"/>
+              </a:rPr>
+              <a:t>Non-Classical Correlations</a:t>
+            </a:r>
+            <a:endParaRPr b="0" lang="en-US" sz="1400" spc="-1" strike="noStrike">
+              <a:latin typeface="Arial"/>
+            </a:endParaRPr>
+          </a:p>
+          <a:p>
+            <a:pPr marL="216000" indent="-215640">
+              <a:lnSpc>
+                <a:spcPct val="100000"/>
+              </a:lnSpc>
+              <a:buClr>
+                <a:srgbClr val="0000ff"/>
+              </a:buClr>
+              <a:buFont typeface="StarSymbol"/>
+              <a:buAutoNum type="arabicParenR"/>
+            </a:pPr>
+            <a:r>
+              <a:rPr b="0" lang="en-US" sz="1400" spc="-1" strike="noStrike">
+                <a:solidFill>
+                  <a:srgbClr val="0000ff"/>
+                </a:solidFill>
+                <a:latin typeface="Arial"/>
+                <a:ea typeface="DejaVu Sans"/>
+              </a:rPr>
+              <a:t>Bell Inequality</a:t>
+            </a:r>
+            <a:endParaRPr b="0" lang="en-US" sz="1400" spc="-1" strike="noStrike">
+              <a:latin typeface="Arial"/>
+            </a:endParaRPr>
+          </a:p>
+          <a:p>
+            <a:pPr marL="216000" indent="-215640">
+              <a:lnSpc>
+                <a:spcPct val="100000"/>
+              </a:lnSpc>
+              <a:buClr>
+                <a:srgbClr val="0000ff"/>
+              </a:buClr>
+              <a:buFont typeface="StarSymbol"/>
+              <a:buAutoNum type="arabicParenR"/>
+            </a:pPr>
+            <a:r>
+              <a:rPr b="0" lang="en-US" sz="1400" spc="-1" strike="noStrike">
+                <a:solidFill>
+                  <a:srgbClr val="0000ff"/>
+                </a:solidFill>
+                <a:latin typeface="Arial"/>
+                <a:ea typeface="DejaVu Sans"/>
+              </a:rPr>
+              <a:t>Wave Nature of Photons</a:t>
+            </a:r>
+            <a:endParaRPr b="0" lang="en-US" sz="1400" spc="-1" strike="noStrike">
+              <a:latin typeface="Arial"/>
+            </a:endParaRPr>
+          </a:p>
+          <a:p>
+            <a:pPr marL="216000" indent="-215640">
+              <a:lnSpc>
+                <a:spcPct val="100000"/>
+              </a:lnSpc>
+              <a:buClr>
+                <a:srgbClr val="0000ff"/>
+              </a:buClr>
+              <a:buFont typeface="StarSymbol"/>
+              <a:buAutoNum type="arabicParenR"/>
+            </a:pPr>
+            <a:r>
+              <a:rPr b="0" lang="en-US" sz="1400" spc="-1" strike="noStrike">
+                <a:solidFill>
+                  <a:srgbClr val="0000ff"/>
+                </a:solidFill>
+                <a:latin typeface="Arial"/>
+                <a:ea typeface="DejaVu Sans"/>
+              </a:rPr>
+              <a:t>Quantum Eraser</a:t>
+            </a:r>
+            <a:endParaRPr b="0" lang="en-US" sz="1400" spc="-1" strike="noStrike">
+              <a:latin typeface="Arial"/>
+            </a:endParaRPr>
+          </a:p>
+          <a:p>
+            <a:pPr marL="216000" indent="-215640">
+              <a:lnSpc>
+                <a:spcPct val="100000"/>
+              </a:lnSpc>
+              <a:buClr>
+                <a:srgbClr val="0000ff"/>
+              </a:buClr>
+              <a:buFont typeface="StarSymbol"/>
+              <a:buAutoNum type="arabicParenR"/>
+            </a:pPr>
+            <a:r>
+              <a:rPr b="0" lang="en-US" sz="1400" spc="-1" strike="noStrike">
+                <a:solidFill>
+                  <a:srgbClr val="0000ff"/>
+                </a:solidFill>
+                <a:latin typeface="Arial"/>
+                <a:ea typeface="DejaVu Sans"/>
+              </a:rPr>
+              <a:t>Two-photon Interference</a:t>
+            </a:r>
+            <a:endParaRPr b="0" lang="en-US" sz="1400" spc="-1" strike="noStrike">
+              <a:latin typeface="Arial"/>
+            </a:endParaRPr>
+          </a:p>
+          <a:p>
+            <a:pPr marL="216000" indent="-215640">
+              <a:lnSpc>
+                <a:spcPct val="100000"/>
+              </a:lnSpc>
+              <a:buClr>
+                <a:srgbClr val="0000ff"/>
+              </a:buClr>
+              <a:buFont typeface="StarSymbol"/>
+              <a:buAutoNum type="arabicParenR"/>
+            </a:pPr>
+            <a:r>
+              <a:rPr b="0" lang="en-US" sz="1400" spc="-1" strike="noStrike">
+                <a:solidFill>
+                  <a:srgbClr val="0000ff"/>
+                </a:solidFill>
+                <a:latin typeface="Arial"/>
+                <a:ea typeface="DejaVu Sans"/>
+              </a:rPr>
+              <a:t>Verification HOM 2-photon*</a:t>
+            </a:r>
+            <a:endParaRPr b="0" lang="en-US" sz="1400" spc="-1" strike="noStrike">
+              <a:latin typeface="Arial"/>
+            </a:endParaRPr>
+          </a:p>
+          <a:p>
+            <a:pPr marL="216000" indent="-215640">
+              <a:lnSpc>
+                <a:spcPct val="100000"/>
+              </a:lnSpc>
+              <a:buClr>
+                <a:srgbClr val="0000ff"/>
+              </a:buClr>
+              <a:buFont typeface="StarSymbol"/>
+              <a:buAutoNum type="arabicParenR"/>
+            </a:pPr>
+            <a:r>
+              <a:rPr b="0" lang="en-US" sz="1400" spc="-1" strike="noStrike">
+                <a:solidFill>
+                  <a:srgbClr val="0000ff"/>
+                </a:solidFill>
+                <a:latin typeface="Arial"/>
+                <a:ea typeface="DejaVu Sans"/>
+              </a:rPr>
+              <a:t>Particle Nature of Photons*</a:t>
+            </a:r>
+            <a:endParaRPr b="0" lang="en-US" sz="1400" spc="-1" strike="noStrike">
+              <a:latin typeface="Arial"/>
+            </a:endParaRPr>
+          </a:p>
+          <a:p>
+            <a:pPr marL="216000" indent="-215640">
+              <a:lnSpc>
+                <a:spcPct val="100000"/>
+              </a:lnSpc>
+              <a:buClr>
+                <a:srgbClr val="0000ff"/>
+              </a:buClr>
+              <a:buFont typeface="StarSymbol"/>
+              <a:buAutoNum type="arabicParenR"/>
+            </a:pPr>
+            <a:r>
+              <a:rPr b="0" lang="en-US" sz="1400" spc="-1" strike="noStrike">
+                <a:solidFill>
+                  <a:srgbClr val="0000ff"/>
+                </a:solidFill>
+                <a:latin typeface="Arial"/>
+                <a:ea typeface="DejaVu Sans"/>
+              </a:rPr>
+              <a:t>Wave-Particle Dualism*</a:t>
+            </a:r>
+            <a:endParaRPr b="0" lang="en-US" sz="1400" spc="-1" strike="noStrike">
+              <a:latin typeface="Arial"/>
+            </a:endParaRPr>
+          </a:p>
+          <a:p>
+            <a:pPr marL="216000" indent="-215640">
+              <a:lnSpc>
+                <a:spcPct val="100000"/>
+              </a:lnSpc>
+              <a:buClr>
+                <a:srgbClr val="0000ff"/>
+              </a:buClr>
+              <a:buFont typeface="StarSymbol"/>
+              <a:buAutoNum type="arabicParenR"/>
+            </a:pPr>
+            <a:r>
+              <a:rPr b="0" lang="en-US" sz="1400" spc="-1" strike="noStrike">
+                <a:solidFill>
+                  <a:srgbClr val="0000ff"/>
+                </a:solidFill>
+                <a:latin typeface="Arial"/>
+                <a:ea typeface="DejaVu Sans"/>
+              </a:rPr>
+              <a:t>* </a:t>
+            </a:r>
+            <a:r>
+              <a:rPr b="0" lang="en-US" sz="1200" spc="-1" strike="noStrike">
+                <a:solidFill>
+                  <a:srgbClr val="0000ff"/>
+                </a:solidFill>
+                <a:latin typeface="Arial"/>
+                <a:ea typeface="DejaVu Sans"/>
+              </a:rPr>
+              <a:t>Requires quED-HBT module</a:t>
+            </a:r>
+            <a:endParaRPr b="0" lang="en-US" sz="1200" spc="-1" strike="noStrike">
+              <a:latin typeface="Arial"/>
+            </a:endParaRPr>
+          </a:p>
+        </p:txBody>
+      </p:sp>
+      <p:sp>
+        <p:nvSpPr>
+          <p:cNvPr id="145" name="Line 7"/>
+          <p:cNvSpPr/>
+          <p:nvPr/>
+        </p:nvSpPr>
+        <p:spPr>
+          <a:xfrm flipV="1">
+            <a:off x="2196720" y="914400"/>
+            <a:ext cx="3975480" cy="27360"/>
+          </a:xfrm>
+          <a:prstGeom prst="line">
+            <a:avLst/>
+          </a:prstGeom>
+          <a:ln w="0">
+            <a:solidFill>
+              <a:srgbClr val="3465a4"/>
+            </a:solidFill>
+            <a:headEnd len="med" type="triangle" w="med"/>
+            <a:tailEnd len="med" type="triangle" w="med"/>
+          </a:ln>
+        </p:spPr>
+        <p:style>
+          <a:lnRef idx="0"/>
+          <a:fillRef idx="0"/>
+          <a:effectRef idx="0"/>
+          <a:fontRef idx="minor"/>
+        </p:style>
+      </p:sp>
+      <p:sp>
+        <p:nvSpPr>
+          <p:cNvPr id="146" name="CustomShape 8"/>
+          <p:cNvSpPr/>
+          <p:nvPr/>
+        </p:nvSpPr>
+        <p:spPr>
+          <a:xfrm>
+            <a:off x="332280" y="1836000"/>
+            <a:ext cx="1846800" cy="268920"/>
+          </a:xfrm>
+          <a:prstGeom prst="rect">
+            <a:avLst/>
+          </a:prstGeom>
+          <a:noFill/>
+          <a:ln w="18360">
+            <a:solidFill>
+              <a:srgbClr val="000000"/>
+            </a:solidFill>
+            <a:round/>
+          </a:ln>
+        </p:spPr>
+        <p:style>
+          <a:lnRef idx="0"/>
+          <a:fillRef idx="0"/>
+          <a:effectRef idx="0"/>
+          <a:fontRef idx="minor"/>
+        </p:style>
+        <p:txBody>
+          <a:bodyPr lIns="99000" rIns="99000" tIns="54000" bIns="54000">
+            <a:noAutofit/>
+          </a:bodyPr>
+          <a:p>
+            <a:pPr algn="ctr">
+              <a:lnSpc>
+                <a:spcPct val="100000"/>
+              </a:lnSpc>
+            </a:pPr>
+            <a:r>
+              <a:rPr b="0" lang="en-US" sz="1400" spc="-1" strike="noStrike">
+                <a:solidFill>
+                  <a:srgbClr val="000000"/>
+                </a:solidFill>
+                <a:latin typeface="Arial"/>
+                <a:ea typeface="DejaVu Sans"/>
+              </a:rPr>
+              <a:t>Quant Algos (ML)</a:t>
+            </a:r>
+            <a:endParaRPr b="0" lang="en-US" sz="1400" spc="-1" strike="noStrike">
+              <a:latin typeface="Arial"/>
+            </a:endParaRPr>
+          </a:p>
+        </p:txBody>
+      </p:sp>
+      <p:sp>
+        <p:nvSpPr>
+          <p:cNvPr id="147" name="CustomShape 9"/>
+          <p:cNvSpPr/>
+          <p:nvPr/>
+        </p:nvSpPr>
+        <p:spPr>
+          <a:xfrm>
+            <a:off x="332280" y="2340000"/>
+            <a:ext cx="1846800" cy="268920"/>
+          </a:xfrm>
+          <a:prstGeom prst="rect">
+            <a:avLst/>
+          </a:prstGeom>
+          <a:noFill/>
+          <a:ln w="18360">
+            <a:solidFill>
+              <a:srgbClr val="000000"/>
+            </a:solidFill>
+            <a:round/>
+          </a:ln>
+        </p:spPr>
+        <p:style>
+          <a:lnRef idx="0"/>
+          <a:fillRef idx="0"/>
+          <a:effectRef idx="0"/>
+          <a:fontRef idx="minor"/>
+        </p:style>
+        <p:txBody>
+          <a:bodyPr lIns="99000" rIns="99000" tIns="54000" bIns="54000">
+            <a:noAutofit/>
+          </a:bodyPr>
+          <a:p>
+            <a:pPr algn="ctr">
+              <a:lnSpc>
+                <a:spcPct val="100000"/>
+              </a:lnSpc>
+            </a:pPr>
+            <a:r>
+              <a:rPr b="0" lang="en-US" sz="1400" spc="-1" strike="noStrike">
+                <a:solidFill>
+                  <a:srgbClr val="000000"/>
+                </a:solidFill>
+                <a:latin typeface="Arial"/>
+                <a:ea typeface="DejaVu Sans"/>
+              </a:rPr>
+              <a:t>Applied Q (Sensing)</a:t>
+            </a:r>
+            <a:endParaRPr b="0" lang="en-US" sz="1400" spc="-1" strike="noStrike">
+              <a:latin typeface="Arial"/>
+            </a:endParaRPr>
+          </a:p>
+        </p:txBody>
+      </p:sp>
+      <p:sp>
+        <p:nvSpPr>
+          <p:cNvPr id="148" name="CustomShape 10"/>
+          <p:cNvSpPr/>
+          <p:nvPr/>
+        </p:nvSpPr>
+        <p:spPr>
+          <a:xfrm>
+            <a:off x="332280" y="2856240"/>
+            <a:ext cx="1846800" cy="268920"/>
+          </a:xfrm>
+          <a:prstGeom prst="rect">
+            <a:avLst/>
+          </a:prstGeom>
+          <a:noFill/>
+          <a:ln w="18360">
+            <a:solidFill>
+              <a:srgbClr val="000000"/>
+            </a:solidFill>
+            <a:round/>
+          </a:ln>
+        </p:spPr>
+        <p:style>
+          <a:lnRef idx="0"/>
+          <a:fillRef idx="0"/>
+          <a:effectRef idx="0"/>
+          <a:fontRef idx="minor"/>
+        </p:style>
+        <p:txBody>
+          <a:bodyPr lIns="99000" rIns="99000" tIns="54000" bIns="54000">
+            <a:noAutofit/>
+          </a:bodyPr>
+          <a:p>
+            <a:pPr algn="ctr">
+              <a:lnSpc>
+                <a:spcPct val="100000"/>
+              </a:lnSpc>
+            </a:pPr>
+            <a:r>
+              <a:rPr b="0" lang="en-US" sz="1400" spc="-1" strike="noStrike">
+                <a:solidFill>
+                  <a:srgbClr val="000000"/>
+                </a:solidFill>
+                <a:latin typeface="Arial"/>
+                <a:ea typeface="DejaVu Sans"/>
+              </a:rPr>
+              <a:t>Quantum Crypto</a:t>
+            </a:r>
+            <a:endParaRPr b="0" lang="en-US" sz="1400" spc="-1" strike="noStrike">
+              <a:latin typeface="Arial"/>
+            </a:endParaRPr>
+          </a:p>
+        </p:txBody>
+      </p:sp>
+      <p:sp>
+        <p:nvSpPr>
+          <p:cNvPr id="149" name="CustomShape 11"/>
+          <p:cNvSpPr/>
+          <p:nvPr/>
+        </p:nvSpPr>
+        <p:spPr>
+          <a:xfrm>
+            <a:off x="332280" y="3361680"/>
+            <a:ext cx="1846800" cy="268920"/>
+          </a:xfrm>
+          <a:prstGeom prst="rect">
+            <a:avLst/>
+          </a:prstGeom>
+          <a:noFill/>
+          <a:ln w="18360">
+            <a:solidFill>
+              <a:srgbClr val="000000"/>
+            </a:solidFill>
+            <a:round/>
+          </a:ln>
+        </p:spPr>
+        <p:style>
+          <a:lnRef idx="0"/>
+          <a:fillRef idx="0"/>
+          <a:effectRef idx="0"/>
+          <a:fontRef idx="minor"/>
+        </p:style>
+        <p:txBody>
+          <a:bodyPr lIns="99000" rIns="99000" tIns="54000" bIns="54000">
+            <a:noAutofit/>
+          </a:bodyPr>
+          <a:p>
+            <a:pPr algn="ctr">
+              <a:lnSpc>
+                <a:spcPct val="100000"/>
+              </a:lnSpc>
+            </a:pPr>
+            <a:r>
+              <a:rPr b="0" lang="en-US" sz="1400" spc="-1" strike="noStrike">
+                <a:solidFill>
+                  <a:srgbClr val="000000"/>
+                </a:solidFill>
+                <a:latin typeface="Arial"/>
+                <a:ea typeface="DejaVu Sans"/>
+              </a:rPr>
+              <a:t>Quantum Capstone</a:t>
+            </a:r>
+            <a:endParaRPr b="0" lang="en-US" sz="1400" spc="-1" strike="noStrike">
+              <a:latin typeface="Arial"/>
+            </a:endParaRPr>
+          </a:p>
+        </p:txBody>
+      </p:sp>
+      <p:sp>
+        <p:nvSpPr>
+          <p:cNvPr id="150" name="Line 12"/>
+          <p:cNvSpPr/>
+          <p:nvPr/>
+        </p:nvSpPr>
+        <p:spPr>
+          <a:xfrm>
+            <a:off x="1234800" y="1597680"/>
+            <a:ext cx="0" cy="236880"/>
+          </a:xfrm>
+          <a:prstGeom prst="line">
+            <a:avLst/>
+          </a:prstGeom>
+          <a:ln w="0">
+            <a:solidFill>
+              <a:srgbClr val="3465a4"/>
+            </a:solidFill>
+            <a:tailEnd len="med" type="triangle" w="med"/>
+          </a:ln>
+        </p:spPr>
+        <p:style>
+          <a:lnRef idx="0"/>
+          <a:fillRef idx="0"/>
+          <a:effectRef idx="0"/>
+          <a:fontRef idx="minor"/>
+        </p:style>
+      </p:sp>
+      <p:sp>
+        <p:nvSpPr>
+          <p:cNvPr id="151" name="Line 13"/>
+          <p:cNvSpPr/>
+          <p:nvPr/>
+        </p:nvSpPr>
+        <p:spPr>
+          <a:xfrm>
+            <a:off x="1234800" y="2101680"/>
+            <a:ext cx="0" cy="236880"/>
+          </a:xfrm>
+          <a:prstGeom prst="line">
+            <a:avLst/>
+          </a:prstGeom>
+          <a:ln w="0">
+            <a:solidFill>
+              <a:srgbClr val="3465a4"/>
+            </a:solidFill>
+            <a:tailEnd len="med" type="triangle" w="med"/>
+          </a:ln>
+        </p:spPr>
+        <p:style>
+          <a:lnRef idx="0"/>
+          <a:fillRef idx="0"/>
+          <a:effectRef idx="0"/>
+          <a:fontRef idx="minor"/>
+        </p:style>
+      </p:sp>
+      <p:sp>
+        <p:nvSpPr>
+          <p:cNvPr id="152" name="Line 14"/>
+          <p:cNvSpPr/>
+          <p:nvPr/>
+        </p:nvSpPr>
+        <p:spPr>
+          <a:xfrm>
+            <a:off x="1234800" y="2606040"/>
+            <a:ext cx="0" cy="236880"/>
+          </a:xfrm>
+          <a:prstGeom prst="line">
+            <a:avLst/>
+          </a:prstGeom>
+          <a:ln w="0">
+            <a:solidFill>
+              <a:srgbClr val="3465a4"/>
+            </a:solidFill>
+            <a:tailEnd len="med" type="triangle" w="med"/>
+          </a:ln>
+        </p:spPr>
+        <p:style>
+          <a:lnRef idx="0"/>
+          <a:fillRef idx="0"/>
+          <a:effectRef idx="0"/>
+          <a:fontRef idx="minor"/>
+        </p:style>
+      </p:sp>
+      <p:sp>
+        <p:nvSpPr>
+          <p:cNvPr id="153" name="Line 15"/>
+          <p:cNvSpPr/>
+          <p:nvPr/>
+        </p:nvSpPr>
+        <p:spPr>
+          <a:xfrm>
+            <a:off x="1234800" y="3124800"/>
+            <a:ext cx="0" cy="236880"/>
+          </a:xfrm>
+          <a:prstGeom prst="line">
+            <a:avLst/>
+          </a:prstGeom>
+          <a:ln w="0">
+            <a:solidFill>
+              <a:srgbClr val="3465a4"/>
+            </a:solidFill>
+            <a:tailEnd len="med" type="triangle" w="med"/>
+          </a:ln>
+        </p:spPr>
+        <p:style>
+          <a:lnRef idx="0"/>
+          <a:fillRef idx="0"/>
+          <a:effectRef idx="0"/>
+          <a:fontRef idx="minor"/>
+        </p:style>
+      </p:sp>
+      <p:sp>
+        <p:nvSpPr>
+          <p:cNvPr id="154" name="CustomShape 16"/>
+          <p:cNvSpPr/>
+          <p:nvPr/>
+        </p:nvSpPr>
+        <p:spPr>
+          <a:xfrm>
+            <a:off x="2876040" y="2331720"/>
+            <a:ext cx="3067560" cy="1554480"/>
+          </a:xfrm>
+          <a:prstGeom prst="rect">
+            <a:avLst/>
+          </a:prstGeom>
+          <a:noFill/>
+          <a:ln w="18360">
+            <a:solidFill>
+              <a:srgbClr val="0000ff"/>
+            </a:solidFill>
+            <a:round/>
+          </a:ln>
+        </p:spPr>
+        <p:style>
+          <a:lnRef idx="0"/>
+          <a:fillRef idx="0"/>
+          <a:effectRef idx="0"/>
+          <a:fontRef idx="minor"/>
+        </p:style>
+        <p:txBody>
+          <a:bodyPr lIns="99000" rIns="99000" tIns="54000" bIns="54000">
+            <a:noAutofit/>
+          </a:bodyPr>
+          <a:p>
+            <a:pPr algn="ctr">
+              <a:lnSpc>
+                <a:spcPct val="100000"/>
+              </a:lnSpc>
+            </a:pPr>
+            <a:r>
+              <a:rPr b="0" lang="en-US" sz="1400" spc="-1" strike="noStrike" u="sng">
+                <a:solidFill>
+                  <a:srgbClr val="0000ff"/>
+                </a:solidFill>
+                <a:uFillTx/>
+                <a:latin typeface="Arial"/>
+                <a:ea typeface="DejaVu Sans"/>
+              </a:rPr>
+              <a:t>Q-Sensing Labs</a:t>
+            </a:r>
+            <a:r>
+              <a:rPr b="0" lang="en-US" sz="1400" spc="-1" strike="noStrike">
+                <a:solidFill>
+                  <a:srgbClr val="0000ff"/>
+                </a:solidFill>
+                <a:latin typeface="Arial"/>
+                <a:ea typeface="DejaVu Sans"/>
+              </a:rPr>
+              <a:t>:</a:t>
+            </a:r>
+            <a:endParaRPr b="0" lang="en-US" sz="1400" spc="-1" strike="noStrike">
+              <a:latin typeface="Arial"/>
+            </a:endParaRPr>
+          </a:p>
+          <a:p>
+            <a:pPr marL="216000" indent="-216000">
+              <a:lnSpc>
+                <a:spcPct val="100000"/>
+              </a:lnSpc>
+              <a:buClr>
+                <a:srgbClr val="0000ff"/>
+              </a:buClr>
+              <a:buFont typeface="StarSymbol"/>
+              <a:buAutoNum type="arabicParenR"/>
+            </a:pPr>
+            <a:r>
+              <a:rPr b="0" lang="en-US" sz="1400" spc="-1" strike="noStrike">
+                <a:solidFill>
+                  <a:srgbClr val="0000ff"/>
+                </a:solidFill>
+                <a:latin typeface="Arial"/>
+                <a:ea typeface="DejaVu Sans"/>
+              </a:rPr>
+              <a:t>Quantum Magnetometry</a:t>
+            </a:r>
+            <a:endParaRPr b="0" lang="en-US" sz="1400" spc="-1" strike="noStrike">
+              <a:latin typeface="Arial"/>
+            </a:endParaRPr>
+          </a:p>
+          <a:p>
+            <a:pPr marL="216000" indent="-216000">
+              <a:lnSpc>
+                <a:spcPct val="100000"/>
+              </a:lnSpc>
+              <a:buClr>
+                <a:srgbClr val="0000ff"/>
+              </a:buClr>
+              <a:buFont typeface="StarSymbol"/>
+              <a:buAutoNum type="arabicParenR"/>
+            </a:pPr>
+            <a:r>
+              <a:rPr b="0" lang="en-US" sz="1400" spc="-1" strike="noStrike">
+                <a:solidFill>
+                  <a:srgbClr val="0000ff"/>
+                </a:solidFill>
+                <a:latin typeface="Arial"/>
+                <a:ea typeface="DejaVu Sans"/>
+              </a:rPr>
+              <a:t>Ghost Imaging</a:t>
+            </a:r>
+            <a:endParaRPr b="0" lang="en-US" sz="1400" spc="-1" strike="noStrike">
+              <a:latin typeface="Arial"/>
+            </a:endParaRPr>
+          </a:p>
+          <a:p>
+            <a:pPr marL="216000" indent="-216000">
+              <a:lnSpc>
+                <a:spcPct val="100000"/>
+              </a:lnSpc>
+              <a:buClr>
+                <a:srgbClr val="0000ff"/>
+              </a:buClr>
+              <a:buFont typeface="StarSymbol"/>
+              <a:buAutoNum type="arabicParenR"/>
+            </a:pPr>
+            <a:r>
+              <a:rPr b="0" lang="en-US" sz="1400" spc="-1" strike="noStrike">
+                <a:solidFill>
+                  <a:srgbClr val="0000ff"/>
+                </a:solidFill>
+                <a:latin typeface="Arial"/>
+                <a:ea typeface="DejaVu Sans"/>
+              </a:rPr>
+              <a:t>Ghost Spectroscopy</a:t>
+            </a:r>
+            <a:endParaRPr b="0" lang="en-US" sz="1400" spc="-1" strike="noStrike">
+              <a:latin typeface="Arial"/>
+            </a:endParaRPr>
+          </a:p>
+          <a:p>
+            <a:pPr marL="216000" indent="-216000">
+              <a:lnSpc>
+                <a:spcPct val="100000"/>
+              </a:lnSpc>
+              <a:buClr>
+                <a:srgbClr val="0000ff"/>
+              </a:buClr>
+              <a:buFont typeface="StarSymbol"/>
+              <a:buAutoNum type="arabicParenR"/>
+            </a:pPr>
+            <a:r>
+              <a:rPr b="0" lang="en-US" sz="1400" spc="-1" strike="noStrike">
+                <a:solidFill>
+                  <a:srgbClr val="0000ff"/>
+                </a:solidFill>
+                <a:latin typeface="Arial"/>
+                <a:ea typeface="DejaVu Sans"/>
+              </a:rPr>
+              <a:t>Non-Line-of-Sight Imaging</a:t>
+            </a:r>
+            <a:endParaRPr b="0" lang="en-US" sz="1400" spc="-1" strike="noStrike">
+              <a:latin typeface="Arial"/>
+            </a:endParaRPr>
+          </a:p>
+          <a:p>
+            <a:pPr marL="216000" indent="-216000">
+              <a:lnSpc>
+                <a:spcPct val="100000"/>
+              </a:lnSpc>
+              <a:buClr>
+                <a:srgbClr val="0000ff"/>
+              </a:buClr>
+              <a:buFont typeface="StarSymbol"/>
+              <a:buAutoNum type="arabicParenR"/>
+            </a:pPr>
+            <a:r>
+              <a:rPr b="0" lang="en-US" sz="1400" spc="-1" strike="noStrike">
+                <a:solidFill>
+                  <a:srgbClr val="0000ff"/>
+                </a:solidFill>
+                <a:latin typeface="Arial"/>
+                <a:ea typeface="DejaVu Sans"/>
+              </a:rPr>
+              <a:t>Quantum Squeezing</a:t>
+            </a:r>
+            <a:endParaRPr b="0" lang="en-US" sz="1400" spc="-1" strike="noStrike">
+              <a:latin typeface="Arial"/>
+            </a:endParaRPr>
+          </a:p>
+          <a:p>
+            <a:pPr marL="216000" indent="-216000">
+              <a:lnSpc>
+                <a:spcPct val="100000"/>
+              </a:lnSpc>
+              <a:buClr>
+                <a:srgbClr val="0000ff"/>
+              </a:buClr>
+              <a:buFont typeface="StarSymbol"/>
+              <a:buAutoNum type="arabicParenR"/>
+            </a:pPr>
+            <a:r>
+              <a:rPr b="0" lang="en-US" sz="1400" spc="-1" strike="noStrike">
+                <a:solidFill>
+                  <a:srgbClr val="0000ff"/>
+                </a:solidFill>
+                <a:latin typeface="Arial"/>
+                <a:ea typeface="DejaVu Sans"/>
+              </a:rPr>
+              <a:t>Quantum Gravimetry Inversion</a:t>
+            </a:r>
+            <a:endParaRPr b="0" lang="en-US" sz="1400" spc="-1" strike="noStrike">
+              <a:latin typeface="Arial"/>
+            </a:endParaRPr>
+          </a:p>
+        </p:txBody>
+      </p:sp>
+      <p:sp>
+        <p:nvSpPr>
+          <p:cNvPr id="155" name="Line 17"/>
+          <p:cNvSpPr/>
+          <p:nvPr/>
+        </p:nvSpPr>
+        <p:spPr>
+          <a:xfrm>
+            <a:off x="2197080" y="2453760"/>
+            <a:ext cx="678600" cy="0"/>
+          </a:xfrm>
+          <a:prstGeom prst="line">
+            <a:avLst/>
+          </a:prstGeom>
+          <a:ln w="0">
+            <a:solidFill>
+              <a:srgbClr val="3465a4"/>
+            </a:solidFill>
+            <a:headEnd len="med" type="triangle" w="med"/>
+            <a:tailEnd len="med" type="triangle" w="med"/>
+          </a:ln>
+        </p:spPr>
+        <p:style>
+          <a:lnRef idx="0"/>
+          <a:fillRef idx="0"/>
+          <a:effectRef idx="0"/>
+          <a:fontRef idx="minor"/>
+        </p:style>
+      </p:sp>
     </p:spTree>
   </p:cSld>
   <mc:AlternateContent>
@@ -4606,4 +7276,230 @@
     </a:fmtScheme>
   </a:themeElements>
 </a:theme>
+</file>
+
+<file path=ppt/theme/theme2.xml><?xml version="1.0" encoding="utf-8"?>
+<a:theme xmlns:a="http://schemas.openxmlformats.org/drawingml/2006/main" name="Office Theme">
+  <a:themeElements>
+    <a:clrScheme name="Office">
+      <a:dk1>
+        <a:sysClr val="windowText" lastClr="000000"/>
+      </a:dk1>
+      <a:lt1>
+        <a:sysClr val="window" lastClr="FFFFFF"/>
+      </a:lt1>
+      <a:dk2>
+        <a:srgbClr val="1f497d"/>
+      </a:dk2>
+      <a:lt2>
+        <a:srgbClr val="eeece1"/>
+      </a:lt2>
+      <a:accent1>
+        <a:srgbClr val="4f81bd"/>
+      </a:accent1>
+      <a:accent2>
+        <a:srgbClr val="c0504d"/>
+      </a:accent2>
+      <a:accent3>
+        <a:srgbClr val="9bbb59"/>
+      </a:accent3>
+      <a:accent4>
+        <a:srgbClr val="8064a2"/>
+      </a:accent4>
+      <a:accent5>
+        <a:srgbClr val="4bacc6"/>
+      </a:accent5>
+      <a:accent6>
+        <a:srgbClr val="f79646"/>
+      </a:accent6>
+      <a:hlink>
+        <a:srgbClr val="0000ff"/>
+      </a:hlink>
+      <a:folHlink>
+        <a:srgbClr val="800080"/>
+      </a:folHlink>
+    </a:clrScheme>
+    <a:fontScheme name="Office">
+      <a:majorFont>
+        <a:latin typeface="Arial"/>
+        <a:ea typeface="DejaVu Sans"/>
+        <a:cs typeface="DejaVu Sans"/>
+      </a:majorFont>
+      <a:minorFont>
+        <a:latin typeface="Arial"/>
+        <a:ea typeface="DejaVu Sans"/>
+        <a:cs typeface="DejaVu Sans"/>
+      </a:minorFont>
+    </a:fontScheme>
+    <a:fmtScheme name="Office">
+      <a:fillStyleLst>
+        <a:solidFill>
+          <a:schemeClr val="phClr"/>
+        </a:solidFill>
+        <a:gradFill rotWithShape="1">
+          <a:gsLst>
+            <a:gs pos="0">
+              <a:schemeClr val="phClr">
+                <a:tint val="50000"/>
+                <a:satMod val="300000"/>
+              </a:schemeClr>
+            </a:gs>
+            <a:gs pos="35000">
+              <a:schemeClr val="phClr">
+                <a:tint val="37000"/>
+                <a:satMod val="300000"/>
+              </a:schemeClr>
+            </a:gs>
+            <a:gs pos="100000">
+              <a:schemeClr val="phClr">
+                <a:tint val="15000"/>
+                <a:satMod val="350000"/>
+              </a:schemeClr>
+            </a:gs>
+          </a:gsLst>
+          <a:lin ang="16200000" scaled="1"/>
+        </a:gradFill>
+        <a:gradFill rotWithShape="1">
+          <a:gsLst>
+            <a:gs pos="0">
+              <a:schemeClr val="phClr">
+                <a:shade val="51000"/>
+                <a:satMod val="130000"/>
+              </a:schemeClr>
+            </a:gs>
+            <a:gs pos="80000">
+              <a:schemeClr val="phClr">
+                <a:shade val="93000"/>
+                <a:satMod val="130000"/>
+              </a:schemeClr>
+            </a:gs>
+            <a:gs pos="100000">
+              <a:schemeClr val="phClr">
+                <a:shade val="94000"/>
+                <a:satMod val="135000"/>
+              </a:schemeClr>
+            </a:gs>
+          </a:gsLst>
+          <a:lin ang="16200000" scaled="0"/>
+        </a:gradFill>
+      </a:fillStyleLst>
+      <a:lnStyleLst>
+        <a:ln w="9525" cap="flat" cmpd="sng" algn="ctr">
+          <a:solidFill>
+            <a:schemeClr val="phClr">
+              <a:shade val="95000"/>
+              <a:satMod val="105000"/>
+            </a:schemeClr>
+          </a:solidFill>
+          <a:prstDash val="solid"/>
+          <a:miter/>
+        </a:ln>
+        <a:ln w="25400" cap="flat" cmpd="sng" algn="ctr">
+          <a:solidFill>
+            <a:schemeClr val="phClr"/>
+          </a:solidFill>
+          <a:prstDash val="solid"/>
+          <a:miter/>
+        </a:ln>
+        <a:ln w="38100" cap="flat" cmpd="sng" algn="ctr">
+          <a:solidFill>
+            <a:schemeClr val="phClr"/>
+          </a:solidFill>
+          <a:prstDash val="solid"/>
+          <a:miter/>
+        </a:ln>
+      </a:lnStyleLst>
+      <a:effectStyleLst>
+        <a:effectStyle>
+          <a:effectLst>
+            <a:outerShdw blurRad="40000" dist="20000" dir="5400000" rotWithShape="0">
+              <a:srgbClr val="000000">
+                <a:alpha val="38000"/>
+              </a:srgbClr>
+            </a:outerShdw>
+          </a:effectLst>
+        </a:effectStyle>
+        <a:effectStyle>
+          <a:effectLst>
+            <a:outerShdw blurRad="40000" dist="23000" dir="5400000" rotWithShape="0">
+              <a:srgbClr val="000000">
+                <a:alpha val="35000"/>
+              </a:srgbClr>
+            </a:outerShdw>
+          </a:effectLst>
+        </a:effectStyle>
+        <a:effectStyle>
+          <a:effectLst>
+            <a:outerShdw blurRad="40000" dist="23000" dir="5400000" rotWithShape="0">
+              <a:srgbClr val="000000">
+                <a:alpha val="35000"/>
+              </a:srgbClr>
+            </a:outerShdw>
+          </a:effectLst>
+          <a:scene3d>
+            <a:camera prst="orthographicFront">
+              <a:rot lat="0" lon="0" rev="0"/>
+            </a:camera>
+            <a:lightRig rig="threePt" dir="t">
+              <a:rot lat="0" lon="0" rev="1200000"/>
+            </a:lightRig>
+          </a:scene3d>
+          <a:sp3d>
+            <a:bevelT w="63500" h="25400"/>
+          </a:sp3d>
+        </a:effectStyle>
+      </a:effectStyleLst>
+      <a:bgFillStyleLst>
+        <a:solidFill>
+          <a:schemeClr val="phClr"/>
+        </a:solidFill>
+        <a:gradFill rotWithShape="1">
+          <a:gsLst>
+            <a:gs pos="0">
+              <a:schemeClr val="phClr">
+                <a:tint val="40000"/>
+                <a:satMod val="350000"/>
+              </a:schemeClr>
+            </a:gs>
+            <a:gs pos="40000">
+              <a:schemeClr val="phClr">
+                <a:tint val="45000"/>
+                <a:shade val="99000"/>
+                <a:satMod val="350000"/>
+              </a:schemeClr>
+            </a:gs>
+            <a:gs pos="100000">
+              <a:schemeClr val="phClr">
+                <a:shade val="20000"/>
+                <a:satMod val="255000"/>
+              </a:schemeClr>
+            </a:gs>
+          </a:gsLst>
+          <a:path path="circle">
+            <a:fillToRect l="50000" t="-80000" r="50000" b="180000"/>
+          </a:path>
+        </a:gradFill>
+        <a:gradFill rotWithShape="1">
+          <a:gsLst>
+            <a:gs pos="0">
+              <a:schemeClr val="phClr">
+                <a:tint val="80000"/>
+                <a:satMod val="300000"/>
+              </a:schemeClr>
+            </a:gs>
+            <a:gs pos="100000">
+              <a:schemeClr val="phClr">
+                <a:shade val="30000"/>
+                <a:satMod val="200000"/>
+              </a:schemeClr>
+            </a:gs>
+          </a:gsLst>
+          <a:path path="circle">
+            <a:fillToRect l="50000" t="50000" r="50000" b="50000"/>
+          </a:path>
+        </a:gradFill>
+      </a:bgFillStyleLst>
+    </a:fmtScheme>
+  </a:themeElements>
+</a:theme>
 </file>
--- a/quantum-courses/quantum-course-blocks.pptx
+++ b/quantum-courses/quantum-course-blocks.pptx
@@ -2757,7 +2757,7 @@
         <p:spPr>
           <a:xfrm>
             <a:off x="504000" y="226080"/>
-            <a:ext cx="9070920" cy="945720"/>
+            <a:ext cx="9072000" cy="946440"/>
           </a:xfrm>
           <a:prstGeom prst="rect">
             <a:avLst/>
@@ -2768,13 +2768,38 @@
             <a:noAutofit/>
           </a:bodyPr>
           <a:p>
+            <a:pPr algn="ctr"/>
             <a:r>
-              <a:rPr b="0" lang="en-US" sz="1800" spc="-1" strike="noStrike">
+              <a:rPr b="0" lang="en-US" sz="4400" spc="-1" strike="noStrike">
                 <a:latin typeface="Arial"/>
               </a:rPr>
-              <a:t>Click to edit the title text format</a:t>
+              <a:t>Click to </a:t>
             </a:r>
-            <a:endParaRPr b="0" lang="en-US" sz="1800" spc="-1" strike="noStrike">
+            <a:r>
+              <a:rPr b="0" lang="en-US" sz="4400" spc="-1" strike="noStrike">
+                <a:latin typeface="Arial"/>
+              </a:rPr>
+              <a:t>edit the </a:t>
+            </a:r>
+            <a:r>
+              <a:rPr b="0" lang="en-US" sz="4400" spc="-1" strike="noStrike">
+                <a:latin typeface="Arial"/>
+              </a:rPr>
+              <a:t>title </a:t>
+            </a:r>
+            <a:r>
+              <a:rPr b="0" lang="en-US" sz="4400" spc="-1" strike="noStrike">
+                <a:latin typeface="Arial"/>
+              </a:rPr>
+              <a:t>text </a:t>
+            </a:r>
+            <a:r>
+              <a:rPr b="0" lang="en-US" sz="4400" spc="-1" strike="noStrike">
+                <a:latin typeface="Arial"/>
+              </a:rPr>
+              <a:t>format</a:t>
+            </a:r>
+            <a:endParaRPr b="0" lang="en-US" sz="4400" spc="-1" strike="noStrike">
               <a:latin typeface="Arial"/>
             </a:endParaRPr>
           </a:p>
@@ -2793,7 +2818,7 @@
         <p:spPr>
           <a:xfrm>
             <a:off x="504000" y="1326600"/>
-            <a:ext cx="9071640" cy="3288240"/>
+            <a:ext cx="9072000" cy="3288600"/>
           </a:xfrm>
           <a:prstGeom prst="rect">
             <a:avLst/>
@@ -2816,12 +2841,12 @@
               <a:buChar char=""/>
             </a:pPr>
             <a:r>
-              <a:rPr b="0" lang="en-US" sz="1800" spc="-1" strike="noStrike">
+              <a:rPr b="0" lang="en-US" sz="3200" spc="-1" strike="noStrike">
                 <a:latin typeface="Arial"/>
               </a:rPr>
               <a:t>Click to edit the outline text format</a:t>
             </a:r>
-            <a:endParaRPr b="0" lang="en-US" sz="1800" spc="-1" strike="noStrike">
+            <a:endParaRPr b="0" lang="en-US" sz="3200" spc="-1" strike="noStrike">
               <a:latin typeface="Arial"/>
             </a:endParaRPr>
           </a:p>
@@ -2838,12 +2863,12 @@
               <a:buChar char=""/>
             </a:pPr>
             <a:r>
-              <a:rPr b="0" lang="en-US" sz="1800" spc="-1" strike="noStrike">
+              <a:rPr b="0" lang="en-US" sz="2800" spc="-1" strike="noStrike">
                 <a:latin typeface="Arial"/>
               </a:rPr>
               <a:t>Second Outline Level</a:t>
             </a:r>
-            <a:endParaRPr b="0" lang="en-US" sz="1800" spc="-1" strike="noStrike">
+            <a:endParaRPr b="0" lang="en-US" sz="2800" spc="-1" strike="noStrike">
               <a:latin typeface="Arial"/>
             </a:endParaRPr>
           </a:p>
@@ -2860,12 +2885,12 @@
               <a:buChar char=""/>
             </a:pPr>
             <a:r>
-              <a:rPr b="0" lang="en-US" sz="1800" spc="-1" strike="noStrike">
+              <a:rPr b="0" lang="en-US" sz="2400" spc="-1" strike="noStrike">
                 <a:latin typeface="Arial"/>
               </a:rPr>
               <a:t>Third Outline Level</a:t>
             </a:r>
-            <a:endParaRPr b="0" lang="en-US" sz="1800" spc="-1" strike="noStrike">
+            <a:endParaRPr b="0" lang="en-US" sz="2400" spc="-1" strike="noStrike">
               <a:latin typeface="Arial"/>
             </a:endParaRPr>
           </a:p>
@@ -2882,12 +2907,12 @@
               <a:buChar char=""/>
             </a:pPr>
             <a:r>
-              <a:rPr b="0" lang="en-US" sz="1800" spc="-1" strike="noStrike">
+              <a:rPr b="0" lang="en-US" sz="2000" spc="-1" strike="noStrike">
                 <a:latin typeface="Arial"/>
               </a:rPr>
               <a:t>Fourth Outline Level</a:t>
             </a:r>
-            <a:endParaRPr b="0" lang="en-US" sz="1800" spc="-1" strike="noStrike">
+            <a:endParaRPr b="0" lang="en-US" sz="2000" spc="-1" strike="noStrike">
               <a:latin typeface="Arial"/>
             </a:endParaRPr>
           </a:p>
@@ -2904,12 +2929,12 @@
               <a:buChar char=""/>
             </a:pPr>
             <a:r>
-              <a:rPr b="0" lang="en-US" sz="1800" spc="-1" strike="noStrike">
+              <a:rPr b="0" lang="en-US" sz="2000" spc="-1" strike="noStrike">
                 <a:latin typeface="Arial"/>
               </a:rPr>
               <a:t>Fifth Outline Level</a:t>
             </a:r>
-            <a:endParaRPr b="0" lang="en-US" sz="1800" spc="-1" strike="noStrike">
+            <a:endParaRPr b="0" lang="en-US" sz="2000" spc="-1" strike="noStrike">
               <a:latin typeface="Arial"/>
             </a:endParaRPr>
           </a:p>
@@ -2926,12 +2951,12 @@
               <a:buChar char=""/>
             </a:pPr>
             <a:r>
-              <a:rPr b="0" lang="en-US" sz="1800" spc="-1" strike="noStrike">
+              <a:rPr b="0" lang="en-US" sz="2000" spc="-1" strike="noStrike">
                 <a:latin typeface="Arial"/>
               </a:rPr>
               <a:t>Sixth Outline Level</a:t>
             </a:r>
-            <a:endParaRPr b="0" lang="en-US" sz="1800" spc="-1" strike="noStrike">
+            <a:endParaRPr b="0" lang="en-US" sz="2000" spc="-1" strike="noStrike">
               <a:latin typeface="Arial"/>
             </a:endParaRPr>
           </a:p>
@@ -2948,12 +2973,12 @@
               <a:buChar char=""/>
             </a:pPr>
             <a:r>
-              <a:rPr b="0" lang="en-US" sz="1800" spc="-1" strike="noStrike">
+              <a:rPr b="0" lang="en-US" sz="2000" spc="-1" strike="noStrike">
                 <a:latin typeface="Arial"/>
               </a:rPr>
               <a:t>Seventh Outline Level</a:t>
             </a:r>
-            <a:endParaRPr b="0" lang="en-US" sz="1800" spc="-1" strike="noStrike">
+            <a:endParaRPr b="0" lang="en-US" sz="2000" spc="-1" strike="noStrike">
               <a:latin typeface="Arial"/>
             </a:endParaRPr>
           </a:p>
@@ -3083,7 +3108,7 @@
           <a:p>
             <a:pPr marL="432000" indent="-324000">
               <a:spcBef>
-                <a:spcPts val="1414"/>
+                <a:spcPts val="1417"/>
               </a:spcBef>
               <a:buClr>
                 <a:srgbClr val="000000"/>
@@ -3282,7 +3307,7 @@
         <p:spPr>
           <a:xfrm>
             <a:off x="0" y="0"/>
-            <a:ext cx="4524480" cy="312120"/>
+            <a:ext cx="4524120" cy="311760"/>
           </a:xfrm>
           <a:prstGeom prst="rect">
             <a:avLst/>
@@ -3333,7 +3358,7 @@
         <p:spPr>
           <a:xfrm>
             <a:off x="3483000" y="986400"/>
-            <a:ext cx="2056680" cy="363600"/>
+            <a:ext cx="2056320" cy="363240"/>
           </a:xfrm>
           <a:prstGeom prst="rect">
             <a:avLst/>
@@ -3387,7 +3412,7 @@
         <p:spPr>
           <a:xfrm>
             <a:off x="3483000" y="1672200"/>
-            <a:ext cx="2056680" cy="363600"/>
+            <a:ext cx="2056320" cy="363240"/>
           </a:xfrm>
           <a:prstGeom prst="rect">
             <a:avLst/>
@@ -3441,7 +3466,7 @@
         <p:spPr>
           <a:xfrm>
             <a:off x="685800" y="3078000"/>
-            <a:ext cx="2056680" cy="363600"/>
+            <a:ext cx="2056320" cy="363240"/>
           </a:xfrm>
           <a:prstGeom prst="rect">
             <a:avLst/>
@@ -3495,7 +3520,7 @@
         <p:spPr>
           <a:xfrm>
             <a:off x="685800" y="3763800"/>
-            <a:ext cx="2056680" cy="363600"/>
+            <a:ext cx="2056320" cy="363240"/>
           </a:xfrm>
           <a:prstGeom prst="rect">
             <a:avLst/>
@@ -3549,7 +3574,7 @@
         <p:spPr>
           <a:xfrm>
             <a:off x="685800" y="4449600"/>
-            <a:ext cx="2056680" cy="363600"/>
+            <a:ext cx="2056320" cy="363240"/>
           </a:xfrm>
           <a:prstGeom prst="rect">
             <a:avLst/>
@@ -3603,7 +3628,7 @@
         <p:spPr>
           <a:xfrm>
             <a:off x="4770000" y="3054600"/>
-            <a:ext cx="2056680" cy="363600"/>
+            <a:ext cx="2056320" cy="363240"/>
           </a:xfrm>
           <a:prstGeom prst="rect">
             <a:avLst/>
@@ -3657,7 +3682,7 @@
         <p:spPr>
           <a:xfrm>
             <a:off x="4770000" y="3740400"/>
-            <a:ext cx="2056680" cy="363600"/>
+            <a:ext cx="2056320" cy="363240"/>
           </a:xfrm>
           <a:prstGeom prst="rect">
             <a:avLst/>
@@ -3711,7 +3736,7 @@
         <p:spPr>
           <a:xfrm>
             <a:off x="685800" y="5135400"/>
-            <a:ext cx="2056680" cy="363600"/>
+            <a:ext cx="2056320" cy="363240"/>
           </a:xfrm>
           <a:prstGeom prst="rect">
             <a:avLst/>
@@ -3793,7 +3818,7 @@
         <p:spPr>
           <a:xfrm>
             <a:off x="3254400" y="819000"/>
-            <a:ext cx="2513880" cy="1370880"/>
+            <a:ext cx="2513520" cy="1370520"/>
           </a:xfrm>
           <a:prstGeom prst="rect">
             <a:avLst/>
@@ -3825,7 +3850,7 @@
         <p:spPr>
           <a:xfrm>
             <a:off x="3146400" y="433800"/>
-            <a:ext cx="2752560" cy="345600"/>
+            <a:ext cx="2752200" cy="345240"/>
           </a:xfrm>
           <a:prstGeom prst="rect">
             <a:avLst/>
@@ -3932,7 +3957,7 @@
         <p:spPr>
           <a:xfrm>
             <a:off x="457200" y="2957400"/>
-            <a:ext cx="2513880" cy="2670480"/>
+            <a:ext cx="2513520" cy="2670120"/>
           </a:xfrm>
           <a:prstGeom prst="rect">
             <a:avLst/>
@@ -3964,7 +3989,7 @@
         <p:spPr>
           <a:xfrm>
             <a:off x="95760" y="2590560"/>
-            <a:ext cx="3157920" cy="345600"/>
+            <a:ext cx="3157560" cy="345240"/>
           </a:xfrm>
           <a:prstGeom prst="rect">
             <a:avLst/>
@@ -4043,7 +4068,7 @@
         <p:spPr>
           <a:xfrm>
             <a:off x="4770360" y="4460400"/>
-            <a:ext cx="2056680" cy="363600"/>
+            <a:ext cx="2056320" cy="363240"/>
           </a:xfrm>
           <a:prstGeom prst="rect">
             <a:avLst/>
@@ -4097,7 +4122,7 @@
         <p:spPr>
           <a:xfrm>
             <a:off x="4770720" y="5144400"/>
-            <a:ext cx="2056680" cy="363600"/>
+            <a:ext cx="2056320" cy="363240"/>
           </a:xfrm>
           <a:prstGeom prst="rect">
             <a:avLst/>
@@ -4291,7 +4316,7 @@
         <p:spPr>
           <a:xfrm>
             <a:off x="4525200" y="2962440"/>
-            <a:ext cx="2513880" cy="2670480"/>
+            <a:ext cx="2513520" cy="2670120"/>
           </a:xfrm>
           <a:prstGeom prst="rect">
             <a:avLst/>
@@ -4323,7 +4348,7 @@
         <p:spPr>
           <a:xfrm>
             <a:off x="4415760" y="2595600"/>
-            <a:ext cx="2814840" cy="345600"/>
+            <a:ext cx="2814480" cy="345240"/>
           </a:xfrm>
           <a:prstGeom prst="rect">
             <a:avLst/>
@@ -4374,7 +4399,7 @@
         <p:spPr>
           <a:xfrm>
             <a:off x="6363360" y="1670400"/>
-            <a:ext cx="2056680" cy="363600"/>
+            <a:ext cx="2056320" cy="363240"/>
           </a:xfrm>
           <a:prstGeom prst="rect">
             <a:avLst/>
@@ -4457,7 +4482,7 @@
         <p:spPr>
           <a:xfrm>
             <a:off x="7664400" y="3074400"/>
-            <a:ext cx="2056680" cy="363600"/>
+            <a:ext cx="2056320" cy="363240"/>
           </a:xfrm>
           <a:prstGeom prst="rect">
             <a:avLst/>
@@ -4540,7 +4565,7 @@
         <p:spPr>
           <a:xfrm>
             <a:off x="7664400" y="3758400"/>
-            <a:ext cx="2056680" cy="363600"/>
+            <a:ext cx="2056320" cy="363240"/>
           </a:xfrm>
           <a:prstGeom prst="rect">
             <a:avLst/>
@@ -4623,7 +4648,7 @@
         <p:spPr>
           <a:xfrm>
             <a:off x="7664400" y="4478400"/>
-            <a:ext cx="2056680" cy="363600"/>
+            <a:ext cx="2056320" cy="363240"/>
           </a:xfrm>
           <a:prstGeom prst="rect">
             <a:avLst/>
@@ -4706,7 +4731,7 @@
         <p:spPr>
           <a:xfrm>
             <a:off x="7664400" y="5162400"/>
-            <a:ext cx="2056680" cy="363600"/>
+            <a:ext cx="2056320" cy="363240"/>
           </a:xfrm>
           <a:prstGeom prst="rect">
             <a:avLst/>
@@ -4789,7 +4814,7 @@
         <p:spPr>
           <a:xfrm>
             <a:off x="6368400" y="950400"/>
-            <a:ext cx="2056680" cy="363600"/>
+            <a:ext cx="2056320" cy="363240"/>
           </a:xfrm>
           <a:prstGeom prst="rect">
             <a:avLst/>
@@ -4902,7 +4927,7 @@
         <p:spPr>
           <a:xfrm>
             <a:off x="457200" y="0"/>
-            <a:ext cx="9070920" cy="459360"/>
+            <a:ext cx="9070560" cy="459000"/>
           </a:xfrm>
           <a:prstGeom prst="rect">
             <a:avLst/>
@@ -4930,7 +4955,11 @@
             </a:pPr>
             <a:r>
               <a:rPr b="0" lang="en-US" sz="2400" spc="-1" strike="noStrike">
-                <a:latin typeface="Arial"/>
+                <a:solidFill>
+                  <a:srgbClr val="000000"/>
+                </a:solidFill>
+                <a:latin typeface="Arial"/>
+                <a:ea typeface="DejaVu Sans"/>
               </a:rPr>
               <a:t>6-course quantum sequence</a:t>
             </a:r>
@@ -4949,9 +4978,9 @@
         <p:grpSpPr>
           <a:xfrm>
             <a:off x="158400" y="675000"/>
-            <a:ext cx="4413240" cy="3102840"/>
+            <a:ext cx="4412880" cy="3102480"/>
             <a:chOff x="158400" y="675000"/>
-            <a:chExt cx="4413240" cy="3102840"/>
+            <a:chExt cx="4412880" cy="3102480"/>
           </a:xfrm>
         </p:grpSpPr>
         <p:sp>
@@ -4963,7 +4992,7 @@
           <p:spPr>
             <a:xfrm>
               <a:off x="332280" y="824760"/>
-              <a:ext cx="1847160" cy="269280"/>
+              <a:ext cx="1846800" cy="268920"/>
             </a:xfrm>
             <a:prstGeom prst="rect">
               <a:avLst/>
@@ -5017,7 +5046,7 @@
           <p:spPr>
             <a:xfrm>
               <a:off x="332280" y="1330560"/>
-              <a:ext cx="1847160" cy="268920"/>
+              <a:ext cx="1846800" cy="268560"/>
             </a:xfrm>
             <a:prstGeom prst="rect">
               <a:avLst/>
@@ -5071,7 +5100,7 @@
           <p:spPr>
             <a:xfrm>
               <a:off x="158400" y="675000"/>
-              <a:ext cx="2217600" cy="3102840"/>
+              <a:ext cx="2217240" cy="3102480"/>
             </a:xfrm>
             <a:prstGeom prst="rect">
               <a:avLst/>
@@ -5131,7 +5160,7 @@
           <p:spPr>
             <a:xfrm>
               <a:off x="2871000" y="1329120"/>
-              <a:ext cx="1696320" cy="267840"/>
+              <a:ext cx="1695960" cy="267480"/>
             </a:xfrm>
             <a:prstGeom prst="rect">
               <a:avLst/>
@@ -5214,7 +5243,7 @@
           <p:spPr>
             <a:xfrm>
               <a:off x="2875320" y="798480"/>
-              <a:ext cx="1696320" cy="267840"/>
+              <a:ext cx="1695960" cy="267480"/>
             </a:xfrm>
             <a:prstGeom prst="rect">
               <a:avLst/>
@@ -5297,7 +5326,7 @@
           <p:spPr>
             <a:xfrm>
               <a:off x="332280" y="1836000"/>
-              <a:ext cx="1847160" cy="269280"/>
+              <a:ext cx="1846800" cy="268920"/>
             </a:xfrm>
             <a:prstGeom prst="rect">
               <a:avLst/>
@@ -5351,7 +5380,7 @@
           <p:spPr>
             <a:xfrm>
               <a:off x="332280" y="2340000"/>
-              <a:ext cx="1847160" cy="269280"/>
+              <a:ext cx="1846800" cy="268920"/>
             </a:xfrm>
             <a:prstGeom prst="rect">
               <a:avLst/>
@@ -5405,7 +5434,7 @@
           <p:spPr>
             <a:xfrm>
               <a:off x="332280" y="2856240"/>
-              <a:ext cx="1847160" cy="269280"/>
+              <a:ext cx="1846800" cy="268920"/>
             </a:xfrm>
             <a:prstGeom prst="rect">
               <a:avLst/>
@@ -5459,7 +5488,7 @@
           <p:spPr>
             <a:xfrm>
               <a:off x="332280" y="3361680"/>
-              <a:ext cx="1847160" cy="269280"/>
+              <a:ext cx="1846800" cy="268920"/>
             </a:xfrm>
             <a:prstGeom prst="rect">
               <a:avLst/>
@@ -5625,7 +5654,7 @@
           <p:spPr>
             <a:xfrm>
               <a:off x="2859120" y="2856240"/>
-              <a:ext cx="1696320" cy="267840"/>
+              <a:ext cx="1695960" cy="267480"/>
             </a:xfrm>
             <a:prstGeom prst="rect">
               <a:avLst/>
@@ -5708,7 +5737,7 @@
           <p:spPr>
             <a:xfrm>
               <a:off x="2859120" y="2356920"/>
-              <a:ext cx="1696320" cy="267840"/>
+              <a:ext cx="1695960" cy="267480"/>
             </a:xfrm>
             <a:prstGeom prst="rect">
               <a:avLst/>
@@ -5791,7 +5820,7 @@
           <p:spPr>
             <a:xfrm>
               <a:off x="2874960" y="1833120"/>
-              <a:ext cx="1696320" cy="267840"/>
+              <a:ext cx="1695960" cy="267480"/>
             </a:xfrm>
             <a:prstGeom prst="rect">
               <a:avLst/>
@@ -5879,7 +5908,7 @@
         <p:spPr>
           <a:xfrm>
             <a:off x="4031280" y="3276360"/>
-            <a:ext cx="6049080" cy="2394000"/>
+            <a:ext cx="6048720" cy="2393640"/>
           </a:xfrm>
           <a:prstGeom prst="rect">
             <a:avLst/>
@@ -5928,7 +5957,7 @@
         <p:spPr>
           <a:xfrm>
             <a:off x="457200" y="0"/>
-            <a:ext cx="9070560" cy="459000"/>
+            <a:ext cx="9070200" cy="458640"/>
           </a:xfrm>
           <a:prstGeom prst="rect">
             <a:avLst/>
@@ -5979,7 +6008,7 @@
         <p:spPr>
           <a:xfrm>
             <a:off x="332280" y="824760"/>
-            <a:ext cx="1846800" cy="268920"/>
+            <a:ext cx="1846440" cy="268560"/>
           </a:xfrm>
           <a:prstGeom prst="rect">
             <a:avLst/>
@@ -6033,7 +6062,7 @@
         <p:spPr>
           <a:xfrm>
             <a:off x="332280" y="1330560"/>
-            <a:ext cx="1846800" cy="268560"/>
+            <a:ext cx="1846440" cy="268200"/>
           </a:xfrm>
           <a:prstGeom prst="rect">
             <a:avLst/>
@@ -6087,7 +6116,7 @@
         <p:spPr>
           <a:xfrm>
             <a:off x="158400" y="675000"/>
-            <a:ext cx="2217240" cy="3102480"/>
+            <a:ext cx="2216880" cy="3102120"/>
           </a:xfrm>
           <a:prstGeom prst="rect">
             <a:avLst/>
@@ -6147,7 +6176,7 @@
         <p:spPr>
           <a:xfrm>
             <a:off x="6172200" y="798480"/>
-            <a:ext cx="2610720" cy="2401920"/>
+            <a:ext cx="2610360" cy="2401560"/>
           </a:xfrm>
           <a:prstGeom prst="rect">
             <a:avLst/>
@@ -6186,6 +6215,663 @@
                 <a:ea typeface="DejaVu Sans"/>
               </a:rPr>
               <a:t>QM Labs</a:t>
+            </a:r>
+            <a:r>
+              <a:rPr b="0" lang="en-US" sz="1400" spc="-1" strike="noStrike">
+                <a:solidFill>
+                  <a:srgbClr val="0000ff"/>
+                </a:solidFill>
+                <a:latin typeface="Arial"/>
+                <a:ea typeface="DejaVu Sans"/>
+              </a:rPr>
+              <a:t>:</a:t>
+            </a:r>
+            <a:endParaRPr b="0" lang="en-US" sz="1400" spc="-1" strike="noStrike">
+              <a:latin typeface="Arial"/>
+            </a:endParaRPr>
+          </a:p>
+          <a:p>
+            <a:pPr marL="216000" indent="-215280">
+              <a:lnSpc>
+                <a:spcPct val="100000"/>
+              </a:lnSpc>
+              <a:buClr>
+                <a:srgbClr val="0000ff"/>
+              </a:buClr>
+              <a:buFont typeface="StarSymbol"/>
+              <a:buAutoNum type="arabicParenR"/>
+            </a:pPr>
+            <a:r>
+              <a:rPr b="0" lang="en-US" sz="1400" spc="-1" strike="noStrike">
+                <a:solidFill>
+                  <a:srgbClr val="0000ff"/>
+                </a:solidFill>
+                <a:latin typeface="Arial"/>
+                <a:ea typeface="DejaVu Sans"/>
+              </a:rPr>
+              <a:t>Non-Classical Correlations</a:t>
+            </a:r>
+            <a:endParaRPr b="0" lang="en-US" sz="1400" spc="-1" strike="noStrike">
+              <a:latin typeface="Arial"/>
+            </a:endParaRPr>
+          </a:p>
+          <a:p>
+            <a:pPr marL="216000" indent="-215280">
+              <a:lnSpc>
+                <a:spcPct val="100000"/>
+              </a:lnSpc>
+              <a:buClr>
+                <a:srgbClr val="0000ff"/>
+              </a:buClr>
+              <a:buFont typeface="StarSymbol"/>
+              <a:buAutoNum type="arabicParenR"/>
+            </a:pPr>
+            <a:r>
+              <a:rPr b="0" lang="en-US" sz="1400" spc="-1" strike="noStrike">
+                <a:solidFill>
+                  <a:srgbClr val="0000ff"/>
+                </a:solidFill>
+                <a:latin typeface="Arial"/>
+                <a:ea typeface="DejaVu Sans"/>
+              </a:rPr>
+              <a:t>Bell Inequality</a:t>
+            </a:r>
+            <a:endParaRPr b="0" lang="en-US" sz="1400" spc="-1" strike="noStrike">
+              <a:latin typeface="Arial"/>
+            </a:endParaRPr>
+          </a:p>
+          <a:p>
+            <a:pPr marL="216000" indent="-215280">
+              <a:lnSpc>
+                <a:spcPct val="100000"/>
+              </a:lnSpc>
+              <a:buClr>
+                <a:srgbClr val="0000ff"/>
+              </a:buClr>
+              <a:buFont typeface="StarSymbol"/>
+              <a:buAutoNum type="arabicParenR"/>
+            </a:pPr>
+            <a:r>
+              <a:rPr b="0" lang="en-US" sz="1400" spc="-1" strike="noStrike">
+                <a:solidFill>
+                  <a:srgbClr val="0000ff"/>
+                </a:solidFill>
+                <a:latin typeface="Arial"/>
+                <a:ea typeface="DejaVu Sans"/>
+              </a:rPr>
+              <a:t>Wave Nature of Photons</a:t>
+            </a:r>
+            <a:endParaRPr b="0" lang="en-US" sz="1400" spc="-1" strike="noStrike">
+              <a:latin typeface="Arial"/>
+            </a:endParaRPr>
+          </a:p>
+          <a:p>
+            <a:pPr marL="216000" indent="-215280">
+              <a:lnSpc>
+                <a:spcPct val="100000"/>
+              </a:lnSpc>
+              <a:buClr>
+                <a:srgbClr val="0000ff"/>
+              </a:buClr>
+              <a:buFont typeface="StarSymbol"/>
+              <a:buAutoNum type="arabicParenR"/>
+            </a:pPr>
+            <a:r>
+              <a:rPr b="0" lang="en-US" sz="1400" spc="-1" strike="noStrike">
+                <a:solidFill>
+                  <a:srgbClr val="0000ff"/>
+                </a:solidFill>
+                <a:latin typeface="Arial"/>
+                <a:ea typeface="DejaVu Sans"/>
+              </a:rPr>
+              <a:t>Quantum Eraser</a:t>
+            </a:r>
+            <a:endParaRPr b="0" lang="en-US" sz="1400" spc="-1" strike="noStrike">
+              <a:latin typeface="Arial"/>
+            </a:endParaRPr>
+          </a:p>
+          <a:p>
+            <a:pPr marL="216000" indent="-215280">
+              <a:lnSpc>
+                <a:spcPct val="100000"/>
+              </a:lnSpc>
+              <a:buClr>
+                <a:srgbClr val="0000ff"/>
+              </a:buClr>
+              <a:buFont typeface="StarSymbol"/>
+              <a:buAutoNum type="arabicParenR"/>
+            </a:pPr>
+            <a:r>
+              <a:rPr b="0" lang="en-US" sz="1400" spc="-1" strike="noStrike">
+                <a:solidFill>
+                  <a:srgbClr val="0000ff"/>
+                </a:solidFill>
+                <a:latin typeface="Arial"/>
+                <a:ea typeface="DejaVu Sans"/>
+              </a:rPr>
+              <a:t>Two-photon Interference</a:t>
+            </a:r>
+            <a:endParaRPr b="0" lang="en-US" sz="1400" spc="-1" strike="noStrike">
+              <a:latin typeface="Arial"/>
+            </a:endParaRPr>
+          </a:p>
+          <a:p>
+            <a:pPr marL="216000" indent="-215280">
+              <a:lnSpc>
+                <a:spcPct val="100000"/>
+              </a:lnSpc>
+              <a:buClr>
+                <a:srgbClr val="0000ff"/>
+              </a:buClr>
+              <a:buFont typeface="StarSymbol"/>
+              <a:buAutoNum type="arabicParenR"/>
+            </a:pPr>
+            <a:r>
+              <a:rPr b="0" lang="en-US" sz="1400" spc="-1" strike="noStrike">
+                <a:solidFill>
+                  <a:srgbClr val="0000ff"/>
+                </a:solidFill>
+                <a:latin typeface="Arial"/>
+                <a:ea typeface="DejaVu Sans"/>
+              </a:rPr>
+              <a:t>Verification HOM 2-photon*</a:t>
+            </a:r>
+            <a:endParaRPr b="0" lang="en-US" sz="1400" spc="-1" strike="noStrike">
+              <a:latin typeface="Arial"/>
+            </a:endParaRPr>
+          </a:p>
+          <a:p>
+            <a:pPr marL="216000" indent="-215280">
+              <a:lnSpc>
+                <a:spcPct val="100000"/>
+              </a:lnSpc>
+              <a:buClr>
+                <a:srgbClr val="0000ff"/>
+              </a:buClr>
+              <a:buFont typeface="StarSymbol"/>
+              <a:buAutoNum type="arabicParenR"/>
+            </a:pPr>
+            <a:r>
+              <a:rPr b="0" lang="en-US" sz="1400" spc="-1" strike="noStrike">
+                <a:solidFill>
+                  <a:srgbClr val="0000ff"/>
+                </a:solidFill>
+                <a:latin typeface="Arial"/>
+                <a:ea typeface="DejaVu Sans"/>
+              </a:rPr>
+              <a:t>Particle Nature of Photons*</a:t>
+            </a:r>
+            <a:endParaRPr b="0" lang="en-US" sz="1400" spc="-1" strike="noStrike">
+              <a:latin typeface="Arial"/>
+            </a:endParaRPr>
+          </a:p>
+          <a:p>
+            <a:pPr marL="216000" indent="-215280">
+              <a:lnSpc>
+                <a:spcPct val="100000"/>
+              </a:lnSpc>
+              <a:buClr>
+                <a:srgbClr val="0000ff"/>
+              </a:buClr>
+              <a:buFont typeface="StarSymbol"/>
+              <a:buAutoNum type="arabicParenR"/>
+            </a:pPr>
+            <a:r>
+              <a:rPr b="0" lang="en-US" sz="1400" spc="-1" strike="noStrike">
+                <a:solidFill>
+                  <a:srgbClr val="0000ff"/>
+                </a:solidFill>
+                <a:latin typeface="Arial"/>
+                <a:ea typeface="DejaVu Sans"/>
+              </a:rPr>
+              <a:t>Wave-Particle Dualism*</a:t>
+            </a:r>
+            <a:endParaRPr b="0" lang="en-US" sz="1400" spc="-1" strike="noStrike">
+              <a:latin typeface="Arial"/>
+            </a:endParaRPr>
+          </a:p>
+          <a:p>
+            <a:pPr marL="216000" indent="-215280">
+              <a:lnSpc>
+                <a:spcPct val="100000"/>
+              </a:lnSpc>
+              <a:buClr>
+                <a:srgbClr val="0000ff"/>
+              </a:buClr>
+              <a:buFont typeface="StarSymbol"/>
+              <a:buAutoNum type="arabicParenR"/>
+            </a:pPr>
+            <a:r>
+              <a:rPr b="0" lang="en-US" sz="1400" spc="-1" strike="noStrike">
+                <a:solidFill>
+                  <a:srgbClr val="0000ff"/>
+                </a:solidFill>
+                <a:latin typeface="Arial"/>
+                <a:ea typeface="DejaVu Sans"/>
+              </a:rPr>
+              <a:t>* </a:t>
+            </a:r>
+            <a:r>
+              <a:rPr b="0" lang="en-US" sz="1200" spc="-1" strike="noStrike">
+                <a:solidFill>
+                  <a:srgbClr val="0000ff"/>
+                </a:solidFill>
+                <a:latin typeface="Arial"/>
+                <a:ea typeface="DejaVu Sans"/>
+              </a:rPr>
+              <a:t>Requires quED-HBT module</a:t>
+            </a:r>
+            <a:endParaRPr b="0" lang="en-US" sz="1200" spc="-1" strike="noStrike">
+              <a:latin typeface="Arial"/>
+            </a:endParaRPr>
+          </a:p>
+        </p:txBody>
+      </p:sp>
+      <p:sp>
+        <p:nvSpPr>
+          <p:cNvPr id="145" name="Line 7"/>
+          <p:cNvSpPr/>
+          <p:nvPr/>
+        </p:nvSpPr>
+        <p:spPr>
+          <a:xfrm flipV="1">
+            <a:off x="2196720" y="914400"/>
+            <a:ext cx="3975480" cy="27360"/>
+          </a:xfrm>
+          <a:prstGeom prst="line">
+            <a:avLst/>
+          </a:prstGeom>
+          <a:ln w="0">
+            <a:solidFill>
+              <a:srgbClr val="3465a4"/>
+            </a:solidFill>
+            <a:headEnd len="med" type="triangle" w="med"/>
+            <a:tailEnd len="med" type="triangle" w="med"/>
+          </a:ln>
+        </p:spPr>
+        <p:style>
+          <a:lnRef idx="0"/>
+          <a:fillRef idx="0"/>
+          <a:effectRef idx="0"/>
+          <a:fontRef idx="minor"/>
+        </p:style>
+      </p:sp>
+      <p:sp>
+        <p:nvSpPr>
+          <p:cNvPr id="146" name="CustomShape 8"/>
+          <p:cNvSpPr/>
+          <p:nvPr/>
+        </p:nvSpPr>
+        <p:spPr>
+          <a:xfrm>
+            <a:off x="332280" y="1836000"/>
+            <a:ext cx="1846440" cy="268560"/>
+          </a:xfrm>
+          <a:prstGeom prst="rect">
+            <a:avLst/>
+          </a:prstGeom>
+          <a:noFill/>
+          <a:ln w="18360">
+            <a:solidFill>
+              <a:srgbClr val="000000"/>
+            </a:solidFill>
+            <a:round/>
+          </a:ln>
+        </p:spPr>
+        <p:style>
+          <a:lnRef idx="0"/>
+          <a:fillRef idx="0"/>
+          <a:effectRef idx="0"/>
+          <a:fontRef idx="minor"/>
+        </p:style>
+        <p:txBody>
+          <a:bodyPr lIns="99000" rIns="99000" tIns="54000" bIns="54000">
+            <a:noAutofit/>
+          </a:bodyPr>
+          <a:p>
+            <a:pPr algn="ctr">
+              <a:lnSpc>
+                <a:spcPct val="100000"/>
+              </a:lnSpc>
+            </a:pPr>
+            <a:r>
+              <a:rPr b="0" lang="en-US" sz="1400" spc="-1" strike="noStrike">
+                <a:solidFill>
+                  <a:srgbClr val="000000"/>
+                </a:solidFill>
+                <a:latin typeface="Arial"/>
+                <a:ea typeface="DejaVu Sans"/>
+              </a:rPr>
+              <a:t>Quant Algos (ML)</a:t>
+            </a:r>
+            <a:endParaRPr b="0" lang="en-US" sz="1400" spc="-1" strike="noStrike">
+              <a:latin typeface="Arial"/>
+            </a:endParaRPr>
+          </a:p>
+        </p:txBody>
+      </p:sp>
+      <p:sp>
+        <p:nvSpPr>
+          <p:cNvPr id="147" name="CustomShape 9"/>
+          <p:cNvSpPr/>
+          <p:nvPr/>
+        </p:nvSpPr>
+        <p:spPr>
+          <a:xfrm>
+            <a:off x="332280" y="2340000"/>
+            <a:ext cx="1846440" cy="268560"/>
+          </a:xfrm>
+          <a:prstGeom prst="rect">
+            <a:avLst/>
+          </a:prstGeom>
+          <a:noFill/>
+          <a:ln w="18360">
+            <a:solidFill>
+              <a:srgbClr val="000000"/>
+            </a:solidFill>
+            <a:round/>
+          </a:ln>
+        </p:spPr>
+        <p:style>
+          <a:lnRef idx="0"/>
+          <a:fillRef idx="0"/>
+          <a:effectRef idx="0"/>
+          <a:fontRef idx="minor"/>
+        </p:style>
+        <p:txBody>
+          <a:bodyPr lIns="99000" rIns="99000" tIns="54000" bIns="54000">
+            <a:noAutofit/>
+          </a:bodyPr>
+          <a:p>
+            <a:pPr algn="ctr">
+              <a:lnSpc>
+                <a:spcPct val="100000"/>
+              </a:lnSpc>
+            </a:pPr>
+            <a:r>
+              <a:rPr b="0" lang="en-US" sz="1400" spc="-1" strike="noStrike">
+                <a:solidFill>
+                  <a:srgbClr val="000000"/>
+                </a:solidFill>
+                <a:latin typeface="Arial"/>
+                <a:ea typeface="DejaVu Sans"/>
+              </a:rPr>
+              <a:t>Applied Q (Sensing)</a:t>
+            </a:r>
+            <a:endParaRPr b="0" lang="en-US" sz="1400" spc="-1" strike="noStrike">
+              <a:latin typeface="Arial"/>
+            </a:endParaRPr>
+          </a:p>
+        </p:txBody>
+      </p:sp>
+      <p:sp>
+        <p:nvSpPr>
+          <p:cNvPr id="148" name="CustomShape 10"/>
+          <p:cNvSpPr/>
+          <p:nvPr/>
+        </p:nvSpPr>
+        <p:spPr>
+          <a:xfrm>
+            <a:off x="332280" y="2856240"/>
+            <a:ext cx="1846440" cy="268560"/>
+          </a:xfrm>
+          <a:prstGeom prst="rect">
+            <a:avLst/>
+          </a:prstGeom>
+          <a:noFill/>
+          <a:ln w="18360">
+            <a:solidFill>
+              <a:srgbClr val="000000"/>
+            </a:solidFill>
+            <a:round/>
+          </a:ln>
+        </p:spPr>
+        <p:style>
+          <a:lnRef idx="0"/>
+          <a:fillRef idx="0"/>
+          <a:effectRef idx="0"/>
+          <a:fontRef idx="minor"/>
+        </p:style>
+        <p:txBody>
+          <a:bodyPr lIns="99000" rIns="99000" tIns="54000" bIns="54000">
+            <a:noAutofit/>
+          </a:bodyPr>
+          <a:p>
+            <a:pPr algn="ctr">
+              <a:lnSpc>
+                <a:spcPct val="100000"/>
+              </a:lnSpc>
+            </a:pPr>
+            <a:r>
+              <a:rPr b="0" lang="en-US" sz="1400" spc="-1" strike="noStrike">
+                <a:solidFill>
+                  <a:srgbClr val="000000"/>
+                </a:solidFill>
+                <a:latin typeface="Arial"/>
+                <a:ea typeface="DejaVu Sans"/>
+              </a:rPr>
+              <a:t>Quantum Crypto</a:t>
+            </a:r>
+            <a:endParaRPr b="0" lang="en-US" sz="1400" spc="-1" strike="noStrike">
+              <a:latin typeface="Arial"/>
+            </a:endParaRPr>
+          </a:p>
+        </p:txBody>
+      </p:sp>
+      <p:sp>
+        <p:nvSpPr>
+          <p:cNvPr id="149" name="CustomShape 11"/>
+          <p:cNvSpPr/>
+          <p:nvPr/>
+        </p:nvSpPr>
+        <p:spPr>
+          <a:xfrm>
+            <a:off x="332280" y="3361680"/>
+            <a:ext cx="1846440" cy="268560"/>
+          </a:xfrm>
+          <a:prstGeom prst="rect">
+            <a:avLst/>
+          </a:prstGeom>
+          <a:noFill/>
+          <a:ln w="18360">
+            <a:solidFill>
+              <a:srgbClr val="000000"/>
+            </a:solidFill>
+            <a:round/>
+          </a:ln>
+        </p:spPr>
+        <p:style>
+          <a:lnRef idx="0"/>
+          <a:fillRef idx="0"/>
+          <a:effectRef idx="0"/>
+          <a:fontRef idx="minor"/>
+        </p:style>
+        <p:txBody>
+          <a:bodyPr lIns="99000" rIns="99000" tIns="54000" bIns="54000">
+            <a:noAutofit/>
+          </a:bodyPr>
+          <a:p>
+            <a:pPr algn="ctr">
+              <a:lnSpc>
+                <a:spcPct val="100000"/>
+              </a:lnSpc>
+            </a:pPr>
+            <a:r>
+              <a:rPr b="0" lang="en-US" sz="1400" spc="-1" strike="noStrike">
+                <a:solidFill>
+                  <a:srgbClr val="000000"/>
+                </a:solidFill>
+                <a:latin typeface="Arial"/>
+                <a:ea typeface="DejaVu Sans"/>
+              </a:rPr>
+              <a:t>Quantum Capstone</a:t>
+            </a:r>
+            <a:endParaRPr b="0" lang="en-US" sz="1400" spc="-1" strike="noStrike">
+              <a:latin typeface="Arial"/>
+            </a:endParaRPr>
+          </a:p>
+        </p:txBody>
+      </p:sp>
+      <p:sp>
+        <p:nvSpPr>
+          <p:cNvPr id="150" name="Line 12"/>
+          <p:cNvSpPr/>
+          <p:nvPr/>
+        </p:nvSpPr>
+        <p:spPr>
+          <a:xfrm>
+            <a:off x="1234800" y="1597680"/>
+            <a:ext cx="0" cy="236880"/>
+          </a:xfrm>
+          <a:prstGeom prst="line">
+            <a:avLst/>
+          </a:prstGeom>
+          <a:ln w="0">
+            <a:solidFill>
+              <a:srgbClr val="3465a4"/>
+            </a:solidFill>
+            <a:tailEnd len="med" type="triangle" w="med"/>
+          </a:ln>
+        </p:spPr>
+        <p:style>
+          <a:lnRef idx="0"/>
+          <a:fillRef idx="0"/>
+          <a:effectRef idx="0"/>
+          <a:fontRef idx="minor"/>
+        </p:style>
+      </p:sp>
+      <p:sp>
+        <p:nvSpPr>
+          <p:cNvPr id="151" name="Line 13"/>
+          <p:cNvSpPr/>
+          <p:nvPr/>
+        </p:nvSpPr>
+        <p:spPr>
+          <a:xfrm>
+            <a:off x="1234800" y="2101680"/>
+            <a:ext cx="0" cy="236880"/>
+          </a:xfrm>
+          <a:prstGeom prst="line">
+            <a:avLst/>
+          </a:prstGeom>
+          <a:ln w="0">
+            <a:solidFill>
+              <a:srgbClr val="3465a4"/>
+            </a:solidFill>
+            <a:tailEnd len="med" type="triangle" w="med"/>
+          </a:ln>
+        </p:spPr>
+        <p:style>
+          <a:lnRef idx="0"/>
+          <a:fillRef idx="0"/>
+          <a:effectRef idx="0"/>
+          <a:fontRef idx="minor"/>
+        </p:style>
+      </p:sp>
+      <p:sp>
+        <p:nvSpPr>
+          <p:cNvPr id="152" name="Line 14"/>
+          <p:cNvSpPr/>
+          <p:nvPr/>
+        </p:nvSpPr>
+        <p:spPr>
+          <a:xfrm>
+            <a:off x="1234800" y="2606040"/>
+            <a:ext cx="0" cy="236880"/>
+          </a:xfrm>
+          <a:prstGeom prst="line">
+            <a:avLst/>
+          </a:prstGeom>
+          <a:ln w="0">
+            <a:solidFill>
+              <a:srgbClr val="3465a4"/>
+            </a:solidFill>
+            <a:tailEnd len="med" type="triangle" w="med"/>
+          </a:ln>
+        </p:spPr>
+        <p:style>
+          <a:lnRef idx="0"/>
+          <a:fillRef idx="0"/>
+          <a:effectRef idx="0"/>
+          <a:fontRef idx="minor"/>
+        </p:style>
+      </p:sp>
+      <p:sp>
+        <p:nvSpPr>
+          <p:cNvPr id="153" name="Line 15"/>
+          <p:cNvSpPr/>
+          <p:nvPr/>
+        </p:nvSpPr>
+        <p:spPr>
+          <a:xfrm>
+            <a:off x="1234800" y="3124800"/>
+            <a:ext cx="0" cy="236880"/>
+          </a:xfrm>
+          <a:prstGeom prst="line">
+            <a:avLst/>
+          </a:prstGeom>
+          <a:ln w="0">
+            <a:solidFill>
+              <a:srgbClr val="3465a4"/>
+            </a:solidFill>
+            <a:tailEnd len="med" type="triangle" w="med"/>
+          </a:ln>
+        </p:spPr>
+        <p:style>
+          <a:lnRef idx="0"/>
+          <a:fillRef idx="0"/>
+          <a:effectRef idx="0"/>
+          <a:fontRef idx="minor"/>
+        </p:style>
+      </p:sp>
+      <p:sp>
+        <p:nvSpPr>
+          <p:cNvPr id="154" name="CustomShape 16"/>
+          <p:cNvSpPr/>
+          <p:nvPr/>
+        </p:nvSpPr>
+        <p:spPr>
+          <a:xfrm>
+            <a:off x="2876040" y="2331720"/>
+            <a:ext cx="3067200" cy="1554120"/>
+          </a:xfrm>
+          <a:prstGeom prst="rect">
+            <a:avLst/>
+          </a:prstGeom>
+          <a:noFill/>
+          <a:ln w="18360">
+            <a:solidFill>
+              <a:srgbClr val="0000ff"/>
+            </a:solidFill>
+            <a:round/>
+          </a:ln>
+        </p:spPr>
+        <p:style>
+          <a:lnRef idx="0"/>
+          <a:fillRef idx="0"/>
+          <a:effectRef idx="0"/>
+          <a:fontRef idx="minor"/>
+        </p:style>
+        <p:txBody>
+          <a:bodyPr lIns="99000" rIns="99000" tIns="54000" bIns="54000">
+            <a:noAutofit/>
+          </a:bodyPr>
+          <a:p>
+            <a:pPr algn="ctr">
+              <a:lnSpc>
+                <a:spcPct val="100000"/>
+              </a:lnSpc>
+            </a:pPr>
+            <a:r>
+              <a:rPr b="0" lang="en-US" sz="1400" spc="-1" strike="noStrike" u="sng">
+                <a:solidFill>
+                  <a:srgbClr val="0000ff"/>
+                </a:solidFill>
+                <a:uFillTx/>
+                <a:latin typeface="Arial"/>
+                <a:ea typeface="DejaVu Sans"/>
+              </a:rPr>
+              <a:t>Q-Sensing Labs</a:t>
             </a:r>
             <a:r>
               <a:rPr b="0" lang="en-US" sz="1400" spc="-1" strike="noStrike">
@@ -6220,7 +6906,7 @@
                 <a:latin typeface="Arial"/>
                 <a:ea typeface="DejaVu Sans"/>
               </a:rPr>
-              <a:t>Non-Classical Correlations</a:t>
+              <a:t>Quantum Magnetometry</a:t>
             </a:r>
             <a:endParaRPr b="0" lang="en-US" sz="1400" spc="-1" strike="noStrike">
               <a:latin typeface="Arial"/>
@@ -6245,7 +6931,7 @@
                 <a:latin typeface="Arial"/>
                 <a:ea typeface="DejaVu Sans"/>
               </a:rPr>
-              <a:t>Bell Inequality</a:t>
+              <a:t>Ghost Imaging</a:t>
             </a:r>
             <a:endParaRPr b="0" lang="en-US" sz="1400" spc="-1" strike="noStrike">
               <a:latin typeface="Arial"/>
@@ -6270,7 +6956,7 @@
                 <a:latin typeface="Arial"/>
                 <a:ea typeface="DejaVu Sans"/>
               </a:rPr>
-              <a:t>Wave Nature of Photons</a:t>
+              <a:t>Ghost Spectroscopy</a:t>
             </a:r>
             <a:endParaRPr b="0" lang="en-US" sz="1400" spc="-1" strike="noStrike">
               <a:latin typeface="Arial"/>
@@ -6295,7 +6981,7 @@
                 <a:latin typeface="Arial"/>
                 <a:ea typeface="DejaVu Sans"/>
               </a:rPr>
-              <a:t>Quantum Eraser</a:t>
+              <a:t>Non-Line-of-Sight Imaging</a:t>
             </a:r>
             <a:endParaRPr b="0" lang="en-US" sz="1400" spc="-1" strike="noStrike">
               <a:latin typeface="Arial"/>
@@ -6320,663 +7006,6 @@
                 <a:latin typeface="Arial"/>
                 <a:ea typeface="DejaVu Sans"/>
               </a:rPr>
-              <a:t>Two-photon Interference</a:t>
-            </a:r>
-            <a:endParaRPr b="0" lang="en-US" sz="1400" spc="-1" strike="noStrike">
-              <a:latin typeface="Arial"/>
-            </a:endParaRPr>
-          </a:p>
-          <a:p>
-            <a:pPr marL="216000" indent="-215640">
-              <a:lnSpc>
-                <a:spcPct val="100000"/>
-              </a:lnSpc>
-              <a:buClr>
-                <a:srgbClr val="0000ff"/>
-              </a:buClr>
-              <a:buFont typeface="StarSymbol"/>
-              <a:buAutoNum type="arabicParenR"/>
-            </a:pPr>
-            <a:r>
-              <a:rPr b="0" lang="en-US" sz="1400" spc="-1" strike="noStrike">
-                <a:solidFill>
-                  <a:srgbClr val="0000ff"/>
-                </a:solidFill>
-                <a:latin typeface="Arial"/>
-                <a:ea typeface="DejaVu Sans"/>
-              </a:rPr>
-              <a:t>Verification HOM 2-photon*</a:t>
-            </a:r>
-            <a:endParaRPr b="0" lang="en-US" sz="1400" spc="-1" strike="noStrike">
-              <a:latin typeface="Arial"/>
-            </a:endParaRPr>
-          </a:p>
-          <a:p>
-            <a:pPr marL="216000" indent="-215640">
-              <a:lnSpc>
-                <a:spcPct val="100000"/>
-              </a:lnSpc>
-              <a:buClr>
-                <a:srgbClr val="0000ff"/>
-              </a:buClr>
-              <a:buFont typeface="StarSymbol"/>
-              <a:buAutoNum type="arabicParenR"/>
-            </a:pPr>
-            <a:r>
-              <a:rPr b="0" lang="en-US" sz="1400" spc="-1" strike="noStrike">
-                <a:solidFill>
-                  <a:srgbClr val="0000ff"/>
-                </a:solidFill>
-                <a:latin typeface="Arial"/>
-                <a:ea typeface="DejaVu Sans"/>
-              </a:rPr>
-              <a:t>Particle Nature of Photons*</a:t>
-            </a:r>
-            <a:endParaRPr b="0" lang="en-US" sz="1400" spc="-1" strike="noStrike">
-              <a:latin typeface="Arial"/>
-            </a:endParaRPr>
-          </a:p>
-          <a:p>
-            <a:pPr marL="216000" indent="-215640">
-              <a:lnSpc>
-                <a:spcPct val="100000"/>
-              </a:lnSpc>
-              <a:buClr>
-                <a:srgbClr val="0000ff"/>
-              </a:buClr>
-              <a:buFont typeface="StarSymbol"/>
-              <a:buAutoNum type="arabicParenR"/>
-            </a:pPr>
-            <a:r>
-              <a:rPr b="0" lang="en-US" sz="1400" spc="-1" strike="noStrike">
-                <a:solidFill>
-                  <a:srgbClr val="0000ff"/>
-                </a:solidFill>
-                <a:latin typeface="Arial"/>
-                <a:ea typeface="DejaVu Sans"/>
-              </a:rPr>
-              <a:t>Wave-Particle Dualism*</a:t>
-            </a:r>
-            <a:endParaRPr b="0" lang="en-US" sz="1400" spc="-1" strike="noStrike">
-              <a:latin typeface="Arial"/>
-            </a:endParaRPr>
-          </a:p>
-          <a:p>
-            <a:pPr marL="216000" indent="-215640">
-              <a:lnSpc>
-                <a:spcPct val="100000"/>
-              </a:lnSpc>
-              <a:buClr>
-                <a:srgbClr val="0000ff"/>
-              </a:buClr>
-              <a:buFont typeface="StarSymbol"/>
-              <a:buAutoNum type="arabicParenR"/>
-            </a:pPr>
-            <a:r>
-              <a:rPr b="0" lang="en-US" sz="1400" spc="-1" strike="noStrike">
-                <a:solidFill>
-                  <a:srgbClr val="0000ff"/>
-                </a:solidFill>
-                <a:latin typeface="Arial"/>
-                <a:ea typeface="DejaVu Sans"/>
-              </a:rPr>
-              <a:t>* </a:t>
-            </a:r>
-            <a:r>
-              <a:rPr b="0" lang="en-US" sz="1200" spc="-1" strike="noStrike">
-                <a:solidFill>
-                  <a:srgbClr val="0000ff"/>
-                </a:solidFill>
-                <a:latin typeface="Arial"/>
-                <a:ea typeface="DejaVu Sans"/>
-              </a:rPr>
-              <a:t>Requires quED-HBT module</a:t>
-            </a:r>
-            <a:endParaRPr b="0" lang="en-US" sz="1200" spc="-1" strike="noStrike">
-              <a:latin typeface="Arial"/>
-            </a:endParaRPr>
-          </a:p>
-        </p:txBody>
-      </p:sp>
-      <p:sp>
-        <p:nvSpPr>
-          <p:cNvPr id="145" name="Line 7"/>
-          <p:cNvSpPr/>
-          <p:nvPr/>
-        </p:nvSpPr>
-        <p:spPr>
-          <a:xfrm flipV="1">
-            <a:off x="2196720" y="914400"/>
-            <a:ext cx="3975480" cy="27360"/>
-          </a:xfrm>
-          <a:prstGeom prst="line">
-            <a:avLst/>
-          </a:prstGeom>
-          <a:ln w="0">
-            <a:solidFill>
-              <a:srgbClr val="3465a4"/>
-            </a:solidFill>
-            <a:headEnd len="med" type="triangle" w="med"/>
-            <a:tailEnd len="med" type="triangle" w="med"/>
-          </a:ln>
-        </p:spPr>
-        <p:style>
-          <a:lnRef idx="0"/>
-          <a:fillRef idx="0"/>
-          <a:effectRef idx="0"/>
-          <a:fontRef idx="minor"/>
-        </p:style>
-      </p:sp>
-      <p:sp>
-        <p:nvSpPr>
-          <p:cNvPr id="146" name="CustomShape 8"/>
-          <p:cNvSpPr/>
-          <p:nvPr/>
-        </p:nvSpPr>
-        <p:spPr>
-          <a:xfrm>
-            <a:off x="332280" y="1836000"/>
-            <a:ext cx="1846800" cy="268920"/>
-          </a:xfrm>
-          <a:prstGeom prst="rect">
-            <a:avLst/>
-          </a:prstGeom>
-          <a:noFill/>
-          <a:ln w="18360">
-            <a:solidFill>
-              <a:srgbClr val="000000"/>
-            </a:solidFill>
-            <a:round/>
-          </a:ln>
-        </p:spPr>
-        <p:style>
-          <a:lnRef idx="0"/>
-          <a:fillRef idx="0"/>
-          <a:effectRef idx="0"/>
-          <a:fontRef idx="minor"/>
-        </p:style>
-        <p:txBody>
-          <a:bodyPr lIns="99000" rIns="99000" tIns="54000" bIns="54000">
-            <a:noAutofit/>
-          </a:bodyPr>
-          <a:p>
-            <a:pPr algn="ctr">
-              <a:lnSpc>
-                <a:spcPct val="100000"/>
-              </a:lnSpc>
-            </a:pPr>
-            <a:r>
-              <a:rPr b="0" lang="en-US" sz="1400" spc="-1" strike="noStrike">
-                <a:solidFill>
-                  <a:srgbClr val="000000"/>
-                </a:solidFill>
-                <a:latin typeface="Arial"/>
-                <a:ea typeface="DejaVu Sans"/>
-              </a:rPr>
-              <a:t>Quant Algos (ML)</a:t>
-            </a:r>
-            <a:endParaRPr b="0" lang="en-US" sz="1400" spc="-1" strike="noStrike">
-              <a:latin typeface="Arial"/>
-            </a:endParaRPr>
-          </a:p>
-        </p:txBody>
-      </p:sp>
-      <p:sp>
-        <p:nvSpPr>
-          <p:cNvPr id="147" name="CustomShape 9"/>
-          <p:cNvSpPr/>
-          <p:nvPr/>
-        </p:nvSpPr>
-        <p:spPr>
-          <a:xfrm>
-            <a:off x="332280" y="2340000"/>
-            <a:ext cx="1846800" cy="268920"/>
-          </a:xfrm>
-          <a:prstGeom prst="rect">
-            <a:avLst/>
-          </a:prstGeom>
-          <a:noFill/>
-          <a:ln w="18360">
-            <a:solidFill>
-              <a:srgbClr val="000000"/>
-            </a:solidFill>
-            <a:round/>
-          </a:ln>
-        </p:spPr>
-        <p:style>
-          <a:lnRef idx="0"/>
-          <a:fillRef idx="0"/>
-          <a:effectRef idx="0"/>
-          <a:fontRef idx="minor"/>
-        </p:style>
-        <p:txBody>
-          <a:bodyPr lIns="99000" rIns="99000" tIns="54000" bIns="54000">
-            <a:noAutofit/>
-          </a:bodyPr>
-          <a:p>
-            <a:pPr algn="ctr">
-              <a:lnSpc>
-                <a:spcPct val="100000"/>
-              </a:lnSpc>
-            </a:pPr>
-            <a:r>
-              <a:rPr b="0" lang="en-US" sz="1400" spc="-1" strike="noStrike">
-                <a:solidFill>
-                  <a:srgbClr val="000000"/>
-                </a:solidFill>
-                <a:latin typeface="Arial"/>
-                <a:ea typeface="DejaVu Sans"/>
-              </a:rPr>
-              <a:t>Applied Q (Sensing)</a:t>
-            </a:r>
-            <a:endParaRPr b="0" lang="en-US" sz="1400" spc="-1" strike="noStrike">
-              <a:latin typeface="Arial"/>
-            </a:endParaRPr>
-          </a:p>
-        </p:txBody>
-      </p:sp>
-      <p:sp>
-        <p:nvSpPr>
-          <p:cNvPr id="148" name="CustomShape 10"/>
-          <p:cNvSpPr/>
-          <p:nvPr/>
-        </p:nvSpPr>
-        <p:spPr>
-          <a:xfrm>
-            <a:off x="332280" y="2856240"/>
-            <a:ext cx="1846800" cy="268920"/>
-          </a:xfrm>
-          <a:prstGeom prst="rect">
-            <a:avLst/>
-          </a:prstGeom>
-          <a:noFill/>
-          <a:ln w="18360">
-            <a:solidFill>
-              <a:srgbClr val="000000"/>
-            </a:solidFill>
-            <a:round/>
-          </a:ln>
-        </p:spPr>
-        <p:style>
-          <a:lnRef idx="0"/>
-          <a:fillRef idx="0"/>
-          <a:effectRef idx="0"/>
-          <a:fontRef idx="minor"/>
-        </p:style>
-        <p:txBody>
-          <a:bodyPr lIns="99000" rIns="99000" tIns="54000" bIns="54000">
-            <a:noAutofit/>
-          </a:bodyPr>
-          <a:p>
-            <a:pPr algn="ctr">
-              <a:lnSpc>
-                <a:spcPct val="100000"/>
-              </a:lnSpc>
-            </a:pPr>
-            <a:r>
-              <a:rPr b="0" lang="en-US" sz="1400" spc="-1" strike="noStrike">
-                <a:solidFill>
-                  <a:srgbClr val="000000"/>
-                </a:solidFill>
-                <a:latin typeface="Arial"/>
-                <a:ea typeface="DejaVu Sans"/>
-              </a:rPr>
-              <a:t>Quantum Crypto</a:t>
-            </a:r>
-            <a:endParaRPr b="0" lang="en-US" sz="1400" spc="-1" strike="noStrike">
-              <a:latin typeface="Arial"/>
-            </a:endParaRPr>
-          </a:p>
-        </p:txBody>
-      </p:sp>
-      <p:sp>
-        <p:nvSpPr>
-          <p:cNvPr id="149" name="CustomShape 11"/>
-          <p:cNvSpPr/>
-          <p:nvPr/>
-        </p:nvSpPr>
-        <p:spPr>
-          <a:xfrm>
-            <a:off x="332280" y="3361680"/>
-            <a:ext cx="1846800" cy="268920"/>
-          </a:xfrm>
-          <a:prstGeom prst="rect">
-            <a:avLst/>
-          </a:prstGeom>
-          <a:noFill/>
-          <a:ln w="18360">
-            <a:solidFill>
-              <a:srgbClr val="000000"/>
-            </a:solidFill>
-            <a:round/>
-          </a:ln>
-        </p:spPr>
-        <p:style>
-          <a:lnRef idx="0"/>
-          <a:fillRef idx="0"/>
-          <a:effectRef idx="0"/>
-          <a:fontRef idx="minor"/>
-        </p:style>
-        <p:txBody>
-          <a:bodyPr lIns="99000" rIns="99000" tIns="54000" bIns="54000">
-            <a:noAutofit/>
-          </a:bodyPr>
-          <a:p>
-            <a:pPr algn="ctr">
-              <a:lnSpc>
-                <a:spcPct val="100000"/>
-              </a:lnSpc>
-            </a:pPr>
-            <a:r>
-              <a:rPr b="0" lang="en-US" sz="1400" spc="-1" strike="noStrike">
-                <a:solidFill>
-                  <a:srgbClr val="000000"/>
-                </a:solidFill>
-                <a:latin typeface="Arial"/>
-                <a:ea typeface="DejaVu Sans"/>
-              </a:rPr>
-              <a:t>Quantum Capstone</a:t>
-            </a:r>
-            <a:endParaRPr b="0" lang="en-US" sz="1400" spc="-1" strike="noStrike">
-              <a:latin typeface="Arial"/>
-            </a:endParaRPr>
-          </a:p>
-        </p:txBody>
-      </p:sp>
-      <p:sp>
-        <p:nvSpPr>
-          <p:cNvPr id="150" name="Line 12"/>
-          <p:cNvSpPr/>
-          <p:nvPr/>
-        </p:nvSpPr>
-        <p:spPr>
-          <a:xfrm>
-            <a:off x="1234800" y="1597680"/>
-            <a:ext cx="0" cy="236880"/>
-          </a:xfrm>
-          <a:prstGeom prst="line">
-            <a:avLst/>
-          </a:prstGeom>
-          <a:ln w="0">
-            <a:solidFill>
-              <a:srgbClr val="3465a4"/>
-            </a:solidFill>
-            <a:tailEnd len="med" type="triangle" w="med"/>
-          </a:ln>
-        </p:spPr>
-        <p:style>
-          <a:lnRef idx="0"/>
-          <a:fillRef idx="0"/>
-          <a:effectRef idx="0"/>
-          <a:fontRef idx="minor"/>
-        </p:style>
-      </p:sp>
-      <p:sp>
-        <p:nvSpPr>
-          <p:cNvPr id="151" name="Line 13"/>
-          <p:cNvSpPr/>
-          <p:nvPr/>
-        </p:nvSpPr>
-        <p:spPr>
-          <a:xfrm>
-            <a:off x="1234800" y="2101680"/>
-            <a:ext cx="0" cy="236880"/>
-          </a:xfrm>
-          <a:prstGeom prst="line">
-            <a:avLst/>
-          </a:prstGeom>
-          <a:ln w="0">
-            <a:solidFill>
-              <a:srgbClr val="3465a4"/>
-            </a:solidFill>
-            <a:tailEnd len="med" type="triangle" w="med"/>
-          </a:ln>
-        </p:spPr>
-        <p:style>
-          <a:lnRef idx="0"/>
-          <a:fillRef idx="0"/>
-          <a:effectRef idx="0"/>
-          <a:fontRef idx="minor"/>
-        </p:style>
-      </p:sp>
-      <p:sp>
-        <p:nvSpPr>
-          <p:cNvPr id="152" name="Line 14"/>
-          <p:cNvSpPr/>
-          <p:nvPr/>
-        </p:nvSpPr>
-        <p:spPr>
-          <a:xfrm>
-            <a:off x="1234800" y="2606040"/>
-            <a:ext cx="0" cy="236880"/>
-          </a:xfrm>
-          <a:prstGeom prst="line">
-            <a:avLst/>
-          </a:prstGeom>
-          <a:ln w="0">
-            <a:solidFill>
-              <a:srgbClr val="3465a4"/>
-            </a:solidFill>
-            <a:tailEnd len="med" type="triangle" w="med"/>
-          </a:ln>
-        </p:spPr>
-        <p:style>
-          <a:lnRef idx="0"/>
-          <a:fillRef idx="0"/>
-          <a:effectRef idx="0"/>
-          <a:fontRef idx="minor"/>
-        </p:style>
-      </p:sp>
-      <p:sp>
-        <p:nvSpPr>
-          <p:cNvPr id="153" name="Line 15"/>
-          <p:cNvSpPr/>
-          <p:nvPr/>
-        </p:nvSpPr>
-        <p:spPr>
-          <a:xfrm>
-            <a:off x="1234800" y="3124800"/>
-            <a:ext cx="0" cy="236880"/>
-          </a:xfrm>
-          <a:prstGeom prst="line">
-            <a:avLst/>
-          </a:prstGeom>
-          <a:ln w="0">
-            <a:solidFill>
-              <a:srgbClr val="3465a4"/>
-            </a:solidFill>
-            <a:tailEnd len="med" type="triangle" w="med"/>
-          </a:ln>
-        </p:spPr>
-        <p:style>
-          <a:lnRef idx="0"/>
-          <a:fillRef idx="0"/>
-          <a:effectRef idx="0"/>
-          <a:fontRef idx="minor"/>
-        </p:style>
-      </p:sp>
-      <p:sp>
-        <p:nvSpPr>
-          <p:cNvPr id="154" name="CustomShape 16"/>
-          <p:cNvSpPr/>
-          <p:nvPr/>
-        </p:nvSpPr>
-        <p:spPr>
-          <a:xfrm>
-            <a:off x="2876040" y="2331720"/>
-            <a:ext cx="3067560" cy="1554480"/>
-          </a:xfrm>
-          <a:prstGeom prst="rect">
-            <a:avLst/>
-          </a:prstGeom>
-          <a:noFill/>
-          <a:ln w="18360">
-            <a:solidFill>
-              <a:srgbClr val="0000ff"/>
-            </a:solidFill>
-            <a:round/>
-          </a:ln>
-        </p:spPr>
-        <p:style>
-          <a:lnRef idx="0"/>
-          <a:fillRef idx="0"/>
-          <a:effectRef idx="0"/>
-          <a:fontRef idx="minor"/>
-        </p:style>
-        <p:txBody>
-          <a:bodyPr lIns="99000" rIns="99000" tIns="54000" bIns="54000">
-            <a:noAutofit/>
-          </a:bodyPr>
-          <a:p>
-            <a:pPr algn="ctr">
-              <a:lnSpc>
-                <a:spcPct val="100000"/>
-              </a:lnSpc>
-            </a:pPr>
-            <a:r>
-              <a:rPr b="0" lang="en-US" sz="1400" spc="-1" strike="noStrike" u="sng">
-                <a:solidFill>
-                  <a:srgbClr val="0000ff"/>
-                </a:solidFill>
-                <a:uFillTx/>
-                <a:latin typeface="Arial"/>
-                <a:ea typeface="DejaVu Sans"/>
-              </a:rPr>
-              <a:t>Q-Sensing Labs</a:t>
-            </a:r>
-            <a:r>
-              <a:rPr b="0" lang="en-US" sz="1400" spc="-1" strike="noStrike">
-                <a:solidFill>
-                  <a:srgbClr val="0000ff"/>
-                </a:solidFill>
-                <a:latin typeface="Arial"/>
-                <a:ea typeface="DejaVu Sans"/>
-              </a:rPr>
-              <a:t>:</a:t>
-            </a:r>
-            <a:endParaRPr b="0" lang="en-US" sz="1400" spc="-1" strike="noStrike">
-              <a:latin typeface="Arial"/>
-            </a:endParaRPr>
-          </a:p>
-          <a:p>
-            <a:pPr marL="216000" indent="-216000">
-              <a:lnSpc>
-                <a:spcPct val="100000"/>
-              </a:lnSpc>
-              <a:buClr>
-                <a:srgbClr val="0000ff"/>
-              </a:buClr>
-              <a:buFont typeface="StarSymbol"/>
-              <a:buAutoNum type="arabicParenR"/>
-            </a:pPr>
-            <a:r>
-              <a:rPr b="0" lang="en-US" sz="1400" spc="-1" strike="noStrike">
-                <a:solidFill>
-                  <a:srgbClr val="0000ff"/>
-                </a:solidFill>
-                <a:latin typeface="Arial"/>
-                <a:ea typeface="DejaVu Sans"/>
-              </a:rPr>
-              <a:t>Quantum Magnetometry</a:t>
-            </a:r>
-            <a:endParaRPr b="0" lang="en-US" sz="1400" spc="-1" strike="noStrike">
-              <a:latin typeface="Arial"/>
-            </a:endParaRPr>
-          </a:p>
-          <a:p>
-            <a:pPr marL="216000" indent="-216000">
-              <a:lnSpc>
-                <a:spcPct val="100000"/>
-              </a:lnSpc>
-              <a:buClr>
-                <a:srgbClr val="0000ff"/>
-              </a:buClr>
-              <a:buFont typeface="StarSymbol"/>
-              <a:buAutoNum type="arabicParenR"/>
-            </a:pPr>
-            <a:r>
-              <a:rPr b="0" lang="en-US" sz="1400" spc="-1" strike="noStrike">
-                <a:solidFill>
-                  <a:srgbClr val="0000ff"/>
-                </a:solidFill>
-                <a:latin typeface="Arial"/>
-                <a:ea typeface="DejaVu Sans"/>
-              </a:rPr>
-              <a:t>Ghost Imaging</a:t>
-            </a:r>
-            <a:endParaRPr b="0" lang="en-US" sz="1400" spc="-1" strike="noStrike">
-              <a:latin typeface="Arial"/>
-            </a:endParaRPr>
-          </a:p>
-          <a:p>
-            <a:pPr marL="216000" indent="-216000">
-              <a:lnSpc>
-                <a:spcPct val="100000"/>
-              </a:lnSpc>
-              <a:buClr>
-                <a:srgbClr val="0000ff"/>
-              </a:buClr>
-              <a:buFont typeface="StarSymbol"/>
-              <a:buAutoNum type="arabicParenR"/>
-            </a:pPr>
-            <a:r>
-              <a:rPr b="0" lang="en-US" sz="1400" spc="-1" strike="noStrike">
-                <a:solidFill>
-                  <a:srgbClr val="0000ff"/>
-                </a:solidFill>
-                <a:latin typeface="Arial"/>
-                <a:ea typeface="DejaVu Sans"/>
-              </a:rPr>
-              <a:t>Ghost Spectroscopy</a:t>
-            </a:r>
-            <a:endParaRPr b="0" lang="en-US" sz="1400" spc="-1" strike="noStrike">
-              <a:latin typeface="Arial"/>
-            </a:endParaRPr>
-          </a:p>
-          <a:p>
-            <a:pPr marL="216000" indent="-216000">
-              <a:lnSpc>
-                <a:spcPct val="100000"/>
-              </a:lnSpc>
-              <a:buClr>
-                <a:srgbClr val="0000ff"/>
-              </a:buClr>
-              <a:buFont typeface="StarSymbol"/>
-              <a:buAutoNum type="arabicParenR"/>
-            </a:pPr>
-            <a:r>
-              <a:rPr b="0" lang="en-US" sz="1400" spc="-1" strike="noStrike">
-                <a:solidFill>
-                  <a:srgbClr val="0000ff"/>
-                </a:solidFill>
-                <a:latin typeface="Arial"/>
-                <a:ea typeface="DejaVu Sans"/>
-              </a:rPr>
-              <a:t>Non-Line-of-Sight Imaging</a:t>
-            </a:r>
-            <a:endParaRPr b="0" lang="en-US" sz="1400" spc="-1" strike="noStrike">
-              <a:latin typeface="Arial"/>
-            </a:endParaRPr>
-          </a:p>
-          <a:p>
-            <a:pPr marL="216000" indent="-216000">
-              <a:lnSpc>
-                <a:spcPct val="100000"/>
-              </a:lnSpc>
-              <a:buClr>
-                <a:srgbClr val="0000ff"/>
-              </a:buClr>
-              <a:buFont typeface="StarSymbol"/>
-              <a:buAutoNum type="arabicParenR"/>
-            </a:pPr>
-            <a:r>
-              <a:rPr b="0" lang="en-US" sz="1400" spc="-1" strike="noStrike">
-                <a:solidFill>
-                  <a:srgbClr val="0000ff"/>
-                </a:solidFill>
-                <a:latin typeface="Arial"/>
-                <a:ea typeface="DejaVu Sans"/>
-              </a:rPr>
               <a:t>Quantum Squeezing</a:t>
             </a:r>
             <a:endParaRPr b="0" lang="en-US" sz="1400" spc="-1" strike="noStrike">
@@ -6984,7 +7013,7 @@
             </a:endParaRPr>
           </a:p>
           <a:p>
-            <a:pPr marL="216000" indent="-216000">
+            <a:pPr marL="216000" indent="-215640">
               <a:lnSpc>
                 <a:spcPct val="100000"/>
               </a:lnSpc>

--- a/quantum-courses/quantum-course-blocks.pptx
+++ b/quantum-courses/quantum-course-blocks.pptx
@@ -2773,31 +2773,7 @@
               <a:rPr b="0" lang="en-US" sz="4400" spc="-1" strike="noStrike">
                 <a:latin typeface="Arial"/>
               </a:rPr>
-              <a:t>Click to </a:t>
-            </a:r>
-            <a:r>
-              <a:rPr b="0" lang="en-US" sz="4400" spc="-1" strike="noStrike">
-                <a:latin typeface="Arial"/>
-              </a:rPr>
-              <a:t>edit the </a:t>
-            </a:r>
-            <a:r>
-              <a:rPr b="0" lang="en-US" sz="4400" spc="-1" strike="noStrike">
-                <a:latin typeface="Arial"/>
-              </a:rPr>
-              <a:t>title </a:t>
-            </a:r>
-            <a:r>
-              <a:rPr b="0" lang="en-US" sz="4400" spc="-1" strike="noStrike">
-                <a:latin typeface="Arial"/>
-              </a:rPr>
-              <a:t>text </a:t>
-            </a:r>
-            <a:r>
-              <a:rPr b="0" lang="en-US" sz="4400" spc="-1" strike="noStrike">
-                <a:latin typeface="Arial"/>
-              </a:rPr>
-              <a:t>format</a:t>
+              <a:t>Click to edit the title text format</a:t>
             </a:r>
             <a:endParaRPr b="0" lang="en-US" sz="4400" spc="-1" strike="noStrike">
               <a:latin typeface="Arial"/>
@@ -3050,31 +3026,7 @@
               <a:rPr b="0" lang="en-US" sz="4400" spc="-1" strike="noStrike">
                 <a:latin typeface="Arial"/>
               </a:rPr>
-              <a:t>Click to </a:t>
-            </a:r>
-            <a:r>
-              <a:rPr b="0" lang="en-US" sz="4400" spc="-1" strike="noStrike">
-                <a:latin typeface="Arial"/>
-              </a:rPr>
-              <a:t>edit the </a:t>
-            </a:r>
-            <a:r>
-              <a:rPr b="0" lang="en-US" sz="4400" spc="-1" strike="noStrike">
-                <a:latin typeface="Arial"/>
-              </a:rPr>
-              <a:t>title </a:t>
-            </a:r>
-            <a:r>
-              <a:rPr b="0" lang="en-US" sz="4400" spc="-1" strike="noStrike">
-                <a:latin typeface="Arial"/>
-              </a:rPr>
-              <a:t>text </a:t>
-            </a:r>
-            <a:r>
-              <a:rPr b="0" lang="en-US" sz="4400" spc="-1" strike="noStrike">
-                <a:latin typeface="Arial"/>
-              </a:rPr>
-              <a:t>format</a:t>
+              <a:t>Click to edit the title text format</a:t>
             </a:r>
             <a:endParaRPr b="0" lang="en-US" sz="4400" spc="-1" strike="noStrike">
               <a:latin typeface="Arial"/>
@@ -3307,7 +3259,7 @@
         <p:spPr>
           <a:xfrm>
             <a:off x="0" y="0"/>
-            <a:ext cx="4524120" cy="311760"/>
+            <a:ext cx="4523760" cy="311400"/>
           </a:xfrm>
           <a:prstGeom prst="rect">
             <a:avLst/>
@@ -3358,7 +3310,7 @@
         <p:spPr>
           <a:xfrm>
             <a:off x="3483000" y="986400"/>
-            <a:ext cx="2056320" cy="363240"/>
+            <a:ext cx="2055960" cy="362880"/>
           </a:xfrm>
           <a:prstGeom prst="rect">
             <a:avLst/>
@@ -3412,7 +3364,7 @@
         <p:spPr>
           <a:xfrm>
             <a:off x="3483000" y="1672200"/>
-            <a:ext cx="2056320" cy="363240"/>
+            <a:ext cx="2055960" cy="362880"/>
           </a:xfrm>
           <a:prstGeom prst="rect">
             <a:avLst/>
@@ -3466,7 +3418,7 @@
         <p:spPr>
           <a:xfrm>
             <a:off x="685800" y="3078000"/>
-            <a:ext cx="2056320" cy="363240"/>
+            <a:ext cx="2055960" cy="362880"/>
           </a:xfrm>
           <a:prstGeom prst="rect">
             <a:avLst/>
@@ -3520,7 +3472,7 @@
         <p:spPr>
           <a:xfrm>
             <a:off x="685800" y="3763800"/>
-            <a:ext cx="2056320" cy="363240"/>
+            <a:ext cx="2055960" cy="362880"/>
           </a:xfrm>
           <a:prstGeom prst="rect">
             <a:avLst/>
@@ -3574,7 +3526,7 @@
         <p:spPr>
           <a:xfrm>
             <a:off x="685800" y="4449600"/>
-            <a:ext cx="2056320" cy="363240"/>
+            <a:ext cx="2055960" cy="362880"/>
           </a:xfrm>
           <a:prstGeom prst="rect">
             <a:avLst/>
@@ -3628,7 +3580,7 @@
         <p:spPr>
           <a:xfrm>
             <a:off x="4770000" y="3054600"/>
-            <a:ext cx="2056320" cy="363240"/>
+            <a:ext cx="2055960" cy="362880"/>
           </a:xfrm>
           <a:prstGeom prst="rect">
             <a:avLst/>
@@ -3682,7 +3634,7 @@
         <p:spPr>
           <a:xfrm>
             <a:off x="4770000" y="3740400"/>
-            <a:ext cx="2056320" cy="363240"/>
+            <a:ext cx="2055960" cy="362880"/>
           </a:xfrm>
           <a:prstGeom prst="rect">
             <a:avLst/>
@@ -3736,7 +3688,7 @@
         <p:spPr>
           <a:xfrm>
             <a:off x="685800" y="5135400"/>
-            <a:ext cx="2056320" cy="363240"/>
+            <a:ext cx="2055960" cy="362880"/>
           </a:xfrm>
           <a:prstGeom prst="rect">
             <a:avLst/>
@@ -3818,7 +3770,7 @@
         <p:spPr>
           <a:xfrm>
             <a:off x="3254400" y="819000"/>
-            <a:ext cx="2513520" cy="1370520"/>
+            <a:ext cx="2513160" cy="1370160"/>
           </a:xfrm>
           <a:prstGeom prst="rect">
             <a:avLst/>
@@ -3850,7 +3802,7 @@
         <p:spPr>
           <a:xfrm>
             <a:off x="3146400" y="433800"/>
-            <a:ext cx="2752200" cy="345240"/>
+            <a:ext cx="2751840" cy="344880"/>
           </a:xfrm>
           <a:prstGeom prst="rect">
             <a:avLst/>
@@ -3957,7 +3909,7 @@
         <p:spPr>
           <a:xfrm>
             <a:off x="457200" y="2957400"/>
-            <a:ext cx="2513520" cy="2670120"/>
+            <a:ext cx="2513160" cy="2669760"/>
           </a:xfrm>
           <a:prstGeom prst="rect">
             <a:avLst/>
@@ -3989,7 +3941,7 @@
         <p:spPr>
           <a:xfrm>
             <a:off x="95760" y="2590560"/>
-            <a:ext cx="3157560" cy="345240"/>
+            <a:ext cx="3157200" cy="344880"/>
           </a:xfrm>
           <a:prstGeom prst="rect">
             <a:avLst/>
@@ -4068,7 +4020,7 @@
         <p:spPr>
           <a:xfrm>
             <a:off x="4770360" y="4460400"/>
-            <a:ext cx="2056320" cy="363240"/>
+            <a:ext cx="2055960" cy="362880"/>
           </a:xfrm>
           <a:prstGeom prst="rect">
             <a:avLst/>
@@ -4122,7 +4074,7 @@
         <p:spPr>
           <a:xfrm>
             <a:off x="4770720" y="5144400"/>
-            <a:ext cx="2056320" cy="363240"/>
+            <a:ext cx="2055960" cy="362880"/>
           </a:xfrm>
           <a:prstGeom prst="rect">
             <a:avLst/>
@@ -4316,7 +4268,7 @@
         <p:spPr>
           <a:xfrm>
             <a:off x="4525200" y="2962440"/>
-            <a:ext cx="2513520" cy="2670120"/>
+            <a:ext cx="2513160" cy="2669760"/>
           </a:xfrm>
           <a:prstGeom prst="rect">
             <a:avLst/>
@@ -4348,7 +4300,7 @@
         <p:spPr>
           <a:xfrm>
             <a:off x="4415760" y="2595600"/>
-            <a:ext cx="2814480" cy="345240"/>
+            <a:ext cx="2814120" cy="344880"/>
           </a:xfrm>
           <a:prstGeom prst="rect">
             <a:avLst/>
@@ -4399,7 +4351,7 @@
         <p:spPr>
           <a:xfrm>
             <a:off x="6363360" y="1670400"/>
-            <a:ext cx="2056320" cy="363240"/>
+            <a:ext cx="2055960" cy="362880"/>
           </a:xfrm>
           <a:prstGeom prst="rect">
             <a:avLst/>
@@ -4482,7 +4434,7 @@
         <p:spPr>
           <a:xfrm>
             <a:off x="7664400" y="3074400"/>
-            <a:ext cx="2056320" cy="363240"/>
+            <a:ext cx="2055960" cy="362880"/>
           </a:xfrm>
           <a:prstGeom prst="rect">
             <a:avLst/>
@@ -4565,7 +4517,7 @@
         <p:spPr>
           <a:xfrm>
             <a:off x="7664400" y="3758400"/>
-            <a:ext cx="2056320" cy="363240"/>
+            <a:ext cx="2055960" cy="362880"/>
           </a:xfrm>
           <a:prstGeom prst="rect">
             <a:avLst/>
@@ -4648,7 +4600,7 @@
         <p:spPr>
           <a:xfrm>
             <a:off x="7664400" y="4478400"/>
-            <a:ext cx="2056320" cy="363240"/>
+            <a:ext cx="2055960" cy="362880"/>
           </a:xfrm>
           <a:prstGeom prst="rect">
             <a:avLst/>
@@ -4731,7 +4683,7 @@
         <p:spPr>
           <a:xfrm>
             <a:off x="7664400" y="5162400"/>
-            <a:ext cx="2056320" cy="363240"/>
+            <a:ext cx="2055960" cy="362880"/>
           </a:xfrm>
           <a:prstGeom prst="rect">
             <a:avLst/>
@@ -4814,7 +4766,7 @@
         <p:spPr>
           <a:xfrm>
             <a:off x="6368400" y="950400"/>
-            <a:ext cx="2056320" cy="363240"/>
+            <a:ext cx="2055960" cy="362880"/>
           </a:xfrm>
           <a:prstGeom prst="rect">
             <a:avLst/>
@@ -4927,7 +4879,7 @@
         <p:spPr>
           <a:xfrm>
             <a:off x="457200" y="0"/>
-            <a:ext cx="9070560" cy="459000"/>
+            <a:ext cx="9070200" cy="458640"/>
           </a:xfrm>
           <a:prstGeom prst="rect">
             <a:avLst/>
@@ -4978,9 +4930,9 @@
         <p:grpSpPr>
           <a:xfrm>
             <a:off x="158400" y="675000"/>
-            <a:ext cx="4412880" cy="3102480"/>
+            <a:ext cx="4412520" cy="3102120"/>
             <a:chOff x="158400" y="675000"/>
-            <a:chExt cx="4412880" cy="3102480"/>
+            <a:chExt cx="4412520" cy="3102120"/>
           </a:xfrm>
         </p:grpSpPr>
         <p:sp>
@@ -4992,7 +4944,7 @@
           <p:spPr>
             <a:xfrm>
               <a:off x="332280" y="824760"/>
-              <a:ext cx="1846800" cy="268920"/>
+              <a:ext cx="1846440" cy="268560"/>
             </a:xfrm>
             <a:prstGeom prst="rect">
               <a:avLst/>
@@ -5046,7 +4998,7 @@
           <p:spPr>
             <a:xfrm>
               <a:off x="332280" y="1330560"/>
-              <a:ext cx="1846800" cy="268560"/>
+              <a:ext cx="1846440" cy="268200"/>
             </a:xfrm>
             <a:prstGeom prst="rect">
               <a:avLst/>
@@ -5100,7 +5052,7 @@
           <p:spPr>
             <a:xfrm>
               <a:off x="158400" y="675000"/>
-              <a:ext cx="2217240" cy="3102480"/>
+              <a:ext cx="2216880" cy="3102120"/>
             </a:xfrm>
             <a:prstGeom prst="rect">
               <a:avLst/>
@@ -5160,7 +5112,7 @@
           <p:spPr>
             <a:xfrm>
               <a:off x="2871000" y="1329120"/>
-              <a:ext cx="1695960" cy="267480"/>
+              <a:ext cx="1695600" cy="267120"/>
             </a:xfrm>
             <a:prstGeom prst="rect">
               <a:avLst/>
@@ -5243,7 +5195,7 @@
           <p:spPr>
             <a:xfrm>
               <a:off x="2875320" y="798480"/>
-              <a:ext cx="1695960" cy="267480"/>
+              <a:ext cx="1695600" cy="267120"/>
             </a:xfrm>
             <a:prstGeom prst="rect">
               <a:avLst/>
@@ -5326,7 +5278,7 @@
           <p:spPr>
             <a:xfrm>
               <a:off x="332280" y="1836000"/>
-              <a:ext cx="1846800" cy="268920"/>
+              <a:ext cx="1846440" cy="268560"/>
             </a:xfrm>
             <a:prstGeom prst="rect">
               <a:avLst/>
@@ -5380,7 +5332,7 @@
           <p:spPr>
             <a:xfrm>
               <a:off x="332280" y="2340000"/>
-              <a:ext cx="1846800" cy="268920"/>
+              <a:ext cx="1846440" cy="268560"/>
             </a:xfrm>
             <a:prstGeom prst="rect">
               <a:avLst/>
@@ -5434,7 +5386,7 @@
           <p:spPr>
             <a:xfrm>
               <a:off x="332280" y="2856240"/>
-              <a:ext cx="1846800" cy="268920"/>
+              <a:ext cx="1846440" cy="268560"/>
             </a:xfrm>
             <a:prstGeom prst="rect">
               <a:avLst/>
@@ -5488,7 +5440,7 @@
           <p:spPr>
             <a:xfrm>
               <a:off x="332280" y="3361680"/>
-              <a:ext cx="1846800" cy="268920"/>
+              <a:ext cx="1846440" cy="268560"/>
             </a:xfrm>
             <a:prstGeom prst="rect">
               <a:avLst/>
@@ -5654,7 +5606,7 @@
           <p:spPr>
             <a:xfrm>
               <a:off x="2859120" y="2856240"/>
-              <a:ext cx="1695960" cy="267480"/>
+              <a:ext cx="1695600" cy="267120"/>
             </a:xfrm>
             <a:prstGeom prst="rect">
               <a:avLst/>
@@ -5737,7 +5689,7 @@
           <p:spPr>
             <a:xfrm>
               <a:off x="2859120" y="2356920"/>
-              <a:ext cx="1695960" cy="267480"/>
+              <a:ext cx="1695600" cy="267120"/>
             </a:xfrm>
             <a:prstGeom prst="rect">
               <a:avLst/>
@@ -5820,7 +5772,7 @@
           <p:spPr>
             <a:xfrm>
               <a:off x="2874960" y="1833120"/>
-              <a:ext cx="1695960" cy="267480"/>
+              <a:ext cx="1695600" cy="267120"/>
             </a:xfrm>
             <a:prstGeom prst="rect">
               <a:avLst/>
@@ -5908,7 +5860,7 @@
         <p:spPr>
           <a:xfrm>
             <a:off x="4031280" y="3276360"/>
-            <a:ext cx="6048720" cy="2393640"/>
+            <a:ext cx="6048360" cy="2393280"/>
           </a:xfrm>
           <a:prstGeom prst="rect">
             <a:avLst/>
@@ -5957,7 +5909,7 @@
         <p:spPr>
           <a:xfrm>
             <a:off x="457200" y="0"/>
-            <a:ext cx="9070200" cy="458640"/>
+            <a:ext cx="9069840" cy="458280"/>
           </a:xfrm>
           <a:prstGeom prst="rect">
             <a:avLst/>
@@ -6008,7 +5960,7 @@
         <p:spPr>
           <a:xfrm>
             <a:off x="332280" y="824760"/>
-            <a:ext cx="1846440" cy="268560"/>
+            <a:ext cx="1846080" cy="268200"/>
           </a:xfrm>
           <a:prstGeom prst="rect">
             <a:avLst/>
@@ -6062,7 +6014,7 @@
         <p:spPr>
           <a:xfrm>
             <a:off x="332280" y="1330560"/>
-            <a:ext cx="1846440" cy="268200"/>
+            <a:ext cx="1846080" cy="267840"/>
           </a:xfrm>
           <a:prstGeom prst="rect">
             <a:avLst/>
@@ -6116,7 +6068,7 @@
         <p:spPr>
           <a:xfrm>
             <a:off x="158400" y="675000"/>
-            <a:ext cx="2216880" cy="3102120"/>
+            <a:ext cx="2216520" cy="3101760"/>
           </a:xfrm>
           <a:prstGeom prst="rect">
             <a:avLst/>
@@ -6176,7 +6128,7 @@
         <p:spPr>
           <a:xfrm>
             <a:off x="6172200" y="798480"/>
-            <a:ext cx="2610360" cy="2401560"/>
+            <a:ext cx="2610000" cy="2401200"/>
           </a:xfrm>
           <a:prstGeom prst="rect">
             <a:avLst/>
@@ -6231,7 +6183,7 @@
             </a:endParaRPr>
           </a:p>
           <a:p>
-            <a:pPr marL="216000" indent="-215280">
+            <a:pPr marL="216000" indent="-214920">
               <a:lnSpc>
                 <a:spcPct val="100000"/>
               </a:lnSpc>
@@ -6256,7 +6208,7 @@
             </a:endParaRPr>
           </a:p>
           <a:p>
-            <a:pPr marL="216000" indent="-215280">
+            <a:pPr marL="216000" indent="-214920">
               <a:lnSpc>
                 <a:spcPct val="100000"/>
               </a:lnSpc>
@@ -6281,7 +6233,7 @@
             </a:endParaRPr>
           </a:p>
           <a:p>
-            <a:pPr marL="216000" indent="-215280">
+            <a:pPr marL="216000" indent="-214920">
               <a:lnSpc>
                 <a:spcPct val="100000"/>
               </a:lnSpc>
@@ -6306,7 +6258,7 @@
             </a:endParaRPr>
           </a:p>
           <a:p>
-            <a:pPr marL="216000" indent="-215280">
+            <a:pPr marL="216000" indent="-214920">
               <a:lnSpc>
                 <a:spcPct val="100000"/>
               </a:lnSpc>
@@ -6331,7 +6283,7 @@
             </a:endParaRPr>
           </a:p>
           <a:p>
-            <a:pPr marL="216000" indent="-215280">
+            <a:pPr marL="216000" indent="-214920">
               <a:lnSpc>
                 <a:spcPct val="100000"/>
               </a:lnSpc>
@@ -6356,7 +6308,7 @@
             </a:endParaRPr>
           </a:p>
           <a:p>
-            <a:pPr marL="216000" indent="-215280">
+            <a:pPr marL="216000" indent="-214920">
               <a:lnSpc>
                 <a:spcPct val="100000"/>
               </a:lnSpc>
@@ -6381,7 +6333,7 @@
             </a:endParaRPr>
           </a:p>
           <a:p>
-            <a:pPr marL="216000" indent="-215280">
+            <a:pPr marL="216000" indent="-214920">
               <a:lnSpc>
                 <a:spcPct val="100000"/>
               </a:lnSpc>
@@ -6406,7 +6358,7 @@
             </a:endParaRPr>
           </a:p>
           <a:p>
-            <a:pPr marL="216000" indent="-215280">
+            <a:pPr marL="216000" indent="-214920">
               <a:lnSpc>
                 <a:spcPct val="100000"/>
               </a:lnSpc>
@@ -6431,7 +6383,7 @@
             </a:endParaRPr>
           </a:p>
           <a:p>
-            <a:pPr marL="216000" indent="-215280">
+            <a:pPr marL="216000" indent="-214920">
               <a:lnSpc>
                 <a:spcPct val="100000"/>
               </a:lnSpc>
@@ -6505,7 +6457,7 @@
         <p:spPr>
           <a:xfrm>
             <a:off x="332280" y="1836000"/>
-            <a:ext cx="1846440" cy="268560"/>
+            <a:ext cx="1846080" cy="268200"/>
           </a:xfrm>
           <a:prstGeom prst="rect">
             <a:avLst/>
@@ -6559,7 +6511,7 @@
         <p:spPr>
           <a:xfrm>
             <a:off x="332280" y="2340000"/>
-            <a:ext cx="1846440" cy="268560"/>
+            <a:ext cx="1846080" cy="268200"/>
           </a:xfrm>
           <a:prstGeom prst="rect">
             <a:avLst/>
@@ -6613,7 +6565,7 @@
         <p:spPr>
           <a:xfrm>
             <a:off x="332280" y="2856240"/>
-            <a:ext cx="1846440" cy="268560"/>
+            <a:ext cx="1846080" cy="268200"/>
           </a:xfrm>
           <a:prstGeom prst="rect">
             <a:avLst/>
@@ -6667,7 +6619,7 @@
         <p:spPr>
           <a:xfrm>
             <a:off x="332280" y="3361680"/>
-            <a:ext cx="1846440" cy="268560"/>
+            <a:ext cx="1846080" cy="268200"/>
           </a:xfrm>
           <a:prstGeom prst="rect">
             <a:avLst/>
@@ -6833,7 +6785,7 @@
         <p:spPr>
           <a:xfrm>
             <a:off x="2876040" y="2331720"/>
-            <a:ext cx="3067200" cy="1554120"/>
+            <a:ext cx="3066840" cy="1553760"/>
           </a:xfrm>
           <a:prstGeom prst="rect">
             <a:avLst/>
@@ -6888,7 +6840,7 @@
             </a:endParaRPr>
           </a:p>
           <a:p>
-            <a:pPr marL="216000" indent="-215640">
+            <a:pPr marL="216000" indent="-215280">
               <a:lnSpc>
                 <a:spcPct val="100000"/>
               </a:lnSpc>
@@ -6913,7 +6865,7 @@
             </a:endParaRPr>
           </a:p>
           <a:p>
-            <a:pPr marL="216000" indent="-215640">
+            <a:pPr marL="216000" indent="-215280">
               <a:lnSpc>
                 <a:spcPct val="100000"/>
               </a:lnSpc>
@@ -6938,7 +6890,7 @@
             </a:endParaRPr>
           </a:p>
           <a:p>
-            <a:pPr marL="216000" indent="-215640">
+            <a:pPr marL="216000" indent="-215280">
               <a:lnSpc>
                 <a:spcPct val="100000"/>
               </a:lnSpc>
@@ -6963,7 +6915,7 @@
             </a:endParaRPr>
           </a:p>
           <a:p>
-            <a:pPr marL="216000" indent="-215640">
+            <a:pPr marL="216000" indent="-215280">
               <a:lnSpc>
                 <a:spcPct val="100000"/>
               </a:lnSpc>
@@ -6988,7 +6940,7 @@
             </a:endParaRPr>
           </a:p>
           <a:p>
-            <a:pPr marL="216000" indent="-215640">
+            <a:pPr marL="216000" indent="-215280">
               <a:lnSpc>
                 <a:spcPct val="100000"/>
               </a:lnSpc>
@@ -7013,7 +6965,7 @@
             </a:endParaRPr>
           </a:p>
           <a:p>
-            <a:pPr marL="216000" indent="-215640">
+            <a:pPr marL="216000" indent="-215280">
               <a:lnSpc>
                 <a:spcPct val="100000"/>
               </a:lnSpc>

--- a/quantum-courses/quantum-course-blocks.pptx
+++ b/quantum-courses/quantum-course-blocks.pptx
@@ -1,22 +1,117 @@
 
 <file path=ppt/presentation.xml><?xml version="1.0" encoding="utf-8"?>
-<p:presentation xmlns:a="http://schemas.openxmlformats.org/drawingml/2006/main" xmlns:p="http://schemas.openxmlformats.org/presentationml/2006/main" xmlns:r="http://schemas.openxmlformats.org/officeDocument/2006/relationships" xmlns:p14="http://schemas.microsoft.com/office/powerpoint/2010/main" xmlns:p15="http://schemas.microsoft.com/office/powerpoint/2012/main" xmlns:mc="http://schemas.openxmlformats.org/markup-compatibility/2006">
+<p:presentation xmlns:a="http://schemas.openxmlformats.org/drawingml/2006/main" xmlns:r="http://schemas.openxmlformats.org/officeDocument/2006/relationships" xmlns:p="http://schemas.openxmlformats.org/presentationml/2006/main">
   <p:sldMasterIdLst>
-    <p:sldMasterId id="2147483648" r:id="rId2"/>
-    <p:sldMasterId id="2147483661" r:id="rId3"/>
+    <p:sldMasterId id="2147483648" r:id="rId1"/>
+    <p:sldMasterId id="2147483661" r:id="rId2"/>
   </p:sldMasterIdLst>
   <p:sldIdLst>
-    <p:sldId id="256" r:id="rId4"/>
-    <p:sldId id="257" r:id="rId5"/>
-    <p:sldId id="258" r:id="rId6"/>
+    <p:sldId id="256" r:id="rId3"/>
+    <p:sldId id="257" r:id="rId4"/>
+    <p:sldId id="258" r:id="rId5"/>
   </p:sldIdLst>
   <p:sldSz cx="10080625" cy="5670550"/>
-  <p:notesSz cx="7559675" cy="10691812"/>
+  <p:notesSz cx="7559675" cy="10691813"/>
+  <p:defaultTextStyle>
+    <a:defPPr>
+      <a:defRPr lang="en-US"/>
+    </a:defPPr>
+    <a:lvl1pPr marL="0" algn="l" defTabSz="914400" rtl="0" eaLnBrk="1" latinLnBrk="0" hangingPunct="1">
+      <a:defRPr sz="1800" kern="1200">
+        <a:solidFill>
+          <a:schemeClr val="tx1"/>
+        </a:solidFill>
+        <a:latin typeface="+mn-lt"/>
+        <a:ea typeface="+mn-ea"/>
+        <a:cs typeface="+mn-cs"/>
+      </a:defRPr>
+    </a:lvl1pPr>
+    <a:lvl2pPr marL="457200" algn="l" defTabSz="914400" rtl="0" eaLnBrk="1" latinLnBrk="0" hangingPunct="1">
+      <a:defRPr sz="1800" kern="1200">
+        <a:solidFill>
+          <a:schemeClr val="tx1"/>
+        </a:solidFill>
+        <a:latin typeface="+mn-lt"/>
+        <a:ea typeface="+mn-ea"/>
+        <a:cs typeface="+mn-cs"/>
+      </a:defRPr>
+    </a:lvl2pPr>
+    <a:lvl3pPr marL="914400" algn="l" defTabSz="914400" rtl="0" eaLnBrk="1" latinLnBrk="0" hangingPunct="1">
+      <a:defRPr sz="1800" kern="1200">
+        <a:solidFill>
+          <a:schemeClr val="tx1"/>
+        </a:solidFill>
+        <a:latin typeface="+mn-lt"/>
+        <a:ea typeface="+mn-ea"/>
+        <a:cs typeface="+mn-cs"/>
+      </a:defRPr>
+    </a:lvl3pPr>
+    <a:lvl4pPr marL="1371600" algn="l" defTabSz="914400" rtl="0" eaLnBrk="1" latinLnBrk="0" hangingPunct="1">
+      <a:defRPr sz="1800" kern="1200">
+        <a:solidFill>
+          <a:schemeClr val="tx1"/>
+        </a:solidFill>
+        <a:latin typeface="+mn-lt"/>
+        <a:ea typeface="+mn-ea"/>
+        <a:cs typeface="+mn-cs"/>
+      </a:defRPr>
+    </a:lvl4pPr>
+    <a:lvl5pPr marL="1828800" algn="l" defTabSz="914400" rtl="0" eaLnBrk="1" latinLnBrk="0" hangingPunct="1">
+      <a:defRPr sz="1800" kern="1200">
+        <a:solidFill>
+          <a:schemeClr val="tx1"/>
+        </a:solidFill>
+        <a:latin typeface="+mn-lt"/>
+        <a:ea typeface="+mn-ea"/>
+        <a:cs typeface="+mn-cs"/>
+      </a:defRPr>
+    </a:lvl5pPr>
+    <a:lvl6pPr marL="2286000" algn="l" defTabSz="914400" rtl="0" eaLnBrk="1" latinLnBrk="0" hangingPunct="1">
+      <a:defRPr sz="1800" kern="1200">
+        <a:solidFill>
+          <a:schemeClr val="tx1"/>
+        </a:solidFill>
+        <a:latin typeface="+mn-lt"/>
+        <a:ea typeface="+mn-ea"/>
+        <a:cs typeface="+mn-cs"/>
+      </a:defRPr>
+    </a:lvl6pPr>
+    <a:lvl7pPr marL="2743200" algn="l" defTabSz="914400" rtl="0" eaLnBrk="1" latinLnBrk="0" hangingPunct="1">
+      <a:defRPr sz="1800" kern="1200">
+        <a:solidFill>
+          <a:schemeClr val="tx1"/>
+        </a:solidFill>
+        <a:latin typeface="+mn-lt"/>
+        <a:ea typeface="+mn-ea"/>
+        <a:cs typeface="+mn-cs"/>
+      </a:defRPr>
+    </a:lvl7pPr>
+    <a:lvl8pPr marL="3200400" algn="l" defTabSz="914400" rtl="0" eaLnBrk="1" latinLnBrk="0" hangingPunct="1">
+      <a:defRPr sz="1800" kern="1200">
+        <a:solidFill>
+          <a:schemeClr val="tx1"/>
+        </a:solidFill>
+        <a:latin typeface="+mn-lt"/>
+        <a:ea typeface="+mn-ea"/>
+        <a:cs typeface="+mn-cs"/>
+      </a:defRPr>
+    </a:lvl8pPr>
+    <a:lvl9pPr marL="3657600" algn="l" defTabSz="914400" rtl="0" eaLnBrk="1" latinLnBrk="0" hangingPunct="1">
+      <a:defRPr sz="1800" kern="1200">
+        <a:solidFill>
+          <a:schemeClr val="tx1"/>
+        </a:solidFill>
+        <a:latin typeface="+mn-lt"/>
+        <a:ea typeface="+mn-ea"/>
+        <a:cs typeface="+mn-cs"/>
+      </a:defRPr>
+    </a:lvl9pPr>
+  </p:defaultTextStyle>
 </p:presentation>
 </file>
 
 <file path=ppt/slideLayouts/slideLayout1.xml><?xml version="1.0" encoding="utf-8"?>
-<p:sldLayout xmlns:a="http://schemas.openxmlformats.org/drawingml/2006/main" xmlns:p="http://schemas.openxmlformats.org/presentationml/2006/main" xmlns:r="http://schemas.openxmlformats.org/officeDocument/2006/relationships" xmlns:p14="http://schemas.microsoft.com/office/powerpoint/2010/main" xmlns:p15="http://schemas.microsoft.com/office/powerpoint/2012/main" xmlns:mc="http://schemas.openxmlformats.org/markup-compatibility/2006" type="blank" preserve="1">
+<p:sldLayout xmlns:a="http://schemas.openxmlformats.org/drawingml/2006/main" xmlns:r="http://schemas.openxmlformats.org/officeDocument/2006/relationships" xmlns:p="http://schemas.openxmlformats.org/presentationml/2006/main" type="blank" preserve="1">
   <p:cSld name="Blank Slide">
     <p:spTree>
       <p:nvGrpSpPr>
@@ -34,11 +129,14 @@
       </p:grpSpPr>
     </p:spTree>
   </p:cSld>
+  <p:clrMapOvr>
+    <a:masterClrMapping/>
+  </p:clrMapOvr>
 </p:sldLayout>
 </file>
 
 <file path=ppt/slideLayouts/slideLayout10.xml><?xml version="1.0" encoding="utf-8"?>
-<p:sldLayout xmlns:a="http://schemas.openxmlformats.org/drawingml/2006/main" xmlns:p="http://schemas.openxmlformats.org/presentationml/2006/main" xmlns:r="http://schemas.openxmlformats.org/officeDocument/2006/relationships" xmlns:p14="http://schemas.microsoft.com/office/powerpoint/2010/main" xmlns:p15="http://schemas.microsoft.com/office/powerpoint/2012/main" xmlns:mc="http://schemas.openxmlformats.org/markup-compatibility/2006" type="objOverTx" preserve="1">
+<p:sldLayout xmlns:a="http://schemas.openxmlformats.org/drawingml/2006/main" xmlns:r="http://schemas.openxmlformats.org/officeDocument/2006/relationships" xmlns:p="http://schemas.openxmlformats.org/presentationml/2006/main" type="objOverTx" preserve="1">
   <p:cSld name="Title, Content over Content">
     <p:spTree>
       <p:nvGrpSpPr>
@@ -74,12 +172,13 @@
           </a:prstGeom>
         </p:spPr>
         <p:txBody>
-          <a:bodyPr lIns="0" rIns="0" tIns="0" bIns="0" anchor="ctr">
+          <a:bodyPr lIns="0" tIns="0" rIns="0" bIns="0" anchor="ctr">
             <a:noAutofit/>
           </a:bodyPr>
+          <a:lstStyle/>
           <a:p>
             <a:pPr algn="ctr"/>
-            <a:endParaRPr b="0" lang="en-US" sz="4400" spc="-1" strike="noStrike">
+            <a:endParaRPr lang="en-US" sz="4400" b="0" strike="noStrike" spc="-1">
               <a:latin typeface="Arial"/>
             </a:endParaRPr>
           </a:p>
@@ -105,11 +204,12 @@
           </a:prstGeom>
         </p:spPr>
         <p:txBody>
-          <a:bodyPr lIns="0" rIns="0" tIns="0" bIns="0">
+          <a:bodyPr lIns="0" tIns="0" rIns="0" bIns="0">
             <a:normAutofit/>
           </a:bodyPr>
-          <a:p>
-            <a:endParaRPr b="0" lang="en-US" sz="3200" spc="-1" strike="noStrike">
+          <a:lstStyle/>
+          <a:p>
+            <a:endParaRPr lang="en-US" sz="3200" b="0" strike="noStrike" spc="-1">
               <a:latin typeface="Arial"/>
             </a:endParaRPr>
           </a:p>
@@ -135,11 +235,12 @@
           </a:prstGeom>
         </p:spPr>
         <p:txBody>
-          <a:bodyPr lIns="0" rIns="0" tIns="0" bIns="0">
+          <a:bodyPr lIns="0" tIns="0" rIns="0" bIns="0">
             <a:normAutofit/>
           </a:bodyPr>
-          <a:p>
-            <a:endParaRPr b="0" lang="en-US" sz="3200" spc="-1" strike="noStrike">
+          <a:lstStyle/>
+          <a:p>
+            <a:endParaRPr lang="en-US" sz="3200" b="0" strike="noStrike" spc="-1">
               <a:latin typeface="Arial"/>
             </a:endParaRPr>
           </a:p>
@@ -147,11 +248,14 @@
       </p:sp>
     </p:spTree>
   </p:cSld>
+  <p:clrMapOvr>
+    <a:masterClrMapping/>
+  </p:clrMapOvr>
 </p:sldLayout>
 </file>
 
 <file path=ppt/slideLayouts/slideLayout11.xml><?xml version="1.0" encoding="utf-8"?>
-<p:sldLayout xmlns:a="http://schemas.openxmlformats.org/drawingml/2006/main" xmlns:p="http://schemas.openxmlformats.org/presentationml/2006/main" xmlns:r="http://schemas.openxmlformats.org/officeDocument/2006/relationships" xmlns:p14="http://schemas.microsoft.com/office/powerpoint/2010/main" xmlns:p15="http://schemas.microsoft.com/office/powerpoint/2012/main" xmlns:mc="http://schemas.openxmlformats.org/markup-compatibility/2006" type="fourObj" preserve="1">
+<p:sldLayout xmlns:a="http://schemas.openxmlformats.org/drawingml/2006/main" xmlns:r="http://schemas.openxmlformats.org/officeDocument/2006/relationships" xmlns:p="http://schemas.openxmlformats.org/presentationml/2006/main" type="fourObj" preserve="1">
   <p:cSld name="Title, 4 Content">
     <p:spTree>
       <p:nvGrpSpPr>
@@ -187,12 +291,13 @@
           </a:prstGeom>
         </p:spPr>
         <p:txBody>
-          <a:bodyPr lIns="0" rIns="0" tIns="0" bIns="0" anchor="ctr">
+          <a:bodyPr lIns="0" tIns="0" rIns="0" bIns="0" anchor="ctr">
             <a:noAutofit/>
           </a:bodyPr>
+          <a:lstStyle/>
           <a:p>
             <a:pPr algn="ctr"/>
-            <a:endParaRPr b="0" lang="en-US" sz="4400" spc="-1" strike="noStrike">
+            <a:endParaRPr lang="en-US" sz="4400" b="0" strike="noStrike" spc="-1">
               <a:latin typeface="Arial"/>
             </a:endParaRPr>
           </a:p>
@@ -218,11 +323,12 @@
           </a:prstGeom>
         </p:spPr>
         <p:txBody>
-          <a:bodyPr lIns="0" rIns="0" tIns="0" bIns="0">
+          <a:bodyPr lIns="0" tIns="0" rIns="0" bIns="0">
             <a:normAutofit/>
           </a:bodyPr>
-          <a:p>
-            <a:endParaRPr b="0" lang="en-US" sz="3200" spc="-1" strike="noStrike">
+          <a:lstStyle/>
+          <a:p>
+            <a:endParaRPr lang="en-US" sz="3200" b="0" strike="noStrike" spc="-1">
               <a:latin typeface="Arial"/>
             </a:endParaRPr>
           </a:p>
@@ -248,11 +354,12 @@
           </a:prstGeom>
         </p:spPr>
         <p:txBody>
-          <a:bodyPr lIns="0" rIns="0" tIns="0" bIns="0">
+          <a:bodyPr lIns="0" tIns="0" rIns="0" bIns="0">
             <a:normAutofit/>
           </a:bodyPr>
-          <a:p>
-            <a:endParaRPr b="0" lang="en-US" sz="3200" spc="-1" strike="noStrike">
+          <a:lstStyle/>
+          <a:p>
+            <a:endParaRPr lang="en-US" sz="3200" b="0" strike="noStrike" spc="-1">
               <a:latin typeface="Arial"/>
             </a:endParaRPr>
           </a:p>
@@ -278,11 +385,12 @@
           </a:prstGeom>
         </p:spPr>
         <p:txBody>
-          <a:bodyPr lIns="0" rIns="0" tIns="0" bIns="0">
+          <a:bodyPr lIns="0" tIns="0" rIns="0" bIns="0">
             <a:normAutofit/>
           </a:bodyPr>
-          <a:p>
-            <a:endParaRPr b="0" lang="en-US" sz="3200" spc="-1" strike="noStrike">
+          <a:lstStyle/>
+          <a:p>
+            <a:endParaRPr lang="en-US" sz="3200" b="0" strike="noStrike" spc="-1">
               <a:latin typeface="Arial"/>
             </a:endParaRPr>
           </a:p>
@@ -308,11 +416,12 @@
           </a:prstGeom>
         </p:spPr>
         <p:txBody>
-          <a:bodyPr lIns="0" rIns="0" tIns="0" bIns="0">
+          <a:bodyPr lIns="0" tIns="0" rIns="0" bIns="0">
             <a:normAutofit/>
           </a:bodyPr>
-          <a:p>
-            <a:endParaRPr b="0" lang="en-US" sz="3200" spc="-1" strike="noStrike">
+          <a:lstStyle/>
+          <a:p>
+            <a:endParaRPr lang="en-US" sz="3200" b="0" strike="noStrike" spc="-1">
               <a:latin typeface="Arial"/>
             </a:endParaRPr>
           </a:p>
@@ -320,11 +429,14 @@
       </p:sp>
     </p:spTree>
   </p:cSld>
+  <p:clrMapOvr>
+    <a:masterClrMapping/>
+  </p:clrMapOvr>
 </p:sldLayout>
 </file>
 
 <file path=ppt/slideLayouts/slideLayout12.xml><?xml version="1.0" encoding="utf-8"?>
-<p:sldLayout xmlns:a="http://schemas.openxmlformats.org/drawingml/2006/main" xmlns:p="http://schemas.openxmlformats.org/presentationml/2006/main" xmlns:r="http://schemas.openxmlformats.org/officeDocument/2006/relationships" xmlns:p14="http://schemas.microsoft.com/office/powerpoint/2010/main" xmlns:p15="http://schemas.microsoft.com/office/powerpoint/2012/main" xmlns:mc="http://schemas.openxmlformats.org/markup-compatibility/2006" type="blank" preserve="1">
+<p:sldLayout xmlns:a="http://schemas.openxmlformats.org/drawingml/2006/main" xmlns:r="http://schemas.openxmlformats.org/officeDocument/2006/relationships" xmlns:p="http://schemas.openxmlformats.org/presentationml/2006/main" type="blank" preserve="1">
   <p:cSld name="Title, 6 Content">
     <p:spTree>
       <p:nvGrpSpPr>
@@ -360,12 +472,13 @@
           </a:prstGeom>
         </p:spPr>
         <p:txBody>
-          <a:bodyPr lIns="0" rIns="0" tIns="0" bIns="0" anchor="ctr">
+          <a:bodyPr lIns="0" tIns="0" rIns="0" bIns="0" anchor="ctr">
             <a:noAutofit/>
           </a:bodyPr>
+          <a:lstStyle/>
           <a:p>
             <a:pPr algn="ctr"/>
-            <a:endParaRPr b="0" lang="en-US" sz="4400" spc="-1" strike="noStrike">
+            <a:endParaRPr lang="en-US" sz="4400" b="0" strike="noStrike" spc="-1">
               <a:latin typeface="Arial"/>
             </a:endParaRPr>
           </a:p>
@@ -391,11 +504,12 @@
           </a:prstGeom>
         </p:spPr>
         <p:txBody>
-          <a:bodyPr lIns="0" rIns="0" tIns="0" bIns="0">
+          <a:bodyPr lIns="0" tIns="0" rIns="0" bIns="0">
             <a:normAutofit/>
           </a:bodyPr>
-          <a:p>
-            <a:endParaRPr b="0" lang="en-US" sz="3200" spc="-1" strike="noStrike">
+          <a:lstStyle/>
+          <a:p>
+            <a:endParaRPr lang="en-US" sz="3200" b="0" strike="noStrike" spc="-1">
               <a:latin typeface="Arial"/>
             </a:endParaRPr>
           </a:p>
@@ -421,11 +535,12 @@
           </a:prstGeom>
         </p:spPr>
         <p:txBody>
-          <a:bodyPr lIns="0" rIns="0" tIns="0" bIns="0">
+          <a:bodyPr lIns="0" tIns="0" rIns="0" bIns="0">
             <a:normAutofit/>
           </a:bodyPr>
-          <a:p>
-            <a:endParaRPr b="0" lang="en-US" sz="3200" spc="-1" strike="noStrike">
+          <a:lstStyle/>
+          <a:p>
+            <a:endParaRPr lang="en-US" sz="3200" b="0" strike="noStrike" spc="-1">
               <a:latin typeface="Arial"/>
             </a:endParaRPr>
           </a:p>
@@ -451,11 +566,12 @@
           </a:prstGeom>
         </p:spPr>
         <p:txBody>
-          <a:bodyPr lIns="0" rIns="0" tIns="0" bIns="0">
+          <a:bodyPr lIns="0" tIns="0" rIns="0" bIns="0">
             <a:normAutofit/>
           </a:bodyPr>
-          <a:p>
-            <a:endParaRPr b="0" lang="en-US" sz="3200" spc="-1" strike="noStrike">
+          <a:lstStyle/>
+          <a:p>
+            <a:endParaRPr lang="en-US" sz="3200" b="0" strike="noStrike" spc="-1">
               <a:latin typeface="Arial"/>
             </a:endParaRPr>
           </a:p>
@@ -481,11 +597,12 @@
           </a:prstGeom>
         </p:spPr>
         <p:txBody>
-          <a:bodyPr lIns="0" rIns="0" tIns="0" bIns="0">
+          <a:bodyPr lIns="0" tIns="0" rIns="0" bIns="0">
             <a:normAutofit/>
           </a:bodyPr>
-          <a:p>
-            <a:endParaRPr b="0" lang="en-US" sz="3200" spc="-1" strike="noStrike">
+          <a:lstStyle/>
+          <a:p>
+            <a:endParaRPr lang="en-US" sz="3200" b="0" strike="noStrike" spc="-1">
               <a:latin typeface="Arial"/>
             </a:endParaRPr>
           </a:p>
@@ -511,11 +628,12 @@
           </a:prstGeom>
         </p:spPr>
         <p:txBody>
-          <a:bodyPr lIns="0" rIns="0" tIns="0" bIns="0">
+          <a:bodyPr lIns="0" tIns="0" rIns="0" bIns="0">
             <a:normAutofit/>
           </a:bodyPr>
-          <a:p>
-            <a:endParaRPr b="0" lang="en-US" sz="3200" spc="-1" strike="noStrike">
+          <a:lstStyle/>
+          <a:p>
+            <a:endParaRPr lang="en-US" sz="3200" b="0" strike="noStrike" spc="-1">
               <a:latin typeface="Arial"/>
             </a:endParaRPr>
           </a:p>
@@ -541,11 +659,12 @@
           </a:prstGeom>
         </p:spPr>
         <p:txBody>
-          <a:bodyPr lIns="0" rIns="0" tIns="0" bIns="0">
+          <a:bodyPr lIns="0" tIns="0" rIns="0" bIns="0">
             <a:normAutofit/>
           </a:bodyPr>
-          <a:p>
-            <a:endParaRPr b="0" lang="en-US" sz="3200" spc="-1" strike="noStrike">
+          <a:lstStyle/>
+          <a:p>
+            <a:endParaRPr lang="en-US" sz="3200" b="0" strike="noStrike" spc="-1">
               <a:latin typeface="Arial"/>
             </a:endParaRPr>
           </a:p>
@@ -553,11 +672,14 @@
       </p:sp>
     </p:spTree>
   </p:cSld>
+  <p:clrMapOvr>
+    <a:masterClrMapping/>
+  </p:clrMapOvr>
 </p:sldLayout>
 </file>
 
 <file path=ppt/slideLayouts/slideLayout13.xml><?xml version="1.0" encoding="utf-8"?>
-<p:sldLayout xmlns:a="http://schemas.openxmlformats.org/drawingml/2006/main" xmlns:p="http://schemas.openxmlformats.org/presentationml/2006/main" xmlns:r="http://schemas.openxmlformats.org/officeDocument/2006/relationships" xmlns:p14="http://schemas.microsoft.com/office/powerpoint/2010/main" xmlns:p15="http://schemas.microsoft.com/office/powerpoint/2012/main" xmlns:mc="http://schemas.openxmlformats.org/markup-compatibility/2006" type="blank" preserve="1">
+<p:sldLayout xmlns:a="http://schemas.openxmlformats.org/drawingml/2006/main" xmlns:r="http://schemas.openxmlformats.org/officeDocument/2006/relationships" xmlns:p="http://schemas.openxmlformats.org/presentationml/2006/main" type="blank" preserve="1">
   <p:cSld name="Blank Slide">
     <p:spTree>
       <p:nvGrpSpPr>
@@ -575,11 +697,14 @@
       </p:grpSpPr>
     </p:spTree>
   </p:cSld>
+  <p:clrMapOvr>
+    <a:masterClrMapping/>
+  </p:clrMapOvr>
 </p:sldLayout>
 </file>
 
 <file path=ppt/slideLayouts/slideLayout14.xml><?xml version="1.0" encoding="utf-8"?>
-<p:sldLayout xmlns:a="http://schemas.openxmlformats.org/drawingml/2006/main" xmlns:p="http://schemas.openxmlformats.org/presentationml/2006/main" xmlns:r="http://schemas.openxmlformats.org/officeDocument/2006/relationships" xmlns:p14="http://schemas.microsoft.com/office/powerpoint/2010/main" xmlns:p15="http://schemas.microsoft.com/office/powerpoint/2012/main" xmlns:mc="http://schemas.openxmlformats.org/markup-compatibility/2006" type="tx" preserve="1">
+<p:sldLayout xmlns:a="http://schemas.openxmlformats.org/drawingml/2006/main" xmlns:r="http://schemas.openxmlformats.org/officeDocument/2006/relationships" xmlns:p="http://schemas.openxmlformats.org/presentationml/2006/main" type="tx" preserve="1">
   <p:cSld name="Title Slide">
     <p:spTree>
       <p:nvGrpSpPr>
@@ -615,12 +740,13 @@
           </a:prstGeom>
         </p:spPr>
         <p:txBody>
-          <a:bodyPr lIns="0" rIns="0" tIns="0" bIns="0" anchor="ctr">
+          <a:bodyPr lIns="0" tIns="0" rIns="0" bIns="0" anchor="ctr">
             <a:noAutofit/>
           </a:bodyPr>
+          <a:lstStyle/>
           <a:p>
             <a:pPr algn="ctr"/>
-            <a:endParaRPr b="0" lang="en-US" sz="4400" spc="-1" strike="noStrike">
+            <a:endParaRPr lang="en-US" sz="4400" b="0" strike="noStrike" spc="-1">
               <a:latin typeface="Arial"/>
             </a:endParaRPr>
           </a:p>
@@ -646,12 +772,13 @@
           </a:prstGeom>
         </p:spPr>
         <p:txBody>
-          <a:bodyPr lIns="0" rIns="0" tIns="0" bIns="0" anchor="ctr">
+          <a:bodyPr lIns="0" tIns="0" rIns="0" bIns="0" anchor="ctr">
             <a:noAutofit/>
           </a:bodyPr>
+          <a:lstStyle/>
           <a:p>
             <a:pPr algn="ctr"/>
-            <a:endParaRPr b="0" lang="en-US" sz="3200" spc="-1" strike="noStrike">
+            <a:endParaRPr lang="en-US" sz="3200" b="0" strike="noStrike" spc="-1">
               <a:latin typeface="Arial"/>
             </a:endParaRPr>
           </a:p>
@@ -659,11 +786,14 @@
       </p:sp>
     </p:spTree>
   </p:cSld>
+  <p:clrMapOvr>
+    <a:masterClrMapping/>
+  </p:clrMapOvr>
 </p:sldLayout>
 </file>
 
 <file path=ppt/slideLayouts/slideLayout15.xml><?xml version="1.0" encoding="utf-8"?>
-<p:sldLayout xmlns:a="http://schemas.openxmlformats.org/drawingml/2006/main" xmlns:p="http://schemas.openxmlformats.org/presentationml/2006/main" xmlns:r="http://schemas.openxmlformats.org/officeDocument/2006/relationships" xmlns:p14="http://schemas.microsoft.com/office/powerpoint/2010/main" xmlns:p15="http://schemas.microsoft.com/office/powerpoint/2012/main" xmlns:mc="http://schemas.openxmlformats.org/markup-compatibility/2006" type="obj" preserve="1">
+<p:sldLayout xmlns:a="http://schemas.openxmlformats.org/drawingml/2006/main" xmlns:r="http://schemas.openxmlformats.org/officeDocument/2006/relationships" xmlns:p="http://schemas.openxmlformats.org/presentationml/2006/main" type="obj" preserve="1">
   <p:cSld name="Title, Content">
     <p:spTree>
       <p:nvGrpSpPr>
@@ -699,12 +829,13 @@
           </a:prstGeom>
         </p:spPr>
         <p:txBody>
-          <a:bodyPr lIns="0" rIns="0" tIns="0" bIns="0" anchor="ctr">
+          <a:bodyPr lIns="0" tIns="0" rIns="0" bIns="0" anchor="ctr">
             <a:noAutofit/>
           </a:bodyPr>
+          <a:lstStyle/>
           <a:p>
             <a:pPr algn="ctr"/>
-            <a:endParaRPr b="0" lang="en-US" sz="4400" spc="-1" strike="noStrike">
+            <a:endParaRPr lang="en-US" sz="4400" b="0" strike="noStrike" spc="-1">
               <a:latin typeface="Arial"/>
             </a:endParaRPr>
           </a:p>
@@ -730,11 +861,12 @@
           </a:prstGeom>
         </p:spPr>
         <p:txBody>
-          <a:bodyPr lIns="0" rIns="0" tIns="0" bIns="0">
+          <a:bodyPr lIns="0" tIns="0" rIns="0" bIns="0">
             <a:normAutofit/>
           </a:bodyPr>
-          <a:p>
-            <a:endParaRPr b="0" lang="en-US" sz="3200" spc="-1" strike="noStrike">
+          <a:lstStyle/>
+          <a:p>
+            <a:endParaRPr lang="en-US" sz="3200" b="0" strike="noStrike" spc="-1">
               <a:latin typeface="Arial"/>
             </a:endParaRPr>
           </a:p>
@@ -742,11 +874,14 @@
       </p:sp>
     </p:spTree>
   </p:cSld>
+  <p:clrMapOvr>
+    <a:masterClrMapping/>
+  </p:clrMapOvr>
 </p:sldLayout>
 </file>
 
 <file path=ppt/slideLayouts/slideLayout16.xml><?xml version="1.0" encoding="utf-8"?>
-<p:sldLayout xmlns:a="http://schemas.openxmlformats.org/drawingml/2006/main" xmlns:p="http://schemas.openxmlformats.org/presentationml/2006/main" xmlns:r="http://schemas.openxmlformats.org/officeDocument/2006/relationships" xmlns:p14="http://schemas.microsoft.com/office/powerpoint/2010/main" xmlns:p15="http://schemas.microsoft.com/office/powerpoint/2012/main" xmlns:mc="http://schemas.openxmlformats.org/markup-compatibility/2006" type="twoObj" preserve="1">
+<p:sldLayout xmlns:a="http://schemas.openxmlformats.org/drawingml/2006/main" xmlns:r="http://schemas.openxmlformats.org/officeDocument/2006/relationships" xmlns:p="http://schemas.openxmlformats.org/presentationml/2006/main" type="twoObj" preserve="1">
   <p:cSld name="Title, 2 Content">
     <p:spTree>
       <p:nvGrpSpPr>
@@ -782,12 +917,13 @@
           </a:prstGeom>
         </p:spPr>
         <p:txBody>
-          <a:bodyPr lIns="0" rIns="0" tIns="0" bIns="0" anchor="ctr">
+          <a:bodyPr lIns="0" tIns="0" rIns="0" bIns="0" anchor="ctr">
             <a:noAutofit/>
           </a:bodyPr>
+          <a:lstStyle/>
           <a:p>
             <a:pPr algn="ctr"/>
-            <a:endParaRPr b="0" lang="en-US" sz="4400" spc="-1" strike="noStrike">
+            <a:endParaRPr lang="en-US" sz="4400" b="0" strike="noStrike" spc="-1">
               <a:latin typeface="Arial"/>
             </a:endParaRPr>
           </a:p>
@@ -813,11 +949,12 @@
           </a:prstGeom>
         </p:spPr>
         <p:txBody>
-          <a:bodyPr lIns="0" rIns="0" tIns="0" bIns="0">
+          <a:bodyPr lIns="0" tIns="0" rIns="0" bIns="0">
             <a:normAutofit/>
           </a:bodyPr>
-          <a:p>
-            <a:endParaRPr b="0" lang="en-US" sz="3200" spc="-1" strike="noStrike">
+          <a:lstStyle/>
+          <a:p>
+            <a:endParaRPr lang="en-US" sz="3200" b="0" strike="noStrike" spc="-1">
               <a:latin typeface="Arial"/>
             </a:endParaRPr>
           </a:p>
@@ -843,11 +980,12 @@
           </a:prstGeom>
         </p:spPr>
         <p:txBody>
-          <a:bodyPr lIns="0" rIns="0" tIns="0" bIns="0">
+          <a:bodyPr lIns="0" tIns="0" rIns="0" bIns="0">
             <a:normAutofit/>
           </a:bodyPr>
-          <a:p>
-            <a:endParaRPr b="0" lang="en-US" sz="3200" spc="-1" strike="noStrike">
+          <a:lstStyle/>
+          <a:p>
+            <a:endParaRPr lang="en-US" sz="3200" b="0" strike="noStrike" spc="-1">
               <a:latin typeface="Arial"/>
             </a:endParaRPr>
           </a:p>
@@ -855,11 +993,14 @@
       </p:sp>
     </p:spTree>
   </p:cSld>
+  <p:clrMapOvr>
+    <a:masterClrMapping/>
+  </p:clrMapOvr>
 </p:sldLayout>
 </file>
 
 <file path=ppt/slideLayouts/slideLayout17.xml><?xml version="1.0" encoding="utf-8"?>
-<p:sldLayout xmlns:a="http://schemas.openxmlformats.org/drawingml/2006/main" xmlns:p="http://schemas.openxmlformats.org/presentationml/2006/main" xmlns:r="http://schemas.openxmlformats.org/officeDocument/2006/relationships" xmlns:p14="http://schemas.microsoft.com/office/powerpoint/2010/main" xmlns:p15="http://schemas.microsoft.com/office/powerpoint/2012/main" xmlns:mc="http://schemas.openxmlformats.org/markup-compatibility/2006" type="titleOnly" preserve="1">
+<p:sldLayout xmlns:a="http://schemas.openxmlformats.org/drawingml/2006/main" xmlns:r="http://schemas.openxmlformats.org/officeDocument/2006/relationships" xmlns:p="http://schemas.openxmlformats.org/presentationml/2006/main" type="titleOnly" preserve="1">
   <p:cSld name="Title Only">
     <p:spTree>
       <p:nvGrpSpPr>
@@ -895,12 +1036,13 @@
           </a:prstGeom>
         </p:spPr>
         <p:txBody>
-          <a:bodyPr lIns="0" rIns="0" tIns="0" bIns="0" anchor="ctr">
+          <a:bodyPr lIns="0" tIns="0" rIns="0" bIns="0" anchor="ctr">
             <a:noAutofit/>
           </a:bodyPr>
+          <a:lstStyle/>
           <a:p>
             <a:pPr algn="ctr"/>
-            <a:endParaRPr b="0" lang="en-US" sz="4400" spc="-1" strike="noStrike">
+            <a:endParaRPr lang="en-US" sz="4400" b="0" strike="noStrike" spc="-1">
               <a:latin typeface="Arial"/>
             </a:endParaRPr>
           </a:p>
@@ -908,11 +1050,14 @@
       </p:sp>
     </p:spTree>
   </p:cSld>
+  <p:clrMapOvr>
+    <a:masterClrMapping/>
+  </p:clrMapOvr>
 </p:sldLayout>
 </file>
 
 <file path=ppt/slideLayouts/slideLayout18.xml><?xml version="1.0" encoding="utf-8"?>
-<p:sldLayout xmlns:a="http://schemas.openxmlformats.org/drawingml/2006/main" xmlns:p="http://schemas.openxmlformats.org/presentationml/2006/main" xmlns:r="http://schemas.openxmlformats.org/officeDocument/2006/relationships" xmlns:p14="http://schemas.microsoft.com/office/powerpoint/2010/main" xmlns:p15="http://schemas.microsoft.com/office/powerpoint/2012/main" xmlns:mc="http://schemas.openxmlformats.org/markup-compatibility/2006" type="objOnly" preserve="1">
+<p:sldLayout xmlns:a="http://schemas.openxmlformats.org/drawingml/2006/main" xmlns:r="http://schemas.openxmlformats.org/officeDocument/2006/relationships" xmlns:p="http://schemas.openxmlformats.org/presentationml/2006/main" type="objOnly" preserve="1">
   <p:cSld name="Centered Text">
     <p:spTree>
       <p:nvGrpSpPr>
@@ -948,12 +1093,13 @@
           </a:prstGeom>
         </p:spPr>
         <p:txBody>
-          <a:bodyPr lIns="0" rIns="0" tIns="0" bIns="0" anchor="ctr">
+          <a:bodyPr lIns="0" tIns="0" rIns="0" bIns="0" anchor="ctr">
             <a:noAutofit/>
           </a:bodyPr>
+          <a:lstStyle/>
           <a:p>
             <a:pPr algn="ctr"/>
-            <a:endParaRPr b="0" lang="en-US" sz="3200" spc="-1" strike="noStrike">
+            <a:endParaRPr lang="en-US" sz="3200" b="0" strike="noStrike" spc="-1">
               <a:latin typeface="Arial"/>
             </a:endParaRPr>
           </a:p>
@@ -961,11 +1107,14 @@
       </p:sp>
     </p:spTree>
   </p:cSld>
+  <p:clrMapOvr>
+    <a:masterClrMapping/>
+  </p:clrMapOvr>
 </p:sldLayout>
 </file>
 
 <file path=ppt/slideLayouts/slideLayout19.xml><?xml version="1.0" encoding="utf-8"?>
-<p:sldLayout xmlns:a="http://schemas.openxmlformats.org/drawingml/2006/main" xmlns:p="http://schemas.openxmlformats.org/presentationml/2006/main" xmlns:r="http://schemas.openxmlformats.org/officeDocument/2006/relationships" xmlns:p14="http://schemas.microsoft.com/office/powerpoint/2010/main" xmlns:p15="http://schemas.microsoft.com/office/powerpoint/2012/main" xmlns:mc="http://schemas.openxmlformats.org/markup-compatibility/2006" type="twoObjAndObj" preserve="1">
+<p:sldLayout xmlns:a="http://schemas.openxmlformats.org/drawingml/2006/main" xmlns:r="http://schemas.openxmlformats.org/officeDocument/2006/relationships" xmlns:p="http://schemas.openxmlformats.org/presentationml/2006/main" type="twoObjAndObj" preserve="1">
   <p:cSld name="Title, 2 Content and Content">
     <p:spTree>
       <p:nvGrpSpPr>
@@ -1001,12 +1150,13 @@
           </a:prstGeom>
         </p:spPr>
         <p:txBody>
-          <a:bodyPr lIns="0" rIns="0" tIns="0" bIns="0" anchor="ctr">
+          <a:bodyPr lIns="0" tIns="0" rIns="0" bIns="0" anchor="ctr">
             <a:noAutofit/>
           </a:bodyPr>
+          <a:lstStyle/>
           <a:p>
             <a:pPr algn="ctr"/>
-            <a:endParaRPr b="0" lang="en-US" sz="4400" spc="-1" strike="noStrike">
+            <a:endParaRPr lang="en-US" sz="4400" b="0" strike="noStrike" spc="-1">
               <a:latin typeface="Arial"/>
             </a:endParaRPr>
           </a:p>
@@ -1032,11 +1182,12 @@
           </a:prstGeom>
         </p:spPr>
         <p:txBody>
-          <a:bodyPr lIns="0" rIns="0" tIns="0" bIns="0">
+          <a:bodyPr lIns="0" tIns="0" rIns="0" bIns="0">
             <a:normAutofit/>
           </a:bodyPr>
-          <a:p>
-            <a:endParaRPr b="0" lang="en-US" sz="3200" spc="-1" strike="noStrike">
+          <a:lstStyle/>
+          <a:p>
+            <a:endParaRPr lang="en-US" sz="3200" b="0" strike="noStrike" spc="-1">
               <a:latin typeface="Arial"/>
             </a:endParaRPr>
           </a:p>
@@ -1062,11 +1213,12 @@
           </a:prstGeom>
         </p:spPr>
         <p:txBody>
-          <a:bodyPr lIns="0" rIns="0" tIns="0" bIns="0">
+          <a:bodyPr lIns="0" tIns="0" rIns="0" bIns="0">
             <a:normAutofit/>
           </a:bodyPr>
-          <a:p>
-            <a:endParaRPr b="0" lang="en-US" sz="3200" spc="-1" strike="noStrike">
+          <a:lstStyle/>
+          <a:p>
+            <a:endParaRPr lang="en-US" sz="3200" b="0" strike="noStrike" spc="-1">
               <a:latin typeface="Arial"/>
             </a:endParaRPr>
           </a:p>
@@ -1092,11 +1244,12 @@
           </a:prstGeom>
         </p:spPr>
         <p:txBody>
-          <a:bodyPr lIns="0" rIns="0" tIns="0" bIns="0">
+          <a:bodyPr lIns="0" tIns="0" rIns="0" bIns="0">
             <a:normAutofit/>
           </a:bodyPr>
-          <a:p>
-            <a:endParaRPr b="0" lang="en-US" sz="3200" spc="-1" strike="noStrike">
+          <a:lstStyle/>
+          <a:p>
+            <a:endParaRPr lang="en-US" sz="3200" b="0" strike="noStrike" spc="-1">
               <a:latin typeface="Arial"/>
             </a:endParaRPr>
           </a:p>
@@ -1104,11 +1257,14 @@
       </p:sp>
     </p:spTree>
   </p:cSld>
+  <p:clrMapOvr>
+    <a:masterClrMapping/>
+  </p:clrMapOvr>
 </p:sldLayout>
 </file>
 
 <file path=ppt/slideLayouts/slideLayout2.xml><?xml version="1.0" encoding="utf-8"?>
-<p:sldLayout xmlns:a="http://schemas.openxmlformats.org/drawingml/2006/main" xmlns:p="http://schemas.openxmlformats.org/presentationml/2006/main" xmlns:r="http://schemas.openxmlformats.org/officeDocument/2006/relationships" xmlns:p14="http://schemas.microsoft.com/office/powerpoint/2010/main" xmlns:p15="http://schemas.microsoft.com/office/powerpoint/2012/main" xmlns:mc="http://schemas.openxmlformats.org/markup-compatibility/2006" type="tx" preserve="1">
+<p:sldLayout xmlns:a="http://schemas.openxmlformats.org/drawingml/2006/main" xmlns:r="http://schemas.openxmlformats.org/officeDocument/2006/relationships" xmlns:p="http://schemas.openxmlformats.org/presentationml/2006/main" type="tx" preserve="1">
   <p:cSld name="Title Slide">
     <p:spTree>
       <p:nvGrpSpPr>
@@ -1144,12 +1300,13 @@
           </a:prstGeom>
         </p:spPr>
         <p:txBody>
-          <a:bodyPr lIns="0" rIns="0" tIns="0" bIns="0" anchor="ctr">
+          <a:bodyPr lIns="0" tIns="0" rIns="0" bIns="0" anchor="ctr">
             <a:noAutofit/>
           </a:bodyPr>
+          <a:lstStyle/>
           <a:p>
             <a:pPr algn="ctr"/>
-            <a:endParaRPr b="0" lang="en-US" sz="4400" spc="-1" strike="noStrike">
+            <a:endParaRPr lang="en-US" sz="4400" b="0" strike="noStrike" spc="-1">
               <a:latin typeface="Arial"/>
             </a:endParaRPr>
           </a:p>
@@ -1175,12 +1332,13 @@
           </a:prstGeom>
         </p:spPr>
         <p:txBody>
-          <a:bodyPr lIns="0" rIns="0" tIns="0" bIns="0" anchor="ctr">
+          <a:bodyPr lIns="0" tIns="0" rIns="0" bIns="0" anchor="ctr">
             <a:noAutofit/>
           </a:bodyPr>
+          <a:lstStyle/>
           <a:p>
             <a:pPr algn="ctr"/>
-            <a:endParaRPr b="0" lang="en-US" sz="3200" spc="-1" strike="noStrike">
+            <a:endParaRPr lang="en-US" sz="3200" b="0" strike="noStrike" spc="-1">
               <a:latin typeface="Arial"/>
             </a:endParaRPr>
           </a:p>
@@ -1188,11 +1346,14 @@
       </p:sp>
     </p:spTree>
   </p:cSld>
+  <p:clrMapOvr>
+    <a:masterClrMapping/>
+  </p:clrMapOvr>
 </p:sldLayout>
 </file>
 
 <file path=ppt/slideLayouts/slideLayout20.xml><?xml version="1.0" encoding="utf-8"?>
-<p:sldLayout xmlns:a="http://schemas.openxmlformats.org/drawingml/2006/main" xmlns:p="http://schemas.openxmlformats.org/presentationml/2006/main" xmlns:r="http://schemas.openxmlformats.org/officeDocument/2006/relationships" xmlns:p14="http://schemas.microsoft.com/office/powerpoint/2010/main" xmlns:p15="http://schemas.microsoft.com/office/powerpoint/2012/main" xmlns:mc="http://schemas.openxmlformats.org/markup-compatibility/2006" type="objAndTwoObj" preserve="1">
+<p:sldLayout xmlns:a="http://schemas.openxmlformats.org/drawingml/2006/main" xmlns:r="http://schemas.openxmlformats.org/officeDocument/2006/relationships" xmlns:p="http://schemas.openxmlformats.org/presentationml/2006/main" type="objAndTwoObj" preserve="1">
   <p:cSld name="Title Content and 2 Content">
     <p:spTree>
       <p:nvGrpSpPr>
@@ -1228,12 +1389,13 @@
           </a:prstGeom>
         </p:spPr>
         <p:txBody>
-          <a:bodyPr lIns="0" rIns="0" tIns="0" bIns="0" anchor="ctr">
+          <a:bodyPr lIns="0" tIns="0" rIns="0" bIns="0" anchor="ctr">
             <a:noAutofit/>
           </a:bodyPr>
+          <a:lstStyle/>
           <a:p>
             <a:pPr algn="ctr"/>
-            <a:endParaRPr b="0" lang="en-US" sz="4400" spc="-1" strike="noStrike">
+            <a:endParaRPr lang="en-US" sz="4400" b="0" strike="noStrike" spc="-1">
               <a:latin typeface="Arial"/>
             </a:endParaRPr>
           </a:p>
@@ -1259,11 +1421,12 @@
           </a:prstGeom>
         </p:spPr>
         <p:txBody>
-          <a:bodyPr lIns="0" rIns="0" tIns="0" bIns="0">
+          <a:bodyPr lIns="0" tIns="0" rIns="0" bIns="0">
             <a:normAutofit/>
           </a:bodyPr>
-          <a:p>
-            <a:endParaRPr b="0" lang="en-US" sz="3200" spc="-1" strike="noStrike">
+          <a:lstStyle/>
+          <a:p>
+            <a:endParaRPr lang="en-US" sz="3200" b="0" strike="noStrike" spc="-1">
               <a:latin typeface="Arial"/>
             </a:endParaRPr>
           </a:p>
@@ -1289,11 +1452,12 @@
           </a:prstGeom>
         </p:spPr>
         <p:txBody>
-          <a:bodyPr lIns="0" rIns="0" tIns="0" bIns="0">
+          <a:bodyPr lIns="0" tIns="0" rIns="0" bIns="0">
             <a:normAutofit/>
           </a:bodyPr>
-          <a:p>
-            <a:endParaRPr b="0" lang="en-US" sz="3200" spc="-1" strike="noStrike">
+          <a:lstStyle/>
+          <a:p>
+            <a:endParaRPr lang="en-US" sz="3200" b="0" strike="noStrike" spc="-1">
               <a:latin typeface="Arial"/>
             </a:endParaRPr>
           </a:p>
@@ -1319,11 +1483,12 @@
           </a:prstGeom>
         </p:spPr>
         <p:txBody>
-          <a:bodyPr lIns="0" rIns="0" tIns="0" bIns="0">
+          <a:bodyPr lIns="0" tIns="0" rIns="0" bIns="0">
             <a:normAutofit/>
           </a:bodyPr>
-          <a:p>
-            <a:endParaRPr b="0" lang="en-US" sz="3200" spc="-1" strike="noStrike">
+          <a:lstStyle/>
+          <a:p>
+            <a:endParaRPr lang="en-US" sz="3200" b="0" strike="noStrike" spc="-1">
               <a:latin typeface="Arial"/>
             </a:endParaRPr>
           </a:p>
@@ -1331,11 +1496,14 @@
       </p:sp>
     </p:spTree>
   </p:cSld>
+  <p:clrMapOvr>
+    <a:masterClrMapping/>
+  </p:clrMapOvr>
 </p:sldLayout>
 </file>
 
 <file path=ppt/slideLayouts/slideLayout21.xml><?xml version="1.0" encoding="utf-8"?>
-<p:sldLayout xmlns:a="http://schemas.openxmlformats.org/drawingml/2006/main" xmlns:p="http://schemas.openxmlformats.org/presentationml/2006/main" xmlns:r="http://schemas.openxmlformats.org/officeDocument/2006/relationships" xmlns:p14="http://schemas.microsoft.com/office/powerpoint/2010/main" xmlns:p15="http://schemas.microsoft.com/office/powerpoint/2012/main" xmlns:mc="http://schemas.openxmlformats.org/markup-compatibility/2006" type="twoObjOverTx" preserve="1">
+<p:sldLayout xmlns:a="http://schemas.openxmlformats.org/drawingml/2006/main" xmlns:r="http://schemas.openxmlformats.org/officeDocument/2006/relationships" xmlns:p="http://schemas.openxmlformats.org/presentationml/2006/main" type="twoObjOverTx" preserve="1">
   <p:cSld name="Title, 2 Content over Content">
     <p:spTree>
       <p:nvGrpSpPr>
@@ -1371,12 +1539,13 @@
           </a:prstGeom>
         </p:spPr>
         <p:txBody>
-          <a:bodyPr lIns="0" rIns="0" tIns="0" bIns="0" anchor="ctr">
+          <a:bodyPr lIns="0" tIns="0" rIns="0" bIns="0" anchor="ctr">
             <a:noAutofit/>
           </a:bodyPr>
+          <a:lstStyle/>
           <a:p>
             <a:pPr algn="ctr"/>
-            <a:endParaRPr b="0" lang="en-US" sz="4400" spc="-1" strike="noStrike">
+            <a:endParaRPr lang="en-US" sz="4400" b="0" strike="noStrike" spc="-1">
               <a:latin typeface="Arial"/>
             </a:endParaRPr>
           </a:p>
@@ -1402,11 +1571,12 @@
           </a:prstGeom>
         </p:spPr>
         <p:txBody>
-          <a:bodyPr lIns="0" rIns="0" tIns="0" bIns="0">
+          <a:bodyPr lIns="0" tIns="0" rIns="0" bIns="0">
             <a:normAutofit/>
           </a:bodyPr>
-          <a:p>
-            <a:endParaRPr b="0" lang="en-US" sz="3200" spc="-1" strike="noStrike">
+          <a:lstStyle/>
+          <a:p>
+            <a:endParaRPr lang="en-US" sz="3200" b="0" strike="noStrike" spc="-1">
               <a:latin typeface="Arial"/>
             </a:endParaRPr>
           </a:p>
@@ -1432,11 +1602,12 @@
           </a:prstGeom>
         </p:spPr>
         <p:txBody>
-          <a:bodyPr lIns="0" rIns="0" tIns="0" bIns="0">
+          <a:bodyPr lIns="0" tIns="0" rIns="0" bIns="0">
             <a:normAutofit/>
           </a:bodyPr>
-          <a:p>
-            <a:endParaRPr b="0" lang="en-US" sz="3200" spc="-1" strike="noStrike">
+          <a:lstStyle/>
+          <a:p>
+            <a:endParaRPr lang="en-US" sz="3200" b="0" strike="noStrike" spc="-1">
               <a:latin typeface="Arial"/>
             </a:endParaRPr>
           </a:p>
@@ -1462,11 +1633,12 @@
           </a:prstGeom>
         </p:spPr>
         <p:txBody>
-          <a:bodyPr lIns="0" rIns="0" tIns="0" bIns="0">
+          <a:bodyPr lIns="0" tIns="0" rIns="0" bIns="0">
             <a:normAutofit/>
           </a:bodyPr>
-          <a:p>
-            <a:endParaRPr b="0" lang="en-US" sz="3200" spc="-1" strike="noStrike">
+          <a:lstStyle/>
+          <a:p>
+            <a:endParaRPr lang="en-US" sz="3200" b="0" strike="noStrike" spc="-1">
               <a:latin typeface="Arial"/>
             </a:endParaRPr>
           </a:p>
@@ -1474,11 +1646,14 @@
       </p:sp>
     </p:spTree>
   </p:cSld>
+  <p:clrMapOvr>
+    <a:masterClrMapping/>
+  </p:clrMapOvr>
 </p:sldLayout>
 </file>
 
 <file path=ppt/slideLayouts/slideLayout22.xml><?xml version="1.0" encoding="utf-8"?>
-<p:sldLayout xmlns:a="http://schemas.openxmlformats.org/drawingml/2006/main" xmlns:p="http://schemas.openxmlformats.org/presentationml/2006/main" xmlns:r="http://schemas.openxmlformats.org/officeDocument/2006/relationships" xmlns:p14="http://schemas.microsoft.com/office/powerpoint/2010/main" xmlns:p15="http://schemas.microsoft.com/office/powerpoint/2012/main" xmlns:mc="http://schemas.openxmlformats.org/markup-compatibility/2006" type="objOverTx" preserve="1">
+<p:sldLayout xmlns:a="http://schemas.openxmlformats.org/drawingml/2006/main" xmlns:r="http://schemas.openxmlformats.org/officeDocument/2006/relationships" xmlns:p="http://schemas.openxmlformats.org/presentationml/2006/main" type="objOverTx" preserve="1">
   <p:cSld name="Title, Content over Content">
     <p:spTree>
       <p:nvGrpSpPr>
@@ -1514,12 +1689,13 @@
           </a:prstGeom>
         </p:spPr>
         <p:txBody>
-          <a:bodyPr lIns="0" rIns="0" tIns="0" bIns="0" anchor="ctr">
+          <a:bodyPr lIns="0" tIns="0" rIns="0" bIns="0" anchor="ctr">
             <a:noAutofit/>
           </a:bodyPr>
+          <a:lstStyle/>
           <a:p>
             <a:pPr algn="ctr"/>
-            <a:endParaRPr b="0" lang="en-US" sz="4400" spc="-1" strike="noStrike">
+            <a:endParaRPr lang="en-US" sz="4400" b="0" strike="noStrike" spc="-1">
               <a:latin typeface="Arial"/>
             </a:endParaRPr>
           </a:p>
@@ -1545,11 +1721,12 @@
           </a:prstGeom>
         </p:spPr>
         <p:txBody>
-          <a:bodyPr lIns="0" rIns="0" tIns="0" bIns="0">
+          <a:bodyPr lIns="0" tIns="0" rIns="0" bIns="0">
             <a:normAutofit/>
           </a:bodyPr>
-          <a:p>
-            <a:endParaRPr b="0" lang="en-US" sz="3200" spc="-1" strike="noStrike">
+          <a:lstStyle/>
+          <a:p>
+            <a:endParaRPr lang="en-US" sz="3200" b="0" strike="noStrike" spc="-1">
               <a:latin typeface="Arial"/>
             </a:endParaRPr>
           </a:p>
@@ -1575,11 +1752,12 @@
           </a:prstGeom>
         </p:spPr>
         <p:txBody>
-          <a:bodyPr lIns="0" rIns="0" tIns="0" bIns="0">
+          <a:bodyPr lIns="0" tIns="0" rIns="0" bIns="0">
             <a:normAutofit/>
           </a:bodyPr>
-          <a:p>
-            <a:endParaRPr b="0" lang="en-US" sz="3200" spc="-1" strike="noStrike">
+          <a:lstStyle/>
+          <a:p>
+            <a:endParaRPr lang="en-US" sz="3200" b="0" strike="noStrike" spc="-1">
               <a:latin typeface="Arial"/>
             </a:endParaRPr>
           </a:p>
@@ -1587,11 +1765,14 @@
       </p:sp>
     </p:spTree>
   </p:cSld>
+  <p:clrMapOvr>
+    <a:masterClrMapping/>
+  </p:clrMapOvr>
 </p:sldLayout>
 </file>
 
 <file path=ppt/slideLayouts/slideLayout23.xml><?xml version="1.0" encoding="utf-8"?>
-<p:sldLayout xmlns:a="http://schemas.openxmlformats.org/drawingml/2006/main" xmlns:p="http://schemas.openxmlformats.org/presentationml/2006/main" xmlns:r="http://schemas.openxmlformats.org/officeDocument/2006/relationships" xmlns:p14="http://schemas.microsoft.com/office/powerpoint/2010/main" xmlns:p15="http://schemas.microsoft.com/office/powerpoint/2012/main" xmlns:mc="http://schemas.openxmlformats.org/markup-compatibility/2006" type="fourObj" preserve="1">
+<p:sldLayout xmlns:a="http://schemas.openxmlformats.org/drawingml/2006/main" xmlns:r="http://schemas.openxmlformats.org/officeDocument/2006/relationships" xmlns:p="http://schemas.openxmlformats.org/presentationml/2006/main" type="fourObj" preserve="1">
   <p:cSld name="Title, 4 Content">
     <p:spTree>
       <p:nvGrpSpPr>
@@ -1627,12 +1808,13 @@
           </a:prstGeom>
         </p:spPr>
         <p:txBody>
-          <a:bodyPr lIns="0" rIns="0" tIns="0" bIns="0" anchor="ctr">
+          <a:bodyPr lIns="0" tIns="0" rIns="0" bIns="0" anchor="ctr">
             <a:noAutofit/>
           </a:bodyPr>
+          <a:lstStyle/>
           <a:p>
             <a:pPr algn="ctr"/>
-            <a:endParaRPr b="0" lang="en-US" sz="4400" spc="-1" strike="noStrike">
+            <a:endParaRPr lang="en-US" sz="4400" b="0" strike="noStrike" spc="-1">
               <a:latin typeface="Arial"/>
             </a:endParaRPr>
           </a:p>
@@ -1658,11 +1840,12 @@
           </a:prstGeom>
         </p:spPr>
         <p:txBody>
-          <a:bodyPr lIns="0" rIns="0" tIns="0" bIns="0">
+          <a:bodyPr lIns="0" tIns="0" rIns="0" bIns="0">
             <a:normAutofit/>
           </a:bodyPr>
-          <a:p>
-            <a:endParaRPr b="0" lang="en-US" sz="3200" spc="-1" strike="noStrike">
+          <a:lstStyle/>
+          <a:p>
+            <a:endParaRPr lang="en-US" sz="3200" b="0" strike="noStrike" spc="-1">
               <a:latin typeface="Arial"/>
             </a:endParaRPr>
           </a:p>
@@ -1688,11 +1871,12 @@
           </a:prstGeom>
         </p:spPr>
         <p:txBody>
-          <a:bodyPr lIns="0" rIns="0" tIns="0" bIns="0">
+          <a:bodyPr lIns="0" tIns="0" rIns="0" bIns="0">
             <a:normAutofit/>
           </a:bodyPr>
-          <a:p>
-            <a:endParaRPr b="0" lang="en-US" sz="3200" spc="-1" strike="noStrike">
+          <a:lstStyle/>
+          <a:p>
+            <a:endParaRPr lang="en-US" sz="3200" b="0" strike="noStrike" spc="-1">
               <a:latin typeface="Arial"/>
             </a:endParaRPr>
           </a:p>
@@ -1718,11 +1902,12 @@
           </a:prstGeom>
         </p:spPr>
         <p:txBody>
-          <a:bodyPr lIns="0" rIns="0" tIns="0" bIns="0">
+          <a:bodyPr lIns="0" tIns="0" rIns="0" bIns="0">
             <a:normAutofit/>
           </a:bodyPr>
-          <a:p>
-            <a:endParaRPr b="0" lang="en-US" sz="3200" spc="-1" strike="noStrike">
+          <a:lstStyle/>
+          <a:p>
+            <a:endParaRPr lang="en-US" sz="3200" b="0" strike="noStrike" spc="-1">
               <a:latin typeface="Arial"/>
             </a:endParaRPr>
           </a:p>
@@ -1748,11 +1933,12 @@
           </a:prstGeom>
         </p:spPr>
         <p:txBody>
-          <a:bodyPr lIns="0" rIns="0" tIns="0" bIns="0">
+          <a:bodyPr lIns="0" tIns="0" rIns="0" bIns="0">
             <a:normAutofit/>
           </a:bodyPr>
-          <a:p>
-            <a:endParaRPr b="0" lang="en-US" sz="3200" spc="-1" strike="noStrike">
+          <a:lstStyle/>
+          <a:p>
+            <a:endParaRPr lang="en-US" sz="3200" b="0" strike="noStrike" spc="-1">
               <a:latin typeface="Arial"/>
             </a:endParaRPr>
           </a:p>
@@ -1760,11 +1946,14 @@
       </p:sp>
     </p:spTree>
   </p:cSld>
+  <p:clrMapOvr>
+    <a:masterClrMapping/>
+  </p:clrMapOvr>
 </p:sldLayout>
 </file>
 
 <file path=ppt/slideLayouts/slideLayout24.xml><?xml version="1.0" encoding="utf-8"?>
-<p:sldLayout xmlns:a="http://schemas.openxmlformats.org/drawingml/2006/main" xmlns:p="http://schemas.openxmlformats.org/presentationml/2006/main" xmlns:r="http://schemas.openxmlformats.org/officeDocument/2006/relationships" xmlns:p14="http://schemas.microsoft.com/office/powerpoint/2010/main" xmlns:p15="http://schemas.microsoft.com/office/powerpoint/2012/main" xmlns:mc="http://schemas.openxmlformats.org/markup-compatibility/2006" type="blank" preserve="1">
+<p:sldLayout xmlns:a="http://schemas.openxmlformats.org/drawingml/2006/main" xmlns:r="http://schemas.openxmlformats.org/officeDocument/2006/relationships" xmlns:p="http://schemas.openxmlformats.org/presentationml/2006/main" type="blank" preserve="1">
   <p:cSld name="Title, 6 Content">
     <p:spTree>
       <p:nvGrpSpPr>
@@ -1800,12 +1989,13 @@
           </a:prstGeom>
         </p:spPr>
         <p:txBody>
-          <a:bodyPr lIns="0" rIns="0" tIns="0" bIns="0" anchor="ctr">
+          <a:bodyPr lIns="0" tIns="0" rIns="0" bIns="0" anchor="ctr">
             <a:noAutofit/>
           </a:bodyPr>
+          <a:lstStyle/>
           <a:p>
             <a:pPr algn="ctr"/>
-            <a:endParaRPr b="0" lang="en-US" sz="4400" spc="-1" strike="noStrike">
+            <a:endParaRPr lang="en-US" sz="4400" b="0" strike="noStrike" spc="-1">
               <a:latin typeface="Arial"/>
             </a:endParaRPr>
           </a:p>
@@ -1831,11 +2021,12 @@
           </a:prstGeom>
         </p:spPr>
         <p:txBody>
-          <a:bodyPr lIns="0" rIns="0" tIns="0" bIns="0">
+          <a:bodyPr lIns="0" tIns="0" rIns="0" bIns="0">
             <a:normAutofit/>
           </a:bodyPr>
-          <a:p>
-            <a:endParaRPr b="0" lang="en-US" sz="3200" spc="-1" strike="noStrike">
+          <a:lstStyle/>
+          <a:p>
+            <a:endParaRPr lang="en-US" sz="3200" b="0" strike="noStrike" spc="-1">
               <a:latin typeface="Arial"/>
             </a:endParaRPr>
           </a:p>
@@ -1861,11 +2052,12 @@
           </a:prstGeom>
         </p:spPr>
         <p:txBody>
-          <a:bodyPr lIns="0" rIns="0" tIns="0" bIns="0">
+          <a:bodyPr lIns="0" tIns="0" rIns="0" bIns="0">
             <a:normAutofit/>
           </a:bodyPr>
-          <a:p>
-            <a:endParaRPr b="0" lang="en-US" sz="3200" spc="-1" strike="noStrike">
+          <a:lstStyle/>
+          <a:p>
+            <a:endParaRPr lang="en-US" sz="3200" b="0" strike="noStrike" spc="-1">
               <a:latin typeface="Arial"/>
             </a:endParaRPr>
           </a:p>
@@ -1891,11 +2083,12 @@
           </a:prstGeom>
         </p:spPr>
         <p:txBody>
-          <a:bodyPr lIns="0" rIns="0" tIns="0" bIns="0">
+          <a:bodyPr lIns="0" tIns="0" rIns="0" bIns="0">
             <a:normAutofit/>
           </a:bodyPr>
-          <a:p>
-            <a:endParaRPr b="0" lang="en-US" sz="3200" spc="-1" strike="noStrike">
+          <a:lstStyle/>
+          <a:p>
+            <a:endParaRPr lang="en-US" sz="3200" b="0" strike="noStrike" spc="-1">
               <a:latin typeface="Arial"/>
             </a:endParaRPr>
           </a:p>
@@ -1921,11 +2114,12 @@
           </a:prstGeom>
         </p:spPr>
         <p:txBody>
-          <a:bodyPr lIns="0" rIns="0" tIns="0" bIns="0">
+          <a:bodyPr lIns="0" tIns="0" rIns="0" bIns="0">
             <a:normAutofit/>
           </a:bodyPr>
-          <a:p>
-            <a:endParaRPr b="0" lang="en-US" sz="3200" spc="-1" strike="noStrike">
+          <a:lstStyle/>
+          <a:p>
+            <a:endParaRPr lang="en-US" sz="3200" b="0" strike="noStrike" spc="-1">
               <a:latin typeface="Arial"/>
             </a:endParaRPr>
           </a:p>
@@ -1951,11 +2145,12 @@
           </a:prstGeom>
         </p:spPr>
         <p:txBody>
-          <a:bodyPr lIns="0" rIns="0" tIns="0" bIns="0">
+          <a:bodyPr lIns="0" tIns="0" rIns="0" bIns="0">
             <a:normAutofit/>
           </a:bodyPr>
-          <a:p>
-            <a:endParaRPr b="0" lang="en-US" sz="3200" spc="-1" strike="noStrike">
+          <a:lstStyle/>
+          <a:p>
+            <a:endParaRPr lang="en-US" sz="3200" b="0" strike="noStrike" spc="-1">
               <a:latin typeface="Arial"/>
             </a:endParaRPr>
           </a:p>
@@ -1981,11 +2176,12 @@
           </a:prstGeom>
         </p:spPr>
         <p:txBody>
-          <a:bodyPr lIns="0" rIns="0" tIns="0" bIns="0">
+          <a:bodyPr lIns="0" tIns="0" rIns="0" bIns="0">
             <a:normAutofit/>
           </a:bodyPr>
-          <a:p>
-            <a:endParaRPr b="0" lang="en-US" sz="3200" spc="-1" strike="noStrike">
+          <a:lstStyle/>
+          <a:p>
+            <a:endParaRPr lang="en-US" sz="3200" b="0" strike="noStrike" spc="-1">
               <a:latin typeface="Arial"/>
             </a:endParaRPr>
           </a:p>
@@ -1993,11 +2189,14 @@
       </p:sp>
     </p:spTree>
   </p:cSld>
+  <p:clrMapOvr>
+    <a:masterClrMapping/>
+  </p:clrMapOvr>
 </p:sldLayout>
 </file>
 
 <file path=ppt/slideLayouts/slideLayout3.xml><?xml version="1.0" encoding="utf-8"?>
-<p:sldLayout xmlns:a="http://schemas.openxmlformats.org/drawingml/2006/main" xmlns:p="http://schemas.openxmlformats.org/presentationml/2006/main" xmlns:r="http://schemas.openxmlformats.org/officeDocument/2006/relationships" xmlns:p14="http://schemas.microsoft.com/office/powerpoint/2010/main" xmlns:p15="http://schemas.microsoft.com/office/powerpoint/2012/main" xmlns:mc="http://schemas.openxmlformats.org/markup-compatibility/2006" type="obj" preserve="1">
+<p:sldLayout xmlns:a="http://schemas.openxmlformats.org/drawingml/2006/main" xmlns:r="http://schemas.openxmlformats.org/officeDocument/2006/relationships" xmlns:p="http://schemas.openxmlformats.org/presentationml/2006/main" type="obj" preserve="1">
   <p:cSld name="Title, Content">
     <p:spTree>
       <p:nvGrpSpPr>
@@ -2033,12 +2232,13 @@
           </a:prstGeom>
         </p:spPr>
         <p:txBody>
-          <a:bodyPr lIns="0" rIns="0" tIns="0" bIns="0" anchor="ctr">
+          <a:bodyPr lIns="0" tIns="0" rIns="0" bIns="0" anchor="ctr">
             <a:noAutofit/>
           </a:bodyPr>
+          <a:lstStyle/>
           <a:p>
             <a:pPr algn="ctr"/>
-            <a:endParaRPr b="0" lang="en-US" sz="4400" spc="-1" strike="noStrike">
+            <a:endParaRPr lang="en-US" sz="4400" b="0" strike="noStrike" spc="-1">
               <a:latin typeface="Arial"/>
             </a:endParaRPr>
           </a:p>
@@ -2064,11 +2264,12 @@
           </a:prstGeom>
         </p:spPr>
         <p:txBody>
-          <a:bodyPr lIns="0" rIns="0" tIns="0" bIns="0">
+          <a:bodyPr lIns="0" tIns="0" rIns="0" bIns="0">
             <a:normAutofit/>
           </a:bodyPr>
-          <a:p>
-            <a:endParaRPr b="0" lang="en-US" sz="3200" spc="-1" strike="noStrike">
+          <a:lstStyle/>
+          <a:p>
+            <a:endParaRPr lang="en-US" sz="3200" b="0" strike="noStrike" spc="-1">
               <a:latin typeface="Arial"/>
             </a:endParaRPr>
           </a:p>
@@ -2076,11 +2277,14 @@
       </p:sp>
     </p:spTree>
   </p:cSld>
+  <p:clrMapOvr>
+    <a:masterClrMapping/>
+  </p:clrMapOvr>
 </p:sldLayout>
 </file>
 
 <file path=ppt/slideLayouts/slideLayout4.xml><?xml version="1.0" encoding="utf-8"?>
-<p:sldLayout xmlns:a="http://schemas.openxmlformats.org/drawingml/2006/main" xmlns:p="http://schemas.openxmlformats.org/presentationml/2006/main" xmlns:r="http://schemas.openxmlformats.org/officeDocument/2006/relationships" xmlns:p14="http://schemas.microsoft.com/office/powerpoint/2010/main" xmlns:p15="http://schemas.microsoft.com/office/powerpoint/2012/main" xmlns:mc="http://schemas.openxmlformats.org/markup-compatibility/2006" type="twoObj" preserve="1">
+<p:sldLayout xmlns:a="http://schemas.openxmlformats.org/drawingml/2006/main" xmlns:r="http://schemas.openxmlformats.org/officeDocument/2006/relationships" xmlns:p="http://schemas.openxmlformats.org/presentationml/2006/main" type="twoObj" preserve="1">
   <p:cSld name="Title, 2 Content">
     <p:spTree>
       <p:nvGrpSpPr>
@@ -2116,12 +2320,13 @@
           </a:prstGeom>
         </p:spPr>
         <p:txBody>
-          <a:bodyPr lIns="0" rIns="0" tIns="0" bIns="0" anchor="ctr">
+          <a:bodyPr lIns="0" tIns="0" rIns="0" bIns="0" anchor="ctr">
             <a:noAutofit/>
           </a:bodyPr>
+          <a:lstStyle/>
           <a:p>
             <a:pPr algn="ctr"/>
-            <a:endParaRPr b="0" lang="en-US" sz="4400" spc="-1" strike="noStrike">
+            <a:endParaRPr lang="en-US" sz="4400" b="0" strike="noStrike" spc="-1">
               <a:latin typeface="Arial"/>
             </a:endParaRPr>
           </a:p>
@@ -2147,11 +2352,12 @@
           </a:prstGeom>
         </p:spPr>
         <p:txBody>
-          <a:bodyPr lIns="0" rIns="0" tIns="0" bIns="0">
+          <a:bodyPr lIns="0" tIns="0" rIns="0" bIns="0">
             <a:normAutofit/>
           </a:bodyPr>
-          <a:p>
-            <a:endParaRPr b="0" lang="en-US" sz="3200" spc="-1" strike="noStrike">
+          <a:lstStyle/>
+          <a:p>
+            <a:endParaRPr lang="en-US" sz="3200" b="0" strike="noStrike" spc="-1">
               <a:latin typeface="Arial"/>
             </a:endParaRPr>
           </a:p>
@@ -2177,11 +2383,12 @@
           </a:prstGeom>
         </p:spPr>
         <p:txBody>
-          <a:bodyPr lIns="0" rIns="0" tIns="0" bIns="0">
+          <a:bodyPr lIns="0" tIns="0" rIns="0" bIns="0">
             <a:normAutofit/>
           </a:bodyPr>
-          <a:p>
-            <a:endParaRPr b="0" lang="en-US" sz="3200" spc="-1" strike="noStrike">
+          <a:lstStyle/>
+          <a:p>
+            <a:endParaRPr lang="en-US" sz="3200" b="0" strike="noStrike" spc="-1">
               <a:latin typeface="Arial"/>
             </a:endParaRPr>
           </a:p>
@@ -2189,11 +2396,14 @@
       </p:sp>
     </p:spTree>
   </p:cSld>
+  <p:clrMapOvr>
+    <a:masterClrMapping/>
+  </p:clrMapOvr>
 </p:sldLayout>
 </file>
 
 <file path=ppt/slideLayouts/slideLayout5.xml><?xml version="1.0" encoding="utf-8"?>
-<p:sldLayout xmlns:a="http://schemas.openxmlformats.org/drawingml/2006/main" xmlns:p="http://schemas.openxmlformats.org/presentationml/2006/main" xmlns:r="http://schemas.openxmlformats.org/officeDocument/2006/relationships" xmlns:p14="http://schemas.microsoft.com/office/powerpoint/2010/main" xmlns:p15="http://schemas.microsoft.com/office/powerpoint/2012/main" xmlns:mc="http://schemas.openxmlformats.org/markup-compatibility/2006" type="titleOnly" preserve="1">
+<p:sldLayout xmlns:a="http://schemas.openxmlformats.org/drawingml/2006/main" xmlns:r="http://schemas.openxmlformats.org/officeDocument/2006/relationships" xmlns:p="http://schemas.openxmlformats.org/presentationml/2006/main" type="titleOnly" preserve="1">
   <p:cSld name="Title Only">
     <p:spTree>
       <p:nvGrpSpPr>
@@ -2229,12 +2439,13 @@
           </a:prstGeom>
         </p:spPr>
         <p:txBody>
-          <a:bodyPr lIns="0" rIns="0" tIns="0" bIns="0" anchor="ctr">
+          <a:bodyPr lIns="0" tIns="0" rIns="0" bIns="0" anchor="ctr">
             <a:noAutofit/>
           </a:bodyPr>
+          <a:lstStyle/>
           <a:p>
             <a:pPr algn="ctr"/>
-            <a:endParaRPr b="0" lang="en-US" sz="4400" spc="-1" strike="noStrike">
+            <a:endParaRPr lang="en-US" sz="4400" b="0" strike="noStrike" spc="-1">
               <a:latin typeface="Arial"/>
             </a:endParaRPr>
           </a:p>
@@ -2242,11 +2453,14 @@
       </p:sp>
     </p:spTree>
   </p:cSld>
+  <p:clrMapOvr>
+    <a:masterClrMapping/>
+  </p:clrMapOvr>
 </p:sldLayout>
 </file>
 
 <file path=ppt/slideLayouts/slideLayout6.xml><?xml version="1.0" encoding="utf-8"?>
-<p:sldLayout xmlns:a="http://schemas.openxmlformats.org/drawingml/2006/main" xmlns:p="http://schemas.openxmlformats.org/presentationml/2006/main" xmlns:r="http://schemas.openxmlformats.org/officeDocument/2006/relationships" xmlns:p14="http://schemas.microsoft.com/office/powerpoint/2010/main" xmlns:p15="http://schemas.microsoft.com/office/powerpoint/2012/main" xmlns:mc="http://schemas.openxmlformats.org/markup-compatibility/2006" type="objOnly" preserve="1">
+<p:sldLayout xmlns:a="http://schemas.openxmlformats.org/drawingml/2006/main" xmlns:r="http://schemas.openxmlformats.org/officeDocument/2006/relationships" xmlns:p="http://schemas.openxmlformats.org/presentationml/2006/main" type="objOnly" preserve="1">
   <p:cSld name="Centered Text">
     <p:spTree>
       <p:nvGrpSpPr>
@@ -2282,12 +2496,13 @@
           </a:prstGeom>
         </p:spPr>
         <p:txBody>
-          <a:bodyPr lIns="0" rIns="0" tIns="0" bIns="0" anchor="ctr">
+          <a:bodyPr lIns="0" tIns="0" rIns="0" bIns="0" anchor="ctr">
             <a:noAutofit/>
           </a:bodyPr>
+          <a:lstStyle/>
           <a:p>
             <a:pPr algn="ctr"/>
-            <a:endParaRPr b="0" lang="en-US" sz="3200" spc="-1" strike="noStrike">
+            <a:endParaRPr lang="en-US" sz="3200" b="0" strike="noStrike" spc="-1">
               <a:latin typeface="Arial"/>
             </a:endParaRPr>
           </a:p>
@@ -2295,11 +2510,14 @@
       </p:sp>
     </p:spTree>
   </p:cSld>
+  <p:clrMapOvr>
+    <a:masterClrMapping/>
+  </p:clrMapOvr>
 </p:sldLayout>
 </file>
 
 <file path=ppt/slideLayouts/slideLayout7.xml><?xml version="1.0" encoding="utf-8"?>
-<p:sldLayout xmlns:a="http://schemas.openxmlformats.org/drawingml/2006/main" xmlns:p="http://schemas.openxmlformats.org/presentationml/2006/main" xmlns:r="http://schemas.openxmlformats.org/officeDocument/2006/relationships" xmlns:p14="http://schemas.microsoft.com/office/powerpoint/2010/main" xmlns:p15="http://schemas.microsoft.com/office/powerpoint/2012/main" xmlns:mc="http://schemas.openxmlformats.org/markup-compatibility/2006" type="twoObjAndObj" preserve="1">
+<p:sldLayout xmlns:a="http://schemas.openxmlformats.org/drawingml/2006/main" xmlns:r="http://schemas.openxmlformats.org/officeDocument/2006/relationships" xmlns:p="http://schemas.openxmlformats.org/presentationml/2006/main" type="twoObjAndObj" preserve="1">
   <p:cSld name="Title, 2 Content and Content">
     <p:spTree>
       <p:nvGrpSpPr>
@@ -2335,12 +2553,13 @@
           </a:prstGeom>
         </p:spPr>
         <p:txBody>
-          <a:bodyPr lIns="0" rIns="0" tIns="0" bIns="0" anchor="ctr">
+          <a:bodyPr lIns="0" tIns="0" rIns="0" bIns="0" anchor="ctr">
             <a:noAutofit/>
           </a:bodyPr>
+          <a:lstStyle/>
           <a:p>
             <a:pPr algn="ctr"/>
-            <a:endParaRPr b="0" lang="en-US" sz="4400" spc="-1" strike="noStrike">
+            <a:endParaRPr lang="en-US" sz="4400" b="0" strike="noStrike" spc="-1">
               <a:latin typeface="Arial"/>
             </a:endParaRPr>
           </a:p>
@@ -2366,11 +2585,12 @@
           </a:prstGeom>
         </p:spPr>
         <p:txBody>
-          <a:bodyPr lIns="0" rIns="0" tIns="0" bIns="0">
+          <a:bodyPr lIns="0" tIns="0" rIns="0" bIns="0">
             <a:normAutofit/>
           </a:bodyPr>
-          <a:p>
-            <a:endParaRPr b="0" lang="en-US" sz="3200" spc="-1" strike="noStrike">
+          <a:lstStyle/>
+          <a:p>
+            <a:endParaRPr lang="en-US" sz="3200" b="0" strike="noStrike" spc="-1">
               <a:latin typeface="Arial"/>
             </a:endParaRPr>
           </a:p>
@@ -2396,11 +2616,12 @@
           </a:prstGeom>
         </p:spPr>
         <p:txBody>
-          <a:bodyPr lIns="0" rIns="0" tIns="0" bIns="0">
+          <a:bodyPr lIns="0" tIns="0" rIns="0" bIns="0">
             <a:normAutofit/>
           </a:bodyPr>
-          <a:p>
-            <a:endParaRPr b="0" lang="en-US" sz="3200" spc="-1" strike="noStrike">
+          <a:lstStyle/>
+          <a:p>
+            <a:endParaRPr lang="en-US" sz="3200" b="0" strike="noStrike" spc="-1">
               <a:latin typeface="Arial"/>
             </a:endParaRPr>
           </a:p>
@@ -2426,11 +2647,12 @@
           </a:prstGeom>
         </p:spPr>
         <p:txBody>
-          <a:bodyPr lIns="0" rIns="0" tIns="0" bIns="0">
+          <a:bodyPr lIns="0" tIns="0" rIns="0" bIns="0">
             <a:normAutofit/>
           </a:bodyPr>
-          <a:p>
-            <a:endParaRPr b="0" lang="en-US" sz="3200" spc="-1" strike="noStrike">
+          <a:lstStyle/>
+          <a:p>
+            <a:endParaRPr lang="en-US" sz="3200" b="0" strike="noStrike" spc="-1">
               <a:latin typeface="Arial"/>
             </a:endParaRPr>
           </a:p>
@@ -2438,11 +2660,14 @@
       </p:sp>
     </p:spTree>
   </p:cSld>
+  <p:clrMapOvr>
+    <a:masterClrMapping/>
+  </p:clrMapOvr>
 </p:sldLayout>
 </file>
 
 <file path=ppt/slideLayouts/slideLayout8.xml><?xml version="1.0" encoding="utf-8"?>
-<p:sldLayout xmlns:a="http://schemas.openxmlformats.org/drawingml/2006/main" xmlns:p="http://schemas.openxmlformats.org/presentationml/2006/main" xmlns:r="http://schemas.openxmlformats.org/officeDocument/2006/relationships" xmlns:p14="http://schemas.microsoft.com/office/powerpoint/2010/main" xmlns:p15="http://schemas.microsoft.com/office/powerpoint/2012/main" xmlns:mc="http://schemas.openxmlformats.org/markup-compatibility/2006" type="objAndTwoObj" preserve="1">
+<p:sldLayout xmlns:a="http://schemas.openxmlformats.org/drawingml/2006/main" xmlns:r="http://schemas.openxmlformats.org/officeDocument/2006/relationships" xmlns:p="http://schemas.openxmlformats.org/presentationml/2006/main" type="objAndTwoObj" preserve="1">
   <p:cSld name="Title Content and 2 Content">
     <p:spTree>
       <p:nvGrpSpPr>
@@ -2478,12 +2703,13 @@
           </a:prstGeom>
         </p:spPr>
         <p:txBody>
-          <a:bodyPr lIns="0" rIns="0" tIns="0" bIns="0" anchor="ctr">
+          <a:bodyPr lIns="0" tIns="0" rIns="0" bIns="0" anchor="ctr">
             <a:noAutofit/>
           </a:bodyPr>
+          <a:lstStyle/>
           <a:p>
             <a:pPr algn="ctr"/>
-            <a:endParaRPr b="0" lang="en-US" sz="4400" spc="-1" strike="noStrike">
+            <a:endParaRPr lang="en-US" sz="4400" b="0" strike="noStrike" spc="-1">
               <a:latin typeface="Arial"/>
             </a:endParaRPr>
           </a:p>
@@ -2509,11 +2735,12 @@
           </a:prstGeom>
         </p:spPr>
         <p:txBody>
-          <a:bodyPr lIns="0" rIns="0" tIns="0" bIns="0">
+          <a:bodyPr lIns="0" tIns="0" rIns="0" bIns="0">
             <a:normAutofit/>
           </a:bodyPr>
-          <a:p>
-            <a:endParaRPr b="0" lang="en-US" sz="3200" spc="-1" strike="noStrike">
+          <a:lstStyle/>
+          <a:p>
+            <a:endParaRPr lang="en-US" sz="3200" b="0" strike="noStrike" spc="-1">
               <a:latin typeface="Arial"/>
             </a:endParaRPr>
           </a:p>
@@ -2539,11 +2766,12 @@
           </a:prstGeom>
         </p:spPr>
         <p:txBody>
-          <a:bodyPr lIns="0" rIns="0" tIns="0" bIns="0">
+          <a:bodyPr lIns="0" tIns="0" rIns="0" bIns="0">
             <a:normAutofit/>
           </a:bodyPr>
-          <a:p>
-            <a:endParaRPr b="0" lang="en-US" sz="3200" spc="-1" strike="noStrike">
+          <a:lstStyle/>
+          <a:p>
+            <a:endParaRPr lang="en-US" sz="3200" b="0" strike="noStrike" spc="-1">
               <a:latin typeface="Arial"/>
             </a:endParaRPr>
           </a:p>
@@ -2569,11 +2797,12 @@
           </a:prstGeom>
         </p:spPr>
         <p:txBody>
-          <a:bodyPr lIns="0" rIns="0" tIns="0" bIns="0">
+          <a:bodyPr lIns="0" tIns="0" rIns="0" bIns="0">
             <a:normAutofit/>
           </a:bodyPr>
-          <a:p>
-            <a:endParaRPr b="0" lang="en-US" sz="3200" spc="-1" strike="noStrike">
+          <a:lstStyle/>
+          <a:p>
+            <a:endParaRPr lang="en-US" sz="3200" b="0" strike="noStrike" spc="-1">
               <a:latin typeface="Arial"/>
             </a:endParaRPr>
           </a:p>
@@ -2581,11 +2810,14 @@
       </p:sp>
     </p:spTree>
   </p:cSld>
+  <p:clrMapOvr>
+    <a:masterClrMapping/>
+  </p:clrMapOvr>
 </p:sldLayout>
 </file>
 
 <file path=ppt/slideLayouts/slideLayout9.xml><?xml version="1.0" encoding="utf-8"?>
-<p:sldLayout xmlns:a="http://schemas.openxmlformats.org/drawingml/2006/main" xmlns:p="http://schemas.openxmlformats.org/presentationml/2006/main" xmlns:r="http://schemas.openxmlformats.org/officeDocument/2006/relationships" xmlns:p14="http://schemas.microsoft.com/office/powerpoint/2010/main" xmlns:p15="http://schemas.microsoft.com/office/powerpoint/2012/main" xmlns:mc="http://schemas.openxmlformats.org/markup-compatibility/2006" type="twoObjOverTx" preserve="1">
+<p:sldLayout xmlns:a="http://schemas.openxmlformats.org/drawingml/2006/main" xmlns:r="http://schemas.openxmlformats.org/officeDocument/2006/relationships" xmlns:p="http://schemas.openxmlformats.org/presentationml/2006/main" type="twoObjOverTx" preserve="1">
   <p:cSld name="Title, 2 Content over Content">
     <p:spTree>
       <p:nvGrpSpPr>
@@ -2621,12 +2853,13 @@
           </a:prstGeom>
         </p:spPr>
         <p:txBody>
-          <a:bodyPr lIns="0" rIns="0" tIns="0" bIns="0" anchor="ctr">
+          <a:bodyPr lIns="0" tIns="0" rIns="0" bIns="0" anchor="ctr">
             <a:noAutofit/>
           </a:bodyPr>
+          <a:lstStyle/>
           <a:p>
             <a:pPr algn="ctr"/>
-            <a:endParaRPr b="0" lang="en-US" sz="4400" spc="-1" strike="noStrike">
+            <a:endParaRPr lang="en-US" sz="4400" b="0" strike="noStrike" spc="-1">
               <a:latin typeface="Arial"/>
             </a:endParaRPr>
           </a:p>
@@ -2652,11 +2885,12 @@
           </a:prstGeom>
         </p:spPr>
         <p:txBody>
-          <a:bodyPr lIns="0" rIns="0" tIns="0" bIns="0">
+          <a:bodyPr lIns="0" tIns="0" rIns="0" bIns="0">
             <a:normAutofit/>
           </a:bodyPr>
-          <a:p>
-            <a:endParaRPr b="0" lang="en-US" sz="3200" spc="-1" strike="noStrike">
+          <a:lstStyle/>
+          <a:p>
+            <a:endParaRPr lang="en-US" sz="3200" b="0" strike="noStrike" spc="-1">
               <a:latin typeface="Arial"/>
             </a:endParaRPr>
           </a:p>
@@ -2682,11 +2916,12 @@
           </a:prstGeom>
         </p:spPr>
         <p:txBody>
-          <a:bodyPr lIns="0" rIns="0" tIns="0" bIns="0">
+          <a:bodyPr lIns="0" tIns="0" rIns="0" bIns="0">
             <a:normAutofit/>
           </a:bodyPr>
-          <a:p>
-            <a:endParaRPr b="0" lang="en-US" sz="3200" spc="-1" strike="noStrike">
+          <a:lstStyle/>
+          <a:p>
+            <a:endParaRPr lang="en-US" sz="3200" b="0" strike="noStrike" spc="-1">
               <a:latin typeface="Arial"/>
             </a:endParaRPr>
           </a:p>
@@ -2712,11 +2947,12 @@
           </a:prstGeom>
         </p:spPr>
         <p:txBody>
-          <a:bodyPr lIns="0" rIns="0" tIns="0" bIns="0">
+          <a:bodyPr lIns="0" tIns="0" rIns="0" bIns="0">
             <a:normAutofit/>
           </a:bodyPr>
-          <a:p>
-            <a:endParaRPr b="0" lang="en-US" sz="3200" spc="-1" strike="noStrike">
+          <a:lstStyle/>
+          <a:p>
+            <a:endParaRPr lang="en-US" sz="3200" b="0" strike="noStrike" spc="-1">
               <a:latin typeface="Arial"/>
             </a:endParaRPr>
           </a:p>
@@ -2724,11 +2960,1046 @@
       </p:sp>
     </p:spTree>
   </p:cSld>
+  <p:clrMapOvr>
+    <a:masterClrMapping/>
+  </p:clrMapOvr>
 </p:sldLayout>
 </file>
 
 <file path=ppt/slideMasters/slideMaster1.xml><?xml version="1.0" encoding="utf-8"?>
-<p:sldMaster xmlns:a="http://schemas.openxmlformats.org/drawingml/2006/main" xmlns:p="http://schemas.openxmlformats.org/presentationml/2006/main" xmlns:r="http://schemas.openxmlformats.org/officeDocument/2006/relationships" xmlns:p14="http://schemas.microsoft.com/office/powerpoint/2010/main" xmlns:p15="http://schemas.microsoft.com/office/powerpoint/2012/main" xmlns:mc="http://schemas.openxmlformats.org/markup-compatibility/2006">
+<p:sldMaster xmlns:a="http://schemas.openxmlformats.org/drawingml/2006/main" xmlns:r="http://schemas.openxmlformats.org/officeDocument/2006/relationships" xmlns:p="http://schemas.openxmlformats.org/presentationml/2006/main">
+  <p:cSld>
+    <p:bg>
+      <p:bgRef idx="1001">
+        <a:schemeClr val="bg1"/>
+      </p:bgRef>
+    </p:bg>
+    <p:spTree>
+      <p:nvGrpSpPr>
+        <p:cNvPr id="1" name=""/>
+        <p:cNvGrpSpPr/>
+        <p:nvPr/>
+      </p:nvGrpSpPr>
+      <p:grpSpPr>
+        <a:xfrm>
+          <a:off x="0" y="0"/>
+          <a:ext cx="0" cy="0"/>
+          <a:chOff x="0" y="0"/>
+          <a:chExt cx="0" cy="0"/>
+        </a:xfrm>
+      </p:grpSpPr>
+      <p:sp>
+        <p:nvSpPr>
+          <p:cNvPr id="2" name="PlaceHolder 1"/>
+          <p:cNvSpPr>
+            <a:spLocks noGrp="1"/>
+          </p:cNvSpPr>
+          <p:nvPr>
+            <p:ph type="title"/>
+          </p:nvPr>
+        </p:nvSpPr>
+        <p:spPr>
+          <a:xfrm>
+            <a:off x="504000" y="226080"/>
+            <a:ext cx="9072000" cy="946440"/>
+          </a:xfrm>
+          <a:prstGeom prst="rect">
+            <a:avLst/>
+          </a:prstGeom>
+        </p:spPr>
+        <p:txBody>
+          <a:bodyPr lIns="0" tIns="0" rIns="0" bIns="0" anchor="ctr">
+            <a:noAutofit/>
+          </a:bodyPr>
+          <a:lstStyle/>
+          <a:p>
+            <a:pPr algn="ctr"/>
+            <a:r>
+              <a:rPr lang="en-US" sz="4400" b="0" strike="noStrike" spc="-1">
+                <a:latin typeface="Arial"/>
+              </a:rPr>
+              <a:t>Click to edit the title text format</a:t>
+            </a:r>
+          </a:p>
+        </p:txBody>
+      </p:sp>
+      <p:sp>
+        <p:nvSpPr>
+          <p:cNvPr id="3" name="PlaceHolder 2"/>
+          <p:cNvSpPr>
+            <a:spLocks noGrp="1"/>
+          </p:cNvSpPr>
+          <p:nvPr>
+            <p:ph type="body"/>
+          </p:nvPr>
+        </p:nvSpPr>
+        <p:spPr>
+          <a:xfrm>
+            <a:off x="504000" y="1326600"/>
+            <a:ext cx="9072000" cy="3288600"/>
+          </a:xfrm>
+          <a:prstGeom prst="rect">
+            <a:avLst/>
+          </a:prstGeom>
+        </p:spPr>
+        <p:txBody>
+          <a:bodyPr lIns="0" tIns="0" rIns="0" bIns="0">
+            <a:normAutofit/>
+          </a:bodyPr>
+          <a:lstStyle/>
+          <a:p>
+            <a:pPr marL="432000" indent="-324000">
+              <a:spcBef>
+                <a:spcPts val="1417"/>
+              </a:spcBef>
+              <a:buClr>
+                <a:srgbClr val="000000"/>
+              </a:buClr>
+              <a:buSzPct val="45000"/>
+              <a:buFont typeface="Wingdings" charset="2"/>
+              <a:buChar char=""/>
+            </a:pPr>
+            <a:r>
+              <a:rPr lang="en-US" sz="3200" b="0" strike="noStrike" spc="-1">
+                <a:latin typeface="Arial"/>
+              </a:rPr>
+              <a:t>Click to edit the outline text format</a:t>
+            </a:r>
+          </a:p>
+          <a:p>
+            <a:pPr marL="864000" lvl="1" indent="-324000">
+              <a:spcBef>
+                <a:spcPts val="1134"/>
+              </a:spcBef>
+              <a:buClr>
+                <a:srgbClr val="000000"/>
+              </a:buClr>
+              <a:buSzPct val="75000"/>
+              <a:buFont typeface="Symbol" charset="2"/>
+              <a:buChar char=""/>
+            </a:pPr>
+            <a:r>
+              <a:rPr lang="en-US" sz="2800" b="0" strike="noStrike" spc="-1">
+                <a:latin typeface="Arial"/>
+              </a:rPr>
+              <a:t>Second Outline Level</a:t>
+            </a:r>
+          </a:p>
+          <a:p>
+            <a:pPr marL="1296000" lvl="2" indent="-288000">
+              <a:spcBef>
+                <a:spcPts val="850"/>
+              </a:spcBef>
+              <a:buClr>
+                <a:srgbClr val="000000"/>
+              </a:buClr>
+              <a:buSzPct val="45000"/>
+              <a:buFont typeface="Wingdings" charset="2"/>
+              <a:buChar char=""/>
+            </a:pPr>
+            <a:r>
+              <a:rPr lang="en-US" sz="2400" b="0" strike="noStrike" spc="-1">
+                <a:latin typeface="Arial"/>
+              </a:rPr>
+              <a:t>Third Outline Level</a:t>
+            </a:r>
+          </a:p>
+          <a:p>
+            <a:pPr marL="1728000" lvl="3" indent="-216000">
+              <a:spcBef>
+                <a:spcPts val="567"/>
+              </a:spcBef>
+              <a:buClr>
+                <a:srgbClr val="000000"/>
+              </a:buClr>
+              <a:buSzPct val="75000"/>
+              <a:buFont typeface="Symbol" charset="2"/>
+              <a:buChar char=""/>
+            </a:pPr>
+            <a:r>
+              <a:rPr lang="en-US" sz="2000" b="0" strike="noStrike" spc="-1">
+                <a:latin typeface="Arial"/>
+              </a:rPr>
+              <a:t>Fourth Outline Level</a:t>
+            </a:r>
+          </a:p>
+          <a:p>
+            <a:pPr marL="2160000" lvl="4" indent="-216000">
+              <a:spcBef>
+                <a:spcPts val="283"/>
+              </a:spcBef>
+              <a:buClr>
+                <a:srgbClr val="000000"/>
+              </a:buClr>
+              <a:buSzPct val="45000"/>
+              <a:buFont typeface="Wingdings" charset="2"/>
+              <a:buChar char=""/>
+            </a:pPr>
+            <a:r>
+              <a:rPr lang="en-US" sz="2000" b="0" strike="noStrike" spc="-1">
+                <a:latin typeface="Arial"/>
+              </a:rPr>
+              <a:t>Fifth Outline Level</a:t>
+            </a:r>
+          </a:p>
+          <a:p>
+            <a:pPr marL="2592000" lvl="5" indent="-216000">
+              <a:spcBef>
+                <a:spcPts val="283"/>
+              </a:spcBef>
+              <a:buClr>
+                <a:srgbClr val="000000"/>
+              </a:buClr>
+              <a:buSzPct val="45000"/>
+              <a:buFont typeface="Wingdings" charset="2"/>
+              <a:buChar char=""/>
+            </a:pPr>
+            <a:r>
+              <a:rPr lang="en-US" sz="2000" b="0" strike="noStrike" spc="-1">
+                <a:latin typeface="Arial"/>
+              </a:rPr>
+              <a:t>Sixth Outline Level</a:t>
+            </a:r>
+          </a:p>
+          <a:p>
+            <a:pPr marL="3024000" lvl="6" indent="-216000">
+              <a:spcBef>
+                <a:spcPts val="283"/>
+              </a:spcBef>
+              <a:buClr>
+                <a:srgbClr val="000000"/>
+              </a:buClr>
+              <a:buSzPct val="45000"/>
+              <a:buFont typeface="Wingdings" charset="2"/>
+              <a:buChar char=""/>
+            </a:pPr>
+            <a:r>
+              <a:rPr lang="en-US" sz="2000" b="0" strike="noStrike" spc="-1">
+                <a:latin typeface="Arial"/>
+              </a:rPr>
+              <a:t>Seventh Outline Level</a:t>
+            </a:r>
+          </a:p>
+        </p:txBody>
+      </p:sp>
+    </p:spTree>
+  </p:cSld>
+  <p:clrMap bg1="lt1" tx1="dk1" bg2="lt2" tx2="dk2" accent1="accent1" accent2="accent2" accent3="accent3" accent4="accent4" accent5="accent5" accent6="accent6" hlink="hlink" folHlink="folHlink"/>
+  <p:sldLayoutIdLst>
+    <p:sldLayoutId id="2147483649" r:id="rId1"/>
+    <p:sldLayoutId id="2147483650" r:id="rId2"/>
+    <p:sldLayoutId id="2147483651" r:id="rId3"/>
+    <p:sldLayoutId id="2147483652" r:id="rId4"/>
+    <p:sldLayoutId id="2147483653" r:id="rId5"/>
+    <p:sldLayoutId id="2147483654" r:id="rId6"/>
+    <p:sldLayoutId id="2147483655" r:id="rId7"/>
+    <p:sldLayoutId id="2147483656" r:id="rId8"/>
+    <p:sldLayoutId id="2147483657" r:id="rId9"/>
+    <p:sldLayoutId id="2147483658" r:id="rId10"/>
+    <p:sldLayoutId id="2147483659" r:id="rId11"/>
+    <p:sldLayoutId id="2147483660" r:id="rId12"/>
+  </p:sldLayoutIdLst>
+  <p:txStyles>
+    <p:titleStyle>
+      <a:lvl1pPr algn="l" defTabSz="914400" rtl="0" eaLnBrk="1" latinLnBrk="0" hangingPunct="1">
+        <a:lnSpc>
+          <a:spcPct val="90000"/>
+        </a:lnSpc>
+        <a:spcBef>
+          <a:spcPct val="0"/>
+        </a:spcBef>
+        <a:buNone/>
+        <a:defRPr sz="4400" kern="1200">
+          <a:solidFill>
+            <a:schemeClr val="tx1"/>
+          </a:solidFill>
+          <a:latin typeface="+mj-lt"/>
+          <a:ea typeface="+mj-ea"/>
+          <a:cs typeface="+mj-cs"/>
+        </a:defRPr>
+      </a:lvl1pPr>
+    </p:titleStyle>
+    <p:bodyStyle>
+      <a:lvl1pPr marL="228600" indent="-228600" algn="l" defTabSz="914400" rtl="0" eaLnBrk="1" latinLnBrk="0" hangingPunct="1">
+        <a:lnSpc>
+          <a:spcPct val="90000"/>
+        </a:lnSpc>
+        <a:spcBef>
+          <a:spcPts val="1000"/>
+        </a:spcBef>
+        <a:buFont typeface="Arial" panose="020B0604020202020204" pitchFamily="34" charset="0"/>
+        <a:buChar char="•"/>
+        <a:defRPr sz="2800" kern="1200">
+          <a:solidFill>
+            <a:schemeClr val="tx1"/>
+          </a:solidFill>
+          <a:latin typeface="+mn-lt"/>
+          <a:ea typeface="+mn-ea"/>
+          <a:cs typeface="+mn-cs"/>
+        </a:defRPr>
+      </a:lvl1pPr>
+      <a:lvl2pPr marL="685800" indent="-228600" algn="l" defTabSz="914400" rtl="0" eaLnBrk="1" latinLnBrk="0" hangingPunct="1">
+        <a:lnSpc>
+          <a:spcPct val="90000"/>
+        </a:lnSpc>
+        <a:spcBef>
+          <a:spcPts val="500"/>
+        </a:spcBef>
+        <a:buFont typeface="Arial" panose="020B0604020202020204" pitchFamily="34" charset="0"/>
+        <a:buChar char="•"/>
+        <a:defRPr sz="2400" kern="1200">
+          <a:solidFill>
+            <a:schemeClr val="tx1"/>
+          </a:solidFill>
+          <a:latin typeface="+mn-lt"/>
+          <a:ea typeface="+mn-ea"/>
+          <a:cs typeface="+mn-cs"/>
+        </a:defRPr>
+      </a:lvl2pPr>
+      <a:lvl3pPr marL="1143000" indent="-228600" algn="l" defTabSz="914400" rtl="0" eaLnBrk="1" latinLnBrk="0" hangingPunct="1">
+        <a:lnSpc>
+          <a:spcPct val="90000"/>
+        </a:lnSpc>
+        <a:spcBef>
+          <a:spcPts val="500"/>
+        </a:spcBef>
+        <a:buFont typeface="Arial" panose="020B0604020202020204" pitchFamily="34" charset="0"/>
+        <a:buChar char="•"/>
+        <a:defRPr sz="2000" kern="1200">
+          <a:solidFill>
+            <a:schemeClr val="tx1"/>
+          </a:solidFill>
+          <a:latin typeface="+mn-lt"/>
+          <a:ea typeface="+mn-ea"/>
+          <a:cs typeface="+mn-cs"/>
+        </a:defRPr>
+      </a:lvl3pPr>
+      <a:lvl4pPr marL="1600200" indent="-228600" algn="l" defTabSz="914400" rtl="0" eaLnBrk="1" latinLnBrk="0" hangingPunct="1">
+        <a:lnSpc>
+          <a:spcPct val="90000"/>
+        </a:lnSpc>
+        <a:spcBef>
+          <a:spcPts val="500"/>
+        </a:spcBef>
+        <a:buFont typeface="Arial" panose="020B0604020202020204" pitchFamily="34" charset="0"/>
+        <a:buChar char="•"/>
+        <a:defRPr sz="1800" kern="1200">
+          <a:solidFill>
+            <a:schemeClr val="tx1"/>
+          </a:solidFill>
+          <a:latin typeface="+mn-lt"/>
+          <a:ea typeface="+mn-ea"/>
+          <a:cs typeface="+mn-cs"/>
+        </a:defRPr>
+      </a:lvl4pPr>
+      <a:lvl5pPr marL="2057400" indent="-228600" algn="l" defTabSz="914400" rtl="0" eaLnBrk="1" latinLnBrk="0" hangingPunct="1">
+        <a:lnSpc>
+          <a:spcPct val="90000"/>
+        </a:lnSpc>
+        <a:spcBef>
+          <a:spcPts val="500"/>
+        </a:spcBef>
+        <a:buFont typeface="Arial" panose="020B0604020202020204" pitchFamily="34" charset="0"/>
+        <a:buChar char="•"/>
+        <a:defRPr sz="1800" kern="1200">
+          <a:solidFill>
+            <a:schemeClr val="tx1"/>
+          </a:solidFill>
+          <a:latin typeface="+mn-lt"/>
+          <a:ea typeface="+mn-ea"/>
+          <a:cs typeface="+mn-cs"/>
+        </a:defRPr>
+      </a:lvl5pPr>
+      <a:lvl6pPr marL="2514600" indent="-228600" algn="l" defTabSz="914400" rtl="0" eaLnBrk="1" latinLnBrk="0" hangingPunct="1">
+        <a:lnSpc>
+          <a:spcPct val="90000"/>
+        </a:lnSpc>
+        <a:spcBef>
+          <a:spcPts val="500"/>
+        </a:spcBef>
+        <a:buFont typeface="Arial" panose="020B0604020202020204" pitchFamily="34" charset="0"/>
+        <a:buChar char="•"/>
+        <a:defRPr sz="1800" kern="1200">
+          <a:solidFill>
+            <a:schemeClr val="tx1"/>
+          </a:solidFill>
+          <a:latin typeface="+mn-lt"/>
+          <a:ea typeface="+mn-ea"/>
+          <a:cs typeface="+mn-cs"/>
+        </a:defRPr>
+      </a:lvl6pPr>
+      <a:lvl7pPr marL="2971800" indent="-228600" algn="l" defTabSz="914400" rtl="0" eaLnBrk="1" latinLnBrk="0" hangingPunct="1">
+        <a:lnSpc>
+          <a:spcPct val="90000"/>
+        </a:lnSpc>
+        <a:spcBef>
+          <a:spcPts val="500"/>
+        </a:spcBef>
+        <a:buFont typeface="Arial" panose="020B0604020202020204" pitchFamily="34" charset="0"/>
+        <a:buChar char="•"/>
+        <a:defRPr sz="1800" kern="1200">
+          <a:solidFill>
+            <a:schemeClr val="tx1"/>
+          </a:solidFill>
+          <a:latin typeface="+mn-lt"/>
+          <a:ea typeface="+mn-ea"/>
+          <a:cs typeface="+mn-cs"/>
+        </a:defRPr>
+      </a:lvl7pPr>
+      <a:lvl8pPr marL="3429000" indent="-228600" algn="l" defTabSz="914400" rtl="0" eaLnBrk="1" latinLnBrk="0" hangingPunct="1">
+        <a:lnSpc>
+          <a:spcPct val="90000"/>
+        </a:lnSpc>
+        <a:spcBef>
+          <a:spcPts val="500"/>
+        </a:spcBef>
+        <a:buFont typeface="Arial" panose="020B0604020202020204" pitchFamily="34" charset="0"/>
+        <a:buChar char="•"/>
+        <a:defRPr sz="1800" kern="1200">
+          <a:solidFill>
+            <a:schemeClr val="tx1"/>
+          </a:solidFill>
+          <a:latin typeface="+mn-lt"/>
+          <a:ea typeface="+mn-ea"/>
+          <a:cs typeface="+mn-cs"/>
+        </a:defRPr>
+      </a:lvl8pPr>
+      <a:lvl9pPr marL="3886200" indent="-228600" algn="l" defTabSz="914400" rtl="0" eaLnBrk="1" latinLnBrk="0" hangingPunct="1">
+        <a:lnSpc>
+          <a:spcPct val="90000"/>
+        </a:lnSpc>
+        <a:spcBef>
+          <a:spcPts val="500"/>
+        </a:spcBef>
+        <a:buFont typeface="Arial" panose="020B0604020202020204" pitchFamily="34" charset="0"/>
+        <a:buChar char="•"/>
+        <a:defRPr sz="1800" kern="1200">
+          <a:solidFill>
+            <a:schemeClr val="tx1"/>
+          </a:solidFill>
+          <a:latin typeface="+mn-lt"/>
+          <a:ea typeface="+mn-ea"/>
+          <a:cs typeface="+mn-cs"/>
+        </a:defRPr>
+      </a:lvl9pPr>
+    </p:bodyStyle>
+    <p:otherStyle>
+      <a:defPPr>
+        <a:defRPr lang="en-US"/>
+      </a:defPPr>
+      <a:lvl1pPr marL="0" algn="l" defTabSz="914400" rtl="0" eaLnBrk="1" latinLnBrk="0" hangingPunct="1">
+        <a:defRPr sz="1800" kern="1200">
+          <a:solidFill>
+            <a:schemeClr val="tx1"/>
+          </a:solidFill>
+          <a:latin typeface="+mn-lt"/>
+          <a:ea typeface="+mn-ea"/>
+          <a:cs typeface="+mn-cs"/>
+        </a:defRPr>
+      </a:lvl1pPr>
+      <a:lvl2pPr marL="457200" algn="l" defTabSz="914400" rtl="0" eaLnBrk="1" latinLnBrk="0" hangingPunct="1">
+        <a:defRPr sz="1800" kern="1200">
+          <a:solidFill>
+            <a:schemeClr val="tx1"/>
+          </a:solidFill>
+          <a:latin typeface="+mn-lt"/>
+          <a:ea typeface="+mn-ea"/>
+          <a:cs typeface="+mn-cs"/>
+        </a:defRPr>
+      </a:lvl2pPr>
+      <a:lvl3pPr marL="914400" algn="l" defTabSz="914400" rtl="0" eaLnBrk="1" latinLnBrk="0" hangingPunct="1">
+        <a:defRPr sz="1800" kern="1200">
+          <a:solidFill>
+            <a:schemeClr val="tx1"/>
+          </a:solidFill>
+          <a:latin typeface="+mn-lt"/>
+          <a:ea typeface="+mn-ea"/>
+          <a:cs typeface="+mn-cs"/>
+        </a:defRPr>
+      </a:lvl3pPr>
+      <a:lvl4pPr marL="1371600" algn="l" defTabSz="914400" rtl="0" eaLnBrk="1" latinLnBrk="0" hangingPunct="1">
+        <a:defRPr sz="1800" kern="1200">
+          <a:solidFill>
+            <a:schemeClr val="tx1"/>
+          </a:solidFill>
+          <a:latin typeface="+mn-lt"/>
+          <a:ea typeface="+mn-ea"/>
+          <a:cs typeface="+mn-cs"/>
+        </a:defRPr>
+      </a:lvl4pPr>
+      <a:lvl5pPr marL="1828800" algn="l" defTabSz="914400" rtl="0" eaLnBrk="1" latinLnBrk="0" hangingPunct="1">
+        <a:defRPr sz="1800" kern="1200">
+          <a:solidFill>
+            <a:schemeClr val="tx1"/>
+          </a:solidFill>
+          <a:latin typeface="+mn-lt"/>
+          <a:ea typeface="+mn-ea"/>
+          <a:cs typeface="+mn-cs"/>
+        </a:defRPr>
+      </a:lvl5pPr>
+      <a:lvl6pPr marL="2286000" algn="l" defTabSz="914400" rtl="0" eaLnBrk="1" latinLnBrk="0" hangingPunct="1">
+        <a:defRPr sz="1800" kern="1200">
+          <a:solidFill>
+            <a:schemeClr val="tx1"/>
+          </a:solidFill>
+          <a:latin typeface="+mn-lt"/>
+          <a:ea typeface="+mn-ea"/>
+          <a:cs typeface="+mn-cs"/>
+        </a:defRPr>
+      </a:lvl6pPr>
+      <a:lvl7pPr marL="2743200" algn="l" defTabSz="914400" rtl="0" eaLnBrk="1" latinLnBrk="0" hangingPunct="1">
+        <a:defRPr sz="1800" kern="1200">
+          <a:solidFill>
+            <a:schemeClr val="tx1"/>
+          </a:solidFill>
+          <a:latin typeface="+mn-lt"/>
+          <a:ea typeface="+mn-ea"/>
+          <a:cs typeface="+mn-cs"/>
+        </a:defRPr>
+      </a:lvl7pPr>
+      <a:lvl8pPr marL="3200400" algn="l" defTabSz="914400" rtl="0" eaLnBrk="1" latinLnBrk="0" hangingPunct="1">
+        <a:defRPr sz="1800" kern="1200">
+          <a:solidFill>
+            <a:schemeClr val="tx1"/>
+          </a:solidFill>
+          <a:latin typeface="+mn-lt"/>
+          <a:ea typeface="+mn-ea"/>
+          <a:cs typeface="+mn-cs"/>
+        </a:defRPr>
+      </a:lvl8pPr>
+      <a:lvl9pPr marL="3657600" algn="l" defTabSz="914400" rtl="0" eaLnBrk="1" latinLnBrk="0" hangingPunct="1">
+        <a:defRPr sz="1800" kern="1200">
+          <a:solidFill>
+            <a:schemeClr val="tx1"/>
+          </a:solidFill>
+          <a:latin typeface="+mn-lt"/>
+          <a:ea typeface="+mn-ea"/>
+          <a:cs typeface="+mn-cs"/>
+        </a:defRPr>
+      </a:lvl9pPr>
+    </p:otherStyle>
+  </p:txStyles>
+</p:sldMaster>
+</file>
+
+<file path=ppt/slideMasters/slideMaster2.xml><?xml version="1.0" encoding="utf-8"?>
+<p:sldMaster xmlns:a="http://schemas.openxmlformats.org/drawingml/2006/main" xmlns:r="http://schemas.openxmlformats.org/officeDocument/2006/relationships" xmlns:p="http://schemas.openxmlformats.org/presentationml/2006/main">
+  <p:cSld>
+    <p:bg>
+      <p:bgRef idx="1001">
+        <a:schemeClr val="bg1"/>
+      </p:bgRef>
+    </p:bg>
+    <p:spTree>
+      <p:nvGrpSpPr>
+        <p:cNvPr id="1" name=""/>
+        <p:cNvGrpSpPr/>
+        <p:nvPr/>
+      </p:nvGrpSpPr>
+      <p:grpSpPr>
+        <a:xfrm>
+          <a:off x="0" y="0"/>
+          <a:ext cx="0" cy="0"/>
+          <a:chOff x="0" y="0"/>
+          <a:chExt cx="0" cy="0"/>
+        </a:xfrm>
+      </p:grpSpPr>
+      <p:sp>
+        <p:nvSpPr>
+          <p:cNvPr id="38" name="PlaceHolder 1"/>
+          <p:cNvSpPr>
+            <a:spLocks noGrp="1"/>
+          </p:cNvSpPr>
+          <p:nvPr>
+            <p:ph type="title"/>
+          </p:nvPr>
+        </p:nvSpPr>
+        <p:spPr>
+          <a:xfrm>
+            <a:off x="504000" y="226080"/>
+            <a:ext cx="9072000" cy="946440"/>
+          </a:xfrm>
+          <a:prstGeom prst="rect">
+            <a:avLst/>
+          </a:prstGeom>
+        </p:spPr>
+        <p:txBody>
+          <a:bodyPr lIns="0" tIns="0" rIns="0" bIns="0" anchor="ctr">
+            <a:noAutofit/>
+          </a:bodyPr>
+          <a:lstStyle/>
+          <a:p>
+            <a:pPr algn="ctr"/>
+            <a:r>
+              <a:rPr lang="en-US" sz="4400" b="0" strike="noStrike" spc="-1">
+                <a:latin typeface="Arial"/>
+              </a:rPr>
+              <a:t>Click to edit the title text format</a:t>
+            </a:r>
+          </a:p>
+        </p:txBody>
+      </p:sp>
+      <p:sp>
+        <p:nvSpPr>
+          <p:cNvPr id="39" name="PlaceHolder 2"/>
+          <p:cNvSpPr>
+            <a:spLocks noGrp="1"/>
+          </p:cNvSpPr>
+          <p:nvPr>
+            <p:ph type="body"/>
+          </p:nvPr>
+        </p:nvSpPr>
+        <p:spPr>
+          <a:xfrm>
+            <a:off x="504000" y="1326600"/>
+            <a:ext cx="9072000" cy="3288600"/>
+          </a:xfrm>
+          <a:prstGeom prst="rect">
+            <a:avLst/>
+          </a:prstGeom>
+        </p:spPr>
+        <p:txBody>
+          <a:bodyPr lIns="0" tIns="0" rIns="0" bIns="0">
+            <a:normAutofit/>
+          </a:bodyPr>
+          <a:lstStyle/>
+          <a:p>
+            <a:pPr marL="432000" indent="-324000">
+              <a:spcBef>
+                <a:spcPts val="1417"/>
+              </a:spcBef>
+              <a:buClr>
+                <a:srgbClr val="000000"/>
+              </a:buClr>
+              <a:buSzPct val="45000"/>
+              <a:buFont typeface="Wingdings" charset="2"/>
+              <a:buChar char=""/>
+            </a:pPr>
+            <a:r>
+              <a:rPr lang="en-US" sz="3200" b="0" strike="noStrike" spc="-1">
+                <a:latin typeface="Arial"/>
+              </a:rPr>
+              <a:t>Click to edit the outline text format</a:t>
+            </a:r>
+          </a:p>
+          <a:p>
+            <a:pPr marL="864000" lvl="1" indent="-324000">
+              <a:spcBef>
+                <a:spcPts val="1134"/>
+              </a:spcBef>
+              <a:buClr>
+                <a:srgbClr val="000000"/>
+              </a:buClr>
+              <a:buSzPct val="75000"/>
+              <a:buFont typeface="Symbol" charset="2"/>
+              <a:buChar char=""/>
+            </a:pPr>
+            <a:r>
+              <a:rPr lang="en-US" sz="2800" b="0" strike="noStrike" spc="-1">
+                <a:latin typeface="Arial"/>
+              </a:rPr>
+              <a:t>Second Outline Level</a:t>
+            </a:r>
+          </a:p>
+          <a:p>
+            <a:pPr marL="1296000" lvl="2" indent="-288000">
+              <a:spcBef>
+                <a:spcPts val="850"/>
+              </a:spcBef>
+              <a:buClr>
+                <a:srgbClr val="000000"/>
+              </a:buClr>
+              <a:buSzPct val="45000"/>
+              <a:buFont typeface="Wingdings" charset="2"/>
+              <a:buChar char=""/>
+            </a:pPr>
+            <a:r>
+              <a:rPr lang="en-US" sz="2400" b="0" strike="noStrike" spc="-1">
+                <a:latin typeface="Arial"/>
+              </a:rPr>
+              <a:t>Third Outline Level</a:t>
+            </a:r>
+          </a:p>
+          <a:p>
+            <a:pPr marL="1728000" lvl="3" indent="-216000">
+              <a:spcBef>
+                <a:spcPts val="567"/>
+              </a:spcBef>
+              <a:buClr>
+                <a:srgbClr val="000000"/>
+              </a:buClr>
+              <a:buSzPct val="75000"/>
+              <a:buFont typeface="Symbol" charset="2"/>
+              <a:buChar char=""/>
+            </a:pPr>
+            <a:r>
+              <a:rPr lang="en-US" sz="2000" b="0" strike="noStrike" spc="-1">
+                <a:latin typeface="Arial"/>
+              </a:rPr>
+              <a:t>Fourth Outline Level</a:t>
+            </a:r>
+          </a:p>
+          <a:p>
+            <a:pPr marL="2160000" lvl="4" indent="-216000">
+              <a:spcBef>
+                <a:spcPts val="283"/>
+              </a:spcBef>
+              <a:buClr>
+                <a:srgbClr val="000000"/>
+              </a:buClr>
+              <a:buSzPct val="45000"/>
+              <a:buFont typeface="Wingdings" charset="2"/>
+              <a:buChar char=""/>
+            </a:pPr>
+            <a:r>
+              <a:rPr lang="en-US" sz="2000" b="0" strike="noStrike" spc="-1">
+                <a:latin typeface="Arial"/>
+              </a:rPr>
+              <a:t>Fifth Outline Level</a:t>
+            </a:r>
+          </a:p>
+          <a:p>
+            <a:pPr marL="2592000" lvl="5" indent="-216000">
+              <a:spcBef>
+                <a:spcPts val="283"/>
+              </a:spcBef>
+              <a:buClr>
+                <a:srgbClr val="000000"/>
+              </a:buClr>
+              <a:buSzPct val="45000"/>
+              <a:buFont typeface="Wingdings" charset="2"/>
+              <a:buChar char=""/>
+            </a:pPr>
+            <a:r>
+              <a:rPr lang="en-US" sz="2000" b="0" strike="noStrike" spc="-1">
+                <a:latin typeface="Arial"/>
+              </a:rPr>
+              <a:t>Sixth Outline Level</a:t>
+            </a:r>
+          </a:p>
+          <a:p>
+            <a:pPr marL="3024000" lvl="6" indent="-216000">
+              <a:spcBef>
+                <a:spcPts val="283"/>
+              </a:spcBef>
+              <a:buClr>
+                <a:srgbClr val="000000"/>
+              </a:buClr>
+              <a:buSzPct val="45000"/>
+              <a:buFont typeface="Wingdings" charset="2"/>
+              <a:buChar char=""/>
+            </a:pPr>
+            <a:r>
+              <a:rPr lang="en-US" sz="2000" b="0" strike="noStrike" spc="-1">
+                <a:latin typeface="Arial"/>
+              </a:rPr>
+              <a:t>Seventh Outline Level</a:t>
+            </a:r>
+          </a:p>
+        </p:txBody>
+      </p:sp>
+    </p:spTree>
+  </p:cSld>
+  <p:clrMap bg1="lt1" tx1="dk1" bg2="lt2" tx2="dk2" accent1="accent1" accent2="accent2" accent3="accent3" accent4="accent4" accent5="accent5" accent6="accent6" hlink="hlink" folHlink="folHlink"/>
+  <p:sldLayoutIdLst>
+    <p:sldLayoutId id="2147483662" r:id="rId1"/>
+    <p:sldLayoutId id="2147483663" r:id="rId2"/>
+    <p:sldLayoutId id="2147483664" r:id="rId3"/>
+    <p:sldLayoutId id="2147483665" r:id="rId4"/>
+    <p:sldLayoutId id="2147483666" r:id="rId5"/>
+    <p:sldLayoutId id="2147483667" r:id="rId6"/>
+    <p:sldLayoutId id="2147483668" r:id="rId7"/>
+    <p:sldLayoutId id="2147483669" r:id="rId8"/>
+    <p:sldLayoutId id="2147483670" r:id="rId9"/>
+    <p:sldLayoutId id="2147483671" r:id="rId10"/>
+    <p:sldLayoutId id="2147483672" r:id="rId11"/>
+    <p:sldLayoutId id="2147483673" r:id="rId12"/>
+  </p:sldLayoutIdLst>
+  <p:txStyles>
+    <p:titleStyle>
+      <a:lvl1pPr algn="l" defTabSz="914400" rtl="0" eaLnBrk="1" latinLnBrk="0" hangingPunct="1">
+        <a:lnSpc>
+          <a:spcPct val="90000"/>
+        </a:lnSpc>
+        <a:spcBef>
+          <a:spcPct val="0"/>
+        </a:spcBef>
+        <a:buNone/>
+        <a:defRPr sz="4400" kern="1200">
+          <a:solidFill>
+            <a:schemeClr val="tx1"/>
+          </a:solidFill>
+          <a:latin typeface="+mj-lt"/>
+          <a:ea typeface="+mj-ea"/>
+          <a:cs typeface="+mj-cs"/>
+        </a:defRPr>
+      </a:lvl1pPr>
+    </p:titleStyle>
+    <p:bodyStyle>
+      <a:lvl1pPr marL="228600" indent="-228600" algn="l" defTabSz="914400" rtl="0" eaLnBrk="1" latinLnBrk="0" hangingPunct="1">
+        <a:lnSpc>
+          <a:spcPct val="90000"/>
+        </a:lnSpc>
+        <a:spcBef>
+          <a:spcPts val="1000"/>
+        </a:spcBef>
+        <a:buFont typeface="Arial" panose="020B0604020202020204" pitchFamily="34" charset="0"/>
+        <a:buChar char="•"/>
+        <a:defRPr sz="2800" kern="1200">
+          <a:solidFill>
+            <a:schemeClr val="tx1"/>
+          </a:solidFill>
+          <a:latin typeface="+mn-lt"/>
+          <a:ea typeface="+mn-ea"/>
+          <a:cs typeface="+mn-cs"/>
+        </a:defRPr>
+      </a:lvl1pPr>
+      <a:lvl2pPr marL="685800" indent="-228600" algn="l" defTabSz="914400" rtl="0" eaLnBrk="1" latinLnBrk="0" hangingPunct="1">
+        <a:lnSpc>
+          <a:spcPct val="90000"/>
+        </a:lnSpc>
+        <a:spcBef>
+          <a:spcPts val="500"/>
+        </a:spcBef>
+        <a:buFont typeface="Arial" panose="020B0604020202020204" pitchFamily="34" charset="0"/>
+        <a:buChar char="•"/>
+        <a:defRPr sz="2400" kern="1200">
+          <a:solidFill>
+            <a:schemeClr val="tx1"/>
+          </a:solidFill>
+          <a:latin typeface="+mn-lt"/>
+          <a:ea typeface="+mn-ea"/>
+          <a:cs typeface="+mn-cs"/>
+        </a:defRPr>
+      </a:lvl2pPr>
+      <a:lvl3pPr marL="1143000" indent="-228600" algn="l" defTabSz="914400" rtl="0" eaLnBrk="1" latinLnBrk="0" hangingPunct="1">
+        <a:lnSpc>
+          <a:spcPct val="90000"/>
+        </a:lnSpc>
+        <a:spcBef>
+          <a:spcPts val="500"/>
+        </a:spcBef>
+        <a:buFont typeface="Arial" panose="020B0604020202020204" pitchFamily="34" charset="0"/>
+        <a:buChar char="•"/>
+        <a:defRPr sz="2000" kern="1200">
+          <a:solidFill>
+            <a:schemeClr val="tx1"/>
+          </a:solidFill>
+          <a:latin typeface="+mn-lt"/>
+          <a:ea typeface="+mn-ea"/>
+          <a:cs typeface="+mn-cs"/>
+        </a:defRPr>
+      </a:lvl3pPr>
+      <a:lvl4pPr marL="1600200" indent="-228600" algn="l" defTabSz="914400" rtl="0" eaLnBrk="1" latinLnBrk="0" hangingPunct="1">
+        <a:lnSpc>
+          <a:spcPct val="90000"/>
+        </a:lnSpc>
+        <a:spcBef>
+          <a:spcPts val="500"/>
+        </a:spcBef>
+        <a:buFont typeface="Arial" panose="020B0604020202020204" pitchFamily="34" charset="0"/>
+        <a:buChar char="•"/>
+        <a:defRPr sz="1800" kern="1200">
+          <a:solidFill>
+            <a:schemeClr val="tx1"/>
+          </a:solidFill>
+          <a:latin typeface="+mn-lt"/>
+          <a:ea typeface="+mn-ea"/>
+          <a:cs typeface="+mn-cs"/>
+        </a:defRPr>
+      </a:lvl4pPr>
+      <a:lvl5pPr marL="2057400" indent="-228600" algn="l" defTabSz="914400" rtl="0" eaLnBrk="1" latinLnBrk="0" hangingPunct="1">
+        <a:lnSpc>
+          <a:spcPct val="90000"/>
+        </a:lnSpc>
+        <a:spcBef>
+          <a:spcPts val="500"/>
+        </a:spcBef>
+        <a:buFont typeface="Arial" panose="020B0604020202020204" pitchFamily="34" charset="0"/>
+        <a:buChar char="•"/>
+        <a:defRPr sz="1800" kern="1200">
+          <a:solidFill>
+            <a:schemeClr val="tx1"/>
+          </a:solidFill>
+          <a:latin typeface="+mn-lt"/>
+          <a:ea typeface="+mn-ea"/>
+          <a:cs typeface="+mn-cs"/>
+        </a:defRPr>
+      </a:lvl5pPr>
+      <a:lvl6pPr marL="2514600" indent="-228600" algn="l" defTabSz="914400" rtl="0" eaLnBrk="1" latinLnBrk="0" hangingPunct="1">
+        <a:lnSpc>
+          <a:spcPct val="90000"/>
+        </a:lnSpc>
+        <a:spcBef>
+          <a:spcPts val="500"/>
+        </a:spcBef>
+        <a:buFont typeface="Arial" panose="020B0604020202020204" pitchFamily="34" charset="0"/>
+        <a:buChar char="•"/>
+        <a:defRPr sz="1800" kern="1200">
+          <a:solidFill>
+            <a:schemeClr val="tx1"/>
+          </a:solidFill>
+          <a:latin typeface="+mn-lt"/>
+          <a:ea typeface="+mn-ea"/>
+          <a:cs typeface="+mn-cs"/>
+        </a:defRPr>
+      </a:lvl6pPr>
+      <a:lvl7pPr marL="2971800" indent="-228600" algn="l" defTabSz="914400" rtl="0" eaLnBrk="1" latinLnBrk="0" hangingPunct="1">
+        <a:lnSpc>
+          <a:spcPct val="90000"/>
+        </a:lnSpc>
+        <a:spcBef>
+          <a:spcPts val="500"/>
+        </a:spcBef>
+        <a:buFont typeface="Arial" panose="020B0604020202020204" pitchFamily="34" charset="0"/>
+        <a:buChar char="•"/>
+        <a:defRPr sz="1800" kern="1200">
+          <a:solidFill>
+            <a:schemeClr val="tx1"/>
+          </a:solidFill>
+          <a:latin typeface="+mn-lt"/>
+          <a:ea typeface="+mn-ea"/>
+          <a:cs typeface="+mn-cs"/>
+        </a:defRPr>
+      </a:lvl7pPr>
+      <a:lvl8pPr marL="3429000" indent="-228600" algn="l" defTabSz="914400" rtl="0" eaLnBrk="1" latinLnBrk="0" hangingPunct="1">
+        <a:lnSpc>
+          <a:spcPct val="90000"/>
+        </a:lnSpc>
+        <a:spcBef>
+          <a:spcPts val="500"/>
+        </a:spcBef>
+        <a:buFont typeface="Arial" panose="020B0604020202020204" pitchFamily="34" charset="0"/>
+        <a:buChar char="•"/>
+        <a:defRPr sz="1800" kern="1200">
+          <a:solidFill>
+            <a:schemeClr val="tx1"/>
+          </a:solidFill>
+          <a:latin typeface="+mn-lt"/>
+          <a:ea typeface="+mn-ea"/>
+          <a:cs typeface="+mn-cs"/>
+        </a:defRPr>
+      </a:lvl8pPr>
+      <a:lvl9pPr marL="3886200" indent="-228600" algn="l" defTabSz="914400" rtl="0" eaLnBrk="1" latinLnBrk="0" hangingPunct="1">
+        <a:lnSpc>
+          <a:spcPct val="90000"/>
+        </a:lnSpc>
+        <a:spcBef>
+          <a:spcPts val="500"/>
+        </a:spcBef>
+        <a:buFont typeface="Arial" panose="020B0604020202020204" pitchFamily="34" charset="0"/>
+        <a:buChar char="•"/>
+        <a:defRPr sz="1800" kern="1200">
+          <a:solidFill>
+            <a:schemeClr val="tx1"/>
+          </a:solidFill>
+          <a:latin typeface="+mn-lt"/>
+          <a:ea typeface="+mn-ea"/>
+          <a:cs typeface="+mn-cs"/>
+        </a:defRPr>
+      </a:lvl9pPr>
+    </p:bodyStyle>
+    <p:otherStyle>
+      <a:defPPr>
+        <a:defRPr lang="en-US"/>
+      </a:defPPr>
+      <a:lvl1pPr marL="0" algn="l" defTabSz="914400" rtl="0" eaLnBrk="1" latinLnBrk="0" hangingPunct="1">
+        <a:defRPr sz="1800" kern="1200">
+          <a:solidFill>
+            <a:schemeClr val="tx1"/>
+          </a:solidFill>
+          <a:latin typeface="+mn-lt"/>
+          <a:ea typeface="+mn-ea"/>
+          <a:cs typeface="+mn-cs"/>
+        </a:defRPr>
+      </a:lvl1pPr>
+      <a:lvl2pPr marL="457200" algn="l" defTabSz="914400" rtl="0" eaLnBrk="1" latinLnBrk="0" hangingPunct="1">
+        <a:defRPr sz="1800" kern="1200">
+          <a:solidFill>
+            <a:schemeClr val="tx1"/>
+          </a:solidFill>
+          <a:latin typeface="+mn-lt"/>
+          <a:ea typeface="+mn-ea"/>
+          <a:cs typeface="+mn-cs"/>
+        </a:defRPr>
+      </a:lvl2pPr>
+      <a:lvl3pPr marL="914400" algn="l" defTabSz="914400" rtl="0" eaLnBrk="1" latinLnBrk="0" hangingPunct="1">
+        <a:defRPr sz="1800" kern="1200">
+          <a:solidFill>
+            <a:schemeClr val="tx1"/>
+          </a:solidFill>
+          <a:latin typeface="+mn-lt"/>
+          <a:ea typeface="+mn-ea"/>
+          <a:cs typeface="+mn-cs"/>
+        </a:defRPr>
+      </a:lvl3pPr>
+      <a:lvl4pPr marL="1371600" algn="l" defTabSz="914400" rtl="0" eaLnBrk="1" latinLnBrk="0" hangingPunct="1">
+        <a:defRPr sz="1800" kern="1200">
+          <a:solidFill>
+            <a:schemeClr val="tx1"/>
+          </a:solidFill>
+          <a:latin typeface="+mn-lt"/>
+          <a:ea typeface="+mn-ea"/>
+          <a:cs typeface="+mn-cs"/>
+        </a:defRPr>
+      </a:lvl4pPr>
+      <a:lvl5pPr marL="1828800" algn="l" defTabSz="914400" rtl="0" eaLnBrk="1" latinLnBrk="0" hangingPunct="1">
+        <a:defRPr sz="1800" kern="1200">
+          <a:solidFill>
+            <a:schemeClr val="tx1"/>
+          </a:solidFill>
+          <a:latin typeface="+mn-lt"/>
+          <a:ea typeface="+mn-ea"/>
+          <a:cs typeface="+mn-cs"/>
+        </a:defRPr>
+      </a:lvl5pPr>
+      <a:lvl6pPr marL="2286000" algn="l" defTabSz="914400" rtl="0" eaLnBrk="1" latinLnBrk="0" hangingPunct="1">
+        <a:defRPr sz="1800" kern="1200">
+          <a:solidFill>
+            <a:schemeClr val="tx1"/>
+          </a:solidFill>
+          <a:latin typeface="+mn-lt"/>
+          <a:ea typeface="+mn-ea"/>
+          <a:cs typeface="+mn-cs"/>
+        </a:defRPr>
+      </a:lvl6pPr>
+      <a:lvl7pPr marL="2743200" algn="l" defTabSz="914400" rtl="0" eaLnBrk="1" latinLnBrk="0" hangingPunct="1">
+        <a:defRPr sz="1800" kern="1200">
+          <a:solidFill>
+            <a:schemeClr val="tx1"/>
+          </a:solidFill>
+          <a:latin typeface="+mn-lt"/>
+          <a:ea typeface="+mn-ea"/>
+          <a:cs typeface="+mn-cs"/>
+        </a:defRPr>
+      </a:lvl7pPr>
+      <a:lvl8pPr marL="3200400" algn="l" defTabSz="914400" rtl="0" eaLnBrk="1" latinLnBrk="0" hangingPunct="1">
+        <a:defRPr sz="1800" kern="1200">
+          <a:solidFill>
+            <a:schemeClr val="tx1"/>
+          </a:solidFill>
+          <a:latin typeface="+mn-lt"/>
+          <a:ea typeface="+mn-ea"/>
+          <a:cs typeface="+mn-cs"/>
+        </a:defRPr>
+      </a:lvl8pPr>
+      <a:lvl9pPr marL="3657600" algn="l" defTabSz="914400" rtl="0" eaLnBrk="1" latinLnBrk="0" hangingPunct="1">
+        <a:defRPr sz="1800" kern="1200">
+          <a:solidFill>
+            <a:schemeClr val="tx1"/>
+          </a:solidFill>
+          <a:latin typeface="+mn-lt"/>
+          <a:ea typeface="+mn-ea"/>
+          <a:cs typeface="+mn-cs"/>
+        </a:defRPr>
+      </a:lvl9pPr>
+    </p:otherStyle>
+  </p:txStyles>
+</p:sldMaster>
+</file>
+
+<file path=ppt/slides/slide1.xml><?xml version="1.0" encoding="utf-8"?>
+<p:sld xmlns:a="http://schemas.openxmlformats.org/drawingml/2006/main" xmlns:r="http://schemas.openxmlformats.org/officeDocument/2006/relationships" xmlns:p="http://schemas.openxmlformats.org/presentationml/2006/main">
   <p:cSld>
     <p:spTree>
       <p:nvGrpSpPr>
@@ -2746,242 +4017,1852 @@
       </p:grpSpPr>
       <p:sp>
         <p:nvSpPr>
-          <p:cNvPr id="0" name="PlaceHolder 1"/>
-          <p:cNvSpPr>
-            <a:spLocks noGrp="1"/>
-          </p:cNvSpPr>
-          <p:nvPr>
-            <p:ph type="title"/>
-          </p:nvPr>
-        </p:nvSpPr>
-        <p:spPr>
-          <a:xfrm>
-            <a:off x="504000" y="226080"/>
-            <a:ext cx="9072000" cy="946440"/>
-          </a:xfrm>
-          <a:prstGeom prst="rect">
-            <a:avLst/>
-          </a:prstGeom>
-        </p:spPr>
-        <p:txBody>
-          <a:bodyPr lIns="0" rIns="0" tIns="0" bIns="0" anchor="ctr">
+          <p:cNvPr id="76" name="CustomShape 1"/>
+          <p:cNvSpPr/>
+          <p:nvPr/>
+        </p:nvSpPr>
+        <p:spPr>
+          <a:xfrm>
+            <a:off x="0" y="0"/>
+            <a:ext cx="4523760" cy="311400"/>
+          </a:xfrm>
+          <a:prstGeom prst="rect">
+            <a:avLst/>
+          </a:prstGeom>
+          <a:noFill/>
+          <a:ln w="0">
+            <a:noFill/>
+          </a:ln>
+        </p:spPr>
+        <p:style>
+          <a:lnRef idx="0">
+            <a:scrgbClr r="0" g="0" b="0"/>
+          </a:lnRef>
+          <a:fillRef idx="0">
+            <a:scrgbClr r="0" g="0" b="0"/>
+          </a:fillRef>
+          <a:effectRef idx="0">
+            <a:scrgbClr r="0" g="0" b="0"/>
+          </a:effectRef>
+          <a:fontRef idx="minor"/>
+        </p:style>
+        <p:txBody>
+          <a:bodyPr lIns="0" tIns="0" rIns="0" bIns="0" anchor="ctr">
             <a:noAutofit/>
           </a:bodyPr>
-          <a:p>
-            <a:pPr algn="ctr"/>
-            <a:r>
-              <a:rPr b="0" lang="en-US" sz="4400" spc="-1" strike="noStrike">
-                <a:latin typeface="Arial"/>
-              </a:rPr>
-              <a:t>Click to edit the title text format</a:t>
-            </a:r>
-            <a:endParaRPr b="0" lang="en-US" sz="4400" spc="-1" strike="noStrike">
-              <a:latin typeface="Arial"/>
-            </a:endParaRPr>
-          </a:p>
-        </p:txBody>
-      </p:sp>
-      <p:sp>
-        <p:nvSpPr>
-          <p:cNvPr id="1" name="PlaceHolder 2"/>
-          <p:cNvSpPr>
-            <a:spLocks noGrp="1"/>
-          </p:cNvSpPr>
-          <p:nvPr>
-            <p:ph type="body"/>
-          </p:nvPr>
-        </p:nvSpPr>
-        <p:spPr>
-          <a:xfrm>
-            <a:off x="504000" y="1326600"/>
-            <a:ext cx="9072000" cy="3288600"/>
-          </a:xfrm>
-          <a:prstGeom prst="rect">
-            <a:avLst/>
-          </a:prstGeom>
-        </p:spPr>
-        <p:txBody>
-          <a:bodyPr lIns="0" rIns="0" tIns="0" bIns="0">
-            <a:normAutofit/>
-          </a:bodyPr>
-          <a:p>
-            <a:pPr marL="432000" indent="-324000">
-              <a:spcBef>
-                <a:spcPts val="1417"/>
-              </a:spcBef>
-              <a:buClr>
-                <a:srgbClr val="000000"/>
-              </a:buClr>
-              <a:buSzPct val="45000"/>
-              <a:buFont typeface="Wingdings" charset="2"/>
-              <a:buChar char=""/>
+          <a:lstStyle/>
+          <a:p>
+            <a:pPr algn="ctr">
+              <a:lnSpc>
+                <a:spcPct val="100000"/>
+              </a:lnSpc>
             </a:pPr>
             <a:r>
-              <a:rPr b="0" lang="en-US" sz="3200" spc="-1" strike="noStrike">
+              <a:rPr lang="en-US" sz="2200" b="0" strike="noStrike" spc="-1">
+                <a:solidFill>
+                  <a:srgbClr val="000000"/>
+                </a:solidFill>
                 <a:latin typeface="Arial"/>
+                <a:ea typeface="DejaVu Sans"/>
               </a:rPr>
-              <a:t>Click to edit the outline text format</a:t>
+              <a:t>Quantum Courses Progression</a:t>
             </a:r>
-            <a:endParaRPr b="0" lang="en-US" sz="3200" spc="-1" strike="noStrike">
-              <a:latin typeface="Arial"/>
-            </a:endParaRPr>
-          </a:p>
-          <a:p>
-            <a:pPr lvl="1" marL="864000" indent="-324000">
-              <a:spcBef>
-                <a:spcPts val="1134"/>
-              </a:spcBef>
-              <a:buClr>
-                <a:srgbClr val="000000"/>
-              </a:buClr>
-              <a:buSzPct val="75000"/>
-              <a:buFont typeface="Symbol" charset="2"/>
-              <a:buChar char=""/>
+            <a:endParaRPr lang="en-US" sz="2200" b="0" strike="noStrike" spc="-1">
+              <a:latin typeface="Arial"/>
+            </a:endParaRPr>
+          </a:p>
+        </p:txBody>
+      </p:sp>
+      <p:sp>
+        <p:nvSpPr>
+          <p:cNvPr id="77" name="CustomShape 2"/>
+          <p:cNvSpPr/>
+          <p:nvPr/>
+        </p:nvSpPr>
+        <p:spPr>
+          <a:xfrm>
+            <a:off x="3483000" y="986400"/>
+            <a:ext cx="2055960" cy="362880"/>
+          </a:xfrm>
+          <a:prstGeom prst="rect">
+            <a:avLst/>
+          </a:prstGeom>
+          <a:noFill/>
+          <a:ln w="18360">
+            <a:solidFill>
+              <a:srgbClr val="000000"/>
+            </a:solidFill>
+            <a:round/>
+          </a:ln>
+        </p:spPr>
+        <p:style>
+          <a:lnRef idx="0">
+            <a:scrgbClr r="0" g="0" b="0"/>
+          </a:lnRef>
+          <a:fillRef idx="0">
+            <a:scrgbClr r="0" g="0" b="0"/>
+          </a:fillRef>
+          <a:effectRef idx="0">
+            <a:scrgbClr r="0" g="0" b="0"/>
+          </a:effectRef>
+          <a:fontRef idx="minor"/>
+        </p:style>
+        <p:txBody>
+          <a:bodyPr lIns="99000" tIns="54000" rIns="99000" bIns="54000">
+            <a:noAutofit/>
+          </a:bodyPr>
+          <a:lstStyle/>
+          <a:p>
+            <a:pPr algn="ctr">
+              <a:lnSpc>
+                <a:spcPct val="100000"/>
+              </a:lnSpc>
             </a:pPr>
             <a:r>
-              <a:rPr b="0" lang="en-US" sz="2800" spc="-1" strike="noStrike">
+              <a:rPr lang="en-US" sz="1800" b="0" strike="noStrike" spc="-1">
+                <a:solidFill>
+                  <a:srgbClr val="000000"/>
+                </a:solidFill>
                 <a:latin typeface="Arial"/>
+                <a:ea typeface="DejaVu Sans"/>
               </a:rPr>
-              <a:t>Second Outline Level</a:t>
+              <a:t>QM for CS</a:t>
             </a:r>
-            <a:endParaRPr b="0" lang="en-US" sz="2800" spc="-1" strike="noStrike">
-              <a:latin typeface="Arial"/>
-            </a:endParaRPr>
-          </a:p>
-          <a:p>
-            <a:pPr lvl="2" marL="1296000" indent="-288000">
-              <a:spcBef>
-                <a:spcPts val="850"/>
-              </a:spcBef>
-              <a:buClr>
-                <a:srgbClr val="000000"/>
-              </a:buClr>
-              <a:buSzPct val="45000"/>
-              <a:buFont typeface="Wingdings" charset="2"/>
-              <a:buChar char=""/>
+            <a:endParaRPr lang="en-US" sz="1800" b="0" strike="noStrike" spc="-1">
+              <a:latin typeface="Arial"/>
+            </a:endParaRPr>
+          </a:p>
+        </p:txBody>
+      </p:sp>
+      <p:sp>
+        <p:nvSpPr>
+          <p:cNvPr id="78" name="CustomShape 3"/>
+          <p:cNvSpPr/>
+          <p:nvPr/>
+        </p:nvSpPr>
+        <p:spPr>
+          <a:xfrm>
+            <a:off x="3483000" y="1672200"/>
+            <a:ext cx="2055960" cy="362880"/>
+          </a:xfrm>
+          <a:prstGeom prst="rect">
+            <a:avLst/>
+          </a:prstGeom>
+          <a:noFill/>
+          <a:ln w="18360">
+            <a:solidFill>
+              <a:srgbClr val="000000"/>
+            </a:solidFill>
+            <a:round/>
+          </a:ln>
+        </p:spPr>
+        <p:style>
+          <a:lnRef idx="0">
+            <a:scrgbClr r="0" g="0" b="0"/>
+          </a:lnRef>
+          <a:fillRef idx="0">
+            <a:scrgbClr r="0" g="0" b="0"/>
+          </a:fillRef>
+          <a:effectRef idx="0">
+            <a:scrgbClr r="0" g="0" b="0"/>
+          </a:effectRef>
+          <a:fontRef idx="minor"/>
+        </p:style>
+        <p:txBody>
+          <a:bodyPr lIns="99000" tIns="54000" rIns="99000" bIns="54000">
+            <a:noAutofit/>
+          </a:bodyPr>
+          <a:lstStyle/>
+          <a:p>
+            <a:pPr algn="ctr">
+              <a:lnSpc>
+                <a:spcPct val="100000"/>
+              </a:lnSpc>
             </a:pPr>
             <a:r>
-              <a:rPr b="0" lang="en-US" sz="2400" spc="-1" strike="noStrike">
+              <a:rPr lang="en-US" sz="1800" b="0" strike="noStrike" spc="-1">
+                <a:solidFill>
+                  <a:srgbClr val="000000"/>
+                </a:solidFill>
                 <a:latin typeface="Arial"/>
+                <a:ea typeface="DejaVu Sans"/>
               </a:rPr>
-              <a:t>Third Outline Level</a:t>
+              <a:t>Intro to QIS</a:t>
             </a:r>
-            <a:endParaRPr b="0" lang="en-US" sz="2400" spc="-1" strike="noStrike">
-              <a:latin typeface="Arial"/>
-            </a:endParaRPr>
-          </a:p>
-          <a:p>
-            <a:pPr lvl="3" marL="1728000" indent="-216000">
-              <a:spcBef>
-                <a:spcPts val="567"/>
-              </a:spcBef>
-              <a:buClr>
-                <a:srgbClr val="000000"/>
-              </a:buClr>
-              <a:buSzPct val="75000"/>
-              <a:buFont typeface="Symbol" charset="2"/>
-              <a:buChar char=""/>
+            <a:endParaRPr lang="en-US" sz="1800" b="0" strike="noStrike" spc="-1">
+              <a:latin typeface="Arial"/>
+            </a:endParaRPr>
+          </a:p>
+        </p:txBody>
+      </p:sp>
+      <p:sp>
+        <p:nvSpPr>
+          <p:cNvPr id="79" name="CustomShape 4"/>
+          <p:cNvSpPr/>
+          <p:nvPr/>
+        </p:nvSpPr>
+        <p:spPr>
+          <a:xfrm>
+            <a:off x="685800" y="3078000"/>
+            <a:ext cx="2055960" cy="362880"/>
+          </a:xfrm>
+          <a:prstGeom prst="rect">
+            <a:avLst/>
+          </a:prstGeom>
+          <a:noFill/>
+          <a:ln w="18360">
+            <a:solidFill>
+              <a:srgbClr val="000000"/>
+            </a:solidFill>
+            <a:round/>
+          </a:ln>
+        </p:spPr>
+        <p:style>
+          <a:lnRef idx="0">
+            <a:scrgbClr r="0" g="0" b="0"/>
+          </a:lnRef>
+          <a:fillRef idx="0">
+            <a:scrgbClr r="0" g="0" b="0"/>
+          </a:fillRef>
+          <a:effectRef idx="0">
+            <a:scrgbClr r="0" g="0" b="0"/>
+          </a:effectRef>
+          <a:fontRef idx="minor"/>
+        </p:style>
+        <p:txBody>
+          <a:bodyPr lIns="99000" tIns="54000" rIns="99000" bIns="54000">
+            <a:noAutofit/>
+          </a:bodyPr>
+          <a:lstStyle/>
+          <a:p>
+            <a:pPr algn="ctr">
+              <a:lnSpc>
+                <a:spcPct val="100000"/>
+              </a:lnSpc>
             </a:pPr>
             <a:r>
-              <a:rPr b="0" lang="en-US" sz="2000" spc="-1" strike="noStrike">
+              <a:rPr lang="en-US" sz="1800" b="0" strike="noStrike" spc="-1">
+                <a:solidFill>
+                  <a:srgbClr val="000000"/>
+                </a:solidFill>
                 <a:latin typeface="Arial"/>
+                <a:ea typeface="DejaVu Sans"/>
               </a:rPr>
-              <a:t>Fourth Outline Level</a:t>
+              <a:t>Intro to QC</a:t>
             </a:r>
-            <a:endParaRPr b="0" lang="en-US" sz="2000" spc="-1" strike="noStrike">
-              <a:latin typeface="Arial"/>
-            </a:endParaRPr>
-          </a:p>
-          <a:p>
-            <a:pPr lvl="4" marL="2160000" indent="-216000">
-              <a:spcBef>
-                <a:spcPts val="283"/>
-              </a:spcBef>
-              <a:buClr>
-                <a:srgbClr val="000000"/>
-              </a:buClr>
-              <a:buSzPct val="45000"/>
-              <a:buFont typeface="Wingdings" charset="2"/>
-              <a:buChar char=""/>
+            <a:endParaRPr lang="en-US" sz="1800" b="0" strike="noStrike" spc="-1">
+              <a:latin typeface="Arial"/>
+            </a:endParaRPr>
+          </a:p>
+        </p:txBody>
+      </p:sp>
+      <p:sp>
+        <p:nvSpPr>
+          <p:cNvPr id="80" name="CustomShape 5"/>
+          <p:cNvSpPr/>
+          <p:nvPr/>
+        </p:nvSpPr>
+        <p:spPr>
+          <a:xfrm>
+            <a:off x="685800" y="3763800"/>
+            <a:ext cx="2055960" cy="362880"/>
+          </a:xfrm>
+          <a:prstGeom prst="rect">
+            <a:avLst/>
+          </a:prstGeom>
+          <a:noFill/>
+          <a:ln w="18360">
+            <a:solidFill>
+              <a:srgbClr val="000000"/>
+            </a:solidFill>
+            <a:round/>
+          </a:ln>
+        </p:spPr>
+        <p:style>
+          <a:lnRef idx="0">
+            <a:scrgbClr r="0" g="0" b="0"/>
+          </a:lnRef>
+          <a:fillRef idx="0">
+            <a:scrgbClr r="0" g="0" b="0"/>
+          </a:fillRef>
+          <a:effectRef idx="0">
+            <a:scrgbClr r="0" g="0" b="0"/>
+          </a:effectRef>
+          <a:fontRef idx="minor"/>
+        </p:style>
+        <p:txBody>
+          <a:bodyPr lIns="99000" tIns="54000" rIns="99000" bIns="54000">
+            <a:noAutofit/>
+          </a:bodyPr>
+          <a:lstStyle/>
+          <a:p>
+            <a:pPr algn="ctr">
+              <a:lnSpc>
+                <a:spcPct val="100000"/>
+              </a:lnSpc>
             </a:pPr>
             <a:r>
-              <a:rPr b="0" lang="en-US" sz="2000" spc="-1" strike="noStrike">
+              <a:rPr lang="en-US" sz="1800" b="0" strike="noStrike" spc="-1">
+                <a:solidFill>
+                  <a:srgbClr val="000000"/>
+                </a:solidFill>
                 <a:latin typeface="Arial"/>
+                <a:ea typeface="DejaVu Sans"/>
               </a:rPr>
-              <a:t>Fifth Outline Level</a:t>
+              <a:t>Applied QC</a:t>
             </a:r>
-            <a:endParaRPr b="0" lang="en-US" sz="2000" spc="-1" strike="noStrike">
-              <a:latin typeface="Arial"/>
-            </a:endParaRPr>
-          </a:p>
-          <a:p>
-            <a:pPr lvl="5" marL="2592000" indent="-216000">
-              <a:spcBef>
-                <a:spcPts val="283"/>
-              </a:spcBef>
-              <a:buClr>
-                <a:srgbClr val="000000"/>
-              </a:buClr>
-              <a:buSzPct val="45000"/>
-              <a:buFont typeface="Wingdings" charset="2"/>
-              <a:buChar char=""/>
+            <a:endParaRPr lang="en-US" sz="1800" b="0" strike="noStrike" spc="-1">
+              <a:latin typeface="Arial"/>
+            </a:endParaRPr>
+          </a:p>
+        </p:txBody>
+      </p:sp>
+      <p:sp>
+        <p:nvSpPr>
+          <p:cNvPr id="81" name="CustomShape 6"/>
+          <p:cNvSpPr/>
+          <p:nvPr/>
+        </p:nvSpPr>
+        <p:spPr>
+          <a:xfrm>
+            <a:off x="685800" y="4449600"/>
+            <a:ext cx="2055960" cy="362880"/>
+          </a:xfrm>
+          <a:prstGeom prst="rect">
+            <a:avLst/>
+          </a:prstGeom>
+          <a:noFill/>
+          <a:ln w="18360">
+            <a:solidFill>
+              <a:srgbClr val="000000"/>
+            </a:solidFill>
+            <a:round/>
+          </a:ln>
+        </p:spPr>
+        <p:style>
+          <a:lnRef idx="0">
+            <a:scrgbClr r="0" g="0" b="0"/>
+          </a:lnRef>
+          <a:fillRef idx="0">
+            <a:scrgbClr r="0" g="0" b="0"/>
+          </a:fillRef>
+          <a:effectRef idx="0">
+            <a:scrgbClr r="0" g="0" b="0"/>
+          </a:effectRef>
+          <a:fontRef idx="minor"/>
+        </p:style>
+        <p:txBody>
+          <a:bodyPr lIns="99000" tIns="54000" rIns="99000" bIns="54000">
+            <a:noAutofit/>
+          </a:bodyPr>
+          <a:lstStyle/>
+          <a:p>
+            <a:pPr algn="ctr">
+              <a:lnSpc>
+                <a:spcPct val="100000"/>
+              </a:lnSpc>
             </a:pPr>
             <a:r>
-              <a:rPr b="0" lang="en-US" sz="2000" spc="-1" strike="noStrike">
+              <a:rPr lang="en-US" sz="1800" b="0" strike="noStrike" spc="-1">
+                <a:solidFill>
+                  <a:srgbClr val="000000"/>
+                </a:solidFill>
                 <a:latin typeface="Arial"/>
+                <a:ea typeface="DejaVu Sans"/>
               </a:rPr>
-              <a:t>Sixth Outline Level</a:t>
+              <a:t>Quantum Algos</a:t>
             </a:r>
-            <a:endParaRPr b="0" lang="en-US" sz="2000" spc="-1" strike="noStrike">
-              <a:latin typeface="Arial"/>
-            </a:endParaRPr>
-          </a:p>
-          <a:p>
-            <a:pPr lvl="6" marL="3024000" indent="-216000">
-              <a:spcBef>
-                <a:spcPts val="283"/>
-              </a:spcBef>
-              <a:buClr>
-                <a:srgbClr val="000000"/>
-              </a:buClr>
-              <a:buSzPct val="45000"/>
-              <a:buFont typeface="Wingdings" charset="2"/>
-              <a:buChar char=""/>
+            <a:endParaRPr lang="en-US" sz="1800" b="0" strike="noStrike" spc="-1">
+              <a:latin typeface="Arial"/>
+            </a:endParaRPr>
+          </a:p>
+        </p:txBody>
+      </p:sp>
+      <p:sp>
+        <p:nvSpPr>
+          <p:cNvPr id="82" name="CustomShape 7"/>
+          <p:cNvSpPr/>
+          <p:nvPr/>
+        </p:nvSpPr>
+        <p:spPr>
+          <a:xfrm>
+            <a:off x="4770000" y="3054600"/>
+            <a:ext cx="2055960" cy="362880"/>
+          </a:xfrm>
+          <a:prstGeom prst="rect">
+            <a:avLst/>
+          </a:prstGeom>
+          <a:noFill/>
+          <a:ln w="18360">
+            <a:solidFill>
+              <a:srgbClr val="000000"/>
+            </a:solidFill>
+            <a:round/>
+          </a:ln>
+        </p:spPr>
+        <p:style>
+          <a:lnRef idx="0">
+            <a:scrgbClr r="0" g="0" b="0"/>
+          </a:lnRef>
+          <a:fillRef idx="0">
+            <a:scrgbClr r="0" g="0" b="0"/>
+          </a:fillRef>
+          <a:effectRef idx="0">
+            <a:scrgbClr r="0" g="0" b="0"/>
+          </a:effectRef>
+          <a:fontRef idx="minor"/>
+        </p:style>
+        <p:txBody>
+          <a:bodyPr lIns="99000" tIns="54000" rIns="99000" bIns="54000">
+            <a:noAutofit/>
+          </a:bodyPr>
+          <a:lstStyle/>
+          <a:p>
+            <a:pPr algn="ctr">
+              <a:lnSpc>
+                <a:spcPct val="100000"/>
+              </a:lnSpc>
             </a:pPr>
             <a:r>
-              <a:rPr b="0" lang="en-US" sz="2000" spc="-1" strike="noStrike">
+              <a:rPr lang="en-US" sz="1800" b="0" strike="noStrike" spc="-1">
+                <a:solidFill>
+                  <a:srgbClr val="000000"/>
+                </a:solidFill>
                 <a:latin typeface="Arial"/>
+                <a:ea typeface="DejaVu Sans"/>
               </a:rPr>
-              <a:t>Seventh Outline Level</a:t>
+              <a:t>Quantum Crypto</a:t>
             </a:r>
-            <a:endParaRPr b="0" lang="en-US" sz="2000" spc="-1" strike="noStrike">
-              <a:latin typeface="Arial"/>
-            </a:endParaRPr>
-          </a:p>
-        </p:txBody>
+            <a:endParaRPr lang="en-US" sz="1800" b="0" strike="noStrike" spc="-1">
+              <a:latin typeface="Arial"/>
+            </a:endParaRPr>
+          </a:p>
+        </p:txBody>
+      </p:sp>
+      <p:sp>
+        <p:nvSpPr>
+          <p:cNvPr id="83" name="CustomShape 8"/>
+          <p:cNvSpPr/>
+          <p:nvPr/>
+        </p:nvSpPr>
+        <p:spPr>
+          <a:xfrm>
+            <a:off x="4770000" y="3740400"/>
+            <a:ext cx="2055960" cy="362880"/>
+          </a:xfrm>
+          <a:prstGeom prst="rect">
+            <a:avLst/>
+          </a:prstGeom>
+          <a:noFill/>
+          <a:ln w="18360">
+            <a:solidFill>
+              <a:srgbClr val="000000"/>
+            </a:solidFill>
+            <a:round/>
+          </a:ln>
+        </p:spPr>
+        <p:style>
+          <a:lnRef idx="0">
+            <a:scrgbClr r="0" g="0" b="0"/>
+          </a:lnRef>
+          <a:fillRef idx="0">
+            <a:scrgbClr r="0" g="0" b="0"/>
+          </a:fillRef>
+          <a:effectRef idx="0">
+            <a:scrgbClr r="0" g="0" b="0"/>
+          </a:effectRef>
+          <a:fontRef idx="minor"/>
+        </p:style>
+        <p:txBody>
+          <a:bodyPr lIns="99000" tIns="54000" rIns="99000" bIns="54000">
+            <a:noAutofit/>
+          </a:bodyPr>
+          <a:lstStyle/>
+          <a:p>
+            <a:pPr algn="ctr">
+              <a:lnSpc>
+                <a:spcPct val="100000"/>
+              </a:lnSpc>
+            </a:pPr>
+            <a:r>
+              <a:rPr lang="en-US" sz="1800" b="0" strike="noStrike" spc="-1">
+                <a:solidFill>
+                  <a:srgbClr val="000000"/>
+                </a:solidFill>
+                <a:latin typeface="Arial"/>
+                <a:ea typeface="DejaVu Sans"/>
+              </a:rPr>
+              <a:t>Quantum Sensing</a:t>
+            </a:r>
+            <a:endParaRPr lang="en-US" sz="1800" b="0" strike="noStrike" spc="-1">
+              <a:latin typeface="Arial"/>
+            </a:endParaRPr>
+          </a:p>
+        </p:txBody>
+      </p:sp>
+      <p:sp>
+        <p:nvSpPr>
+          <p:cNvPr id="84" name="CustomShape 9"/>
+          <p:cNvSpPr/>
+          <p:nvPr/>
+        </p:nvSpPr>
+        <p:spPr>
+          <a:xfrm>
+            <a:off x="685800" y="5135400"/>
+            <a:ext cx="2055960" cy="362880"/>
+          </a:xfrm>
+          <a:prstGeom prst="rect">
+            <a:avLst/>
+          </a:prstGeom>
+          <a:noFill/>
+          <a:ln w="18360">
+            <a:solidFill>
+              <a:srgbClr val="000000"/>
+            </a:solidFill>
+            <a:round/>
+          </a:ln>
+        </p:spPr>
+        <p:style>
+          <a:lnRef idx="0">
+            <a:scrgbClr r="0" g="0" b="0"/>
+          </a:lnRef>
+          <a:fillRef idx="0">
+            <a:scrgbClr r="0" g="0" b="0"/>
+          </a:fillRef>
+          <a:effectRef idx="0">
+            <a:scrgbClr r="0" g="0" b="0"/>
+          </a:effectRef>
+          <a:fontRef idx="minor"/>
+        </p:style>
+        <p:txBody>
+          <a:bodyPr lIns="99000" tIns="54000" rIns="99000" bIns="54000">
+            <a:noAutofit/>
+          </a:bodyPr>
+          <a:lstStyle/>
+          <a:p>
+            <a:pPr algn="ctr">
+              <a:lnSpc>
+                <a:spcPct val="100000"/>
+              </a:lnSpc>
+            </a:pPr>
+            <a:r>
+              <a:rPr lang="en-US" sz="1800" b="0" strike="noStrike" spc="-1">
+                <a:solidFill>
+                  <a:srgbClr val="000000"/>
+                </a:solidFill>
+                <a:latin typeface="Arial"/>
+                <a:ea typeface="DejaVu Sans"/>
+              </a:rPr>
+              <a:t>Quantum ML</a:t>
+            </a:r>
+            <a:endParaRPr lang="en-US" sz="1800" b="0" strike="noStrike" spc="-1">
+              <a:latin typeface="Arial"/>
+            </a:endParaRPr>
+          </a:p>
+        </p:txBody>
+      </p:sp>
+      <p:sp>
+        <p:nvSpPr>
+          <p:cNvPr id="85" name="Line 10"/>
+          <p:cNvSpPr/>
+          <p:nvPr/>
+        </p:nvSpPr>
+        <p:spPr>
+          <a:xfrm>
+            <a:off x="4541400" y="1350720"/>
+            <a:ext cx="0" cy="321480"/>
+          </a:xfrm>
+          <a:prstGeom prst="line">
+            <a:avLst/>
+          </a:prstGeom>
+          <a:ln w="0">
+            <a:solidFill>
+              <a:srgbClr val="3465A4"/>
+            </a:solidFill>
+            <a:tailEnd type="triangle" w="med" len="med"/>
+          </a:ln>
+        </p:spPr>
+        <p:style>
+          <a:lnRef idx="0">
+            <a:scrgbClr r="0" g="0" b="0"/>
+          </a:lnRef>
+          <a:fillRef idx="0">
+            <a:scrgbClr r="0" g="0" b="0"/>
+          </a:fillRef>
+          <a:effectRef idx="0">
+            <a:scrgbClr r="0" g="0" b="0"/>
+          </a:effectRef>
+          <a:fontRef idx="minor"/>
+        </p:style>
+      </p:sp>
+      <p:sp>
+        <p:nvSpPr>
+          <p:cNvPr id="86" name="CustomShape 11"/>
+          <p:cNvSpPr/>
+          <p:nvPr/>
+        </p:nvSpPr>
+        <p:spPr>
+          <a:xfrm>
+            <a:off x="3254400" y="819000"/>
+            <a:ext cx="2513160" cy="1370160"/>
+          </a:xfrm>
+          <a:prstGeom prst="rect">
+            <a:avLst/>
+          </a:prstGeom>
+          <a:noFill/>
+          <a:ln w="18360">
+            <a:solidFill>
+              <a:srgbClr val="3465A4"/>
+            </a:solidFill>
+            <a:custDash>
+              <a:ds d="600000" sp="300000"/>
+            </a:custDash>
+            <a:round/>
+          </a:ln>
+        </p:spPr>
+        <p:style>
+          <a:lnRef idx="0">
+            <a:scrgbClr r="0" g="0" b="0"/>
+          </a:lnRef>
+          <a:fillRef idx="0">
+            <a:scrgbClr r="0" g="0" b="0"/>
+          </a:fillRef>
+          <a:effectRef idx="0">
+            <a:scrgbClr r="0" g="0" b="0"/>
+          </a:effectRef>
+          <a:fontRef idx="minor"/>
+        </p:style>
+      </p:sp>
+      <p:sp>
+        <p:nvSpPr>
+          <p:cNvPr id="87" name="CustomShape 12"/>
+          <p:cNvSpPr/>
+          <p:nvPr/>
+        </p:nvSpPr>
+        <p:spPr>
+          <a:xfrm>
+            <a:off x="3146400" y="433800"/>
+            <a:ext cx="2751840" cy="344880"/>
+          </a:xfrm>
+          <a:prstGeom prst="rect">
+            <a:avLst/>
+          </a:prstGeom>
+          <a:noFill/>
+          <a:ln w="0">
+            <a:noFill/>
+          </a:ln>
+        </p:spPr>
+        <p:style>
+          <a:lnRef idx="0">
+            <a:scrgbClr r="0" g="0" b="0"/>
+          </a:lnRef>
+          <a:fillRef idx="0">
+            <a:scrgbClr r="0" g="0" b="0"/>
+          </a:fillRef>
+          <a:effectRef idx="0">
+            <a:scrgbClr r="0" g="0" b="0"/>
+          </a:effectRef>
+          <a:fontRef idx="minor"/>
+        </p:style>
+        <p:txBody>
+          <a:bodyPr lIns="90000" tIns="45000" rIns="90000" bIns="45000">
+            <a:noAutofit/>
+          </a:bodyPr>
+          <a:lstStyle/>
+          <a:p>
+            <a:pPr>
+              <a:lnSpc>
+                <a:spcPct val="100000"/>
+              </a:lnSpc>
+            </a:pPr>
+            <a:r>
+              <a:rPr lang="en-US" sz="1800" b="0" strike="noStrike" spc="-1">
+                <a:solidFill>
+                  <a:srgbClr val="000000"/>
+                </a:solidFill>
+                <a:latin typeface="Arial"/>
+                <a:ea typeface="DejaVu Sans"/>
+              </a:rPr>
+              <a:t>Core 1-year Requirement</a:t>
+            </a:r>
+            <a:endParaRPr lang="en-US" sz="1800" b="0" strike="noStrike" spc="-1">
+              <a:latin typeface="Arial"/>
+            </a:endParaRPr>
+          </a:p>
+        </p:txBody>
+      </p:sp>
+      <p:sp>
+        <p:nvSpPr>
+          <p:cNvPr id="88" name="Line 13"/>
+          <p:cNvSpPr/>
+          <p:nvPr/>
+        </p:nvSpPr>
+        <p:spPr>
+          <a:xfrm>
+            <a:off x="1695600" y="3450600"/>
+            <a:ext cx="0" cy="321480"/>
+          </a:xfrm>
+          <a:prstGeom prst="line">
+            <a:avLst/>
+          </a:prstGeom>
+          <a:ln w="0">
+            <a:solidFill>
+              <a:srgbClr val="3465A4"/>
+            </a:solidFill>
+            <a:tailEnd type="triangle" w="med" len="med"/>
+          </a:ln>
+        </p:spPr>
+        <p:style>
+          <a:lnRef idx="0">
+            <a:scrgbClr r="0" g="0" b="0"/>
+          </a:lnRef>
+          <a:fillRef idx="0">
+            <a:scrgbClr r="0" g="0" b="0"/>
+          </a:fillRef>
+          <a:effectRef idx="0">
+            <a:scrgbClr r="0" g="0" b="0"/>
+          </a:effectRef>
+          <a:fontRef idx="minor"/>
+        </p:style>
+      </p:sp>
+      <p:sp>
+        <p:nvSpPr>
+          <p:cNvPr id="89" name="Line 14"/>
+          <p:cNvSpPr/>
+          <p:nvPr/>
+        </p:nvSpPr>
+        <p:spPr>
+          <a:xfrm>
+            <a:off x="1684800" y="4128120"/>
+            <a:ext cx="0" cy="321480"/>
+          </a:xfrm>
+          <a:prstGeom prst="line">
+            <a:avLst/>
+          </a:prstGeom>
+          <a:ln w="0">
+            <a:solidFill>
+              <a:srgbClr val="3465A4"/>
+            </a:solidFill>
+            <a:tailEnd type="triangle" w="med" len="med"/>
+          </a:ln>
+        </p:spPr>
+        <p:style>
+          <a:lnRef idx="0">
+            <a:scrgbClr r="0" g="0" b="0"/>
+          </a:lnRef>
+          <a:fillRef idx="0">
+            <a:scrgbClr r="0" g="0" b="0"/>
+          </a:fillRef>
+          <a:effectRef idx="0">
+            <a:scrgbClr r="0" g="0" b="0"/>
+          </a:effectRef>
+          <a:fontRef idx="minor"/>
+        </p:style>
+      </p:sp>
+      <p:sp>
+        <p:nvSpPr>
+          <p:cNvPr id="90" name="CustomShape 15"/>
+          <p:cNvSpPr/>
+          <p:nvPr/>
+        </p:nvSpPr>
+        <p:spPr>
+          <a:xfrm>
+            <a:off x="457200" y="2957400"/>
+            <a:ext cx="2513160" cy="2669760"/>
+          </a:xfrm>
+          <a:prstGeom prst="rect">
+            <a:avLst/>
+          </a:prstGeom>
+          <a:noFill/>
+          <a:ln w="18360">
+            <a:solidFill>
+              <a:srgbClr val="3465A4"/>
+            </a:solidFill>
+            <a:custDash>
+              <a:ds d="600000" sp="300000"/>
+            </a:custDash>
+            <a:round/>
+          </a:ln>
+        </p:spPr>
+        <p:style>
+          <a:lnRef idx="0">
+            <a:scrgbClr r="0" g="0" b="0"/>
+          </a:lnRef>
+          <a:fillRef idx="0">
+            <a:scrgbClr r="0" g="0" b="0"/>
+          </a:fillRef>
+          <a:effectRef idx="0">
+            <a:scrgbClr r="0" g="0" b="0"/>
+          </a:effectRef>
+          <a:fontRef idx="minor"/>
+        </p:style>
+      </p:sp>
+      <p:sp>
+        <p:nvSpPr>
+          <p:cNvPr id="91" name="CustomShape 16"/>
+          <p:cNvSpPr/>
+          <p:nvPr/>
+        </p:nvSpPr>
+        <p:spPr>
+          <a:xfrm>
+            <a:off x="95760" y="2590560"/>
+            <a:ext cx="3157200" cy="344880"/>
+          </a:xfrm>
+          <a:prstGeom prst="rect">
+            <a:avLst/>
+          </a:prstGeom>
+          <a:noFill/>
+          <a:ln w="0">
+            <a:noFill/>
+          </a:ln>
+        </p:spPr>
+        <p:style>
+          <a:lnRef idx="0">
+            <a:scrgbClr r="0" g="0" b="0"/>
+          </a:lnRef>
+          <a:fillRef idx="0">
+            <a:scrgbClr r="0" g="0" b="0"/>
+          </a:fillRef>
+          <a:effectRef idx="0">
+            <a:scrgbClr r="0" g="0" b="0"/>
+          </a:effectRef>
+          <a:fontRef idx="minor"/>
+        </p:style>
+        <p:txBody>
+          <a:bodyPr lIns="90000" tIns="45000" rIns="90000" bIns="45000">
+            <a:noAutofit/>
+          </a:bodyPr>
+          <a:lstStyle/>
+          <a:p>
+            <a:pPr>
+              <a:lnSpc>
+                <a:spcPct val="100000"/>
+              </a:lnSpc>
+            </a:pPr>
+            <a:r>
+              <a:rPr lang="en-US" sz="1800" b="0" strike="noStrike" spc="-1">
+                <a:solidFill>
+                  <a:srgbClr val="000000"/>
+                </a:solidFill>
+                <a:latin typeface="Arial"/>
+                <a:ea typeface="DejaVu Sans"/>
+              </a:rPr>
+              <a:t>Quantum Computing Pipeline</a:t>
+            </a:r>
+            <a:endParaRPr lang="en-US" sz="1800" b="0" strike="noStrike" spc="-1">
+              <a:latin typeface="Arial"/>
+            </a:endParaRPr>
+          </a:p>
+        </p:txBody>
+      </p:sp>
+      <p:sp>
+        <p:nvSpPr>
+          <p:cNvPr id="92" name="Line 17"/>
+          <p:cNvSpPr/>
+          <p:nvPr/>
+        </p:nvSpPr>
+        <p:spPr>
+          <a:xfrm>
+            <a:off x="1684800" y="4813920"/>
+            <a:ext cx="0" cy="321480"/>
+          </a:xfrm>
+          <a:prstGeom prst="line">
+            <a:avLst/>
+          </a:prstGeom>
+          <a:ln w="0">
+            <a:solidFill>
+              <a:srgbClr val="3465A4"/>
+            </a:solidFill>
+            <a:tailEnd type="triangle" w="med" len="med"/>
+          </a:ln>
+        </p:spPr>
+        <p:style>
+          <a:lnRef idx="0">
+            <a:scrgbClr r="0" g="0" b="0"/>
+          </a:lnRef>
+          <a:fillRef idx="0">
+            <a:scrgbClr r="0" g="0" b="0"/>
+          </a:fillRef>
+          <a:effectRef idx="0">
+            <a:scrgbClr r="0" g="0" b="0"/>
+          </a:effectRef>
+          <a:fontRef idx="minor"/>
+        </p:style>
+      </p:sp>
+      <p:sp>
+        <p:nvSpPr>
+          <p:cNvPr id="93" name="CustomShape 18"/>
+          <p:cNvSpPr/>
+          <p:nvPr/>
+        </p:nvSpPr>
+        <p:spPr>
+          <a:xfrm>
+            <a:off x="4770360" y="4460400"/>
+            <a:ext cx="2055960" cy="362880"/>
+          </a:xfrm>
+          <a:prstGeom prst="rect">
+            <a:avLst/>
+          </a:prstGeom>
+          <a:noFill/>
+          <a:ln w="18360">
+            <a:solidFill>
+              <a:srgbClr val="000000"/>
+            </a:solidFill>
+            <a:round/>
+          </a:ln>
+        </p:spPr>
+        <p:style>
+          <a:lnRef idx="0">
+            <a:scrgbClr r="0" g="0" b="0"/>
+          </a:lnRef>
+          <a:fillRef idx="0">
+            <a:scrgbClr r="0" g="0" b="0"/>
+          </a:fillRef>
+          <a:effectRef idx="0">
+            <a:scrgbClr r="0" g="0" b="0"/>
+          </a:effectRef>
+          <a:fontRef idx="minor"/>
+        </p:style>
+        <p:txBody>
+          <a:bodyPr lIns="99000" tIns="54000" rIns="99000" bIns="54000">
+            <a:noAutofit/>
+          </a:bodyPr>
+          <a:lstStyle/>
+          <a:p>
+            <a:pPr algn="ctr">
+              <a:lnSpc>
+                <a:spcPct val="100000"/>
+              </a:lnSpc>
+            </a:pPr>
+            <a:r>
+              <a:rPr lang="en-US" sz="1800" b="0" strike="noStrike" spc="-1">
+                <a:solidFill>
+                  <a:srgbClr val="000000"/>
+                </a:solidFill>
+                <a:latin typeface="Arial"/>
+                <a:ea typeface="DejaVu Sans"/>
+              </a:rPr>
+              <a:t>FPGA Intro</a:t>
+            </a:r>
+            <a:endParaRPr lang="en-US" sz="1800" b="0" strike="noStrike" spc="-1">
+              <a:latin typeface="Arial"/>
+            </a:endParaRPr>
+          </a:p>
+        </p:txBody>
+      </p:sp>
+      <p:sp>
+        <p:nvSpPr>
+          <p:cNvPr id="94" name="CustomShape 19"/>
+          <p:cNvSpPr/>
+          <p:nvPr/>
+        </p:nvSpPr>
+        <p:spPr>
+          <a:xfrm>
+            <a:off x="4770720" y="5144400"/>
+            <a:ext cx="2055960" cy="362880"/>
+          </a:xfrm>
+          <a:prstGeom prst="rect">
+            <a:avLst/>
+          </a:prstGeom>
+          <a:noFill/>
+          <a:ln w="18360">
+            <a:solidFill>
+              <a:srgbClr val="000000"/>
+            </a:solidFill>
+            <a:round/>
+          </a:ln>
+        </p:spPr>
+        <p:style>
+          <a:lnRef idx="0">
+            <a:scrgbClr r="0" g="0" b="0"/>
+          </a:lnRef>
+          <a:fillRef idx="0">
+            <a:scrgbClr r="0" g="0" b="0"/>
+          </a:fillRef>
+          <a:effectRef idx="0">
+            <a:scrgbClr r="0" g="0" b="0"/>
+          </a:effectRef>
+          <a:fontRef idx="minor"/>
+        </p:style>
+        <p:txBody>
+          <a:bodyPr lIns="99000" tIns="54000" rIns="99000" bIns="54000">
+            <a:noAutofit/>
+          </a:bodyPr>
+          <a:lstStyle/>
+          <a:p>
+            <a:pPr algn="ctr">
+              <a:lnSpc>
+                <a:spcPct val="100000"/>
+              </a:lnSpc>
+            </a:pPr>
+            <a:r>
+              <a:rPr lang="en-US" sz="1800" b="0" strike="noStrike" spc="-1">
+                <a:solidFill>
+                  <a:srgbClr val="000000"/>
+                </a:solidFill>
+                <a:latin typeface="Arial"/>
+                <a:ea typeface="DejaVu Sans"/>
+              </a:rPr>
+              <a:t>Applied FPGA</a:t>
+            </a:r>
+            <a:endParaRPr lang="en-US" sz="1800" b="0" strike="noStrike" spc="-1">
+              <a:latin typeface="Arial"/>
+            </a:endParaRPr>
+          </a:p>
+        </p:txBody>
+      </p:sp>
+      <p:sp>
+        <p:nvSpPr>
+          <p:cNvPr id="95" name="Line 20"/>
+          <p:cNvSpPr/>
+          <p:nvPr/>
+        </p:nvSpPr>
+        <p:spPr>
+          <a:xfrm>
+            <a:off x="5765400" y="3438720"/>
+            <a:ext cx="0" cy="321480"/>
+          </a:xfrm>
+          <a:prstGeom prst="line">
+            <a:avLst/>
+          </a:prstGeom>
+          <a:ln w="0">
+            <a:solidFill>
+              <a:srgbClr val="3465A4"/>
+            </a:solidFill>
+            <a:tailEnd type="triangle" w="med" len="med"/>
+          </a:ln>
+        </p:spPr>
+        <p:style>
+          <a:lnRef idx="0">
+            <a:scrgbClr r="0" g="0" b="0"/>
+          </a:lnRef>
+          <a:fillRef idx="0">
+            <a:scrgbClr r="0" g="0" b="0"/>
+          </a:fillRef>
+          <a:effectRef idx="0">
+            <a:scrgbClr r="0" g="0" b="0"/>
+          </a:effectRef>
+          <a:fontRef idx="minor"/>
+        </p:style>
+      </p:sp>
+      <p:sp>
+        <p:nvSpPr>
+          <p:cNvPr id="96" name="Line 21"/>
+          <p:cNvSpPr/>
+          <p:nvPr/>
+        </p:nvSpPr>
+        <p:spPr>
+          <a:xfrm>
+            <a:off x="5765400" y="4122720"/>
+            <a:ext cx="0" cy="321480"/>
+          </a:xfrm>
+          <a:prstGeom prst="line">
+            <a:avLst/>
+          </a:prstGeom>
+          <a:ln w="0">
+            <a:solidFill>
+              <a:srgbClr val="3465A4"/>
+            </a:solidFill>
+            <a:tailEnd type="triangle" w="med" len="med"/>
+          </a:ln>
+        </p:spPr>
+        <p:style>
+          <a:lnRef idx="0">
+            <a:scrgbClr r="0" g="0" b="0"/>
+          </a:lnRef>
+          <a:fillRef idx="0">
+            <a:scrgbClr r="0" g="0" b="0"/>
+          </a:fillRef>
+          <a:effectRef idx="0">
+            <a:scrgbClr r="0" g="0" b="0"/>
+          </a:effectRef>
+          <a:fontRef idx="minor"/>
+        </p:style>
+      </p:sp>
+      <p:sp>
+        <p:nvSpPr>
+          <p:cNvPr id="97" name="Line 22"/>
+          <p:cNvSpPr/>
+          <p:nvPr/>
+        </p:nvSpPr>
+        <p:spPr>
+          <a:xfrm>
+            <a:off x="5765400" y="4842720"/>
+            <a:ext cx="0" cy="321480"/>
+          </a:xfrm>
+          <a:prstGeom prst="line">
+            <a:avLst/>
+          </a:prstGeom>
+          <a:ln w="0">
+            <a:solidFill>
+              <a:srgbClr val="3465A4"/>
+            </a:solidFill>
+            <a:tailEnd type="triangle" w="med" len="med"/>
+          </a:ln>
+        </p:spPr>
+        <p:style>
+          <a:lnRef idx="0">
+            <a:scrgbClr r="0" g="0" b="0"/>
+          </a:lnRef>
+          <a:fillRef idx="0">
+            <a:scrgbClr r="0" g="0" b="0"/>
+          </a:fillRef>
+          <a:effectRef idx="0">
+            <a:scrgbClr r="0" g="0" b="0"/>
+          </a:effectRef>
+          <a:fontRef idx="minor"/>
+        </p:style>
+      </p:sp>
+      <p:sp>
+        <p:nvSpPr>
+          <p:cNvPr id="98" name="Line 23"/>
+          <p:cNvSpPr/>
+          <p:nvPr/>
+        </p:nvSpPr>
+        <p:spPr>
+          <a:xfrm>
+            <a:off x="4541400" y="1350720"/>
+            <a:ext cx="0" cy="321480"/>
+          </a:xfrm>
+          <a:prstGeom prst="line">
+            <a:avLst/>
+          </a:prstGeom>
+          <a:ln w="0">
+            <a:solidFill>
+              <a:srgbClr val="3465A4"/>
+            </a:solidFill>
+            <a:tailEnd type="triangle" w="med" len="med"/>
+          </a:ln>
+        </p:spPr>
+        <p:style>
+          <a:lnRef idx="0">
+            <a:scrgbClr r="0" g="0" b="0"/>
+          </a:lnRef>
+          <a:fillRef idx="0">
+            <a:scrgbClr r="0" g="0" b="0"/>
+          </a:fillRef>
+          <a:effectRef idx="0">
+            <a:scrgbClr r="0" g="0" b="0"/>
+          </a:effectRef>
+          <a:fontRef idx="minor"/>
+        </p:style>
+      </p:sp>
+      <p:sp>
+        <p:nvSpPr>
+          <p:cNvPr id="99" name="Line 24"/>
+          <p:cNvSpPr/>
+          <p:nvPr/>
+        </p:nvSpPr>
+        <p:spPr>
+          <a:xfrm>
+            <a:off x="4541400" y="1350720"/>
+            <a:ext cx="0" cy="321480"/>
+          </a:xfrm>
+          <a:prstGeom prst="line">
+            <a:avLst/>
+          </a:prstGeom>
+          <a:ln w="0">
+            <a:solidFill>
+              <a:srgbClr val="3465A4"/>
+            </a:solidFill>
+            <a:tailEnd type="triangle" w="med" len="med"/>
+          </a:ln>
+        </p:spPr>
+        <p:style>
+          <a:lnRef idx="0">
+            <a:scrgbClr r="0" g="0" b="0"/>
+          </a:lnRef>
+          <a:fillRef idx="0">
+            <a:scrgbClr r="0" g="0" b="0"/>
+          </a:fillRef>
+          <a:effectRef idx="0">
+            <a:scrgbClr r="0" g="0" b="0"/>
+          </a:effectRef>
+          <a:fontRef idx="minor"/>
+        </p:style>
+      </p:sp>
+      <p:sp>
+        <p:nvSpPr>
+          <p:cNvPr id="100" name="CustomShape 25"/>
+          <p:cNvSpPr/>
+          <p:nvPr/>
+        </p:nvSpPr>
+        <p:spPr>
+          <a:xfrm>
+            <a:off x="4525200" y="2962440"/>
+            <a:ext cx="2513160" cy="2669760"/>
+          </a:xfrm>
+          <a:prstGeom prst="rect">
+            <a:avLst/>
+          </a:prstGeom>
+          <a:noFill/>
+          <a:ln w="18360">
+            <a:solidFill>
+              <a:srgbClr val="3465A4"/>
+            </a:solidFill>
+            <a:custDash>
+              <a:ds d="600000" sp="300000"/>
+            </a:custDash>
+            <a:round/>
+          </a:ln>
+        </p:spPr>
+        <p:style>
+          <a:lnRef idx="0">
+            <a:scrgbClr r="0" g="0" b="0"/>
+          </a:lnRef>
+          <a:fillRef idx="0">
+            <a:scrgbClr r="0" g="0" b="0"/>
+          </a:fillRef>
+          <a:effectRef idx="0">
+            <a:scrgbClr r="0" g="0" b="0"/>
+          </a:effectRef>
+          <a:fontRef idx="minor"/>
+        </p:style>
+      </p:sp>
+      <p:sp>
+        <p:nvSpPr>
+          <p:cNvPr id="101" name="CustomShape 26"/>
+          <p:cNvSpPr/>
+          <p:nvPr/>
+        </p:nvSpPr>
+        <p:spPr>
+          <a:xfrm>
+            <a:off x="4415760" y="2595600"/>
+            <a:ext cx="2814120" cy="344880"/>
+          </a:xfrm>
+          <a:prstGeom prst="rect">
+            <a:avLst/>
+          </a:prstGeom>
+          <a:noFill/>
+          <a:ln w="0">
+            <a:noFill/>
+          </a:ln>
+        </p:spPr>
+        <p:style>
+          <a:lnRef idx="0">
+            <a:scrgbClr r="0" g="0" b="0"/>
+          </a:lnRef>
+          <a:fillRef idx="0">
+            <a:scrgbClr r="0" g="0" b="0"/>
+          </a:fillRef>
+          <a:effectRef idx="0">
+            <a:scrgbClr r="0" g="0" b="0"/>
+          </a:effectRef>
+          <a:fontRef idx="minor"/>
+        </p:style>
+        <p:txBody>
+          <a:bodyPr lIns="90000" tIns="45000" rIns="90000" bIns="45000">
+            <a:noAutofit/>
+          </a:bodyPr>
+          <a:lstStyle/>
+          <a:p>
+            <a:pPr>
+              <a:lnSpc>
+                <a:spcPct val="100000"/>
+              </a:lnSpc>
+            </a:pPr>
+            <a:r>
+              <a:rPr lang="en-US" sz="1800" b="0" strike="noStrike" spc="-1">
+                <a:solidFill>
+                  <a:srgbClr val="000000"/>
+                </a:solidFill>
+                <a:latin typeface="Arial"/>
+                <a:ea typeface="DejaVu Sans"/>
+              </a:rPr>
+              <a:t>Applied Quantum Pipeline</a:t>
+            </a:r>
+            <a:endParaRPr lang="en-US" sz="1800" b="0" strike="noStrike" spc="-1">
+              <a:latin typeface="Arial"/>
+            </a:endParaRPr>
+          </a:p>
+        </p:txBody>
+      </p:sp>
+      <p:sp>
+        <p:nvSpPr>
+          <p:cNvPr id="102" name="CustomShape 27"/>
+          <p:cNvSpPr/>
+          <p:nvPr/>
+        </p:nvSpPr>
+        <p:spPr>
+          <a:xfrm>
+            <a:off x="6363360" y="1670400"/>
+            <a:ext cx="2055960" cy="362880"/>
+          </a:xfrm>
+          <a:prstGeom prst="rect">
+            <a:avLst/>
+          </a:prstGeom>
+          <a:noFill/>
+          <a:ln w="18360">
+            <a:solidFill>
+              <a:srgbClr val="0000FF"/>
+            </a:solidFill>
+            <a:round/>
+          </a:ln>
+        </p:spPr>
+        <p:style>
+          <a:lnRef idx="0">
+            <a:scrgbClr r="0" g="0" b="0"/>
+          </a:lnRef>
+          <a:fillRef idx="0">
+            <a:scrgbClr r="0" g="0" b="0"/>
+          </a:fillRef>
+          <a:effectRef idx="0">
+            <a:scrgbClr r="0" g="0" b="0"/>
+          </a:effectRef>
+          <a:fontRef idx="minor"/>
+        </p:style>
+        <p:txBody>
+          <a:bodyPr lIns="99000" tIns="54000" rIns="99000" bIns="54000">
+            <a:noAutofit/>
+          </a:bodyPr>
+          <a:lstStyle/>
+          <a:p>
+            <a:pPr algn="ctr">
+              <a:lnSpc>
+                <a:spcPct val="100000"/>
+              </a:lnSpc>
+            </a:pPr>
+            <a:r>
+              <a:rPr lang="en-US" sz="1800" b="0" strike="noStrike" spc="-1">
+                <a:solidFill>
+                  <a:srgbClr val="0000FF"/>
+                </a:solidFill>
+                <a:latin typeface="Arial"/>
+                <a:ea typeface="DejaVu Sans"/>
+              </a:rPr>
+              <a:t>QM Labs 2</a:t>
+            </a:r>
+            <a:endParaRPr lang="en-US" sz="1800" b="0" strike="noStrike" spc="-1">
+              <a:latin typeface="Arial"/>
+            </a:endParaRPr>
+          </a:p>
+        </p:txBody>
+      </p:sp>
+      <p:sp>
+        <p:nvSpPr>
+          <p:cNvPr id="103" name="Line 28"/>
+          <p:cNvSpPr/>
+          <p:nvPr/>
+        </p:nvSpPr>
+        <p:spPr>
+          <a:xfrm>
+            <a:off x="5540400" y="1864800"/>
+            <a:ext cx="822960" cy="0"/>
+          </a:xfrm>
+          <a:prstGeom prst="line">
+            <a:avLst/>
+          </a:prstGeom>
+          <a:ln w="0">
+            <a:solidFill>
+              <a:srgbClr val="3465A4"/>
+            </a:solidFill>
+            <a:headEnd type="triangle" w="med" len="med"/>
+            <a:tailEnd type="triangle" w="med" len="med"/>
+          </a:ln>
+        </p:spPr>
+        <p:style>
+          <a:lnRef idx="0">
+            <a:scrgbClr r="0" g="0" b="0"/>
+          </a:lnRef>
+          <a:fillRef idx="0">
+            <a:scrgbClr r="0" g="0" b="0"/>
+          </a:fillRef>
+          <a:effectRef idx="0">
+            <a:scrgbClr r="0" g="0" b="0"/>
+          </a:effectRef>
+          <a:fontRef idx="minor"/>
+        </p:style>
+      </p:sp>
+      <p:sp>
+        <p:nvSpPr>
+          <p:cNvPr id="104" name="CustomShape 29"/>
+          <p:cNvSpPr/>
+          <p:nvPr/>
+        </p:nvSpPr>
+        <p:spPr>
+          <a:xfrm>
+            <a:off x="7664400" y="3074400"/>
+            <a:ext cx="2055960" cy="362880"/>
+          </a:xfrm>
+          <a:prstGeom prst="rect">
+            <a:avLst/>
+          </a:prstGeom>
+          <a:noFill/>
+          <a:ln w="18360">
+            <a:solidFill>
+              <a:srgbClr val="0000FF"/>
+            </a:solidFill>
+            <a:round/>
+          </a:ln>
+        </p:spPr>
+        <p:style>
+          <a:lnRef idx="0">
+            <a:scrgbClr r="0" g="0" b="0"/>
+          </a:lnRef>
+          <a:fillRef idx="0">
+            <a:scrgbClr r="0" g="0" b="0"/>
+          </a:fillRef>
+          <a:effectRef idx="0">
+            <a:scrgbClr r="0" g="0" b="0"/>
+          </a:effectRef>
+          <a:fontRef idx="minor"/>
+        </p:style>
+        <p:txBody>
+          <a:bodyPr lIns="99000" tIns="54000" rIns="99000" bIns="54000">
+            <a:noAutofit/>
+          </a:bodyPr>
+          <a:lstStyle/>
+          <a:p>
+            <a:pPr algn="ctr">
+              <a:lnSpc>
+                <a:spcPct val="100000"/>
+              </a:lnSpc>
+            </a:pPr>
+            <a:r>
+              <a:rPr lang="en-US" sz="1800" b="0" strike="noStrike" spc="-1">
+                <a:solidFill>
+                  <a:srgbClr val="0000FF"/>
+                </a:solidFill>
+                <a:latin typeface="Arial"/>
+                <a:ea typeface="DejaVu Sans"/>
+              </a:rPr>
+              <a:t>QKD Labs</a:t>
+            </a:r>
+            <a:endParaRPr lang="en-US" sz="1800" b="0" strike="noStrike" spc="-1">
+              <a:latin typeface="Arial"/>
+            </a:endParaRPr>
+          </a:p>
+        </p:txBody>
+      </p:sp>
+      <p:sp>
+        <p:nvSpPr>
+          <p:cNvPr id="105" name="Line 30"/>
+          <p:cNvSpPr/>
+          <p:nvPr/>
+        </p:nvSpPr>
+        <p:spPr>
+          <a:xfrm>
+            <a:off x="6841440" y="3268800"/>
+            <a:ext cx="822960" cy="0"/>
+          </a:xfrm>
+          <a:prstGeom prst="line">
+            <a:avLst/>
+          </a:prstGeom>
+          <a:ln w="0">
+            <a:solidFill>
+              <a:srgbClr val="3465A4"/>
+            </a:solidFill>
+            <a:headEnd type="triangle" w="med" len="med"/>
+            <a:tailEnd type="triangle" w="med" len="med"/>
+          </a:ln>
+        </p:spPr>
+        <p:style>
+          <a:lnRef idx="0">
+            <a:scrgbClr r="0" g="0" b="0"/>
+          </a:lnRef>
+          <a:fillRef idx="0">
+            <a:scrgbClr r="0" g="0" b="0"/>
+          </a:fillRef>
+          <a:effectRef idx="0">
+            <a:scrgbClr r="0" g="0" b="0"/>
+          </a:effectRef>
+          <a:fontRef idx="minor"/>
+        </p:style>
+      </p:sp>
+      <p:sp>
+        <p:nvSpPr>
+          <p:cNvPr id="106" name="CustomShape 31"/>
+          <p:cNvSpPr/>
+          <p:nvPr/>
+        </p:nvSpPr>
+        <p:spPr>
+          <a:xfrm>
+            <a:off x="7664400" y="3758400"/>
+            <a:ext cx="2055960" cy="362880"/>
+          </a:xfrm>
+          <a:prstGeom prst="rect">
+            <a:avLst/>
+          </a:prstGeom>
+          <a:noFill/>
+          <a:ln w="18360">
+            <a:solidFill>
+              <a:srgbClr val="0000FF"/>
+            </a:solidFill>
+            <a:round/>
+          </a:ln>
+        </p:spPr>
+        <p:style>
+          <a:lnRef idx="0">
+            <a:scrgbClr r="0" g="0" b="0"/>
+          </a:lnRef>
+          <a:fillRef idx="0">
+            <a:scrgbClr r="0" g="0" b="0"/>
+          </a:fillRef>
+          <a:effectRef idx="0">
+            <a:scrgbClr r="0" g="0" b="0"/>
+          </a:effectRef>
+          <a:fontRef idx="minor"/>
+        </p:style>
+        <p:txBody>
+          <a:bodyPr lIns="99000" tIns="54000" rIns="99000" bIns="54000">
+            <a:noAutofit/>
+          </a:bodyPr>
+          <a:lstStyle/>
+          <a:p>
+            <a:pPr algn="ctr">
+              <a:lnSpc>
+                <a:spcPct val="100000"/>
+              </a:lnSpc>
+            </a:pPr>
+            <a:r>
+              <a:rPr lang="en-US" sz="1800" b="0" strike="noStrike" spc="-1">
+                <a:solidFill>
+                  <a:srgbClr val="0000FF"/>
+                </a:solidFill>
+                <a:latin typeface="Arial"/>
+                <a:ea typeface="DejaVu Sans"/>
+              </a:rPr>
+              <a:t>Q-Sensing Labs</a:t>
+            </a:r>
+            <a:endParaRPr lang="en-US" sz="1800" b="0" strike="noStrike" spc="-1">
+              <a:latin typeface="Arial"/>
+            </a:endParaRPr>
+          </a:p>
+        </p:txBody>
+      </p:sp>
+      <p:sp>
+        <p:nvSpPr>
+          <p:cNvPr id="107" name="Line 32"/>
+          <p:cNvSpPr/>
+          <p:nvPr/>
+        </p:nvSpPr>
+        <p:spPr>
+          <a:xfrm>
+            <a:off x="6841440" y="3952800"/>
+            <a:ext cx="822960" cy="0"/>
+          </a:xfrm>
+          <a:prstGeom prst="line">
+            <a:avLst/>
+          </a:prstGeom>
+          <a:ln w="0">
+            <a:solidFill>
+              <a:srgbClr val="3465A4"/>
+            </a:solidFill>
+            <a:headEnd type="triangle" w="med" len="med"/>
+            <a:tailEnd type="triangle" w="med" len="med"/>
+          </a:ln>
+        </p:spPr>
+        <p:style>
+          <a:lnRef idx="0">
+            <a:scrgbClr r="0" g="0" b="0"/>
+          </a:lnRef>
+          <a:fillRef idx="0">
+            <a:scrgbClr r="0" g="0" b="0"/>
+          </a:fillRef>
+          <a:effectRef idx="0">
+            <a:scrgbClr r="0" g="0" b="0"/>
+          </a:effectRef>
+          <a:fontRef idx="minor"/>
+        </p:style>
+      </p:sp>
+      <p:sp>
+        <p:nvSpPr>
+          <p:cNvPr id="108" name="CustomShape 33"/>
+          <p:cNvSpPr/>
+          <p:nvPr/>
+        </p:nvSpPr>
+        <p:spPr>
+          <a:xfrm>
+            <a:off x="7664400" y="4478400"/>
+            <a:ext cx="2055960" cy="362880"/>
+          </a:xfrm>
+          <a:prstGeom prst="rect">
+            <a:avLst/>
+          </a:prstGeom>
+          <a:noFill/>
+          <a:ln w="18360">
+            <a:solidFill>
+              <a:srgbClr val="0000FF"/>
+            </a:solidFill>
+            <a:round/>
+          </a:ln>
+        </p:spPr>
+        <p:style>
+          <a:lnRef idx="0">
+            <a:scrgbClr r="0" g="0" b="0"/>
+          </a:lnRef>
+          <a:fillRef idx="0">
+            <a:scrgbClr r="0" g="0" b="0"/>
+          </a:fillRef>
+          <a:effectRef idx="0">
+            <a:scrgbClr r="0" g="0" b="0"/>
+          </a:effectRef>
+          <a:fontRef idx="minor"/>
+        </p:style>
+        <p:txBody>
+          <a:bodyPr lIns="99000" tIns="54000" rIns="99000" bIns="54000">
+            <a:noAutofit/>
+          </a:bodyPr>
+          <a:lstStyle/>
+          <a:p>
+            <a:pPr algn="ctr">
+              <a:lnSpc>
+                <a:spcPct val="100000"/>
+              </a:lnSpc>
+            </a:pPr>
+            <a:r>
+              <a:rPr lang="en-US" sz="1800" b="0" strike="noStrike" spc="-1">
+                <a:solidFill>
+                  <a:srgbClr val="0000FF"/>
+                </a:solidFill>
+                <a:latin typeface="Arial"/>
+                <a:ea typeface="DejaVu Sans"/>
+              </a:rPr>
+              <a:t>FPGA Labs I</a:t>
+            </a:r>
+            <a:endParaRPr lang="en-US" sz="1800" b="0" strike="noStrike" spc="-1">
+              <a:latin typeface="Arial"/>
+            </a:endParaRPr>
+          </a:p>
+        </p:txBody>
+      </p:sp>
+      <p:sp>
+        <p:nvSpPr>
+          <p:cNvPr id="109" name="Line 34"/>
+          <p:cNvSpPr/>
+          <p:nvPr/>
+        </p:nvSpPr>
+        <p:spPr>
+          <a:xfrm>
+            <a:off x="6841440" y="4672800"/>
+            <a:ext cx="822960" cy="0"/>
+          </a:xfrm>
+          <a:prstGeom prst="line">
+            <a:avLst/>
+          </a:prstGeom>
+          <a:ln w="0">
+            <a:solidFill>
+              <a:srgbClr val="3465A4"/>
+            </a:solidFill>
+            <a:headEnd type="triangle" w="med" len="med"/>
+            <a:tailEnd type="triangle" w="med" len="med"/>
+          </a:ln>
+        </p:spPr>
+        <p:style>
+          <a:lnRef idx="0">
+            <a:scrgbClr r="0" g="0" b="0"/>
+          </a:lnRef>
+          <a:fillRef idx="0">
+            <a:scrgbClr r="0" g="0" b="0"/>
+          </a:fillRef>
+          <a:effectRef idx="0">
+            <a:scrgbClr r="0" g="0" b="0"/>
+          </a:effectRef>
+          <a:fontRef idx="minor"/>
+        </p:style>
+      </p:sp>
+      <p:sp>
+        <p:nvSpPr>
+          <p:cNvPr id="110" name="CustomShape 35"/>
+          <p:cNvSpPr/>
+          <p:nvPr/>
+        </p:nvSpPr>
+        <p:spPr>
+          <a:xfrm>
+            <a:off x="7664400" y="5162400"/>
+            <a:ext cx="2055960" cy="362880"/>
+          </a:xfrm>
+          <a:prstGeom prst="rect">
+            <a:avLst/>
+          </a:prstGeom>
+          <a:noFill/>
+          <a:ln w="18360">
+            <a:solidFill>
+              <a:srgbClr val="0000FF"/>
+            </a:solidFill>
+            <a:round/>
+          </a:ln>
+        </p:spPr>
+        <p:style>
+          <a:lnRef idx="0">
+            <a:scrgbClr r="0" g="0" b="0"/>
+          </a:lnRef>
+          <a:fillRef idx="0">
+            <a:scrgbClr r="0" g="0" b="0"/>
+          </a:fillRef>
+          <a:effectRef idx="0">
+            <a:scrgbClr r="0" g="0" b="0"/>
+          </a:effectRef>
+          <a:fontRef idx="minor"/>
+        </p:style>
+        <p:txBody>
+          <a:bodyPr lIns="99000" tIns="54000" rIns="99000" bIns="54000">
+            <a:noAutofit/>
+          </a:bodyPr>
+          <a:lstStyle/>
+          <a:p>
+            <a:pPr algn="ctr">
+              <a:lnSpc>
+                <a:spcPct val="100000"/>
+              </a:lnSpc>
+            </a:pPr>
+            <a:r>
+              <a:rPr lang="en-US" sz="1800" b="0" strike="noStrike" spc="-1">
+                <a:solidFill>
+                  <a:srgbClr val="0000FF"/>
+                </a:solidFill>
+                <a:latin typeface="Arial"/>
+                <a:ea typeface="DejaVu Sans"/>
+              </a:rPr>
+              <a:t>FPGA Labs II</a:t>
+            </a:r>
+            <a:endParaRPr lang="en-US" sz="1800" b="0" strike="noStrike" spc="-1">
+              <a:latin typeface="Arial"/>
+            </a:endParaRPr>
+          </a:p>
+        </p:txBody>
+      </p:sp>
+      <p:sp>
+        <p:nvSpPr>
+          <p:cNvPr id="111" name="Line 36"/>
+          <p:cNvSpPr/>
+          <p:nvPr/>
+        </p:nvSpPr>
+        <p:spPr>
+          <a:xfrm>
+            <a:off x="6841440" y="5356800"/>
+            <a:ext cx="822960" cy="0"/>
+          </a:xfrm>
+          <a:prstGeom prst="line">
+            <a:avLst/>
+          </a:prstGeom>
+          <a:ln w="0">
+            <a:solidFill>
+              <a:srgbClr val="3465A4"/>
+            </a:solidFill>
+            <a:headEnd type="triangle" w="med" len="med"/>
+            <a:tailEnd type="triangle" w="med" len="med"/>
+          </a:ln>
+        </p:spPr>
+        <p:style>
+          <a:lnRef idx="0">
+            <a:scrgbClr r="0" g="0" b="0"/>
+          </a:lnRef>
+          <a:fillRef idx="0">
+            <a:scrgbClr r="0" g="0" b="0"/>
+          </a:fillRef>
+          <a:effectRef idx="0">
+            <a:scrgbClr r="0" g="0" b="0"/>
+          </a:effectRef>
+          <a:fontRef idx="minor"/>
+        </p:style>
+      </p:sp>
+      <p:sp>
+        <p:nvSpPr>
+          <p:cNvPr id="112" name="CustomShape 37"/>
+          <p:cNvSpPr/>
+          <p:nvPr/>
+        </p:nvSpPr>
+        <p:spPr>
+          <a:xfrm>
+            <a:off x="6368400" y="950400"/>
+            <a:ext cx="2055960" cy="362880"/>
+          </a:xfrm>
+          <a:prstGeom prst="rect">
+            <a:avLst/>
+          </a:prstGeom>
+          <a:noFill/>
+          <a:ln w="18360">
+            <a:solidFill>
+              <a:srgbClr val="0000FF"/>
+            </a:solidFill>
+            <a:round/>
+          </a:ln>
+        </p:spPr>
+        <p:style>
+          <a:lnRef idx="0">
+            <a:scrgbClr r="0" g="0" b="0"/>
+          </a:lnRef>
+          <a:fillRef idx="0">
+            <a:scrgbClr r="0" g="0" b="0"/>
+          </a:fillRef>
+          <a:effectRef idx="0">
+            <a:scrgbClr r="0" g="0" b="0"/>
+          </a:effectRef>
+          <a:fontRef idx="minor"/>
+        </p:style>
+        <p:txBody>
+          <a:bodyPr lIns="99000" tIns="54000" rIns="99000" bIns="54000">
+            <a:noAutofit/>
+          </a:bodyPr>
+          <a:lstStyle/>
+          <a:p>
+            <a:pPr algn="ctr">
+              <a:lnSpc>
+                <a:spcPct val="100000"/>
+              </a:lnSpc>
+            </a:pPr>
+            <a:r>
+              <a:rPr lang="en-US" sz="1800" b="0" strike="noStrike" spc="-1">
+                <a:solidFill>
+                  <a:srgbClr val="0000FF"/>
+                </a:solidFill>
+                <a:latin typeface="Arial"/>
+                <a:ea typeface="DejaVu Sans"/>
+              </a:rPr>
+              <a:t>QM Labs 1</a:t>
+            </a:r>
+            <a:endParaRPr lang="en-US" sz="1800" b="0" strike="noStrike" spc="-1">
+              <a:latin typeface="Arial"/>
+            </a:endParaRPr>
+          </a:p>
+        </p:txBody>
+      </p:sp>
+      <p:sp>
+        <p:nvSpPr>
+          <p:cNvPr id="113" name="Line 38"/>
+          <p:cNvSpPr/>
+          <p:nvPr/>
+        </p:nvSpPr>
+        <p:spPr>
+          <a:xfrm>
+            <a:off x="5545440" y="1144800"/>
+            <a:ext cx="822960" cy="0"/>
+          </a:xfrm>
+          <a:prstGeom prst="line">
+            <a:avLst/>
+          </a:prstGeom>
+          <a:ln w="0">
+            <a:solidFill>
+              <a:srgbClr val="3465A4"/>
+            </a:solidFill>
+            <a:headEnd type="triangle" w="med" len="med"/>
+            <a:tailEnd type="triangle" w="med" len="med"/>
+          </a:ln>
+        </p:spPr>
+        <p:style>
+          <a:lnRef idx="0">
+            <a:scrgbClr r="0" g="0" b="0"/>
+          </a:lnRef>
+          <a:fillRef idx="0">
+            <a:scrgbClr r="0" g="0" b="0"/>
+          </a:fillRef>
+          <a:effectRef idx="0">
+            <a:scrgbClr r="0" g="0" b="0"/>
+          </a:effectRef>
+          <a:fontRef idx="minor"/>
+        </p:style>
       </p:sp>
     </p:spTree>
   </p:cSld>
-  <p:clrMap bg1="lt1" bg2="lt2" tx1="dk1" tx2="dk2" accent1="accent1" accent2="accent2" accent3="accent3" accent4="accent4" accent5="accent5" accent6="accent6" hlink="hlink" folHlink="folHlink"/>
-  <p:sldLayoutIdLst>
-    <p:sldLayoutId id="2147483649" r:id="rId2"/>
-    <p:sldLayoutId id="2147483650" r:id="rId3"/>
-    <p:sldLayoutId id="2147483651" r:id="rId4"/>
-    <p:sldLayoutId id="2147483652" r:id="rId5"/>
-    <p:sldLayoutId id="2147483653" r:id="rId6"/>
-    <p:sldLayoutId id="2147483654" r:id="rId7"/>
-    <p:sldLayoutId id="2147483655" r:id="rId8"/>
-    <p:sldLayoutId id="2147483656" r:id="rId9"/>
-    <p:sldLayoutId id="2147483657" r:id="rId10"/>
-    <p:sldLayoutId id="2147483658" r:id="rId11"/>
-    <p:sldLayoutId id="2147483659" r:id="rId12"/>
-    <p:sldLayoutId id="2147483660" r:id="rId13"/>
-  </p:sldLayoutIdLst>
-</p:sldMaster>
+  <p:clrMapOvr>
+    <a:masterClrMapping/>
+  </p:clrMapOvr>
+</p:sld>
 </file>
 
-<file path=ppt/slideMasters/slideMaster2.xml><?xml version="1.0" encoding="utf-8"?>
-<p:sldMaster xmlns:a="http://schemas.openxmlformats.org/drawingml/2006/main" xmlns:p="http://schemas.openxmlformats.org/presentationml/2006/main" xmlns:r="http://schemas.openxmlformats.org/officeDocument/2006/relationships" xmlns:p14="http://schemas.microsoft.com/office/powerpoint/2010/main" xmlns:p15="http://schemas.microsoft.com/office/powerpoint/2012/main" xmlns:mc="http://schemas.openxmlformats.org/markup-compatibility/2006">
+<file path=ppt/slides/slide2.xml><?xml version="1.0" encoding="utf-8"?>
+<p:sld xmlns:a="http://schemas.openxmlformats.org/drawingml/2006/main" xmlns:r="http://schemas.openxmlformats.org/officeDocument/2006/relationships" xmlns:p="http://schemas.openxmlformats.org/presentationml/2006/main">
   <p:cSld>
     <p:spTree>
       <p:nvGrpSpPr>
@@ -2999,267 +5880,14 @@
       </p:grpSpPr>
       <p:sp>
         <p:nvSpPr>
-          <p:cNvPr id="38" name="PlaceHolder 1"/>
-          <p:cNvSpPr>
-            <a:spLocks noGrp="1"/>
-          </p:cNvSpPr>
-          <p:nvPr>
-            <p:ph type="title"/>
-          </p:nvPr>
-        </p:nvSpPr>
-        <p:spPr>
-          <a:xfrm>
-            <a:off x="504000" y="226080"/>
-            <a:ext cx="9072000" cy="946440"/>
-          </a:xfrm>
-          <a:prstGeom prst="rect">
-            <a:avLst/>
-          </a:prstGeom>
-        </p:spPr>
-        <p:txBody>
-          <a:bodyPr lIns="0" rIns="0" tIns="0" bIns="0" anchor="ctr">
-            <a:noAutofit/>
-          </a:bodyPr>
-          <a:p>
-            <a:pPr algn="ctr"/>
-            <a:r>
-              <a:rPr b="0" lang="en-US" sz="4400" spc="-1" strike="noStrike">
-                <a:latin typeface="Arial"/>
-              </a:rPr>
-              <a:t>Click to edit the title text format</a:t>
-            </a:r>
-            <a:endParaRPr b="0" lang="en-US" sz="4400" spc="-1" strike="noStrike">
-              <a:latin typeface="Arial"/>
-            </a:endParaRPr>
-          </a:p>
-        </p:txBody>
-      </p:sp>
-      <p:sp>
-        <p:nvSpPr>
-          <p:cNvPr id="39" name="PlaceHolder 2"/>
-          <p:cNvSpPr>
-            <a:spLocks noGrp="1"/>
-          </p:cNvSpPr>
-          <p:nvPr>
-            <p:ph type="body"/>
-          </p:nvPr>
-        </p:nvSpPr>
-        <p:spPr>
-          <a:xfrm>
-            <a:off x="504000" y="1326600"/>
-            <a:ext cx="9072000" cy="3288600"/>
-          </a:xfrm>
-          <a:prstGeom prst="rect">
-            <a:avLst/>
-          </a:prstGeom>
-        </p:spPr>
-        <p:txBody>
-          <a:bodyPr lIns="0" rIns="0" tIns="0" bIns="0">
-            <a:normAutofit/>
-          </a:bodyPr>
-          <a:p>
-            <a:pPr marL="432000" indent="-324000">
-              <a:spcBef>
-                <a:spcPts val="1417"/>
-              </a:spcBef>
-              <a:buClr>
-                <a:srgbClr val="000000"/>
-              </a:buClr>
-              <a:buSzPct val="45000"/>
-              <a:buFont typeface="Wingdings" charset="2"/>
-              <a:buChar char=""/>
-            </a:pPr>
-            <a:r>
-              <a:rPr b="0" lang="en-US" sz="3200" spc="-1" strike="noStrike">
-                <a:latin typeface="Arial"/>
-              </a:rPr>
-              <a:t>Click to edit the outline text format</a:t>
-            </a:r>
-            <a:endParaRPr b="0" lang="en-US" sz="3200" spc="-1" strike="noStrike">
-              <a:latin typeface="Arial"/>
-            </a:endParaRPr>
-          </a:p>
-          <a:p>
-            <a:pPr lvl="1" marL="864000" indent="-324000">
-              <a:spcBef>
-                <a:spcPts val="1134"/>
-              </a:spcBef>
-              <a:buClr>
-                <a:srgbClr val="000000"/>
-              </a:buClr>
-              <a:buSzPct val="75000"/>
-              <a:buFont typeface="Symbol" charset="2"/>
-              <a:buChar char=""/>
-            </a:pPr>
-            <a:r>
-              <a:rPr b="0" lang="en-US" sz="2800" spc="-1" strike="noStrike">
-                <a:latin typeface="Arial"/>
-              </a:rPr>
-              <a:t>Second Outline Level</a:t>
-            </a:r>
-            <a:endParaRPr b="0" lang="en-US" sz="2800" spc="-1" strike="noStrike">
-              <a:latin typeface="Arial"/>
-            </a:endParaRPr>
-          </a:p>
-          <a:p>
-            <a:pPr lvl="2" marL="1296000" indent="-288000">
-              <a:spcBef>
-                <a:spcPts val="850"/>
-              </a:spcBef>
-              <a:buClr>
-                <a:srgbClr val="000000"/>
-              </a:buClr>
-              <a:buSzPct val="45000"/>
-              <a:buFont typeface="Wingdings" charset="2"/>
-              <a:buChar char=""/>
-            </a:pPr>
-            <a:r>
-              <a:rPr b="0" lang="en-US" sz="2400" spc="-1" strike="noStrike">
-                <a:latin typeface="Arial"/>
-              </a:rPr>
-              <a:t>Third Outline Level</a:t>
-            </a:r>
-            <a:endParaRPr b="0" lang="en-US" sz="2400" spc="-1" strike="noStrike">
-              <a:latin typeface="Arial"/>
-            </a:endParaRPr>
-          </a:p>
-          <a:p>
-            <a:pPr lvl="3" marL="1728000" indent="-216000">
-              <a:spcBef>
-                <a:spcPts val="567"/>
-              </a:spcBef>
-              <a:buClr>
-                <a:srgbClr val="000000"/>
-              </a:buClr>
-              <a:buSzPct val="75000"/>
-              <a:buFont typeface="Symbol" charset="2"/>
-              <a:buChar char=""/>
-            </a:pPr>
-            <a:r>
-              <a:rPr b="0" lang="en-US" sz="2000" spc="-1" strike="noStrike">
-                <a:latin typeface="Arial"/>
-              </a:rPr>
-              <a:t>Fourth Outline Level</a:t>
-            </a:r>
-            <a:endParaRPr b="0" lang="en-US" sz="2000" spc="-1" strike="noStrike">
-              <a:latin typeface="Arial"/>
-            </a:endParaRPr>
-          </a:p>
-          <a:p>
-            <a:pPr lvl="4" marL="2160000" indent="-216000">
-              <a:spcBef>
-                <a:spcPts val="283"/>
-              </a:spcBef>
-              <a:buClr>
-                <a:srgbClr val="000000"/>
-              </a:buClr>
-              <a:buSzPct val="45000"/>
-              <a:buFont typeface="Wingdings" charset="2"/>
-              <a:buChar char=""/>
-            </a:pPr>
-            <a:r>
-              <a:rPr b="0" lang="en-US" sz="2000" spc="-1" strike="noStrike">
-                <a:latin typeface="Arial"/>
-              </a:rPr>
-              <a:t>Fifth Outline Level</a:t>
-            </a:r>
-            <a:endParaRPr b="0" lang="en-US" sz="2000" spc="-1" strike="noStrike">
-              <a:latin typeface="Arial"/>
-            </a:endParaRPr>
-          </a:p>
-          <a:p>
-            <a:pPr lvl="5" marL="2592000" indent="-216000">
-              <a:spcBef>
-                <a:spcPts val="283"/>
-              </a:spcBef>
-              <a:buClr>
-                <a:srgbClr val="000000"/>
-              </a:buClr>
-              <a:buSzPct val="45000"/>
-              <a:buFont typeface="Wingdings" charset="2"/>
-              <a:buChar char=""/>
-            </a:pPr>
-            <a:r>
-              <a:rPr b="0" lang="en-US" sz="2000" spc="-1" strike="noStrike">
-                <a:latin typeface="Arial"/>
-              </a:rPr>
-              <a:t>Sixth Outline Level</a:t>
-            </a:r>
-            <a:endParaRPr b="0" lang="en-US" sz="2000" spc="-1" strike="noStrike">
-              <a:latin typeface="Arial"/>
-            </a:endParaRPr>
-          </a:p>
-          <a:p>
-            <a:pPr lvl="6" marL="3024000" indent="-216000">
-              <a:spcBef>
-                <a:spcPts val="283"/>
-              </a:spcBef>
-              <a:buClr>
-                <a:srgbClr val="000000"/>
-              </a:buClr>
-              <a:buSzPct val="45000"/>
-              <a:buFont typeface="Wingdings" charset="2"/>
-              <a:buChar char=""/>
-            </a:pPr>
-            <a:r>
-              <a:rPr b="0" lang="en-US" sz="2000" spc="-1" strike="noStrike">
-                <a:latin typeface="Arial"/>
-              </a:rPr>
-              <a:t>Seventh Outline Level</a:t>
-            </a:r>
-            <a:endParaRPr b="0" lang="en-US" sz="2000" spc="-1" strike="noStrike">
-              <a:latin typeface="Arial"/>
-            </a:endParaRPr>
-          </a:p>
-        </p:txBody>
-      </p:sp>
-    </p:spTree>
-  </p:cSld>
-  <p:clrMap bg1="lt1" bg2="lt2" tx1="dk1" tx2="dk2" accent1="accent1" accent2="accent2" accent3="accent3" accent4="accent4" accent5="accent5" accent6="accent6" hlink="hlink" folHlink="folHlink"/>
-  <p:sldLayoutIdLst>
-    <p:sldLayoutId id="2147483662" r:id="rId2"/>
-    <p:sldLayoutId id="2147483663" r:id="rId3"/>
-    <p:sldLayoutId id="2147483664" r:id="rId4"/>
-    <p:sldLayoutId id="2147483665" r:id="rId5"/>
-    <p:sldLayoutId id="2147483666" r:id="rId6"/>
-    <p:sldLayoutId id="2147483667" r:id="rId7"/>
-    <p:sldLayoutId id="2147483668" r:id="rId8"/>
-    <p:sldLayoutId id="2147483669" r:id="rId9"/>
-    <p:sldLayoutId id="2147483670" r:id="rId10"/>
-    <p:sldLayoutId id="2147483671" r:id="rId11"/>
-    <p:sldLayoutId id="2147483672" r:id="rId12"/>
-    <p:sldLayoutId id="2147483673" r:id="rId13"/>
-  </p:sldLayoutIdLst>
-</p:sldMaster>
-</file>
-
-<file path=ppt/slides/slide1.xml><?xml version="1.0" encoding="utf-8"?>
-<p:sld xmlns:a="http://schemas.openxmlformats.org/drawingml/2006/main" xmlns:p="http://schemas.openxmlformats.org/presentationml/2006/main" xmlns:r="http://schemas.openxmlformats.org/officeDocument/2006/relationships" xmlns:p14="http://schemas.microsoft.com/office/powerpoint/2010/main" xmlns:p15="http://schemas.microsoft.com/office/powerpoint/2012/main" xmlns:mc="http://schemas.openxmlformats.org/markup-compatibility/2006">
-  <p:cSld>
-    <p:spTree>
-      <p:nvGrpSpPr>
-        <p:cNvPr id="1" name=""/>
-        <p:cNvGrpSpPr/>
-        <p:nvPr/>
-      </p:nvGrpSpPr>
-      <p:grpSpPr>
-        <a:xfrm>
-          <a:off x="0" y="0"/>
-          <a:ext cx="0" cy="0"/>
-          <a:chOff x="0" y="0"/>
-          <a:chExt cx="0" cy="0"/>
-        </a:xfrm>
-      </p:grpSpPr>
-      <p:sp>
-        <p:nvSpPr>
-          <p:cNvPr id="76" name="CustomShape 1"/>
+          <p:cNvPr id="114" name="CustomShape 1"/>
           <p:cNvSpPr/>
           <p:nvPr/>
         </p:nvSpPr>
         <p:spPr>
           <a:xfrm>
-            <a:off x="0" y="0"/>
-            <a:ext cx="4523760" cy="311400"/>
+            <a:off x="457200" y="0"/>
+            <a:ext cx="9070200" cy="458640"/>
           </a:xfrm>
           <a:prstGeom prst="rect">
             <a:avLst/>
@@ -3270,15 +5898,22 @@
           </a:ln>
         </p:spPr>
         <p:style>
-          <a:lnRef idx="0"/>
-          <a:fillRef idx="0"/>
-          <a:effectRef idx="0"/>
+          <a:lnRef idx="0">
+            <a:scrgbClr r="0" g="0" b="0"/>
+          </a:lnRef>
+          <a:fillRef idx="0">
+            <a:scrgbClr r="0" g="0" b="0"/>
+          </a:fillRef>
+          <a:effectRef idx="0">
+            <a:scrgbClr r="0" g="0" b="0"/>
+          </a:effectRef>
           <a:fontRef idx="minor"/>
         </p:style>
         <p:txBody>
-          <a:bodyPr lIns="0" rIns="0" tIns="0" bIns="0" anchor="ctr">
+          <a:bodyPr lIns="0" tIns="0" rIns="0" bIns="0" anchor="ctr">
             <a:noAutofit/>
           </a:bodyPr>
+          <a:lstStyle/>
           <a:p>
             <a:pPr algn="ctr">
               <a:lnSpc>
@@ -3286,1627 +5921,7 @@
               </a:lnSpc>
             </a:pPr>
             <a:r>
-              <a:rPr b="0" lang="en-US" sz="2200" spc="-1" strike="noStrike">
-                <a:solidFill>
-                  <a:srgbClr val="000000"/>
-                </a:solidFill>
-                <a:latin typeface="Arial"/>
-                <a:ea typeface="DejaVu Sans"/>
-              </a:rPr>
-              <a:t>Quantum Courses Progression</a:t>
-            </a:r>
-            <a:endParaRPr b="0" lang="en-US" sz="2200" spc="-1" strike="noStrike">
-              <a:latin typeface="Arial"/>
-            </a:endParaRPr>
-          </a:p>
-        </p:txBody>
-      </p:sp>
-      <p:sp>
-        <p:nvSpPr>
-          <p:cNvPr id="77" name="CustomShape 2"/>
-          <p:cNvSpPr/>
-          <p:nvPr/>
-        </p:nvSpPr>
-        <p:spPr>
-          <a:xfrm>
-            <a:off x="3483000" y="986400"/>
-            <a:ext cx="2055960" cy="362880"/>
-          </a:xfrm>
-          <a:prstGeom prst="rect">
-            <a:avLst/>
-          </a:prstGeom>
-          <a:noFill/>
-          <a:ln w="18360">
-            <a:solidFill>
-              <a:srgbClr val="000000"/>
-            </a:solidFill>
-            <a:round/>
-          </a:ln>
-        </p:spPr>
-        <p:style>
-          <a:lnRef idx="0"/>
-          <a:fillRef idx="0"/>
-          <a:effectRef idx="0"/>
-          <a:fontRef idx="minor"/>
-        </p:style>
-        <p:txBody>
-          <a:bodyPr lIns="99000" rIns="99000" tIns="54000" bIns="54000">
-            <a:noAutofit/>
-          </a:bodyPr>
-          <a:p>
-            <a:pPr algn="ctr">
-              <a:lnSpc>
-                <a:spcPct val="100000"/>
-              </a:lnSpc>
-            </a:pPr>
-            <a:r>
-              <a:rPr b="0" lang="en-US" sz="1800" spc="-1" strike="noStrike">
-                <a:solidFill>
-                  <a:srgbClr val="000000"/>
-                </a:solidFill>
-                <a:latin typeface="Arial"/>
-                <a:ea typeface="DejaVu Sans"/>
-              </a:rPr>
-              <a:t>QM for CS</a:t>
-            </a:r>
-            <a:endParaRPr b="0" lang="en-US" sz="1800" spc="-1" strike="noStrike">
-              <a:latin typeface="Arial"/>
-            </a:endParaRPr>
-          </a:p>
-        </p:txBody>
-      </p:sp>
-      <p:sp>
-        <p:nvSpPr>
-          <p:cNvPr id="78" name="CustomShape 3"/>
-          <p:cNvSpPr/>
-          <p:nvPr/>
-        </p:nvSpPr>
-        <p:spPr>
-          <a:xfrm>
-            <a:off x="3483000" y="1672200"/>
-            <a:ext cx="2055960" cy="362880"/>
-          </a:xfrm>
-          <a:prstGeom prst="rect">
-            <a:avLst/>
-          </a:prstGeom>
-          <a:noFill/>
-          <a:ln w="18360">
-            <a:solidFill>
-              <a:srgbClr val="000000"/>
-            </a:solidFill>
-            <a:round/>
-          </a:ln>
-        </p:spPr>
-        <p:style>
-          <a:lnRef idx="0"/>
-          <a:fillRef idx="0"/>
-          <a:effectRef idx="0"/>
-          <a:fontRef idx="minor"/>
-        </p:style>
-        <p:txBody>
-          <a:bodyPr lIns="99000" rIns="99000" tIns="54000" bIns="54000">
-            <a:noAutofit/>
-          </a:bodyPr>
-          <a:p>
-            <a:pPr algn="ctr">
-              <a:lnSpc>
-                <a:spcPct val="100000"/>
-              </a:lnSpc>
-            </a:pPr>
-            <a:r>
-              <a:rPr b="0" lang="en-US" sz="1800" spc="-1" strike="noStrike">
-                <a:solidFill>
-                  <a:srgbClr val="000000"/>
-                </a:solidFill>
-                <a:latin typeface="Arial"/>
-                <a:ea typeface="DejaVu Sans"/>
-              </a:rPr>
-              <a:t>Intro to QIS</a:t>
-            </a:r>
-            <a:endParaRPr b="0" lang="en-US" sz="1800" spc="-1" strike="noStrike">
-              <a:latin typeface="Arial"/>
-            </a:endParaRPr>
-          </a:p>
-        </p:txBody>
-      </p:sp>
-      <p:sp>
-        <p:nvSpPr>
-          <p:cNvPr id="79" name="CustomShape 4"/>
-          <p:cNvSpPr/>
-          <p:nvPr/>
-        </p:nvSpPr>
-        <p:spPr>
-          <a:xfrm>
-            <a:off x="685800" y="3078000"/>
-            <a:ext cx="2055960" cy="362880"/>
-          </a:xfrm>
-          <a:prstGeom prst="rect">
-            <a:avLst/>
-          </a:prstGeom>
-          <a:noFill/>
-          <a:ln w="18360">
-            <a:solidFill>
-              <a:srgbClr val="000000"/>
-            </a:solidFill>
-            <a:round/>
-          </a:ln>
-        </p:spPr>
-        <p:style>
-          <a:lnRef idx="0"/>
-          <a:fillRef idx="0"/>
-          <a:effectRef idx="0"/>
-          <a:fontRef idx="minor"/>
-        </p:style>
-        <p:txBody>
-          <a:bodyPr lIns="99000" rIns="99000" tIns="54000" bIns="54000">
-            <a:noAutofit/>
-          </a:bodyPr>
-          <a:p>
-            <a:pPr algn="ctr">
-              <a:lnSpc>
-                <a:spcPct val="100000"/>
-              </a:lnSpc>
-            </a:pPr>
-            <a:r>
-              <a:rPr b="0" lang="en-US" sz="1800" spc="-1" strike="noStrike">
-                <a:solidFill>
-                  <a:srgbClr val="000000"/>
-                </a:solidFill>
-                <a:latin typeface="Arial"/>
-                <a:ea typeface="DejaVu Sans"/>
-              </a:rPr>
-              <a:t>Intro to QC</a:t>
-            </a:r>
-            <a:endParaRPr b="0" lang="en-US" sz="1800" spc="-1" strike="noStrike">
-              <a:latin typeface="Arial"/>
-            </a:endParaRPr>
-          </a:p>
-        </p:txBody>
-      </p:sp>
-      <p:sp>
-        <p:nvSpPr>
-          <p:cNvPr id="80" name="CustomShape 5"/>
-          <p:cNvSpPr/>
-          <p:nvPr/>
-        </p:nvSpPr>
-        <p:spPr>
-          <a:xfrm>
-            <a:off x="685800" y="3763800"/>
-            <a:ext cx="2055960" cy="362880"/>
-          </a:xfrm>
-          <a:prstGeom prst="rect">
-            <a:avLst/>
-          </a:prstGeom>
-          <a:noFill/>
-          <a:ln w="18360">
-            <a:solidFill>
-              <a:srgbClr val="000000"/>
-            </a:solidFill>
-            <a:round/>
-          </a:ln>
-        </p:spPr>
-        <p:style>
-          <a:lnRef idx="0"/>
-          <a:fillRef idx="0"/>
-          <a:effectRef idx="0"/>
-          <a:fontRef idx="minor"/>
-        </p:style>
-        <p:txBody>
-          <a:bodyPr lIns="99000" rIns="99000" tIns="54000" bIns="54000">
-            <a:noAutofit/>
-          </a:bodyPr>
-          <a:p>
-            <a:pPr algn="ctr">
-              <a:lnSpc>
-                <a:spcPct val="100000"/>
-              </a:lnSpc>
-            </a:pPr>
-            <a:r>
-              <a:rPr b="0" lang="en-US" sz="1800" spc="-1" strike="noStrike">
-                <a:solidFill>
-                  <a:srgbClr val="000000"/>
-                </a:solidFill>
-                <a:latin typeface="Arial"/>
-                <a:ea typeface="DejaVu Sans"/>
-              </a:rPr>
-              <a:t>Applied QC</a:t>
-            </a:r>
-            <a:endParaRPr b="0" lang="en-US" sz="1800" spc="-1" strike="noStrike">
-              <a:latin typeface="Arial"/>
-            </a:endParaRPr>
-          </a:p>
-        </p:txBody>
-      </p:sp>
-      <p:sp>
-        <p:nvSpPr>
-          <p:cNvPr id="81" name="CustomShape 6"/>
-          <p:cNvSpPr/>
-          <p:nvPr/>
-        </p:nvSpPr>
-        <p:spPr>
-          <a:xfrm>
-            <a:off x="685800" y="4449600"/>
-            <a:ext cx="2055960" cy="362880"/>
-          </a:xfrm>
-          <a:prstGeom prst="rect">
-            <a:avLst/>
-          </a:prstGeom>
-          <a:noFill/>
-          <a:ln w="18360">
-            <a:solidFill>
-              <a:srgbClr val="000000"/>
-            </a:solidFill>
-            <a:round/>
-          </a:ln>
-        </p:spPr>
-        <p:style>
-          <a:lnRef idx="0"/>
-          <a:fillRef idx="0"/>
-          <a:effectRef idx="0"/>
-          <a:fontRef idx="minor"/>
-        </p:style>
-        <p:txBody>
-          <a:bodyPr lIns="99000" rIns="99000" tIns="54000" bIns="54000">
-            <a:noAutofit/>
-          </a:bodyPr>
-          <a:p>
-            <a:pPr algn="ctr">
-              <a:lnSpc>
-                <a:spcPct val="100000"/>
-              </a:lnSpc>
-            </a:pPr>
-            <a:r>
-              <a:rPr b="0" lang="en-US" sz="1800" spc="-1" strike="noStrike">
-                <a:solidFill>
-                  <a:srgbClr val="000000"/>
-                </a:solidFill>
-                <a:latin typeface="Arial"/>
-                <a:ea typeface="DejaVu Sans"/>
-              </a:rPr>
-              <a:t>Quantum Algos</a:t>
-            </a:r>
-            <a:endParaRPr b="0" lang="en-US" sz="1800" spc="-1" strike="noStrike">
-              <a:latin typeface="Arial"/>
-            </a:endParaRPr>
-          </a:p>
-        </p:txBody>
-      </p:sp>
-      <p:sp>
-        <p:nvSpPr>
-          <p:cNvPr id="82" name="CustomShape 7"/>
-          <p:cNvSpPr/>
-          <p:nvPr/>
-        </p:nvSpPr>
-        <p:spPr>
-          <a:xfrm>
-            <a:off x="4770000" y="3054600"/>
-            <a:ext cx="2055960" cy="362880"/>
-          </a:xfrm>
-          <a:prstGeom prst="rect">
-            <a:avLst/>
-          </a:prstGeom>
-          <a:noFill/>
-          <a:ln w="18360">
-            <a:solidFill>
-              <a:srgbClr val="000000"/>
-            </a:solidFill>
-            <a:round/>
-          </a:ln>
-        </p:spPr>
-        <p:style>
-          <a:lnRef idx="0"/>
-          <a:fillRef idx="0"/>
-          <a:effectRef idx="0"/>
-          <a:fontRef idx="minor"/>
-        </p:style>
-        <p:txBody>
-          <a:bodyPr lIns="99000" rIns="99000" tIns="54000" bIns="54000">
-            <a:noAutofit/>
-          </a:bodyPr>
-          <a:p>
-            <a:pPr algn="ctr">
-              <a:lnSpc>
-                <a:spcPct val="100000"/>
-              </a:lnSpc>
-            </a:pPr>
-            <a:r>
-              <a:rPr b="0" lang="en-US" sz="1800" spc="-1" strike="noStrike">
-                <a:solidFill>
-                  <a:srgbClr val="000000"/>
-                </a:solidFill>
-                <a:latin typeface="Arial"/>
-                <a:ea typeface="DejaVu Sans"/>
-              </a:rPr>
-              <a:t>Quantum Crypto</a:t>
-            </a:r>
-            <a:endParaRPr b="0" lang="en-US" sz="1800" spc="-1" strike="noStrike">
-              <a:latin typeface="Arial"/>
-            </a:endParaRPr>
-          </a:p>
-        </p:txBody>
-      </p:sp>
-      <p:sp>
-        <p:nvSpPr>
-          <p:cNvPr id="83" name="CustomShape 8"/>
-          <p:cNvSpPr/>
-          <p:nvPr/>
-        </p:nvSpPr>
-        <p:spPr>
-          <a:xfrm>
-            <a:off x="4770000" y="3740400"/>
-            <a:ext cx="2055960" cy="362880"/>
-          </a:xfrm>
-          <a:prstGeom prst="rect">
-            <a:avLst/>
-          </a:prstGeom>
-          <a:noFill/>
-          <a:ln w="18360">
-            <a:solidFill>
-              <a:srgbClr val="000000"/>
-            </a:solidFill>
-            <a:round/>
-          </a:ln>
-        </p:spPr>
-        <p:style>
-          <a:lnRef idx="0"/>
-          <a:fillRef idx="0"/>
-          <a:effectRef idx="0"/>
-          <a:fontRef idx="minor"/>
-        </p:style>
-        <p:txBody>
-          <a:bodyPr lIns="99000" rIns="99000" tIns="54000" bIns="54000">
-            <a:noAutofit/>
-          </a:bodyPr>
-          <a:p>
-            <a:pPr algn="ctr">
-              <a:lnSpc>
-                <a:spcPct val="100000"/>
-              </a:lnSpc>
-            </a:pPr>
-            <a:r>
-              <a:rPr b="0" lang="en-US" sz="1800" spc="-1" strike="noStrike">
-                <a:solidFill>
-                  <a:srgbClr val="000000"/>
-                </a:solidFill>
-                <a:latin typeface="Arial"/>
-                <a:ea typeface="DejaVu Sans"/>
-              </a:rPr>
-              <a:t>Quantum Sensing</a:t>
-            </a:r>
-            <a:endParaRPr b="0" lang="en-US" sz="1800" spc="-1" strike="noStrike">
-              <a:latin typeface="Arial"/>
-            </a:endParaRPr>
-          </a:p>
-        </p:txBody>
-      </p:sp>
-      <p:sp>
-        <p:nvSpPr>
-          <p:cNvPr id="84" name="CustomShape 9"/>
-          <p:cNvSpPr/>
-          <p:nvPr/>
-        </p:nvSpPr>
-        <p:spPr>
-          <a:xfrm>
-            <a:off x="685800" y="5135400"/>
-            <a:ext cx="2055960" cy="362880"/>
-          </a:xfrm>
-          <a:prstGeom prst="rect">
-            <a:avLst/>
-          </a:prstGeom>
-          <a:noFill/>
-          <a:ln w="18360">
-            <a:solidFill>
-              <a:srgbClr val="000000"/>
-            </a:solidFill>
-            <a:round/>
-          </a:ln>
-        </p:spPr>
-        <p:style>
-          <a:lnRef idx="0"/>
-          <a:fillRef idx="0"/>
-          <a:effectRef idx="0"/>
-          <a:fontRef idx="minor"/>
-        </p:style>
-        <p:txBody>
-          <a:bodyPr lIns="99000" rIns="99000" tIns="54000" bIns="54000">
-            <a:noAutofit/>
-          </a:bodyPr>
-          <a:p>
-            <a:pPr algn="ctr">
-              <a:lnSpc>
-                <a:spcPct val="100000"/>
-              </a:lnSpc>
-            </a:pPr>
-            <a:r>
-              <a:rPr b="0" lang="en-US" sz="1800" spc="-1" strike="noStrike">
-                <a:solidFill>
-                  <a:srgbClr val="000000"/>
-                </a:solidFill>
-                <a:latin typeface="Arial"/>
-                <a:ea typeface="DejaVu Sans"/>
-              </a:rPr>
-              <a:t>Quantum ML</a:t>
-            </a:r>
-            <a:endParaRPr b="0" lang="en-US" sz="1800" spc="-1" strike="noStrike">
-              <a:latin typeface="Arial"/>
-            </a:endParaRPr>
-          </a:p>
-        </p:txBody>
-      </p:sp>
-      <p:sp>
-        <p:nvSpPr>
-          <p:cNvPr id="85" name="Line 10"/>
-          <p:cNvSpPr/>
-          <p:nvPr/>
-        </p:nvSpPr>
-        <p:spPr>
-          <a:xfrm>
-            <a:off x="4541400" y="1350720"/>
-            <a:ext cx="0" cy="321480"/>
-          </a:xfrm>
-          <a:prstGeom prst="line">
-            <a:avLst/>
-          </a:prstGeom>
-          <a:ln w="0">
-            <a:solidFill>
-              <a:srgbClr val="3465a4"/>
-            </a:solidFill>
-            <a:tailEnd len="med" type="triangle" w="med"/>
-          </a:ln>
-        </p:spPr>
-        <p:style>
-          <a:lnRef idx="0"/>
-          <a:fillRef idx="0"/>
-          <a:effectRef idx="0"/>
-          <a:fontRef idx="minor"/>
-        </p:style>
-      </p:sp>
-      <p:sp>
-        <p:nvSpPr>
-          <p:cNvPr id="86" name="CustomShape 11"/>
-          <p:cNvSpPr/>
-          <p:nvPr/>
-        </p:nvSpPr>
-        <p:spPr>
-          <a:xfrm>
-            <a:off x="3254400" y="819000"/>
-            <a:ext cx="2513160" cy="1370160"/>
-          </a:xfrm>
-          <a:prstGeom prst="rect">
-            <a:avLst/>
-          </a:prstGeom>
-          <a:noFill/>
-          <a:ln w="18360">
-            <a:solidFill>
-              <a:srgbClr val="3465a4"/>
-            </a:solidFill>
-            <a:custDash>
-              <a:ds d="600000" sp="300000"/>
-            </a:custDash>
-            <a:round/>
-          </a:ln>
-        </p:spPr>
-        <p:style>
-          <a:lnRef idx="0"/>
-          <a:fillRef idx="0"/>
-          <a:effectRef idx="0"/>
-          <a:fontRef idx="minor"/>
-        </p:style>
-      </p:sp>
-      <p:sp>
-        <p:nvSpPr>
-          <p:cNvPr id="87" name="CustomShape 12"/>
-          <p:cNvSpPr/>
-          <p:nvPr/>
-        </p:nvSpPr>
-        <p:spPr>
-          <a:xfrm>
-            <a:off x="3146400" y="433800"/>
-            <a:ext cx="2751840" cy="344880"/>
-          </a:xfrm>
-          <a:prstGeom prst="rect">
-            <a:avLst/>
-          </a:prstGeom>
-          <a:noFill/>
-          <a:ln w="0">
-            <a:noFill/>
-          </a:ln>
-        </p:spPr>
-        <p:style>
-          <a:lnRef idx="0"/>
-          <a:fillRef idx="0"/>
-          <a:effectRef idx="0"/>
-          <a:fontRef idx="minor"/>
-        </p:style>
-        <p:txBody>
-          <a:bodyPr lIns="90000" rIns="90000" tIns="45000" bIns="45000">
-            <a:noAutofit/>
-          </a:bodyPr>
-          <a:p>
-            <a:pPr>
-              <a:lnSpc>
-                <a:spcPct val="100000"/>
-              </a:lnSpc>
-            </a:pPr>
-            <a:r>
-              <a:rPr b="0" lang="en-US" sz="1800" spc="-1" strike="noStrike">
-                <a:solidFill>
-                  <a:srgbClr val="000000"/>
-                </a:solidFill>
-                <a:latin typeface="Arial"/>
-                <a:ea typeface="DejaVu Sans"/>
-              </a:rPr>
-              <a:t>Core 1-year Requirement</a:t>
-            </a:r>
-            <a:endParaRPr b="0" lang="en-US" sz="1800" spc="-1" strike="noStrike">
-              <a:latin typeface="Arial"/>
-            </a:endParaRPr>
-          </a:p>
-        </p:txBody>
-      </p:sp>
-      <p:sp>
-        <p:nvSpPr>
-          <p:cNvPr id="88" name="Line 13"/>
-          <p:cNvSpPr/>
-          <p:nvPr/>
-        </p:nvSpPr>
-        <p:spPr>
-          <a:xfrm>
-            <a:off x="1695600" y="3450600"/>
-            <a:ext cx="0" cy="321480"/>
-          </a:xfrm>
-          <a:prstGeom prst="line">
-            <a:avLst/>
-          </a:prstGeom>
-          <a:ln w="0">
-            <a:solidFill>
-              <a:srgbClr val="3465a4"/>
-            </a:solidFill>
-            <a:tailEnd len="med" type="triangle" w="med"/>
-          </a:ln>
-        </p:spPr>
-        <p:style>
-          <a:lnRef idx="0"/>
-          <a:fillRef idx="0"/>
-          <a:effectRef idx="0"/>
-          <a:fontRef idx="minor"/>
-        </p:style>
-      </p:sp>
-      <p:sp>
-        <p:nvSpPr>
-          <p:cNvPr id="89" name="Line 14"/>
-          <p:cNvSpPr/>
-          <p:nvPr/>
-        </p:nvSpPr>
-        <p:spPr>
-          <a:xfrm>
-            <a:off x="1684800" y="4128120"/>
-            <a:ext cx="0" cy="321480"/>
-          </a:xfrm>
-          <a:prstGeom prst="line">
-            <a:avLst/>
-          </a:prstGeom>
-          <a:ln w="0">
-            <a:solidFill>
-              <a:srgbClr val="3465a4"/>
-            </a:solidFill>
-            <a:tailEnd len="med" type="triangle" w="med"/>
-          </a:ln>
-        </p:spPr>
-        <p:style>
-          <a:lnRef idx="0"/>
-          <a:fillRef idx="0"/>
-          <a:effectRef idx="0"/>
-          <a:fontRef idx="minor"/>
-        </p:style>
-      </p:sp>
-      <p:sp>
-        <p:nvSpPr>
-          <p:cNvPr id="90" name="CustomShape 15"/>
-          <p:cNvSpPr/>
-          <p:nvPr/>
-        </p:nvSpPr>
-        <p:spPr>
-          <a:xfrm>
-            <a:off x="457200" y="2957400"/>
-            <a:ext cx="2513160" cy="2669760"/>
-          </a:xfrm>
-          <a:prstGeom prst="rect">
-            <a:avLst/>
-          </a:prstGeom>
-          <a:noFill/>
-          <a:ln w="18360">
-            <a:solidFill>
-              <a:srgbClr val="3465a4"/>
-            </a:solidFill>
-            <a:custDash>
-              <a:ds d="600000" sp="300000"/>
-            </a:custDash>
-            <a:round/>
-          </a:ln>
-        </p:spPr>
-        <p:style>
-          <a:lnRef idx="0"/>
-          <a:fillRef idx="0"/>
-          <a:effectRef idx="0"/>
-          <a:fontRef idx="minor"/>
-        </p:style>
-      </p:sp>
-      <p:sp>
-        <p:nvSpPr>
-          <p:cNvPr id="91" name="CustomShape 16"/>
-          <p:cNvSpPr/>
-          <p:nvPr/>
-        </p:nvSpPr>
-        <p:spPr>
-          <a:xfrm>
-            <a:off x="95760" y="2590560"/>
-            <a:ext cx="3157200" cy="344880"/>
-          </a:xfrm>
-          <a:prstGeom prst="rect">
-            <a:avLst/>
-          </a:prstGeom>
-          <a:noFill/>
-          <a:ln w="0">
-            <a:noFill/>
-          </a:ln>
-        </p:spPr>
-        <p:style>
-          <a:lnRef idx="0"/>
-          <a:fillRef idx="0"/>
-          <a:effectRef idx="0"/>
-          <a:fontRef idx="minor"/>
-        </p:style>
-        <p:txBody>
-          <a:bodyPr lIns="90000" rIns="90000" tIns="45000" bIns="45000">
-            <a:noAutofit/>
-          </a:bodyPr>
-          <a:p>
-            <a:pPr>
-              <a:lnSpc>
-                <a:spcPct val="100000"/>
-              </a:lnSpc>
-            </a:pPr>
-            <a:r>
-              <a:rPr b="0" lang="en-US" sz="1800" spc="-1" strike="noStrike">
-                <a:solidFill>
-                  <a:srgbClr val="000000"/>
-                </a:solidFill>
-                <a:latin typeface="Arial"/>
-                <a:ea typeface="DejaVu Sans"/>
-              </a:rPr>
-              <a:t>Quantum Computing Pipeline</a:t>
-            </a:r>
-            <a:endParaRPr b="0" lang="en-US" sz="1800" spc="-1" strike="noStrike">
-              <a:latin typeface="Arial"/>
-            </a:endParaRPr>
-          </a:p>
-        </p:txBody>
-      </p:sp>
-      <p:sp>
-        <p:nvSpPr>
-          <p:cNvPr id="92" name="Line 17"/>
-          <p:cNvSpPr/>
-          <p:nvPr/>
-        </p:nvSpPr>
-        <p:spPr>
-          <a:xfrm>
-            <a:off x="1684800" y="4813920"/>
-            <a:ext cx="0" cy="321480"/>
-          </a:xfrm>
-          <a:prstGeom prst="line">
-            <a:avLst/>
-          </a:prstGeom>
-          <a:ln w="0">
-            <a:solidFill>
-              <a:srgbClr val="3465a4"/>
-            </a:solidFill>
-            <a:tailEnd len="med" type="triangle" w="med"/>
-          </a:ln>
-        </p:spPr>
-        <p:style>
-          <a:lnRef idx="0"/>
-          <a:fillRef idx="0"/>
-          <a:effectRef idx="0"/>
-          <a:fontRef idx="minor"/>
-        </p:style>
-      </p:sp>
-      <p:sp>
-        <p:nvSpPr>
-          <p:cNvPr id="93" name="CustomShape 18"/>
-          <p:cNvSpPr/>
-          <p:nvPr/>
-        </p:nvSpPr>
-        <p:spPr>
-          <a:xfrm>
-            <a:off x="4770360" y="4460400"/>
-            <a:ext cx="2055960" cy="362880"/>
-          </a:xfrm>
-          <a:prstGeom prst="rect">
-            <a:avLst/>
-          </a:prstGeom>
-          <a:noFill/>
-          <a:ln w="18360">
-            <a:solidFill>
-              <a:srgbClr val="000000"/>
-            </a:solidFill>
-            <a:round/>
-          </a:ln>
-        </p:spPr>
-        <p:style>
-          <a:lnRef idx="0"/>
-          <a:fillRef idx="0"/>
-          <a:effectRef idx="0"/>
-          <a:fontRef idx="minor"/>
-        </p:style>
-        <p:txBody>
-          <a:bodyPr lIns="99000" rIns="99000" tIns="54000" bIns="54000">
-            <a:noAutofit/>
-          </a:bodyPr>
-          <a:p>
-            <a:pPr algn="ctr">
-              <a:lnSpc>
-                <a:spcPct val="100000"/>
-              </a:lnSpc>
-            </a:pPr>
-            <a:r>
-              <a:rPr b="0" lang="en-US" sz="1800" spc="-1" strike="noStrike">
-                <a:solidFill>
-                  <a:srgbClr val="000000"/>
-                </a:solidFill>
-                <a:latin typeface="Arial"/>
-                <a:ea typeface="DejaVu Sans"/>
-              </a:rPr>
-              <a:t>FPGA Intro</a:t>
-            </a:r>
-            <a:endParaRPr b="0" lang="en-US" sz="1800" spc="-1" strike="noStrike">
-              <a:latin typeface="Arial"/>
-            </a:endParaRPr>
-          </a:p>
-        </p:txBody>
-      </p:sp>
-      <p:sp>
-        <p:nvSpPr>
-          <p:cNvPr id="94" name="CustomShape 19"/>
-          <p:cNvSpPr/>
-          <p:nvPr/>
-        </p:nvSpPr>
-        <p:spPr>
-          <a:xfrm>
-            <a:off x="4770720" y="5144400"/>
-            <a:ext cx="2055960" cy="362880"/>
-          </a:xfrm>
-          <a:prstGeom prst="rect">
-            <a:avLst/>
-          </a:prstGeom>
-          <a:noFill/>
-          <a:ln w="18360">
-            <a:solidFill>
-              <a:srgbClr val="000000"/>
-            </a:solidFill>
-            <a:round/>
-          </a:ln>
-        </p:spPr>
-        <p:style>
-          <a:lnRef idx="0"/>
-          <a:fillRef idx="0"/>
-          <a:effectRef idx="0"/>
-          <a:fontRef idx="minor"/>
-        </p:style>
-        <p:txBody>
-          <a:bodyPr lIns="99000" rIns="99000" tIns="54000" bIns="54000">
-            <a:noAutofit/>
-          </a:bodyPr>
-          <a:p>
-            <a:pPr algn="ctr">
-              <a:lnSpc>
-                <a:spcPct val="100000"/>
-              </a:lnSpc>
-            </a:pPr>
-            <a:r>
-              <a:rPr b="0" lang="en-US" sz="1800" spc="-1" strike="noStrike">
-                <a:solidFill>
-                  <a:srgbClr val="000000"/>
-                </a:solidFill>
-                <a:latin typeface="Arial"/>
-                <a:ea typeface="DejaVu Sans"/>
-              </a:rPr>
-              <a:t>Applied FPGA</a:t>
-            </a:r>
-            <a:endParaRPr b="0" lang="en-US" sz="1800" spc="-1" strike="noStrike">
-              <a:latin typeface="Arial"/>
-            </a:endParaRPr>
-          </a:p>
-        </p:txBody>
-      </p:sp>
-      <p:sp>
-        <p:nvSpPr>
-          <p:cNvPr id="95" name="Line 20"/>
-          <p:cNvSpPr/>
-          <p:nvPr/>
-        </p:nvSpPr>
-        <p:spPr>
-          <a:xfrm>
-            <a:off x="5765400" y="3438720"/>
-            <a:ext cx="0" cy="321480"/>
-          </a:xfrm>
-          <a:prstGeom prst="line">
-            <a:avLst/>
-          </a:prstGeom>
-          <a:ln w="0">
-            <a:solidFill>
-              <a:srgbClr val="3465a4"/>
-            </a:solidFill>
-            <a:tailEnd len="med" type="triangle" w="med"/>
-          </a:ln>
-        </p:spPr>
-        <p:style>
-          <a:lnRef idx="0"/>
-          <a:fillRef idx="0"/>
-          <a:effectRef idx="0"/>
-          <a:fontRef idx="minor"/>
-        </p:style>
-      </p:sp>
-      <p:sp>
-        <p:nvSpPr>
-          <p:cNvPr id="96" name="Line 21"/>
-          <p:cNvSpPr/>
-          <p:nvPr/>
-        </p:nvSpPr>
-        <p:spPr>
-          <a:xfrm>
-            <a:off x="5765400" y="4122720"/>
-            <a:ext cx="0" cy="321480"/>
-          </a:xfrm>
-          <a:prstGeom prst="line">
-            <a:avLst/>
-          </a:prstGeom>
-          <a:ln w="0">
-            <a:solidFill>
-              <a:srgbClr val="3465a4"/>
-            </a:solidFill>
-            <a:tailEnd len="med" type="triangle" w="med"/>
-          </a:ln>
-        </p:spPr>
-        <p:style>
-          <a:lnRef idx="0"/>
-          <a:fillRef idx="0"/>
-          <a:effectRef idx="0"/>
-          <a:fontRef idx="minor"/>
-        </p:style>
-      </p:sp>
-      <p:sp>
-        <p:nvSpPr>
-          <p:cNvPr id="97" name="Line 22"/>
-          <p:cNvSpPr/>
-          <p:nvPr/>
-        </p:nvSpPr>
-        <p:spPr>
-          <a:xfrm>
-            <a:off x="5765400" y="4842720"/>
-            <a:ext cx="0" cy="321480"/>
-          </a:xfrm>
-          <a:prstGeom prst="line">
-            <a:avLst/>
-          </a:prstGeom>
-          <a:ln w="0">
-            <a:solidFill>
-              <a:srgbClr val="3465a4"/>
-            </a:solidFill>
-            <a:tailEnd len="med" type="triangle" w="med"/>
-          </a:ln>
-        </p:spPr>
-        <p:style>
-          <a:lnRef idx="0"/>
-          <a:fillRef idx="0"/>
-          <a:effectRef idx="0"/>
-          <a:fontRef idx="minor"/>
-        </p:style>
-      </p:sp>
-      <p:sp>
-        <p:nvSpPr>
-          <p:cNvPr id="98" name="Line 23"/>
-          <p:cNvSpPr/>
-          <p:nvPr/>
-        </p:nvSpPr>
-        <p:spPr>
-          <a:xfrm>
-            <a:off x="4541400" y="1350720"/>
-            <a:ext cx="0" cy="321480"/>
-          </a:xfrm>
-          <a:prstGeom prst="line">
-            <a:avLst/>
-          </a:prstGeom>
-          <a:ln w="0">
-            <a:solidFill>
-              <a:srgbClr val="3465a4"/>
-            </a:solidFill>
-            <a:tailEnd len="med" type="triangle" w="med"/>
-          </a:ln>
-        </p:spPr>
-        <p:style>
-          <a:lnRef idx="0"/>
-          <a:fillRef idx="0"/>
-          <a:effectRef idx="0"/>
-          <a:fontRef idx="minor"/>
-        </p:style>
-      </p:sp>
-      <p:sp>
-        <p:nvSpPr>
-          <p:cNvPr id="99" name="Line 24"/>
-          <p:cNvSpPr/>
-          <p:nvPr/>
-        </p:nvSpPr>
-        <p:spPr>
-          <a:xfrm>
-            <a:off x="4541400" y="1350720"/>
-            <a:ext cx="0" cy="321480"/>
-          </a:xfrm>
-          <a:prstGeom prst="line">
-            <a:avLst/>
-          </a:prstGeom>
-          <a:ln w="0">
-            <a:solidFill>
-              <a:srgbClr val="3465a4"/>
-            </a:solidFill>
-            <a:tailEnd len="med" type="triangle" w="med"/>
-          </a:ln>
-        </p:spPr>
-        <p:style>
-          <a:lnRef idx="0"/>
-          <a:fillRef idx="0"/>
-          <a:effectRef idx="0"/>
-          <a:fontRef idx="minor"/>
-        </p:style>
-      </p:sp>
-      <p:sp>
-        <p:nvSpPr>
-          <p:cNvPr id="100" name="CustomShape 25"/>
-          <p:cNvSpPr/>
-          <p:nvPr/>
-        </p:nvSpPr>
-        <p:spPr>
-          <a:xfrm>
-            <a:off x="4525200" y="2962440"/>
-            <a:ext cx="2513160" cy="2669760"/>
-          </a:xfrm>
-          <a:prstGeom prst="rect">
-            <a:avLst/>
-          </a:prstGeom>
-          <a:noFill/>
-          <a:ln w="18360">
-            <a:solidFill>
-              <a:srgbClr val="3465a4"/>
-            </a:solidFill>
-            <a:custDash>
-              <a:ds d="600000" sp="300000"/>
-            </a:custDash>
-            <a:round/>
-          </a:ln>
-        </p:spPr>
-        <p:style>
-          <a:lnRef idx="0"/>
-          <a:fillRef idx="0"/>
-          <a:effectRef idx="0"/>
-          <a:fontRef idx="minor"/>
-        </p:style>
-      </p:sp>
-      <p:sp>
-        <p:nvSpPr>
-          <p:cNvPr id="101" name="CustomShape 26"/>
-          <p:cNvSpPr/>
-          <p:nvPr/>
-        </p:nvSpPr>
-        <p:spPr>
-          <a:xfrm>
-            <a:off x="4415760" y="2595600"/>
-            <a:ext cx="2814120" cy="344880"/>
-          </a:xfrm>
-          <a:prstGeom prst="rect">
-            <a:avLst/>
-          </a:prstGeom>
-          <a:noFill/>
-          <a:ln w="0">
-            <a:noFill/>
-          </a:ln>
-        </p:spPr>
-        <p:style>
-          <a:lnRef idx="0"/>
-          <a:fillRef idx="0"/>
-          <a:effectRef idx="0"/>
-          <a:fontRef idx="minor"/>
-        </p:style>
-        <p:txBody>
-          <a:bodyPr lIns="90000" rIns="90000" tIns="45000" bIns="45000">
-            <a:noAutofit/>
-          </a:bodyPr>
-          <a:p>
-            <a:pPr>
-              <a:lnSpc>
-                <a:spcPct val="100000"/>
-              </a:lnSpc>
-            </a:pPr>
-            <a:r>
-              <a:rPr b="0" lang="en-US" sz="1800" spc="-1" strike="noStrike">
-                <a:solidFill>
-                  <a:srgbClr val="000000"/>
-                </a:solidFill>
-                <a:latin typeface="Arial"/>
-                <a:ea typeface="DejaVu Sans"/>
-              </a:rPr>
-              <a:t>Applied Quantum Pipeline</a:t>
-            </a:r>
-            <a:endParaRPr b="0" lang="en-US" sz="1800" spc="-1" strike="noStrike">
-              <a:latin typeface="Arial"/>
-            </a:endParaRPr>
-          </a:p>
-        </p:txBody>
-      </p:sp>
-      <p:sp>
-        <p:nvSpPr>
-          <p:cNvPr id="102" name="CustomShape 27"/>
-          <p:cNvSpPr/>
-          <p:nvPr/>
-        </p:nvSpPr>
-        <p:spPr>
-          <a:xfrm>
-            <a:off x="6363360" y="1670400"/>
-            <a:ext cx="2055960" cy="362880"/>
-          </a:xfrm>
-          <a:prstGeom prst="rect">
-            <a:avLst/>
-          </a:prstGeom>
-          <a:noFill/>
-          <a:ln w="18360">
-            <a:solidFill>
-              <a:srgbClr val="0000ff"/>
-            </a:solidFill>
-            <a:round/>
-          </a:ln>
-        </p:spPr>
-        <p:style>
-          <a:lnRef idx="0"/>
-          <a:fillRef idx="0"/>
-          <a:effectRef idx="0"/>
-          <a:fontRef idx="minor"/>
-        </p:style>
-        <p:txBody>
-          <a:bodyPr lIns="99000" rIns="99000" tIns="54000" bIns="54000">
-            <a:noAutofit/>
-          </a:bodyPr>
-          <a:p>
-            <a:pPr algn="ctr">
-              <a:lnSpc>
-                <a:spcPct val="100000"/>
-              </a:lnSpc>
-            </a:pPr>
-            <a:r>
-              <a:rPr b="0" lang="en-US" sz="1800" spc="-1" strike="noStrike">
-                <a:solidFill>
-                  <a:srgbClr val="0000ff"/>
-                </a:solidFill>
-                <a:latin typeface="Arial"/>
-                <a:ea typeface="DejaVu Sans"/>
-              </a:rPr>
-              <a:t>QM Labs 2</a:t>
-            </a:r>
-            <a:endParaRPr b="0" lang="en-US" sz="1800" spc="-1" strike="noStrike">
-              <a:latin typeface="Arial"/>
-            </a:endParaRPr>
-          </a:p>
-        </p:txBody>
-      </p:sp>
-      <p:sp>
-        <p:nvSpPr>
-          <p:cNvPr id="103" name="Line 28"/>
-          <p:cNvSpPr/>
-          <p:nvPr/>
-        </p:nvSpPr>
-        <p:spPr>
-          <a:xfrm>
-            <a:off x="5540400" y="1864800"/>
-            <a:ext cx="822960" cy="0"/>
-          </a:xfrm>
-          <a:prstGeom prst="line">
-            <a:avLst/>
-          </a:prstGeom>
-          <a:ln w="0">
-            <a:solidFill>
-              <a:srgbClr val="3465a4"/>
-            </a:solidFill>
-            <a:headEnd len="med" type="triangle" w="med"/>
-            <a:tailEnd len="med" type="triangle" w="med"/>
-          </a:ln>
-        </p:spPr>
-        <p:style>
-          <a:lnRef idx="0"/>
-          <a:fillRef idx="0"/>
-          <a:effectRef idx="0"/>
-          <a:fontRef idx="minor"/>
-        </p:style>
-      </p:sp>
-      <p:sp>
-        <p:nvSpPr>
-          <p:cNvPr id="104" name="CustomShape 29"/>
-          <p:cNvSpPr/>
-          <p:nvPr/>
-        </p:nvSpPr>
-        <p:spPr>
-          <a:xfrm>
-            <a:off x="7664400" y="3074400"/>
-            <a:ext cx="2055960" cy="362880"/>
-          </a:xfrm>
-          <a:prstGeom prst="rect">
-            <a:avLst/>
-          </a:prstGeom>
-          <a:noFill/>
-          <a:ln w="18360">
-            <a:solidFill>
-              <a:srgbClr val="0000ff"/>
-            </a:solidFill>
-            <a:round/>
-          </a:ln>
-        </p:spPr>
-        <p:style>
-          <a:lnRef idx="0"/>
-          <a:fillRef idx="0"/>
-          <a:effectRef idx="0"/>
-          <a:fontRef idx="minor"/>
-        </p:style>
-        <p:txBody>
-          <a:bodyPr lIns="99000" rIns="99000" tIns="54000" bIns="54000">
-            <a:noAutofit/>
-          </a:bodyPr>
-          <a:p>
-            <a:pPr algn="ctr">
-              <a:lnSpc>
-                <a:spcPct val="100000"/>
-              </a:lnSpc>
-            </a:pPr>
-            <a:r>
-              <a:rPr b="0" lang="en-US" sz="1800" spc="-1" strike="noStrike">
-                <a:solidFill>
-                  <a:srgbClr val="0000ff"/>
-                </a:solidFill>
-                <a:latin typeface="Arial"/>
-                <a:ea typeface="DejaVu Sans"/>
-              </a:rPr>
-              <a:t>QKD Labs</a:t>
-            </a:r>
-            <a:endParaRPr b="0" lang="en-US" sz="1800" spc="-1" strike="noStrike">
-              <a:latin typeface="Arial"/>
-            </a:endParaRPr>
-          </a:p>
-        </p:txBody>
-      </p:sp>
-      <p:sp>
-        <p:nvSpPr>
-          <p:cNvPr id="105" name="Line 30"/>
-          <p:cNvSpPr/>
-          <p:nvPr/>
-        </p:nvSpPr>
-        <p:spPr>
-          <a:xfrm>
-            <a:off x="6841440" y="3268800"/>
-            <a:ext cx="822960" cy="0"/>
-          </a:xfrm>
-          <a:prstGeom prst="line">
-            <a:avLst/>
-          </a:prstGeom>
-          <a:ln w="0">
-            <a:solidFill>
-              <a:srgbClr val="3465a4"/>
-            </a:solidFill>
-            <a:headEnd len="med" type="triangle" w="med"/>
-            <a:tailEnd len="med" type="triangle" w="med"/>
-          </a:ln>
-        </p:spPr>
-        <p:style>
-          <a:lnRef idx="0"/>
-          <a:fillRef idx="0"/>
-          <a:effectRef idx="0"/>
-          <a:fontRef idx="minor"/>
-        </p:style>
-      </p:sp>
-      <p:sp>
-        <p:nvSpPr>
-          <p:cNvPr id="106" name="CustomShape 31"/>
-          <p:cNvSpPr/>
-          <p:nvPr/>
-        </p:nvSpPr>
-        <p:spPr>
-          <a:xfrm>
-            <a:off x="7664400" y="3758400"/>
-            <a:ext cx="2055960" cy="362880"/>
-          </a:xfrm>
-          <a:prstGeom prst="rect">
-            <a:avLst/>
-          </a:prstGeom>
-          <a:noFill/>
-          <a:ln w="18360">
-            <a:solidFill>
-              <a:srgbClr val="0000ff"/>
-            </a:solidFill>
-            <a:round/>
-          </a:ln>
-        </p:spPr>
-        <p:style>
-          <a:lnRef idx="0"/>
-          <a:fillRef idx="0"/>
-          <a:effectRef idx="0"/>
-          <a:fontRef idx="minor"/>
-        </p:style>
-        <p:txBody>
-          <a:bodyPr lIns="99000" rIns="99000" tIns="54000" bIns="54000">
-            <a:noAutofit/>
-          </a:bodyPr>
-          <a:p>
-            <a:pPr algn="ctr">
-              <a:lnSpc>
-                <a:spcPct val="100000"/>
-              </a:lnSpc>
-            </a:pPr>
-            <a:r>
-              <a:rPr b="0" lang="en-US" sz="1800" spc="-1" strike="noStrike">
-                <a:solidFill>
-                  <a:srgbClr val="0000ff"/>
-                </a:solidFill>
-                <a:latin typeface="Arial"/>
-                <a:ea typeface="DejaVu Sans"/>
-              </a:rPr>
-              <a:t>Q-Sensing Labs</a:t>
-            </a:r>
-            <a:endParaRPr b="0" lang="en-US" sz="1800" spc="-1" strike="noStrike">
-              <a:latin typeface="Arial"/>
-            </a:endParaRPr>
-          </a:p>
-        </p:txBody>
-      </p:sp>
-      <p:sp>
-        <p:nvSpPr>
-          <p:cNvPr id="107" name="Line 32"/>
-          <p:cNvSpPr/>
-          <p:nvPr/>
-        </p:nvSpPr>
-        <p:spPr>
-          <a:xfrm>
-            <a:off x="6841440" y="3952800"/>
-            <a:ext cx="822960" cy="0"/>
-          </a:xfrm>
-          <a:prstGeom prst="line">
-            <a:avLst/>
-          </a:prstGeom>
-          <a:ln w="0">
-            <a:solidFill>
-              <a:srgbClr val="3465a4"/>
-            </a:solidFill>
-            <a:headEnd len="med" type="triangle" w="med"/>
-            <a:tailEnd len="med" type="triangle" w="med"/>
-          </a:ln>
-        </p:spPr>
-        <p:style>
-          <a:lnRef idx="0"/>
-          <a:fillRef idx="0"/>
-          <a:effectRef idx="0"/>
-          <a:fontRef idx="minor"/>
-        </p:style>
-      </p:sp>
-      <p:sp>
-        <p:nvSpPr>
-          <p:cNvPr id="108" name="CustomShape 33"/>
-          <p:cNvSpPr/>
-          <p:nvPr/>
-        </p:nvSpPr>
-        <p:spPr>
-          <a:xfrm>
-            <a:off x="7664400" y="4478400"/>
-            <a:ext cx="2055960" cy="362880"/>
-          </a:xfrm>
-          <a:prstGeom prst="rect">
-            <a:avLst/>
-          </a:prstGeom>
-          <a:noFill/>
-          <a:ln w="18360">
-            <a:solidFill>
-              <a:srgbClr val="0000ff"/>
-            </a:solidFill>
-            <a:round/>
-          </a:ln>
-        </p:spPr>
-        <p:style>
-          <a:lnRef idx="0"/>
-          <a:fillRef idx="0"/>
-          <a:effectRef idx="0"/>
-          <a:fontRef idx="minor"/>
-        </p:style>
-        <p:txBody>
-          <a:bodyPr lIns="99000" rIns="99000" tIns="54000" bIns="54000">
-            <a:noAutofit/>
-          </a:bodyPr>
-          <a:p>
-            <a:pPr algn="ctr">
-              <a:lnSpc>
-                <a:spcPct val="100000"/>
-              </a:lnSpc>
-            </a:pPr>
-            <a:r>
-              <a:rPr b="0" lang="en-US" sz="1800" spc="-1" strike="noStrike">
-                <a:solidFill>
-                  <a:srgbClr val="0000ff"/>
-                </a:solidFill>
-                <a:latin typeface="Arial"/>
-                <a:ea typeface="DejaVu Sans"/>
-              </a:rPr>
-              <a:t>FPGA Labs I</a:t>
-            </a:r>
-            <a:endParaRPr b="0" lang="en-US" sz="1800" spc="-1" strike="noStrike">
-              <a:latin typeface="Arial"/>
-            </a:endParaRPr>
-          </a:p>
-        </p:txBody>
-      </p:sp>
-      <p:sp>
-        <p:nvSpPr>
-          <p:cNvPr id="109" name="Line 34"/>
-          <p:cNvSpPr/>
-          <p:nvPr/>
-        </p:nvSpPr>
-        <p:spPr>
-          <a:xfrm>
-            <a:off x="6841440" y="4672800"/>
-            <a:ext cx="822960" cy="0"/>
-          </a:xfrm>
-          <a:prstGeom prst="line">
-            <a:avLst/>
-          </a:prstGeom>
-          <a:ln w="0">
-            <a:solidFill>
-              <a:srgbClr val="3465a4"/>
-            </a:solidFill>
-            <a:headEnd len="med" type="triangle" w="med"/>
-            <a:tailEnd len="med" type="triangle" w="med"/>
-          </a:ln>
-        </p:spPr>
-        <p:style>
-          <a:lnRef idx="0"/>
-          <a:fillRef idx="0"/>
-          <a:effectRef idx="0"/>
-          <a:fontRef idx="minor"/>
-        </p:style>
-      </p:sp>
-      <p:sp>
-        <p:nvSpPr>
-          <p:cNvPr id="110" name="CustomShape 35"/>
-          <p:cNvSpPr/>
-          <p:nvPr/>
-        </p:nvSpPr>
-        <p:spPr>
-          <a:xfrm>
-            <a:off x="7664400" y="5162400"/>
-            <a:ext cx="2055960" cy="362880"/>
-          </a:xfrm>
-          <a:prstGeom prst="rect">
-            <a:avLst/>
-          </a:prstGeom>
-          <a:noFill/>
-          <a:ln w="18360">
-            <a:solidFill>
-              <a:srgbClr val="0000ff"/>
-            </a:solidFill>
-            <a:round/>
-          </a:ln>
-        </p:spPr>
-        <p:style>
-          <a:lnRef idx="0"/>
-          <a:fillRef idx="0"/>
-          <a:effectRef idx="0"/>
-          <a:fontRef idx="minor"/>
-        </p:style>
-        <p:txBody>
-          <a:bodyPr lIns="99000" rIns="99000" tIns="54000" bIns="54000">
-            <a:noAutofit/>
-          </a:bodyPr>
-          <a:p>
-            <a:pPr algn="ctr">
-              <a:lnSpc>
-                <a:spcPct val="100000"/>
-              </a:lnSpc>
-            </a:pPr>
-            <a:r>
-              <a:rPr b="0" lang="en-US" sz="1800" spc="-1" strike="noStrike">
-                <a:solidFill>
-                  <a:srgbClr val="0000ff"/>
-                </a:solidFill>
-                <a:latin typeface="Arial"/>
-                <a:ea typeface="DejaVu Sans"/>
-              </a:rPr>
-              <a:t>FPGA Labs II</a:t>
-            </a:r>
-            <a:endParaRPr b="0" lang="en-US" sz="1800" spc="-1" strike="noStrike">
-              <a:latin typeface="Arial"/>
-            </a:endParaRPr>
-          </a:p>
-        </p:txBody>
-      </p:sp>
-      <p:sp>
-        <p:nvSpPr>
-          <p:cNvPr id="111" name="Line 36"/>
-          <p:cNvSpPr/>
-          <p:nvPr/>
-        </p:nvSpPr>
-        <p:spPr>
-          <a:xfrm>
-            <a:off x="6841440" y="5356800"/>
-            <a:ext cx="822960" cy="0"/>
-          </a:xfrm>
-          <a:prstGeom prst="line">
-            <a:avLst/>
-          </a:prstGeom>
-          <a:ln w="0">
-            <a:solidFill>
-              <a:srgbClr val="3465a4"/>
-            </a:solidFill>
-            <a:headEnd len="med" type="triangle" w="med"/>
-            <a:tailEnd len="med" type="triangle" w="med"/>
-          </a:ln>
-        </p:spPr>
-        <p:style>
-          <a:lnRef idx="0"/>
-          <a:fillRef idx="0"/>
-          <a:effectRef idx="0"/>
-          <a:fontRef idx="minor"/>
-        </p:style>
-      </p:sp>
-      <p:sp>
-        <p:nvSpPr>
-          <p:cNvPr id="112" name="CustomShape 37"/>
-          <p:cNvSpPr/>
-          <p:nvPr/>
-        </p:nvSpPr>
-        <p:spPr>
-          <a:xfrm>
-            <a:off x="6368400" y="950400"/>
-            <a:ext cx="2055960" cy="362880"/>
-          </a:xfrm>
-          <a:prstGeom prst="rect">
-            <a:avLst/>
-          </a:prstGeom>
-          <a:noFill/>
-          <a:ln w="18360">
-            <a:solidFill>
-              <a:srgbClr val="0000ff"/>
-            </a:solidFill>
-            <a:round/>
-          </a:ln>
-        </p:spPr>
-        <p:style>
-          <a:lnRef idx="0"/>
-          <a:fillRef idx="0"/>
-          <a:effectRef idx="0"/>
-          <a:fontRef idx="minor"/>
-        </p:style>
-        <p:txBody>
-          <a:bodyPr lIns="99000" rIns="99000" tIns="54000" bIns="54000">
-            <a:noAutofit/>
-          </a:bodyPr>
-          <a:p>
-            <a:pPr algn="ctr">
-              <a:lnSpc>
-                <a:spcPct val="100000"/>
-              </a:lnSpc>
-            </a:pPr>
-            <a:r>
-              <a:rPr b="0" lang="en-US" sz="1800" spc="-1" strike="noStrike">
-                <a:solidFill>
-                  <a:srgbClr val="0000ff"/>
-                </a:solidFill>
-                <a:latin typeface="Arial"/>
-                <a:ea typeface="DejaVu Sans"/>
-              </a:rPr>
-              <a:t>QM Labs 1</a:t>
-            </a:r>
-            <a:endParaRPr b="0" lang="en-US" sz="1800" spc="-1" strike="noStrike">
-              <a:latin typeface="Arial"/>
-            </a:endParaRPr>
-          </a:p>
-        </p:txBody>
-      </p:sp>
-      <p:sp>
-        <p:nvSpPr>
-          <p:cNvPr id="113" name="Line 38"/>
-          <p:cNvSpPr/>
-          <p:nvPr/>
-        </p:nvSpPr>
-        <p:spPr>
-          <a:xfrm>
-            <a:off x="5545440" y="1144800"/>
-            <a:ext cx="822960" cy="0"/>
-          </a:xfrm>
-          <a:prstGeom prst="line">
-            <a:avLst/>
-          </a:prstGeom>
-          <a:ln w="0">
-            <a:solidFill>
-              <a:srgbClr val="3465a4"/>
-            </a:solidFill>
-            <a:headEnd len="med" type="triangle" w="med"/>
-            <a:tailEnd len="med" type="triangle" w="med"/>
-          </a:ln>
-        </p:spPr>
-        <p:style>
-          <a:lnRef idx="0"/>
-          <a:fillRef idx="0"/>
-          <a:effectRef idx="0"/>
-          <a:fontRef idx="minor"/>
-        </p:style>
-      </p:sp>
-    </p:spTree>
-  </p:cSld>
-  <mc:AlternateContent>
-    <mc:Choice Requires="p14">
-      <p:transition spd="slow" p14:dur="2000"/>
-    </mc:Choice>
-    <mc:Fallback>
-      <p:transition spd="slow"/>
-    </mc:Fallback>
-  </mc:AlternateContent>
-</p:sld>
-</file>
-
-<file path=ppt/slides/slide2.xml><?xml version="1.0" encoding="utf-8"?>
-<p:sld xmlns:a="http://schemas.openxmlformats.org/drawingml/2006/main" xmlns:p="http://schemas.openxmlformats.org/presentationml/2006/main" xmlns:r="http://schemas.openxmlformats.org/officeDocument/2006/relationships" xmlns:p14="http://schemas.microsoft.com/office/powerpoint/2010/main" xmlns:p15="http://schemas.microsoft.com/office/powerpoint/2012/main" xmlns:mc="http://schemas.openxmlformats.org/markup-compatibility/2006">
-  <p:cSld>
-    <p:spTree>
-      <p:nvGrpSpPr>
-        <p:cNvPr id="1" name=""/>
-        <p:cNvGrpSpPr/>
-        <p:nvPr/>
-      </p:nvGrpSpPr>
-      <p:grpSpPr>
-        <a:xfrm>
-          <a:off x="0" y="0"/>
-          <a:ext cx="0" cy="0"/>
-          <a:chOff x="0" y="0"/>
-          <a:chExt cx="0" cy="0"/>
-        </a:xfrm>
-      </p:grpSpPr>
-      <p:sp>
-        <p:nvSpPr>
-          <p:cNvPr id="114" name="CustomShape 1"/>
-          <p:cNvSpPr/>
-          <p:nvPr/>
-        </p:nvSpPr>
-        <p:spPr>
-          <a:xfrm>
-            <a:off x="457200" y="0"/>
-            <a:ext cx="9070200" cy="458640"/>
-          </a:xfrm>
-          <a:prstGeom prst="rect">
-            <a:avLst/>
-          </a:prstGeom>
-          <a:noFill/>
-          <a:ln w="0">
-            <a:noFill/>
-          </a:ln>
-        </p:spPr>
-        <p:style>
-          <a:lnRef idx="0"/>
-          <a:fillRef idx="0"/>
-          <a:effectRef idx="0"/>
-          <a:fontRef idx="minor"/>
-        </p:style>
-        <p:txBody>
-          <a:bodyPr lIns="0" rIns="0" tIns="0" bIns="0" anchor="ctr">
-            <a:noAutofit/>
-          </a:bodyPr>
-          <a:p>
-            <a:pPr algn="ctr">
-              <a:lnSpc>
-                <a:spcPct val="100000"/>
-              </a:lnSpc>
-            </a:pPr>
-            <a:r>
-              <a:rPr b="0" lang="en-US" sz="2400" spc="-1" strike="noStrike">
+              <a:rPr lang="en-US" sz="2400" b="0" strike="noStrike" spc="-1">
                 <a:solidFill>
                   <a:srgbClr val="000000"/>
                 </a:solidFill>
@@ -4915,7 +5930,7 @@
               </a:rPr>
               <a:t>6-course quantum sequence</a:t>
             </a:r>
-            <a:endParaRPr b="0" lang="en-US" sz="2400" spc="-1" strike="noStrike">
+            <a:endParaRPr lang="en-US" sz="2400" b="0" strike="noStrike" spc="-1">
               <a:latin typeface="Arial"/>
             </a:endParaRPr>
           </a:p>
@@ -4958,15 +5973,22 @@
             </a:ln>
           </p:spPr>
           <p:style>
-            <a:lnRef idx="0"/>
-            <a:fillRef idx="0"/>
-            <a:effectRef idx="0"/>
+            <a:lnRef idx="0">
+              <a:scrgbClr r="0" g="0" b="0"/>
+            </a:lnRef>
+            <a:fillRef idx="0">
+              <a:scrgbClr r="0" g="0" b="0"/>
+            </a:fillRef>
+            <a:effectRef idx="0">
+              <a:scrgbClr r="0" g="0" b="0"/>
+            </a:effectRef>
             <a:fontRef idx="minor"/>
           </p:style>
           <p:txBody>
-            <a:bodyPr lIns="99000" rIns="99000" tIns="54000" bIns="54000">
+            <a:bodyPr lIns="99000" tIns="54000" rIns="99000" bIns="54000">
               <a:noAutofit/>
             </a:bodyPr>
+            <a:lstStyle/>
             <a:p>
               <a:pPr algn="ctr">
                 <a:lnSpc>
@@ -4974,7 +5996,7 @@
                 </a:lnSpc>
               </a:pPr>
               <a:r>
-                <a:rPr b="0" lang="en-US" sz="1400" spc="-1" strike="noStrike">
+                <a:rPr lang="en-US" sz="1400" b="0" strike="noStrike" spc="-1">
                   <a:solidFill>
                     <a:srgbClr val="000000"/>
                   </a:solidFill>
@@ -4983,7 +6005,7 @@
                 </a:rPr>
                 <a:t>QM for Computing</a:t>
               </a:r>
-              <a:endParaRPr b="0" lang="en-US" sz="1400" spc="-1" strike="noStrike">
+              <a:endParaRPr lang="en-US" sz="1400" b="0" strike="noStrike" spc="-1">
                 <a:latin typeface="Arial"/>
               </a:endParaRPr>
             </a:p>
@@ -5012,15 +6034,22 @@
             </a:ln>
           </p:spPr>
           <p:style>
-            <a:lnRef idx="0"/>
-            <a:fillRef idx="0"/>
-            <a:effectRef idx="0"/>
+            <a:lnRef idx="0">
+              <a:scrgbClr r="0" g="0" b="0"/>
+            </a:lnRef>
+            <a:fillRef idx="0">
+              <a:scrgbClr r="0" g="0" b="0"/>
+            </a:fillRef>
+            <a:effectRef idx="0">
+              <a:scrgbClr r="0" g="0" b="0"/>
+            </a:effectRef>
             <a:fontRef idx="minor"/>
           </p:style>
           <p:txBody>
-            <a:bodyPr lIns="99000" rIns="99000" tIns="54000" bIns="54000">
+            <a:bodyPr lIns="99000" tIns="54000" rIns="99000" bIns="54000">
               <a:noAutofit/>
             </a:bodyPr>
+            <a:lstStyle/>
             <a:p>
               <a:pPr algn="ctr">
                 <a:lnSpc>
@@ -5028,7 +6057,7 @@
                 </a:lnSpc>
               </a:pPr>
               <a:r>
-                <a:rPr b="0" lang="en-US" sz="1400" spc="-1" strike="noStrike">
+                <a:rPr lang="en-US" sz="1400" b="0" strike="noStrike" spc="-1">
                   <a:solidFill>
                     <a:srgbClr val="000000"/>
                   </a:solidFill>
@@ -5037,7 +6066,7 @@
                 </a:rPr>
                 <a:t>Intro to QC (QIS)</a:t>
               </a:r>
-              <a:endParaRPr b="0" lang="en-US" sz="1400" spc="-1" strike="noStrike">
+              <a:endParaRPr lang="en-US" sz="1400" b="0" strike="noStrike" spc="-1">
                 <a:latin typeface="Arial"/>
               </a:endParaRPr>
             </a:p>
@@ -5060,7 +6089,7 @@
             <a:noFill/>
             <a:ln w="18360">
               <a:solidFill>
-                <a:srgbClr val="3465a4"/>
+                <a:srgbClr val="3465A4"/>
               </a:solidFill>
               <a:custDash>
                 <a:ds d="600000" sp="300000"/>
@@ -5069,9 +6098,15 @@
             </a:ln>
           </p:spPr>
           <p:style>
-            <a:lnRef idx="0"/>
-            <a:fillRef idx="0"/>
-            <a:effectRef idx="0"/>
+            <a:lnRef idx="0">
+              <a:scrgbClr r="0" g="0" b="0"/>
+            </a:lnRef>
+            <a:fillRef idx="0">
+              <a:scrgbClr r="0" g="0" b="0"/>
+            </a:fillRef>
+            <a:effectRef idx="0">
+              <a:scrgbClr r="0" g="0" b="0"/>
+            </a:effectRef>
             <a:fontRef idx="minor"/>
           </p:style>
         </p:sp>
@@ -5091,15 +6126,21 @@
             </a:prstGeom>
             <a:ln w="0">
               <a:solidFill>
-                <a:srgbClr val="3465a4"/>
+                <a:srgbClr val="3465A4"/>
               </a:solidFill>
-              <a:tailEnd len="med" type="triangle" w="med"/>
+              <a:tailEnd type="triangle" w="med" len="med"/>
             </a:ln>
           </p:spPr>
           <p:style>
-            <a:lnRef idx="0"/>
-            <a:fillRef idx="0"/>
-            <a:effectRef idx="0"/>
+            <a:lnRef idx="0">
+              <a:scrgbClr r="0" g="0" b="0"/>
+            </a:lnRef>
+            <a:fillRef idx="0">
+              <a:scrgbClr r="0" g="0" b="0"/>
+            </a:fillRef>
+            <a:effectRef idx="0">
+              <a:scrgbClr r="0" g="0" b="0"/>
+            </a:effectRef>
             <a:fontRef idx="minor"/>
           </p:style>
         </p:sp>
@@ -5120,21 +6161,28 @@
             <a:noFill/>
             <a:ln w="18360">
               <a:solidFill>
-                <a:srgbClr val="0000ff"/>
+                <a:srgbClr val="0000FF"/>
               </a:solidFill>
               <a:round/>
             </a:ln>
           </p:spPr>
           <p:style>
-            <a:lnRef idx="0"/>
-            <a:fillRef idx="0"/>
-            <a:effectRef idx="0"/>
+            <a:lnRef idx="0">
+              <a:scrgbClr r="0" g="0" b="0"/>
+            </a:lnRef>
+            <a:fillRef idx="0">
+              <a:scrgbClr r="0" g="0" b="0"/>
+            </a:fillRef>
+            <a:effectRef idx="0">
+              <a:scrgbClr r="0" g="0" b="0"/>
+            </a:effectRef>
             <a:fontRef idx="minor"/>
           </p:style>
           <p:txBody>
-            <a:bodyPr lIns="99000" rIns="99000" tIns="54000" bIns="54000">
+            <a:bodyPr lIns="99000" tIns="54000" rIns="99000" bIns="54000">
               <a:noAutofit/>
             </a:bodyPr>
+            <a:lstStyle/>
             <a:p>
               <a:pPr algn="ctr">
                 <a:lnSpc>
@@ -5142,16 +6190,16 @@
                 </a:lnSpc>
               </a:pPr>
               <a:r>
-                <a:rPr b="0" lang="en-US" sz="1400" spc="-1" strike="noStrike">
+                <a:rPr lang="en-US" sz="1400" b="0" strike="noStrike" spc="-1">
                   <a:solidFill>
-                    <a:srgbClr val="0000ff"/>
+                    <a:srgbClr val="0000FF"/>
                   </a:solidFill>
                   <a:latin typeface="Arial"/>
                   <a:ea typeface="DejaVu Sans"/>
                 </a:rPr>
                 <a:t>QM Labs 2</a:t>
               </a:r>
-              <a:endParaRPr b="0" lang="en-US" sz="1400" spc="-1" strike="noStrike">
+              <a:endParaRPr lang="en-US" sz="1400" b="0" strike="noStrike" spc="-1">
                 <a:latin typeface="Arial"/>
               </a:endParaRPr>
             </a:p>
@@ -5173,16 +6221,22 @@
             </a:prstGeom>
             <a:ln w="0">
               <a:solidFill>
-                <a:srgbClr val="3465a4"/>
+                <a:srgbClr val="3465A4"/>
               </a:solidFill>
-              <a:headEnd len="med" type="triangle" w="med"/>
-              <a:tailEnd len="med" type="triangle" w="med"/>
+              <a:headEnd type="triangle" w="med" len="med"/>
+              <a:tailEnd type="triangle" w="med" len="med"/>
             </a:ln>
           </p:spPr>
           <p:style>
-            <a:lnRef idx="0"/>
-            <a:fillRef idx="0"/>
-            <a:effectRef idx="0"/>
+            <a:lnRef idx="0">
+              <a:scrgbClr r="0" g="0" b="0"/>
+            </a:lnRef>
+            <a:fillRef idx="0">
+              <a:scrgbClr r="0" g="0" b="0"/>
+            </a:fillRef>
+            <a:effectRef idx="0">
+              <a:scrgbClr r="0" g="0" b="0"/>
+            </a:effectRef>
             <a:fontRef idx="minor"/>
           </p:style>
         </p:sp>
@@ -5203,21 +6257,28 @@
             <a:noFill/>
             <a:ln w="18360">
               <a:solidFill>
-                <a:srgbClr val="0000ff"/>
+                <a:srgbClr val="0000FF"/>
               </a:solidFill>
               <a:round/>
             </a:ln>
           </p:spPr>
           <p:style>
-            <a:lnRef idx="0"/>
-            <a:fillRef idx="0"/>
-            <a:effectRef idx="0"/>
+            <a:lnRef idx="0">
+              <a:scrgbClr r="0" g="0" b="0"/>
+            </a:lnRef>
+            <a:fillRef idx="0">
+              <a:scrgbClr r="0" g="0" b="0"/>
+            </a:fillRef>
+            <a:effectRef idx="0">
+              <a:scrgbClr r="0" g="0" b="0"/>
+            </a:effectRef>
             <a:fontRef idx="minor"/>
           </p:style>
           <p:txBody>
-            <a:bodyPr lIns="99000" rIns="99000" tIns="54000" bIns="54000">
+            <a:bodyPr lIns="99000" tIns="54000" rIns="99000" bIns="54000">
               <a:noAutofit/>
             </a:bodyPr>
+            <a:lstStyle/>
             <a:p>
               <a:pPr algn="ctr">
                 <a:lnSpc>
@@ -5225,16 +6286,16 @@
                 </a:lnSpc>
               </a:pPr>
               <a:r>
-                <a:rPr b="0" lang="en-US" sz="1400" spc="-1" strike="noStrike">
+                <a:rPr lang="en-US" sz="1400" b="0" strike="noStrike" spc="-1">
                   <a:solidFill>
-                    <a:srgbClr val="0000ff"/>
+                    <a:srgbClr val="0000FF"/>
                   </a:solidFill>
                   <a:latin typeface="Arial"/>
                   <a:ea typeface="DejaVu Sans"/>
                 </a:rPr>
                 <a:t>QM Labs 1</a:t>
               </a:r>
-              <a:endParaRPr b="0" lang="en-US" sz="1400" spc="-1" strike="noStrike">
+              <a:endParaRPr lang="en-US" sz="1400" b="0" strike="noStrike" spc="-1">
                 <a:latin typeface="Arial"/>
               </a:endParaRPr>
             </a:p>
@@ -5256,16 +6317,22 @@
             </a:prstGeom>
             <a:ln w="0">
               <a:solidFill>
-                <a:srgbClr val="3465a4"/>
+                <a:srgbClr val="3465A4"/>
               </a:solidFill>
-              <a:headEnd len="med" type="triangle" w="med"/>
-              <a:tailEnd len="med" type="triangle" w="med"/>
+              <a:headEnd type="triangle" w="med" len="med"/>
+              <a:tailEnd type="triangle" w="med" len="med"/>
             </a:ln>
           </p:spPr>
           <p:style>
-            <a:lnRef idx="0"/>
-            <a:fillRef idx="0"/>
-            <a:effectRef idx="0"/>
+            <a:lnRef idx="0">
+              <a:scrgbClr r="0" g="0" b="0"/>
+            </a:lnRef>
+            <a:fillRef idx="0">
+              <a:scrgbClr r="0" g="0" b="0"/>
+            </a:fillRef>
+            <a:effectRef idx="0">
+              <a:scrgbClr r="0" g="0" b="0"/>
+            </a:effectRef>
             <a:fontRef idx="minor"/>
           </p:style>
         </p:sp>
@@ -5292,15 +6359,22 @@
             </a:ln>
           </p:spPr>
           <p:style>
-            <a:lnRef idx="0"/>
-            <a:fillRef idx="0"/>
-            <a:effectRef idx="0"/>
+            <a:lnRef idx="0">
+              <a:scrgbClr r="0" g="0" b="0"/>
+            </a:lnRef>
+            <a:fillRef idx="0">
+              <a:scrgbClr r="0" g="0" b="0"/>
+            </a:fillRef>
+            <a:effectRef idx="0">
+              <a:scrgbClr r="0" g="0" b="0"/>
+            </a:effectRef>
             <a:fontRef idx="minor"/>
           </p:style>
           <p:txBody>
-            <a:bodyPr lIns="99000" rIns="99000" tIns="54000" bIns="54000">
+            <a:bodyPr lIns="99000" tIns="54000" rIns="99000" bIns="54000">
               <a:noAutofit/>
             </a:bodyPr>
+            <a:lstStyle/>
             <a:p>
               <a:pPr algn="ctr">
                 <a:lnSpc>
@@ -5308,7 +6382,7 @@
                 </a:lnSpc>
               </a:pPr>
               <a:r>
-                <a:rPr b="0" lang="en-US" sz="1400" spc="-1" strike="noStrike">
+                <a:rPr lang="en-US" sz="1400" b="0" strike="noStrike" spc="-1">
                   <a:solidFill>
                     <a:srgbClr val="000000"/>
                   </a:solidFill>
@@ -5317,7 +6391,7 @@
                 </a:rPr>
                 <a:t>Quant Algos (ML)</a:t>
               </a:r>
-              <a:endParaRPr b="0" lang="en-US" sz="1400" spc="-1" strike="noStrike">
+              <a:endParaRPr lang="en-US" sz="1400" b="0" strike="noStrike" spc="-1">
                 <a:latin typeface="Arial"/>
               </a:endParaRPr>
             </a:p>
@@ -5346,15 +6420,22 @@
             </a:ln>
           </p:spPr>
           <p:style>
-            <a:lnRef idx="0"/>
-            <a:fillRef idx="0"/>
-            <a:effectRef idx="0"/>
+            <a:lnRef idx="0">
+              <a:scrgbClr r="0" g="0" b="0"/>
+            </a:lnRef>
+            <a:fillRef idx="0">
+              <a:scrgbClr r="0" g="0" b="0"/>
+            </a:fillRef>
+            <a:effectRef idx="0">
+              <a:scrgbClr r="0" g="0" b="0"/>
+            </a:effectRef>
             <a:fontRef idx="minor"/>
           </p:style>
           <p:txBody>
-            <a:bodyPr lIns="99000" rIns="99000" tIns="54000" bIns="54000">
+            <a:bodyPr lIns="99000" tIns="54000" rIns="99000" bIns="54000">
               <a:noAutofit/>
             </a:bodyPr>
+            <a:lstStyle/>
             <a:p>
               <a:pPr algn="ctr">
                 <a:lnSpc>
@@ -5362,7 +6443,7 @@
                 </a:lnSpc>
               </a:pPr>
               <a:r>
-                <a:rPr b="0" lang="en-US" sz="1400" spc="-1" strike="noStrike">
+                <a:rPr lang="en-US" sz="1400" b="0" strike="noStrike" spc="-1">
                   <a:solidFill>
                     <a:srgbClr val="000000"/>
                   </a:solidFill>
@@ -5371,7 +6452,7 @@
                 </a:rPr>
                 <a:t>Applied Q (Sensing)</a:t>
               </a:r>
-              <a:endParaRPr b="0" lang="en-US" sz="1400" spc="-1" strike="noStrike">
+              <a:endParaRPr lang="en-US" sz="1400" b="0" strike="noStrike" spc="-1">
                 <a:latin typeface="Arial"/>
               </a:endParaRPr>
             </a:p>
@@ -5400,15 +6481,22 @@
             </a:ln>
           </p:spPr>
           <p:style>
-            <a:lnRef idx="0"/>
-            <a:fillRef idx="0"/>
-            <a:effectRef idx="0"/>
+            <a:lnRef idx="0">
+              <a:scrgbClr r="0" g="0" b="0"/>
+            </a:lnRef>
+            <a:fillRef idx="0">
+              <a:scrgbClr r="0" g="0" b="0"/>
+            </a:fillRef>
+            <a:effectRef idx="0">
+              <a:scrgbClr r="0" g="0" b="0"/>
+            </a:effectRef>
             <a:fontRef idx="minor"/>
           </p:style>
           <p:txBody>
-            <a:bodyPr lIns="99000" rIns="99000" tIns="54000" bIns="54000">
+            <a:bodyPr lIns="99000" tIns="54000" rIns="99000" bIns="54000">
               <a:noAutofit/>
             </a:bodyPr>
+            <a:lstStyle/>
             <a:p>
               <a:pPr algn="ctr">
                 <a:lnSpc>
@@ -5416,7 +6504,7 @@
                 </a:lnSpc>
               </a:pPr>
               <a:r>
-                <a:rPr b="0" lang="en-US" sz="1400" spc="-1" strike="noStrike">
+                <a:rPr lang="en-US" sz="1400" b="0" strike="noStrike" spc="-1">
                   <a:solidFill>
                     <a:srgbClr val="000000"/>
                   </a:solidFill>
@@ -5425,7 +6513,7 @@
                 </a:rPr>
                 <a:t>Quantum Crypto</a:t>
               </a:r>
-              <a:endParaRPr b="0" lang="en-US" sz="1400" spc="-1" strike="noStrike">
+              <a:endParaRPr lang="en-US" sz="1400" b="0" strike="noStrike" spc="-1">
                 <a:latin typeface="Arial"/>
               </a:endParaRPr>
             </a:p>
@@ -5454,15 +6542,22 @@
             </a:ln>
           </p:spPr>
           <p:style>
-            <a:lnRef idx="0"/>
-            <a:fillRef idx="0"/>
-            <a:effectRef idx="0"/>
+            <a:lnRef idx="0">
+              <a:scrgbClr r="0" g="0" b="0"/>
+            </a:lnRef>
+            <a:fillRef idx="0">
+              <a:scrgbClr r="0" g="0" b="0"/>
+            </a:fillRef>
+            <a:effectRef idx="0">
+              <a:scrgbClr r="0" g="0" b="0"/>
+            </a:effectRef>
             <a:fontRef idx="minor"/>
           </p:style>
           <p:txBody>
-            <a:bodyPr lIns="99000" rIns="99000" tIns="54000" bIns="54000">
+            <a:bodyPr lIns="99000" tIns="54000" rIns="99000" bIns="54000">
               <a:noAutofit/>
             </a:bodyPr>
+            <a:lstStyle/>
             <a:p>
               <a:pPr algn="ctr">
                 <a:lnSpc>
@@ -5470,7 +6565,7 @@
                 </a:lnSpc>
               </a:pPr>
               <a:r>
-                <a:rPr b="0" lang="en-US" sz="1400" spc="-1" strike="noStrike">
+                <a:rPr lang="en-US" sz="1400" b="0" strike="noStrike" spc="-1">
                   <a:solidFill>
                     <a:srgbClr val="000000"/>
                   </a:solidFill>
@@ -5479,7 +6574,7 @@
                 </a:rPr>
                 <a:t>Quantum Capstone</a:t>
               </a:r>
-              <a:endParaRPr b="0" lang="en-US" sz="1400" spc="-1" strike="noStrike">
+              <a:endParaRPr lang="en-US" sz="1400" b="0" strike="noStrike" spc="-1">
                 <a:latin typeface="Arial"/>
               </a:endParaRPr>
             </a:p>
@@ -5501,15 +6596,21 @@
             </a:prstGeom>
             <a:ln w="0">
               <a:solidFill>
-                <a:srgbClr val="3465a4"/>
+                <a:srgbClr val="3465A4"/>
               </a:solidFill>
-              <a:tailEnd len="med" type="triangle" w="med"/>
+              <a:tailEnd type="triangle" w="med" len="med"/>
             </a:ln>
           </p:spPr>
           <p:style>
-            <a:lnRef idx="0"/>
-            <a:fillRef idx="0"/>
-            <a:effectRef idx="0"/>
+            <a:lnRef idx="0">
+              <a:scrgbClr r="0" g="0" b="0"/>
+            </a:lnRef>
+            <a:fillRef idx="0">
+              <a:scrgbClr r="0" g="0" b="0"/>
+            </a:fillRef>
+            <a:effectRef idx="0">
+              <a:scrgbClr r="0" g="0" b="0"/>
+            </a:effectRef>
             <a:fontRef idx="minor"/>
           </p:style>
         </p:sp>
@@ -5529,15 +6630,21 @@
             </a:prstGeom>
             <a:ln w="0">
               <a:solidFill>
-                <a:srgbClr val="3465a4"/>
+                <a:srgbClr val="3465A4"/>
               </a:solidFill>
-              <a:tailEnd len="med" type="triangle" w="med"/>
+              <a:tailEnd type="triangle" w="med" len="med"/>
             </a:ln>
           </p:spPr>
           <p:style>
-            <a:lnRef idx="0"/>
-            <a:fillRef idx="0"/>
-            <a:effectRef idx="0"/>
+            <a:lnRef idx="0">
+              <a:scrgbClr r="0" g="0" b="0"/>
+            </a:lnRef>
+            <a:fillRef idx="0">
+              <a:scrgbClr r="0" g="0" b="0"/>
+            </a:fillRef>
+            <a:effectRef idx="0">
+              <a:scrgbClr r="0" g="0" b="0"/>
+            </a:effectRef>
             <a:fontRef idx="minor"/>
           </p:style>
         </p:sp>
@@ -5557,15 +6664,21 @@
             </a:prstGeom>
             <a:ln w="0">
               <a:solidFill>
-                <a:srgbClr val="3465a4"/>
+                <a:srgbClr val="3465A4"/>
               </a:solidFill>
-              <a:tailEnd len="med" type="triangle" w="med"/>
+              <a:tailEnd type="triangle" w="med" len="med"/>
             </a:ln>
           </p:spPr>
           <p:style>
-            <a:lnRef idx="0"/>
-            <a:fillRef idx="0"/>
-            <a:effectRef idx="0"/>
+            <a:lnRef idx="0">
+              <a:scrgbClr r="0" g="0" b="0"/>
+            </a:lnRef>
+            <a:fillRef idx="0">
+              <a:scrgbClr r="0" g="0" b="0"/>
+            </a:fillRef>
+            <a:effectRef idx="0">
+              <a:scrgbClr r="0" g="0" b="0"/>
+            </a:effectRef>
             <a:fontRef idx="minor"/>
           </p:style>
         </p:sp>
@@ -5585,15 +6698,21 @@
             </a:prstGeom>
             <a:ln w="0">
               <a:solidFill>
-                <a:srgbClr val="3465a4"/>
+                <a:srgbClr val="3465A4"/>
               </a:solidFill>
-              <a:tailEnd len="med" type="triangle" w="med"/>
+              <a:tailEnd type="triangle" w="med" len="med"/>
             </a:ln>
           </p:spPr>
           <p:style>
-            <a:lnRef idx="0"/>
-            <a:fillRef idx="0"/>
-            <a:effectRef idx="0"/>
+            <a:lnRef idx="0">
+              <a:scrgbClr r="0" g="0" b="0"/>
+            </a:lnRef>
+            <a:fillRef idx="0">
+              <a:scrgbClr r="0" g="0" b="0"/>
+            </a:fillRef>
+            <a:effectRef idx="0">
+              <a:scrgbClr r="0" g="0" b="0"/>
+            </a:effectRef>
             <a:fontRef idx="minor"/>
           </p:style>
         </p:sp>
@@ -5614,21 +6733,28 @@
             <a:noFill/>
             <a:ln w="18360">
               <a:solidFill>
-                <a:srgbClr val="0000ff"/>
+                <a:srgbClr val="0000FF"/>
               </a:solidFill>
               <a:round/>
             </a:ln>
           </p:spPr>
           <p:style>
-            <a:lnRef idx="0"/>
-            <a:fillRef idx="0"/>
-            <a:effectRef idx="0"/>
+            <a:lnRef idx="0">
+              <a:scrgbClr r="0" g="0" b="0"/>
+            </a:lnRef>
+            <a:fillRef idx="0">
+              <a:scrgbClr r="0" g="0" b="0"/>
+            </a:fillRef>
+            <a:effectRef idx="0">
+              <a:scrgbClr r="0" g="0" b="0"/>
+            </a:effectRef>
             <a:fontRef idx="minor"/>
           </p:style>
           <p:txBody>
-            <a:bodyPr lIns="99000" rIns="99000" tIns="54000" bIns="54000">
+            <a:bodyPr lIns="99000" tIns="54000" rIns="99000" bIns="54000">
               <a:noAutofit/>
             </a:bodyPr>
+            <a:lstStyle/>
             <a:p>
               <a:pPr algn="ctr">
                 <a:lnSpc>
@@ -5636,16 +6762,16 @@
                 </a:lnSpc>
               </a:pPr>
               <a:r>
-                <a:rPr b="0" lang="en-US" sz="1400" spc="-1" strike="noStrike">
+                <a:rPr lang="en-US" sz="1400" b="0" strike="noStrike" spc="-1">
                   <a:solidFill>
-                    <a:srgbClr val="0000ff"/>
+                    <a:srgbClr val="0000FF"/>
                   </a:solidFill>
                   <a:latin typeface="Arial"/>
                   <a:ea typeface="DejaVu Sans"/>
                 </a:rPr>
                 <a:t>QKD Labs</a:t>
               </a:r>
-              <a:endParaRPr b="0" lang="en-US" sz="1400" spc="-1" strike="noStrike">
+              <a:endParaRPr lang="en-US" sz="1400" b="0" strike="noStrike" spc="-1">
                 <a:latin typeface="Arial"/>
               </a:endParaRPr>
             </a:p>
@@ -5667,16 +6793,22 @@
             </a:prstGeom>
             <a:ln w="0">
               <a:solidFill>
-                <a:srgbClr val="3465a4"/>
+                <a:srgbClr val="3465A4"/>
               </a:solidFill>
-              <a:headEnd len="med" type="triangle" w="med"/>
-              <a:tailEnd len="med" type="triangle" w="med"/>
+              <a:headEnd type="triangle" w="med" len="med"/>
+              <a:tailEnd type="triangle" w="med" len="med"/>
             </a:ln>
           </p:spPr>
           <p:style>
-            <a:lnRef idx="0"/>
-            <a:fillRef idx="0"/>
-            <a:effectRef idx="0"/>
+            <a:lnRef idx="0">
+              <a:scrgbClr r="0" g="0" b="0"/>
+            </a:lnRef>
+            <a:fillRef idx="0">
+              <a:scrgbClr r="0" g="0" b="0"/>
+            </a:fillRef>
+            <a:effectRef idx="0">
+              <a:scrgbClr r="0" g="0" b="0"/>
+            </a:effectRef>
             <a:fontRef idx="minor"/>
           </p:style>
         </p:sp>
@@ -5697,21 +6829,28 @@
             <a:noFill/>
             <a:ln w="18360">
               <a:solidFill>
-                <a:srgbClr val="0000ff"/>
+                <a:srgbClr val="0000FF"/>
               </a:solidFill>
               <a:round/>
             </a:ln>
           </p:spPr>
           <p:style>
-            <a:lnRef idx="0"/>
-            <a:fillRef idx="0"/>
-            <a:effectRef idx="0"/>
+            <a:lnRef idx="0">
+              <a:scrgbClr r="0" g="0" b="0"/>
+            </a:lnRef>
+            <a:fillRef idx="0">
+              <a:scrgbClr r="0" g="0" b="0"/>
+            </a:fillRef>
+            <a:effectRef idx="0">
+              <a:scrgbClr r="0" g="0" b="0"/>
+            </a:effectRef>
             <a:fontRef idx="minor"/>
           </p:style>
           <p:txBody>
-            <a:bodyPr lIns="99000" rIns="99000" tIns="54000" bIns="54000">
+            <a:bodyPr lIns="99000" tIns="54000" rIns="99000" bIns="54000">
               <a:noAutofit/>
             </a:bodyPr>
+            <a:lstStyle/>
             <a:p>
               <a:pPr algn="ctr">
                 <a:lnSpc>
@@ -5719,16 +6858,16 @@
                 </a:lnSpc>
               </a:pPr>
               <a:r>
-                <a:rPr b="0" lang="en-US" sz="1400" spc="-1" strike="noStrike">
+                <a:rPr lang="en-US" sz="1400" b="0" strike="noStrike" spc="-1">
                   <a:solidFill>
-                    <a:srgbClr val="0000ff"/>
+                    <a:srgbClr val="0000FF"/>
                   </a:solidFill>
                   <a:latin typeface="Arial"/>
                   <a:ea typeface="DejaVu Sans"/>
                 </a:rPr>
                 <a:t>Q-Sensing Labs</a:t>
               </a:r>
-              <a:endParaRPr b="0" lang="en-US" sz="1400" spc="-1" strike="noStrike">
+              <a:endParaRPr lang="en-US" sz="1400" b="0" strike="noStrike" spc="-1">
                 <a:latin typeface="Arial"/>
               </a:endParaRPr>
             </a:p>
@@ -5750,16 +6889,22 @@
             </a:prstGeom>
             <a:ln w="0">
               <a:solidFill>
-                <a:srgbClr val="3465a4"/>
+                <a:srgbClr val="3465A4"/>
               </a:solidFill>
-              <a:headEnd len="med" type="triangle" w="med"/>
-              <a:tailEnd len="med" type="triangle" w="med"/>
+              <a:headEnd type="triangle" w="med" len="med"/>
+              <a:tailEnd type="triangle" w="med" len="med"/>
             </a:ln>
           </p:spPr>
           <p:style>
-            <a:lnRef idx="0"/>
-            <a:fillRef idx="0"/>
-            <a:effectRef idx="0"/>
+            <a:lnRef idx="0">
+              <a:scrgbClr r="0" g="0" b="0"/>
+            </a:lnRef>
+            <a:fillRef idx="0">
+              <a:scrgbClr r="0" g="0" b="0"/>
+            </a:fillRef>
+            <a:effectRef idx="0">
+              <a:scrgbClr r="0" g="0" b="0"/>
+            </a:effectRef>
             <a:fontRef idx="minor"/>
           </p:style>
         </p:sp>
@@ -5780,21 +6925,28 @@
             <a:noFill/>
             <a:ln w="18360">
               <a:solidFill>
-                <a:srgbClr val="0000ff"/>
+                <a:srgbClr val="0000FF"/>
               </a:solidFill>
               <a:round/>
             </a:ln>
           </p:spPr>
           <p:style>
-            <a:lnRef idx="0"/>
-            <a:fillRef idx="0"/>
-            <a:effectRef idx="0"/>
+            <a:lnRef idx="0">
+              <a:scrgbClr r="0" g="0" b="0"/>
+            </a:lnRef>
+            <a:fillRef idx="0">
+              <a:scrgbClr r="0" g="0" b="0"/>
+            </a:fillRef>
+            <a:effectRef idx="0">
+              <a:scrgbClr r="0" g="0" b="0"/>
+            </a:effectRef>
             <a:fontRef idx="minor"/>
           </p:style>
           <p:txBody>
-            <a:bodyPr lIns="99000" rIns="99000" tIns="54000" bIns="54000">
+            <a:bodyPr lIns="99000" tIns="54000" rIns="99000" bIns="54000">
               <a:noAutofit/>
             </a:bodyPr>
+            <a:lstStyle/>
             <a:p>
               <a:pPr algn="ctr">
                 <a:lnSpc>
@@ -5802,16 +6954,16 @@
                 </a:lnSpc>
               </a:pPr>
               <a:r>
-                <a:rPr b="0" lang="en-US" sz="1400" spc="-1" strike="noStrike">
+                <a:rPr lang="en-US" sz="1400" b="0" strike="noStrike" spc="-1">
                   <a:solidFill>
-                    <a:srgbClr val="0000ff"/>
+                    <a:srgbClr val="0000FF"/>
                   </a:solidFill>
                   <a:latin typeface="Arial"/>
                   <a:ea typeface="DejaVu Sans"/>
                 </a:rPr>
                 <a:t>QC Programming</a:t>
               </a:r>
-              <a:endParaRPr b="0" lang="en-US" sz="1400" spc="-1" strike="noStrike">
+              <a:endParaRPr lang="en-US" sz="1400" b="0" strike="noStrike" spc="-1">
                 <a:latin typeface="Arial"/>
               </a:endParaRPr>
             </a:p>
@@ -5833,28 +6985,34 @@
             </a:prstGeom>
             <a:ln w="0">
               <a:solidFill>
-                <a:srgbClr val="3465a4"/>
+                <a:srgbClr val="3465A4"/>
               </a:solidFill>
-              <a:headEnd len="med" type="triangle" w="med"/>
-              <a:tailEnd len="med" type="triangle" w="med"/>
+              <a:headEnd type="triangle" w="med" len="med"/>
+              <a:tailEnd type="triangle" w="med" len="med"/>
             </a:ln>
           </p:spPr>
           <p:style>
-            <a:lnRef idx="0"/>
-            <a:fillRef idx="0"/>
-            <a:effectRef idx="0"/>
+            <a:lnRef idx="0">
+              <a:scrgbClr r="0" g="0" b="0"/>
+            </a:lnRef>
+            <a:fillRef idx="0">
+              <a:scrgbClr r="0" g="0" b="0"/>
+            </a:fillRef>
+            <a:effectRef idx="0">
+              <a:scrgbClr r="0" g="0" b="0"/>
+            </a:effectRef>
             <a:fontRef idx="minor"/>
           </p:style>
         </p:sp>
       </p:grpSp>
       <p:pic>
         <p:nvPicPr>
-          <p:cNvPr id="138" name="" descr=""/>
+          <p:cNvPr id="138" name="Picture 137"/>
           <p:cNvPicPr/>
           <p:nvPr/>
         </p:nvPicPr>
         <p:blipFill>
-          <a:blip r:embed="rId1"/>
+          <a:blip r:embed="rId2"/>
           <a:stretch/>
         </p:blipFill>
         <p:spPr>
@@ -5872,19 +7030,14 @@
       </p:pic>
     </p:spTree>
   </p:cSld>
-  <mc:AlternateContent>
-    <mc:Choice Requires="p14">
-      <p:transition spd="slow" p14:dur="2000"/>
-    </mc:Choice>
-    <mc:Fallback>
-      <p:transition spd="slow"/>
-    </mc:Fallback>
-  </mc:AlternateContent>
+  <p:clrMapOvr>
+    <a:masterClrMapping/>
+  </p:clrMapOvr>
 </p:sld>
 </file>
 
 <file path=ppt/slides/slide3.xml><?xml version="1.0" encoding="utf-8"?>
-<p:sld xmlns:a="http://schemas.openxmlformats.org/drawingml/2006/main" xmlns:p="http://schemas.openxmlformats.org/presentationml/2006/main" xmlns:r="http://schemas.openxmlformats.org/officeDocument/2006/relationships" xmlns:p14="http://schemas.microsoft.com/office/powerpoint/2010/main" xmlns:p15="http://schemas.microsoft.com/office/powerpoint/2012/main" xmlns:mc="http://schemas.openxmlformats.org/markup-compatibility/2006">
+<p:sld xmlns:a="http://schemas.openxmlformats.org/drawingml/2006/main" xmlns:r="http://schemas.openxmlformats.org/officeDocument/2006/relationships" xmlns:p="http://schemas.openxmlformats.org/presentationml/2006/main">
   <p:cSld>
     <p:spTree>
       <p:nvGrpSpPr>
@@ -5920,15 +7073,22 @@
           </a:ln>
         </p:spPr>
         <p:style>
-          <a:lnRef idx="0"/>
-          <a:fillRef idx="0"/>
-          <a:effectRef idx="0"/>
+          <a:lnRef idx="0">
+            <a:scrgbClr r="0" g="0" b="0"/>
+          </a:lnRef>
+          <a:fillRef idx="0">
+            <a:scrgbClr r="0" g="0" b="0"/>
+          </a:fillRef>
+          <a:effectRef idx="0">
+            <a:scrgbClr r="0" g="0" b="0"/>
+          </a:effectRef>
           <a:fontRef idx="minor"/>
         </p:style>
         <p:txBody>
-          <a:bodyPr lIns="0" rIns="0" tIns="0" bIns="0" anchor="ctr">
+          <a:bodyPr lIns="0" tIns="0" rIns="0" bIns="0" anchor="ctr">
             <a:noAutofit/>
           </a:bodyPr>
+          <a:lstStyle/>
           <a:p>
             <a:pPr algn="ctr">
               <a:lnSpc>
@@ -5936,7 +7096,7 @@
               </a:lnSpc>
             </a:pPr>
             <a:r>
-              <a:rPr b="0" lang="en-US" sz="2400" spc="-1" strike="noStrike">
+              <a:rPr lang="en-US" sz="2400" b="0" strike="noStrike" spc="-1">
                 <a:solidFill>
                   <a:srgbClr val="000000"/>
                 </a:solidFill>
@@ -5945,7 +7105,7 @@
               </a:rPr>
               <a:t>6-course quantum sequence</a:t>
             </a:r>
-            <a:endParaRPr b="0" lang="en-US" sz="2400" spc="-1" strike="noStrike">
+            <a:endParaRPr lang="en-US" sz="2400" b="0" strike="noStrike" spc="-1">
               <a:latin typeface="Arial"/>
             </a:endParaRPr>
           </a:p>
@@ -5974,15 +7134,22 @@
           </a:ln>
         </p:spPr>
         <p:style>
-          <a:lnRef idx="0"/>
-          <a:fillRef idx="0"/>
-          <a:effectRef idx="0"/>
+          <a:lnRef idx="0">
+            <a:scrgbClr r="0" g="0" b="0"/>
+          </a:lnRef>
+          <a:fillRef idx="0">
+            <a:scrgbClr r="0" g="0" b="0"/>
+          </a:fillRef>
+          <a:effectRef idx="0">
+            <a:scrgbClr r="0" g="0" b="0"/>
+          </a:effectRef>
           <a:fontRef idx="minor"/>
         </p:style>
         <p:txBody>
-          <a:bodyPr lIns="99000" rIns="99000" tIns="54000" bIns="54000">
+          <a:bodyPr lIns="99000" tIns="54000" rIns="99000" bIns="54000">
             <a:noAutofit/>
           </a:bodyPr>
+          <a:lstStyle/>
           <a:p>
             <a:pPr algn="ctr">
               <a:lnSpc>
@@ -5990,7 +7157,7 @@
               </a:lnSpc>
             </a:pPr>
             <a:r>
-              <a:rPr b="0" lang="en-US" sz="1400" spc="-1" strike="noStrike">
+              <a:rPr lang="en-US" sz="1400" b="0" strike="noStrike" spc="-1" dirty="0">
                 <a:solidFill>
                   <a:srgbClr val="000000"/>
                 </a:solidFill>
@@ -5999,7 +7166,7 @@
               </a:rPr>
               <a:t>QM for Computing</a:t>
             </a:r>
-            <a:endParaRPr b="0" lang="en-US" sz="1400" spc="-1" strike="noStrike">
+            <a:endParaRPr lang="en-US" sz="1400" b="0" strike="noStrike" spc="-1" dirty="0">
               <a:latin typeface="Arial"/>
             </a:endParaRPr>
           </a:p>
@@ -6028,15 +7195,22 @@
           </a:ln>
         </p:spPr>
         <p:style>
-          <a:lnRef idx="0"/>
-          <a:fillRef idx="0"/>
-          <a:effectRef idx="0"/>
+          <a:lnRef idx="0">
+            <a:scrgbClr r="0" g="0" b="0"/>
+          </a:lnRef>
+          <a:fillRef idx="0">
+            <a:scrgbClr r="0" g="0" b="0"/>
+          </a:fillRef>
+          <a:effectRef idx="0">
+            <a:scrgbClr r="0" g="0" b="0"/>
+          </a:effectRef>
           <a:fontRef idx="minor"/>
         </p:style>
         <p:txBody>
-          <a:bodyPr lIns="99000" rIns="99000" tIns="54000" bIns="54000">
+          <a:bodyPr lIns="99000" tIns="54000" rIns="99000" bIns="54000">
             <a:noAutofit/>
           </a:bodyPr>
+          <a:lstStyle/>
           <a:p>
             <a:pPr algn="ctr">
               <a:lnSpc>
@@ -6044,7 +7218,7 @@
               </a:lnSpc>
             </a:pPr>
             <a:r>
-              <a:rPr b="0" lang="en-US" sz="1400" spc="-1" strike="noStrike">
+              <a:rPr lang="en-US" sz="1400" b="0" strike="noStrike" spc="-1">
                 <a:solidFill>
                   <a:srgbClr val="000000"/>
                 </a:solidFill>
@@ -6053,7 +7227,7 @@
               </a:rPr>
               <a:t>Intro to QC (QIS)</a:t>
             </a:r>
-            <a:endParaRPr b="0" lang="en-US" sz="1400" spc="-1" strike="noStrike">
+            <a:endParaRPr lang="en-US" sz="1400" b="0" strike="noStrike" spc="-1">
               <a:latin typeface="Arial"/>
             </a:endParaRPr>
           </a:p>
@@ -6076,7 +7250,7 @@
           <a:noFill/>
           <a:ln w="18360">
             <a:solidFill>
-              <a:srgbClr val="3465a4"/>
+              <a:srgbClr val="3465A4"/>
             </a:solidFill>
             <a:custDash>
               <a:ds d="600000" sp="300000"/>
@@ -6085,9 +7259,15 @@
           </a:ln>
         </p:spPr>
         <p:style>
-          <a:lnRef idx="0"/>
-          <a:fillRef idx="0"/>
-          <a:effectRef idx="0"/>
+          <a:lnRef idx="0">
+            <a:scrgbClr r="0" g="0" b="0"/>
+          </a:lnRef>
+          <a:fillRef idx="0">
+            <a:scrgbClr r="0" g="0" b="0"/>
+          </a:fillRef>
+          <a:effectRef idx="0">
+            <a:scrgbClr r="0" g="0" b="0"/>
+          </a:effectRef>
           <a:fontRef idx="minor"/>
         </p:style>
       </p:sp>
@@ -6107,15 +7287,21 @@
           </a:prstGeom>
           <a:ln w="0">
             <a:solidFill>
-              <a:srgbClr val="3465a4"/>
+              <a:srgbClr val="3465A4"/>
             </a:solidFill>
-            <a:tailEnd len="med" type="triangle" w="med"/>
+            <a:tailEnd type="triangle" w="med" len="med"/>
           </a:ln>
         </p:spPr>
         <p:style>
-          <a:lnRef idx="0"/>
-          <a:fillRef idx="0"/>
-          <a:effectRef idx="0"/>
+          <a:lnRef idx="0">
+            <a:scrgbClr r="0" g="0" b="0"/>
+          </a:lnRef>
+          <a:fillRef idx="0">
+            <a:scrgbClr r="0" g="0" b="0"/>
+          </a:fillRef>
+          <a:effectRef idx="0">
+            <a:scrgbClr r="0" g="0" b="0"/>
+          </a:effectRef>
           <a:fontRef idx="minor"/>
         </p:style>
       </p:sp>
@@ -6136,21 +7322,28 @@
           <a:noFill/>
           <a:ln w="18360">
             <a:solidFill>
-              <a:srgbClr val="0000ff"/>
+              <a:srgbClr val="0000FF"/>
             </a:solidFill>
             <a:round/>
           </a:ln>
         </p:spPr>
         <p:style>
-          <a:lnRef idx="0"/>
-          <a:fillRef idx="0"/>
-          <a:effectRef idx="0"/>
+          <a:lnRef idx="0">
+            <a:scrgbClr r="0" g="0" b="0"/>
+          </a:lnRef>
+          <a:fillRef idx="0">
+            <a:scrgbClr r="0" g="0" b="0"/>
+          </a:fillRef>
+          <a:effectRef idx="0">
+            <a:scrgbClr r="0" g="0" b="0"/>
+          </a:effectRef>
           <a:fontRef idx="minor"/>
         </p:style>
         <p:txBody>
-          <a:bodyPr lIns="99000" rIns="99000" tIns="54000" bIns="54000">
+          <a:bodyPr lIns="99000" tIns="54000" rIns="99000" bIns="54000">
             <a:noAutofit/>
           </a:bodyPr>
+          <a:lstStyle/>
           <a:p>
             <a:pPr algn="ctr">
               <a:lnSpc>
@@ -6158,9 +7351,9 @@
               </a:lnSpc>
             </a:pPr>
             <a:r>
-              <a:rPr b="0" lang="en-US" sz="1400" spc="-1" strike="noStrike" u="sng">
+              <a:rPr lang="en-US" sz="1400" b="0" u="sng" strike="noStrike" spc="-1">
                 <a:solidFill>
-                  <a:srgbClr val="0000ff"/>
+                  <a:srgbClr val="0000FF"/>
                 </a:solidFill>
                 <a:uFillTx/>
                 <a:latin typeface="Arial"/>
@@ -6169,16 +7362,16 @@
               <a:t>QM Labs</a:t>
             </a:r>
             <a:r>
-              <a:rPr b="0" lang="en-US" sz="1400" spc="-1" strike="noStrike">
+              <a:rPr lang="en-US" sz="1400" b="0" strike="noStrike" spc="-1">
                 <a:solidFill>
-                  <a:srgbClr val="0000ff"/>
+                  <a:srgbClr val="0000FF"/>
                 </a:solidFill>
                 <a:latin typeface="Arial"/>
                 <a:ea typeface="DejaVu Sans"/>
               </a:rPr>
               <a:t>:</a:t>
             </a:r>
-            <a:endParaRPr b="0" lang="en-US" sz="1400" spc="-1" strike="noStrike">
+            <a:endParaRPr lang="en-US" sz="1400" b="0" strike="noStrike" spc="-1">
               <a:latin typeface="Arial"/>
             </a:endParaRPr>
           </a:p>
@@ -6188,22 +7381,22 @@
                 <a:spcPct val="100000"/>
               </a:lnSpc>
               <a:buClr>
-                <a:srgbClr val="0000ff"/>
+                <a:srgbClr val="0000FF"/>
               </a:buClr>
               <a:buFont typeface="StarSymbol"/>
               <a:buAutoNum type="arabicParenR"/>
             </a:pPr>
             <a:r>
-              <a:rPr b="0" lang="en-US" sz="1400" spc="-1" strike="noStrike">
+              <a:rPr lang="en-US" sz="1400" b="0" strike="noStrike" spc="-1">
                 <a:solidFill>
-                  <a:srgbClr val="0000ff"/>
+                  <a:srgbClr val="0000FF"/>
                 </a:solidFill>
                 <a:latin typeface="Arial"/>
                 <a:ea typeface="DejaVu Sans"/>
               </a:rPr>
               <a:t>Non-Classical Correlations</a:t>
             </a:r>
-            <a:endParaRPr b="0" lang="en-US" sz="1400" spc="-1" strike="noStrike">
+            <a:endParaRPr lang="en-US" sz="1400" b="0" strike="noStrike" spc="-1">
               <a:latin typeface="Arial"/>
             </a:endParaRPr>
           </a:p>
@@ -6213,22 +7406,22 @@
                 <a:spcPct val="100000"/>
               </a:lnSpc>
               <a:buClr>
-                <a:srgbClr val="0000ff"/>
+                <a:srgbClr val="0000FF"/>
               </a:buClr>
               <a:buFont typeface="StarSymbol"/>
               <a:buAutoNum type="arabicParenR"/>
             </a:pPr>
             <a:r>
-              <a:rPr b="0" lang="en-US" sz="1400" spc="-1" strike="noStrike">
+              <a:rPr lang="en-US" sz="1400" b="0" strike="noStrike" spc="-1">
                 <a:solidFill>
-                  <a:srgbClr val="0000ff"/>
+                  <a:srgbClr val="0000FF"/>
                 </a:solidFill>
                 <a:latin typeface="Arial"/>
                 <a:ea typeface="DejaVu Sans"/>
               </a:rPr>
               <a:t>Bell Inequality</a:t>
             </a:r>
-            <a:endParaRPr b="0" lang="en-US" sz="1400" spc="-1" strike="noStrike">
+            <a:endParaRPr lang="en-US" sz="1400" b="0" strike="noStrike" spc="-1">
               <a:latin typeface="Arial"/>
             </a:endParaRPr>
           </a:p>
@@ -6238,22 +7431,22 @@
                 <a:spcPct val="100000"/>
               </a:lnSpc>
               <a:buClr>
-                <a:srgbClr val="0000ff"/>
+                <a:srgbClr val="0000FF"/>
               </a:buClr>
               <a:buFont typeface="StarSymbol"/>
               <a:buAutoNum type="arabicParenR"/>
             </a:pPr>
             <a:r>
-              <a:rPr b="0" lang="en-US" sz="1400" spc="-1" strike="noStrike">
+              <a:rPr lang="en-US" sz="1400" b="0" strike="noStrike" spc="-1">
                 <a:solidFill>
-                  <a:srgbClr val="0000ff"/>
+                  <a:srgbClr val="0000FF"/>
                 </a:solidFill>
                 <a:latin typeface="Arial"/>
                 <a:ea typeface="DejaVu Sans"/>
               </a:rPr>
               <a:t>Wave Nature of Photons</a:t>
             </a:r>
-            <a:endParaRPr b="0" lang="en-US" sz="1400" spc="-1" strike="noStrike">
+            <a:endParaRPr lang="en-US" sz="1400" b="0" strike="noStrike" spc="-1">
               <a:latin typeface="Arial"/>
             </a:endParaRPr>
           </a:p>
@@ -6263,22 +7456,22 @@
                 <a:spcPct val="100000"/>
               </a:lnSpc>
               <a:buClr>
-                <a:srgbClr val="0000ff"/>
+                <a:srgbClr val="0000FF"/>
               </a:buClr>
               <a:buFont typeface="StarSymbol"/>
               <a:buAutoNum type="arabicParenR"/>
             </a:pPr>
             <a:r>
-              <a:rPr b="0" lang="en-US" sz="1400" spc="-1" strike="noStrike">
+              <a:rPr lang="en-US" sz="1400" b="0" strike="noStrike" spc="-1">
                 <a:solidFill>
-                  <a:srgbClr val="0000ff"/>
+                  <a:srgbClr val="0000FF"/>
                 </a:solidFill>
                 <a:latin typeface="Arial"/>
                 <a:ea typeface="DejaVu Sans"/>
               </a:rPr>
               <a:t>Quantum Eraser</a:t>
             </a:r>
-            <a:endParaRPr b="0" lang="en-US" sz="1400" spc="-1" strike="noStrike">
+            <a:endParaRPr lang="en-US" sz="1400" b="0" strike="noStrike" spc="-1">
               <a:latin typeface="Arial"/>
             </a:endParaRPr>
           </a:p>
@@ -6288,22 +7481,22 @@
                 <a:spcPct val="100000"/>
               </a:lnSpc>
               <a:buClr>
-                <a:srgbClr val="0000ff"/>
+                <a:srgbClr val="0000FF"/>
               </a:buClr>
               <a:buFont typeface="StarSymbol"/>
               <a:buAutoNum type="arabicParenR"/>
             </a:pPr>
             <a:r>
-              <a:rPr b="0" lang="en-US" sz="1400" spc="-1" strike="noStrike">
+              <a:rPr lang="en-US" sz="1400" b="0" strike="noStrike" spc="-1">
                 <a:solidFill>
-                  <a:srgbClr val="0000ff"/>
+                  <a:srgbClr val="0000FF"/>
                 </a:solidFill>
                 <a:latin typeface="Arial"/>
                 <a:ea typeface="DejaVu Sans"/>
               </a:rPr>
               <a:t>Two-photon Interference</a:t>
             </a:r>
-            <a:endParaRPr b="0" lang="en-US" sz="1400" spc="-1" strike="noStrike">
+            <a:endParaRPr lang="en-US" sz="1400" b="0" strike="noStrike" spc="-1">
               <a:latin typeface="Arial"/>
             </a:endParaRPr>
           </a:p>
@@ -6313,22 +7506,22 @@
                 <a:spcPct val="100000"/>
               </a:lnSpc>
               <a:buClr>
-                <a:srgbClr val="0000ff"/>
+                <a:srgbClr val="0000FF"/>
               </a:buClr>
               <a:buFont typeface="StarSymbol"/>
               <a:buAutoNum type="arabicParenR"/>
             </a:pPr>
             <a:r>
-              <a:rPr b="0" lang="en-US" sz="1400" spc="-1" strike="noStrike">
+              <a:rPr lang="en-US" sz="1400" b="0" strike="noStrike" spc="-1">
                 <a:solidFill>
-                  <a:srgbClr val="0000ff"/>
+                  <a:srgbClr val="0000FF"/>
                 </a:solidFill>
                 <a:latin typeface="Arial"/>
                 <a:ea typeface="DejaVu Sans"/>
               </a:rPr>
               <a:t>Verification HOM 2-photon*</a:t>
             </a:r>
-            <a:endParaRPr b="0" lang="en-US" sz="1400" spc="-1" strike="noStrike">
+            <a:endParaRPr lang="en-US" sz="1400" b="0" strike="noStrike" spc="-1">
               <a:latin typeface="Arial"/>
             </a:endParaRPr>
           </a:p>
@@ -6338,22 +7531,22 @@
                 <a:spcPct val="100000"/>
               </a:lnSpc>
               <a:buClr>
-                <a:srgbClr val="0000ff"/>
+                <a:srgbClr val="0000FF"/>
               </a:buClr>
               <a:buFont typeface="StarSymbol"/>
               <a:buAutoNum type="arabicParenR"/>
             </a:pPr>
             <a:r>
-              <a:rPr b="0" lang="en-US" sz="1400" spc="-1" strike="noStrike">
+              <a:rPr lang="en-US" sz="1400" b="0" strike="noStrike" spc="-1">
                 <a:solidFill>
-                  <a:srgbClr val="0000ff"/>
+                  <a:srgbClr val="0000FF"/>
                 </a:solidFill>
                 <a:latin typeface="Arial"/>
                 <a:ea typeface="DejaVu Sans"/>
               </a:rPr>
               <a:t>Particle Nature of Photons*</a:t>
             </a:r>
-            <a:endParaRPr b="0" lang="en-US" sz="1400" spc="-1" strike="noStrike">
+            <a:endParaRPr lang="en-US" sz="1400" b="0" strike="noStrike" spc="-1">
               <a:latin typeface="Arial"/>
             </a:endParaRPr>
           </a:p>
@@ -6363,22 +7556,22 @@
                 <a:spcPct val="100000"/>
               </a:lnSpc>
               <a:buClr>
-                <a:srgbClr val="0000ff"/>
+                <a:srgbClr val="0000FF"/>
               </a:buClr>
               <a:buFont typeface="StarSymbol"/>
               <a:buAutoNum type="arabicParenR"/>
             </a:pPr>
             <a:r>
-              <a:rPr b="0" lang="en-US" sz="1400" spc="-1" strike="noStrike">
+              <a:rPr lang="en-US" sz="1400" b="0" strike="noStrike" spc="-1">
                 <a:solidFill>
-                  <a:srgbClr val="0000ff"/>
+                  <a:srgbClr val="0000FF"/>
                 </a:solidFill>
                 <a:latin typeface="Arial"/>
                 <a:ea typeface="DejaVu Sans"/>
               </a:rPr>
               <a:t>Wave-Particle Dualism*</a:t>
             </a:r>
-            <a:endParaRPr b="0" lang="en-US" sz="1400" spc="-1" strike="noStrike">
+            <a:endParaRPr lang="en-US" sz="1400" b="0" strike="noStrike" spc="-1">
               <a:latin typeface="Arial"/>
             </a:endParaRPr>
           </a:p>
@@ -6388,15 +7581,15 @@
                 <a:spcPct val="100000"/>
               </a:lnSpc>
               <a:buClr>
-                <a:srgbClr val="0000ff"/>
+                <a:srgbClr val="0000FF"/>
               </a:buClr>
               <a:buFont typeface="StarSymbol"/>
               <a:buAutoNum type="arabicParenR"/>
             </a:pPr>
             <a:r>
-              <a:rPr b="0" lang="en-US" sz="1400" spc="-1" strike="noStrike">
+              <a:rPr lang="en-US" sz="1400" b="0" strike="noStrike" spc="-1">
                 <a:solidFill>
-                  <a:srgbClr val="0000ff"/>
+                  <a:srgbClr val="0000FF"/>
                 </a:solidFill>
                 <a:latin typeface="Arial"/>
                 <a:ea typeface="DejaVu Sans"/>
@@ -6404,16 +7597,16 @@
               <a:t>* </a:t>
             </a:r>
             <a:r>
-              <a:rPr b="0" lang="en-US" sz="1200" spc="-1" strike="noStrike">
+              <a:rPr lang="en-US" sz="1200" b="0" strike="noStrike" spc="-1">
                 <a:solidFill>
-                  <a:srgbClr val="0000ff"/>
+                  <a:srgbClr val="0000FF"/>
                 </a:solidFill>
                 <a:latin typeface="Arial"/>
                 <a:ea typeface="DejaVu Sans"/>
               </a:rPr>
               <a:t>Requires quED-HBT module</a:t>
             </a:r>
-            <a:endParaRPr b="0" lang="en-US" sz="1200" spc="-1" strike="noStrike">
+            <a:endParaRPr lang="en-US" sz="1200" b="0" strike="noStrike" spc="-1">
               <a:latin typeface="Arial"/>
             </a:endParaRPr>
           </a:p>
@@ -6435,16 +7628,22 @@
           </a:prstGeom>
           <a:ln w="0">
             <a:solidFill>
-              <a:srgbClr val="3465a4"/>
+              <a:srgbClr val="3465A4"/>
             </a:solidFill>
-            <a:headEnd len="med" type="triangle" w="med"/>
-            <a:tailEnd len="med" type="triangle" w="med"/>
+            <a:headEnd type="triangle" w="med" len="med"/>
+            <a:tailEnd type="triangle" w="med" len="med"/>
           </a:ln>
         </p:spPr>
         <p:style>
-          <a:lnRef idx="0"/>
-          <a:fillRef idx="0"/>
-          <a:effectRef idx="0"/>
+          <a:lnRef idx="0">
+            <a:scrgbClr r="0" g="0" b="0"/>
+          </a:lnRef>
+          <a:fillRef idx="0">
+            <a:scrgbClr r="0" g="0" b="0"/>
+          </a:fillRef>
+          <a:effectRef idx="0">
+            <a:scrgbClr r="0" g="0" b="0"/>
+          </a:effectRef>
           <a:fontRef idx="minor"/>
         </p:style>
       </p:sp>
@@ -6471,15 +7670,22 @@
           </a:ln>
         </p:spPr>
         <p:style>
-          <a:lnRef idx="0"/>
-          <a:fillRef idx="0"/>
-          <a:effectRef idx="0"/>
+          <a:lnRef idx="0">
+            <a:scrgbClr r="0" g="0" b="0"/>
+          </a:lnRef>
+          <a:fillRef idx="0">
+            <a:scrgbClr r="0" g="0" b="0"/>
+          </a:fillRef>
+          <a:effectRef idx="0">
+            <a:scrgbClr r="0" g="0" b="0"/>
+          </a:effectRef>
           <a:fontRef idx="minor"/>
         </p:style>
         <p:txBody>
-          <a:bodyPr lIns="99000" rIns="99000" tIns="54000" bIns="54000">
+          <a:bodyPr lIns="99000" tIns="54000" rIns="99000" bIns="54000">
             <a:noAutofit/>
           </a:bodyPr>
+          <a:lstStyle/>
           <a:p>
             <a:pPr algn="ctr">
               <a:lnSpc>
@@ -6487,7 +7693,7 @@
               </a:lnSpc>
             </a:pPr>
             <a:r>
-              <a:rPr b="0" lang="en-US" sz="1400" spc="-1" strike="noStrike">
+              <a:rPr lang="en-US" sz="1400" b="0" strike="noStrike" spc="-1">
                 <a:solidFill>
                   <a:srgbClr val="000000"/>
                 </a:solidFill>
@@ -6496,7 +7702,7 @@
               </a:rPr>
               <a:t>Quant Algos (ML)</a:t>
             </a:r>
-            <a:endParaRPr b="0" lang="en-US" sz="1400" spc="-1" strike="noStrike">
+            <a:endParaRPr lang="en-US" sz="1400" b="0" strike="noStrike" spc="-1">
               <a:latin typeface="Arial"/>
             </a:endParaRPr>
           </a:p>
@@ -6525,15 +7731,22 @@
           </a:ln>
         </p:spPr>
         <p:style>
-          <a:lnRef idx="0"/>
-          <a:fillRef idx="0"/>
-          <a:effectRef idx="0"/>
+          <a:lnRef idx="0">
+            <a:scrgbClr r="0" g="0" b="0"/>
+          </a:lnRef>
+          <a:fillRef idx="0">
+            <a:scrgbClr r="0" g="0" b="0"/>
+          </a:fillRef>
+          <a:effectRef idx="0">
+            <a:scrgbClr r="0" g="0" b="0"/>
+          </a:effectRef>
           <a:fontRef idx="minor"/>
         </p:style>
         <p:txBody>
-          <a:bodyPr lIns="99000" rIns="99000" tIns="54000" bIns="54000">
+          <a:bodyPr lIns="99000" tIns="54000" rIns="99000" bIns="54000">
             <a:noAutofit/>
           </a:bodyPr>
+          <a:lstStyle/>
           <a:p>
             <a:pPr algn="ctr">
               <a:lnSpc>
@@ -6541,7 +7754,7 @@
               </a:lnSpc>
             </a:pPr>
             <a:r>
-              <a:rPr b="0" lang="en-US" sz="1400" spc="-1" strike="noStrike">
+              <a:rPr lang="en-US" sz="1400" b="0" strike="noStrike" spc="-1">
                 <a:solidFill>
                   <a:srgbClr val="000000"/>
                 </a:solidFill>
@@ -6550,7 +7763,7 @@
               </a:rPr>
               <a:t>Applied Q (Sensing)</a:t>
             </a:r>
-            <a:endParaRPr b="0" lang="en-US" sz="1400" spc="-1" strike="noStrike">
+            <a:endParaRPr lang="en-US" sz="1400" b="0" strike="noStrike" spc="-1">
               <a:latin typeface="Arial"/>
             </a:endParaRPr>
           </a:p>
@@ -6579,15 +7792,22 @@
           </a:ln>
         </p:spPr>
         <p:style>
-          <a:lnRef idx="0"/>
-          <a:fillRef idx="0"/>
-          <a:effectRef idx="0"/>
+          <a:lnRef idx="0">
+            <a:scrgbClr r="0" g="0" b="0"/>
+          </a:lnRef>
+          <a:fillRef idx="0">
+            <a:scrgbClr r="0" g="0" b="0"/>
+          </a:fillRef>
+          <a:effectRef idx="0">
+            <a:scrgbClr r="0" g="0" b="0"/>
+          </a:effectRef>
           <a:fontRef idx="minor"/>
         </p:style>
         <p:txBody>
-          <a:bodyPr lIns="99000" rIns="99000" tIns="54000" bIns="54000">
+          <a:bodyPr lIns="99000" tIns="54000" rIns="99000" bIns="54000">
             <a:noAutofit/>
           </a:bodyPr>
+          <a:lstStyle/>
           <a:p>
             <a:pPr algn="ctr">
               <a:lnSpc>
@@ -6595,7 +7815,7 @@
               </a:lnSpc>
             </a:pPr>
             <a:r>
-              <a:rPr b="0" lang="en-US" sz="1400" spc="-1" strike="noStrike">
+              <a:rPr lang="en-US" sz="1400" b="0" strike="noStrike" spc="-1">
                 <a:solidFill>
                   <a:srgbClr val="000000"/>
                 </a:solidFill>
@@ -6604,7 +7824,7 @@
               </a:rPr>
               <a:t>Quantum Crypto</a:t>
             </a:r>
-            <a:endParaRPr b="0" lang="en-US" sz="1400" spc="-1" strike="noStrike">
+            <a:endParaRPr lang="en-US" sz="1400" b="0" strike="noStrike" spc="-1">
               <a:latin typeface="Arial"/>
             </a:endParaRPr>
           </a:p>
@@ -6633,15 +7853,22 @@
           </a:ln>
         </p:spPr>
         <p:style>
-          <a:lnRef idx="0"/>
-          <a:fillRef idx="0"/>
-          <a:effectRef idx="0"/>
+          <a:lnRef idx="0">
+            <a:scrgbClr r="0" g="0" b="0"/>
+          </a:lnRef>
+          <a:fillRef idx="0">
+            <a:scrgbClr r="0" g="0" b="0"/>
+          </a:fillRef>
+          <a:effectRef idx="0">
+            <a:scrgbClr r="0" g="0" b="0"/>
+          </a:effectRef>
           <a:fontRef idx="minor"/>
         </p:style>
         <p:txBody>
-          <a:bodyPr lIns="99000" rIns="99000" tIns="54000" bIns="54000">
+          <a:bodyPr lIns="99000" tIns="54000" rIns="99000" bIns="54000">
             <a:noAutofit/>
           </a:bodyPr>
+          <a:lstStyle/>
           <a:p>
             <a:pPr algn="ctr">
               <a:lnSpc>
@@ -6649,7 +7876,7 @@
               </a:lnSpc>
             </a:pPr>
             <a:r>
-              <a:rPr b="0" lang="en-US" sz="1400" spc="-1" strike="noStrike">
+              <a:rPr lang="en-US" sz="1400" b="0" strike="noStrike" spc="-1">
                 <a:solidFill>
                   <a:srgbClr val="000000"/>
                 </a:solidFill>
@@ -6658,7 +7885,7 @@
               </a:rPr>
               <a:t>Quantum Capstone</a:t>
             </a:r>
-            <a:endParaRPr b="0" lang="en-US" sz="1400" spc="-1" strike="noStrike">
+            <a:endParaRPr lang="en-US" sz="1400" b="0" strike="noStrike" spc="-1">
               <a:latin typeface="Arial"/>
             </a:endParaRPr>
           </a:p>
@@ -6680,15 +7907,21 @@
           </a:prstGeom>
           <a:ln w="0">
             <a:solidFill>
-              <a:srgbClr val="3465a4"/>
+              <a:srgbClr val="3465A4"/>
             </a:solidFill>
-            <a:tailEnd len="med" type="triangle" w="med"/>
+            <a:tailEnd type="triangle" w="med" len="med"/>
           </a:ln>
         </p:spPr>
         <p:style>
-          <a:lnRef idx="0"/>
-          <a:fillRef idx="0"/>
-          <a:effectRef idx="0"/>
+          <a:lnRef idx="0">
+            <a:scrgbClr r="0" g="0" b="0"/>
+          </a:lnRef>
+          <a:fillRef idx="0">
+            <a:scrgbClr r="0" g="0" b="0"/>
+          </a:fillRef>
+          <a:effectRef idx="0">
+            <a:scrgbClr r="0" g="0" b="0"/>
+          </a:effectRef>
           <a:fontRef idx="minor"/>
         </p:style>
       </p:sp>
@@ -6708,15 +7941,21 @@
           </a:prstGeom>
           <a:ln w="0">
             <a:solidFill>
-              <a:srgbClr val="3465a4"/>
+              <a:srgbClr val="3465A4"/>
             </a:solidFill>
-            <a:tailEnd len="med" type="triangle" w="med"/>
+            <a:tailEnd type="triangle" w="med" len="med"/>
           </a:ln>
         </p:spPr>
         <p:style>
-          <a:lnRef idx="0"/>
-          <a:fillRef idx="0"/>
-          <a:effectRef idx="0"/>
+          <a:lnRef idx="0">
+            <a:scrgbClr r="0" g="0" b="0"/>
+          </a:lnRef>
+          <a:fillRef idx="0">
+            <a:scrgbClr r="0" g="0" b="0"/>
+          </a:fillRef>
+          <a:effectRef idx="0">
+            <a:scrgbClr r="0" g="0" b="0"/>
+          </a:effectRef>
           <a:fontRef idx="minor"/>
         </p:style>
       </p:sp>
@@ -6736,15 +7975,21 @@
           </a:prstGeom>
           <a:ln w="0">
             <a:solidFill>
-              <a:srgbClr val="3465a4"/>
+              <a:srgbClr val="3465A4"/>
             </a:solidFill>
-            <a:tailEnd len="med" type="triangle" w="med"/>
+            <a:tailEnd type="triangle" w="med" len="med"/>
           </a:ln>
         </p:spPr>
         <p:style>
-          <a:lnRef idx="0"/>
-          <a:fillRef idx="0"/>
-          <a:effectRef idx="0"/>
+          <a:lnRef idx="0">
+            <a:scrgbClr r="0" g="0" b="0"/>
+          </a:lnRef>
+          <a:fillRef idx="0">
+            <a:scrgbClr r="0" g="0" b="0"/>
+          </a:fillRef>
+          <a:effectRef idx="0">
+            <a:scrgbClr r="0" g="0" b="0"/>
+          </a:effectRef>
           <a:fontRef idx="minor"/>
         </p:style>
       </p:sp>
@@ -6764,15 +8009,21 @@
           </a:prstGeom>
           <a:ln w="0">
             <a:solidFill>
-              <a:srgbClr val="3465a4"/>
+              <a:srgbClr val="3465A4"/>
             </a:solidFill>
-            <a:tailEnd len="med" type="triangle" w="med"/>
+            <a:tailEnd type="triangle" w="med" len="med"/>
           </a:ln>
         </p:spPr>
         <p:style>
-          <a:lnRef idx="0"/>
-          <a:fillRef idx="0"/>
-          <a:effectRef idx="0"/>
+          <a:lnRef idx="0">
+            <a:scrgbClr r="0" g="0" b="0"/>
+          </a:lnRef>
+          <a:fillRef idx="0">
+            <a:scrgbClr r="0" g="0" b="0"/>
+          </a:fillRef>
+          <a:effectRef idx="0">
+            <a:scrgbClr r="0" g="0" b="0"/>
+          </a:effectRef>
           <a:fontRef idx="minor"/>
         </p:style>
       </p:sp>
@@ -6793,21 +8044,28 @@
           <a:noFill/>
           <a:ln w="18360">
             <a:solidFill>
-              <a:srgbClr val="0000ff"/>
+              <a:srgbClr val="0000FF"/>
             </a:solidFill>
             <a:round/>
           </a:ln>
         </p:spPr>
         <p:style>
-          <a:lnRef idx="0"/>
-          <a:fillRef idx="0"/>
-          <a:effectRef idx="0"/>
+          <a:lnRef idx="0">
+            <a:scrgbClr r="0" g="0" b="0"/>
+          </a:lnRef>
+          <a:fillRef idx="0">
+            <a:scrgbClr r="0" g="0" b="0"/>
+          </a:fillRef>
+          <a:effectRef idx="0">
+            <a:scrgbClr r="0" g="0" b="0"/>
+          </a:effectRef>
           <a:fontRef idx="minor"/>
         </p:style>
         <p:txBody>
-          <a:bodyPr lIns="99000" rIns="99000" tIns="54000" bIns="54000">
+          <a:bodyPr lIns="99000" tIns="54000" rIns="99000" bIns="54000">
             <a:noAutofit/>
           </a:bodyPr>
+          <a:lstStyle/>
           <a:p>
             <a:pPr algn="ctr">
               <a:lnSpc>
@@ -6815,9 +8073,9 @@
               </a:lnSpc>
             </a:pPr>
             <a:r>
-              <a:rPr b="0" lang="en-US" sz="1400" spc="-1" strike="noStrike" u="sng">
+              <a:rPr lang="en-US" sz="1400" b="0" u="sng" strike="noStrike" spc="-1">
                 <a:solidFill>
-                  <a:srgbClr val="0000ff"/>
+                  <a:srgbClr val="0000FF"/>
                 </a:solidFill>
                 <a:uFillTx/>
                 <a:latin typeface="Arial"/>
@@ -6826,16 +8084,16 @@
               <a:t>Q-Sensing Labs</a:t>
             </a:r>
             <a:r>
-              <a:rPr b="0" lang="en-US" sz="1400" spc="-1" strike="noStrike">
+              <a:rPr lang="en-US" sz="1400" b="0" strike="noStrike" spc="-1">
                 <a:solidFill>
-                  <a:srgbClr val="0000ff"/>
+                  <a:srgbClr val="0000FF"/>
                 </a:solidFill>
                 <a:latin typeface="Arial"/>
                 <a:ea typeface="DejaVu Sans"/>
               </a:rPr>
               <a:t>:</a:t>
             </a:r>
-            <a:endParaRPr b="0" lang="en-US" sz="1400" spc="-1" strike="noStrike">
+            <a:endParaRPr lang="en-US" sz="1400" b="0" strike="noStrike" spc="-1">
               <a:latin typeface="Arial"/>
             </a:endParaRPr>
           </a:p>
@@ -6845,22 +8103,22 @@
                 <a:spcPct val="100000"/>
               </a:lnSpc>
               <a:buClr>
-                <a:srgbClr val="0000ff"/>
+                <a:srgbClr val="0000FF"/>
               </a:buClr>
               <a:buFont typeface="StarSymbol"/>
               <a:buAutoNum type="arabicParenR"/>
             </a:pPr>
             <a:r>
-              <a:rPr b="0" lang="en-US" sz="1400" spc="-1" strike="noStrike">
+              <a:rPr lang="en-US" sz="1400" b="0" strike="noStrike" spc="-1">
                 <a:solidFill>
-                  <a:srgbClr val="0000ff"/>
+                  <a:srgbClr val="0000FF"/>
                 </a:solidFill>
                 <a:latin typeface="Arial"/>
                 <a:ea typeface="DejaVu Sans"/>
               </a:rPr>
               <a:t>Quantum Magnetometry</a:t>
             </a:r>
-            <a:endParaRPr b="0" lang="en-US" sz="1400" spc="-1" strike="noStrike">
+            <a:endParaRPr lang="en-US" sz="1400" b="0" strike="noStrike" spc="-1">
               <a:latin typeface="Arial"/>
             </a:endParaRPr>
           </a:p>
@@ -6870,22 +8128,22 @@
                 <a:spcPct val="100000"/>
               </a:lnSpc>
               <a:buClr>
-                <a:srgbClr val="0000ff"/>
+                <a:srgbClr val="0000FF"/>
               </a:buClr>
               <a:buFont typeface="StarSymbol"/>
               <a:buAutoNum type="arabicParenR"/>
             </a:pPr>
             <a:r>
-              <a:rPr b="0" lang="en-US" sz="1400" spc="-1" strike="noStrike">
+              <a:rPr lang="en-US" sz="1400" b="0" strike="noStrike" spc="-1">
                 <a:solidFill>
-                  <a:srgbClr val="0000ff"/>
+                  <a:srgbClr val="0000FF"/>
                 </a:solidFill>
                 <a:latin typeface="Arial"/>
                 <a:ea typeface="DejaVu Sans"/>
               </a:rPr>
               <a:t>Ghost Imaging</a:t>
             </a:r>
-            <a:endParaRPr b="0" lang="en-US" sz="1400" spc="-1" strike="noStrike">
+            <a:endParaRPr lang="en-US" sz="1400" b="0" strike="noStrike" spc="-1">
               <a:latin typeface="Arial"/>
             </a:endParaRPr>
           </a:p>
@@ -6895,22 +8153,22 @@
                 <a:spcPct val="100000"/>
               </a:lnSpc>
               <a:buClr>
-                <a:srgbClr val="0000ff"/>
+                <a:srgbClr val="0000FF"/>
               </a:buClr>
               <a:buFont typeface="StarSymbol"/>
               <a:buAutoNum type="arabicParenR"/>
             </a:pPr>
             <a:r>
-              <a:rPr b="0" lang="en-US" sz="1400" spc="-1" strike="noStrike">
+              <a:rPr lang="en-US" sz="1400" b="0" strike="noStrike" spc="-1">
                 <a:solidFill>
-                  <a:srgbClr val="0000ff"/>
+                  <a:srgbClr val="0000FF"/>
                 </a:solidFill>
                 <a:latin typeface="Arial"/>
                 <a:ea typeface="DejaVu Sans"/>
               </a:rPr>
               <a:t>Ghost Spectroscopy</a:t>
             </a:r>
-            <a:endParaRPr b="0" lang="en-US" sz="1400" spc="-1" strike="noStrike">
+            <a:endParaRPr lang="en-US" sz="1400" b="0" strike="noStrike" spc="-1">
               <a:latin typeface="Arial"/>
             </a:endParaRPr>
           </a:p>
@@ -6920,22 +8178,22 @@
                 <a:spcPct val="100000"/>
               </a:lnSpc>
               <a:buClr>
-                <a:srgbClr val="0000ff"/>
+                <a:srgbClr val="0000FF"/>
               </a:buClr>
               <a:buFont typeface="StarSymbol"/>
               <a:buAutoNum type="arabicParenR"/>
             </a:pPr>
             <a:r>
-              <a:rPr b="0" lang="en-US" sz="1400" spc="-1" strike="noStrike">
+              <a:rPr lang="en-US" sz="1400" b="0" strike="noStrike" spc="-1">
                 <a:solidFill>
-                  <a:srgbClr val="0000ff"/>
+                  <a:srgbClr val="0000FF"/>
                 </a:solidFill>
                 <a:latin typeface="Arial"/>
                 <a:ea typeface="DejaVu Sans"/>
               </a:rPr>
               <a:t>Non-Line-of-Sight Imaging</a:t>
             </a:r>
-            <a:endParaRPr b="0" lang="en-US" sz="1400" spc="-1" strike="noStrike">
+            <a:endParaRPr lang="en-US" sz="1400" b="0" strike="noStrike" spc="-1">
               <a:latin typeface="Arial"/>
             </a:endParaRPr>
           </a:p>
@@ -6945,22 +8203,22 @@
                 <a:spcPct val="100000"/>
               </a:lnSpc>
               <a:buClr>
-                <a:srgbClr val="0000ff"/>
+                <a:srgbClr val="0000FF"/>
               </a:buClr>
               <a:buFont typeface="StarSymbol"/>
               <a:buAutoNum type="arabicParenR"/>
             </a:pPr>
             <a:r>
-              <a:rPr b="0" lang="en-US" sz="1400" spc="-1" strike="noStrike">
+              <a:rPr lang="en-US" sz="1400" b="0" strike="noStrike" spc="-1">
                 <a:solidFill>
-                  <a:srgbClr val="0000ff"/>
+                  <a:srgbClr val="0000FF"/>
                 </a:solidFill>
                 <a:latin typeface="Arial"/>
                 <a:ea typeface="DejaVu Sans"/>
               </a:rPr>
               <a:t>Quantum Squeezing</a:t>
             </a:r>
-            <a:endParaRPr b="0" lang="en-US" sz="1400" spc="-1" strike="noStrike">
+            <a:endParaRPr lang="en-US" sz="1400" b="0" strike="noStrike" spc="-1">
               <a:latin typeface="Arial"/>
             </a:endParaRPr>
           </a:p>
@@ -6970,22 +8228,22 @@
                 <a:spcPct val="100000"/>
               </a:lnSpc>
               <a:buClr>
-                <a:srgbClr val="0000ff"/>
+                <a:srgbClr val="0000FF"/>
               </a:buClr>
               <a:buFont typeface="StarSymbol"/>
               <a:buAutoNum type="arabicParenR"/>
             </a:pPr>
             <a:r>
-              <a:rPr b="0" lang="en-US" sz="1400" spc="-1" strike="noStrike">
+              <a:rPr lang="en-US" sz="1400" b="0" strike="noStrike" spc="-1">
                 <a:solidFill>
-                  <a:srgbClr val="0000ff"/>
+                  <a:srgbClr val="0000FF"/>
                 </a:solidFill>
                 <a:latin typeface="Arial"/>
                 <a:ea typeface="DejaVu Sans"/>
               </a:rPr>
               <a:t>Quantum Gravimetry Inversion</a:t>
             </a:r>
-            <a:endParaRPr b="0" lang="en-US" sz="1400" spc="-1" strike="noStrike">
+            <a:endParaRPr lang="en-US" sz="1400" b="0" strike="noStrike" spc="-1">
               <a:latin typeface="Arial"/>
             </a:endParaRPr>
           </a:p>
@@ -7007,29 +8265,126 @@
           </a:prstGeom>
           <a:ln w="0">
             <a:solidFill>
-              <a:srgbClr val="3465a4"/>
+              <a:srgbClr val="3465A4"/>
             </a:solidFill>
-            <a:headEnd len="med" type="triangle" w="med"/>
-            <a:tailEnd len="med" type="triangle" w="med"/>
+            <a:headEnd type="triangle" w="med" len="med"/>
+            <a:tailEnd type="triangle" w="med" len="med"/>
           </a:ln>
         </p:spPr>
         <p:style>
-          <a:lnRef idx="0"/>
-          <a:fillRef idx="0"/>
-          <a:effectRef idx="0"/>
+          <a:lnRef idx="0">
+            <a:scrgbClr r="0" g="0" b="0"/>
+          </a:lnRef>
+          <a:fillRef idx="0">
+            <a:scrgbClr r="0" g="0" b="0"/>
+          </a:fillRef>
+          <a:effectRef idx="0">
+            <a:scrgbClr r="0" g="0" b="0"/>
+          </a:effectRef>
           <a:fontRef idx="minor"/>
         </p:style>
       </p:sp>
+      <p:sp>
+        <p:nvSpPr>
+          <p:cNvPr id="2" name="TextBox 1">
+            <a:extLst>
+              <a:ext uri="{FF2B5EF4-FFF2-40B4-BE49-F238E27FC236}">
+                <a16:creationId xmlns:a16="http://schemas.microsoft.com/office/drawing/2014/main" id="{609B99E5-E414-E983-3465-470640691EBE}"/>
+              </a:ext>
+            </a:extLst>
+          </p:cNvPr>
+          <p:cNvSpPr txBox="1"/>
+          <p:nvPr/>
+        </p:nvSpPr>
+        <p:spPr>
+          <a:xfrm>
+            <a:off x="457200" y="4207153"/>
+            <a:ext cx="1157591" cy="1384995"/>
+          </a:xfrm>
+          <a:prstGeom prst="rect">
+            <a:avLst/>
+          </a:prstGeom>
+          <a:noFill/>
+        </p:spPr>
+        <p:txBody>
+          <a:bodyPr wrap="square" rtlCol="0">
+            <a:spAutoFit/>
+          </a:bodyPr>
+          <a:lstStyle/>
+          <a:p>
+            <a:r>
+              <a:rPr lang="en-US" sz="1200" dirty="0">
+                <a:solidFill>
+                  <a:srgbClr val="FF0000"/>
+                </a:solidFill>
+              </a:rPr>
+              <a:t>COSC 210</a:t>
+            </a:r>
+          </a:p>
+          <a:p>
+            <a:r>
+              <a:rPr lang="en-US" sz="1200" dirty="0">
+                <a:solidFill>
+                  <a:srgbClr val="FF0000"/>
+                </a:solidFill>
+              </a:rPr>
+              <a:t>COSC 215</a:t>
+            </a:r>
+          </a:p>
+          <a:p>
+            <a:r>
+              <a:rPr lang="en-US" sz="1200" dirty="0">
+                <a:solidFill>
+                  <a:srgbClr val="FF0000"/>
+                </a:solidFill>
+              </a:rPr>
+              <a:t>COSC 310</a:t>
+            </a:r>
+          </a:p>
+          <a:p>
+            <a:r>
+              <a:rPr lang="en-US" sz="1200" dirty="0">
+                <a:solidFill>
+                  <a:srgbClr val="FF0000"/>
+                </a:solidFill>
+              </a:rPr>
+              <a:t>COSC 315</a:t>
+            </a:r>
+          </a:p>
+          <a:p>
+            <a:r>
+              <a:rPr lang="en-US" sz="1200" dirty="0">
+                <a:solidFill>
+                  <a:srgbClr val="FF0000"/>
+                </a:solidFill>
+              </a:rPr>
+              <a:t>COSC 410</a:t>
+            </a:r>
+          </a:p>
+          <a:p>
+            <a:r>
+              <a:rPr lang="en-US" sz="1200" dirty="0">
+                <a:solidFill>
+                  <a:srgbClr val="FF0000"/>
+                </a:solidFill>
+              </a:rPr>
+              <a:t>COSC 415</a:t>
+            </a:r>
+          </a:p>
+          <a:p>
+            <a:endParaRPr lang="en-US" sz="1200" dirty="0">
+              <a:solidFill>
+                <a:srgbClr val="FF0000"/>
+              </a:solidFill>
+            </a:endParaRPr>
+          </a:p>
+        </p:txBody>
+      </p:sp>
     </p:spTree>
   </p:cSld>
-  <mc:AlternateContent>
-    <mc:Choice Requires="p14">
-      <p:transition spd="slow" p14:dur="2000"/>
-    </mc:Choice>
-    <mc:Fallback>
-      <p:transition spd="slow"/>
-    </mc:Fallback>
-  </mc:AlternateContent>
+  <p:clrMapOvr>
+    <a:masterClrMapping/>
+  </p:clrMapOvr>
 </p:sld>
 </file>
 
@@ -7044,31 +8399,31 @@
         <a:sysClr val="window" lastClr="FFFFFF"/>
       </a:lt1>
       <a:dk2>
-        <a:srgbClr val="1f497d"/>
+        <a:srgbClr val="1F497D"/>
       </a:dk2>
       <a:lt2>
-        <a:srgbClr val="eeece1"/>
+        <a:srgbClr val="EEECE1"/>
       </a:lt2>
       <a:accent1>
-        <a:srgbClr val="4f81bd"/>
+        <a:srgbClr val="4F81BD"/>
       </a:accent1>
       <a:accent2>
-        <a:srgbClr val="c0504d"/>
+        <a:srgbClr val="C0504D"/>
       </a:accent2>
       <a:accent3>
-        <a:srgbClr val="9bbb59"/>
+        <a:srgbClr val="9BBB59"/>
       </a:accent3>
       <a:accent4>
-        <a:srgbClr val="8064a2"/>
+        <a:srgbClr val="8064A2"/>
       </a:accent4>
       <a:accent5>
-        <a:srgbClr val="4bacc6"/>
+        <a:srgbClr val="4BACC6"/>
       </a:accent5>
       <a:accent6>
-        <a:srgbClr val="f79646"/>
+        <a:srgbClr val="F79646"/>
       </a:accent6>
       <a:hlink>
-        <a:srgbClr val="0000ff"/>
+        <a:srgbClr val="0000FF"/>
       </a:hlink>
       <a:folHlink>
         <a:srgbClr val="800080"/>
@@ -7256,6 +8611,8 @@
       </a:bgFillStyleLst>
     </a:fmtScheme>
   </a:themeElements>
+  <a:objectDefaults/>
+  <a:extraClrSchemeLst/>
 </a:theme>
 </file>
 
@@ -7270,31 +8627,31 @@
         <a:sysClr val="window" lastClr="FFFFFF"/>
       </a:lt1>
       <a:dk2>
-        <a:srgbClr val="1f497d"/>
+        <a:srgbClr val="1F497D"/>
       </a:dk2>
       <a:lt2>
-        <a:srgbClr val="eeece1"/>
+        <a:srgbClr val="EEECE1"/>
       </a:lt2>
       <a:accent1>
-        <a:srgbClr val="4f81bd"/>
+        <a:srgbClr val="4F81BD"/>
       </a:accent1>
       <a:accent2>
-        <a:srgbClr val="c0504d"/>
+        <a:srgbClr val="C0504D"/>
       </a:accent2>
       <a:accent3>
-        <a:srgbClr val="9bbb59"/>
+        <a:srgbClr val="9BBB59"/>
       </a:accent3>
       <a:accent4>
-        <a:srgbClr val="8064a2"/>
+        <a:srgbClr val="8064A2"/>
       </a:accent4>
       <a:accent5>
-        <a:srgbClr val="4bacc6"/>
+        <a:srgbClr val="4BACC6"/>
       </a:accent5>
       <a:accent6>
-        <a:srgbClr val="f79646"/>
+        <a:srgbClr val="F79646"/>
       </a:accent6>
       <a:hlink>
-        <a:srgbClr val="0000ff"/>
+        <a:srgbClr val="0000FF"/>
       </a:hlink>
       <a:folHlink>
         <a:srgbClr val="800080"/>
@@ -7482,5 +8839,7 @@
       </a:bgFillStyleLst>
     </a:fmtScheme>
   </a:themeElements>
+  <a:objectDefaults/>
+  <a:extraClrSchemeLst/>
 </a:theme>
 </file>